--- a/学生手册逻辑模型_2017级第三组.pptx
+++ b/学生手册逻辑模型_2017级第三组.pptx
@@ -1138,6 +1138,13 @@
     <dgm:pt modelId="{78F3816B-434E-46D4-9177-1D9E27FA4FB3}" type="pres">
       <dgm:prSet presAssocID="{6E702B1F-914D-40EF-9A50-E5814BA020EC}" presName="bkgdShape" presStyleLbl="node1" presStyleIdx="0" presStyleCnt="4"/>
       <dgm:spPr/>
+      <dgm:t>
+        <a:bodyPr/>
+        <a:lstStyle/>
+        <a:p>
+          <a:endParaRPr lang="zh-CN" altLang="en-US"/>
+        </a:p>
+      </dgm:t>
     </dgm:pt>
     <dgm:pt modelId="{43ADFF75-EBF5-4449-AAC6-D658025C6A84}" type="pres">
       <dgm:prSet presAssocID="{6E702B1F-914D-40EF-9A50-E5814BA020EC}" presName="nodeTx" presStyleLbl="node1" presStyleIdx="0" presStyleCnt="4">
@@ -1146,6 +1153,13 @@
         </dgm:presLayoutVars>
       </dgm:prSet>
       <dgm:spPr/>
+      <dgm:t>
+        <a:bodyPr/>
+        <a:lstStyle/>
+        <a:p>
+          <a:endParaRPr lang="zh-CN" altLang="en-US"/>
+        </a:p>
+      </dgm:t>
     </dgm:pt>
     <dgm:pt modelId="{62F68E8A-C5B1-4290-B6DB-F57F5EABAA53}" type="pres">
       <dgm:prSet presAssocID="{6E702B1F-914D-40EF-9A50-E5814BA020EC}" presName="invisiNode" presStyleLbl="node1" presStyleIdx="0" presStyleCnt="4"/>
@@ -1158,6 +1172,13 @@
     <dgm:pt modelId="{EADD3FDF-930A-45D5-9FFE-EB8B9DF34BF1}" type="pres">
       <dgm:prSet presAssocID="{4997A14A-5CE9-4553-899F-19071CE6BC1B}" presName="sibTrans" presStyleLbl="sibTrans2D1" presStyleIdx="0" presStyleCnt="0"/>
       <dgm:spPr/>
+      <dgm:t>
+        <a:bodyPr/>
+        <a:lstStyle/>
+        <a:p>
+          <a:endParaRPr lang="zh-CN" altLang="en-US"/>
+        </a:p>
+      </dgm:t>
     </dgm:pt>
     <dgm:pt modelId="{6933BF99-6493-4B68-8D53-41366193462C}" type="pres">
       <dgm:prSet presAssocID="{7B5A7269-508B-4A68-A2B5-F1136EFD8ED1}" presName="compNode" presStyleCnt="0"/>
@@ -1166,6 +1187,13 @@
     <dgm:pt modelId="{BE4BEAD8-8D94-44B9-B847-567C15820B3D}" type="pres">
       <dgm:prSet presAssocID="{7B5A7269-508B-4A68-A2B5-F1136EFD8ED1}" presName="bkgdShape" presStyleLbl="node1" presStyleIdx="1" presStyleCnt="4"/>
       <dgm:spPr/>
+      <dgm:t>
+        <a:bodyPr/>
+        <a:lstStyle/>
+        <a:p>
+          <a:endParaRPr lang="zh-CN" altLang="en-US"/>
+        </a:p>
+      </dgm:t>
     </dgm:pt>
     <dgm:pt modelId="{3B36D75D-FF93-4F03-9AAA-77C195D6A066}" type="pres">
       <dgm:prSet presAssocID="{7B5A7269-508B-4A68-A2B5-F1136EFD8ED1}" presName="nodeTx" presStyleLbl="node1" presStyleIdx="1" presStyleCnt="4">
@@ -1174,6 +1202,13 @@
         </dgm:presLayoutVars>
       </dgm:prSet>
       <dgm:spPr/>
+      <dgm:t>
+        <a:bodyPr/>
+        <a:lstStyle/>
+        <a:p>
+          <a:endParaRPr lang="zh-CN" altLang="en-US"/>
+        </a:p>
+      </dgm:t>
     </dgm:pt>
     <dgm:pt modelId="{6C4D97C5-9980-4265-8D62-1CB7E2ABC90A}" type="pres">
       <dgm:prSet presAssocID="{7B5A7269-508B-4A68-A2B5-F1136EFD8ED1}" presName="invisiNode" presStyleLbl="node1" presStyleIdx="1" presStyleCnt="4"/>
@@ -1186,6 +1221,13 @@
     <dgm:pt modelId="{0866DD5C-7501-4C5F-9A29-881AF4FB0E00}" type="pres">
       <dgm:prSet presAssocID="{5719E05E-3431-4648-B8C4-702EEC9D34FA}" presName="sibTrans" presStyleLbl="sibTrans2D1" presStyleIdx="0" presStyleCnt="0"/>
       <dgm:spPr/>
+      <dgm:t>
+        <a:bodyPr/>
+        <a:lstStyle/>
+        <a:p>
+          <a:endParaRPr lang="zh-CN" altLang="en-US"/>
+        </a:p>
+      </dgm:t>
     </dgm:pt>
     <dgm:pt modelId="{30E6B541-5D1B-428F-85B4-7DA045D9F7B3}" type="pres">
       <dgm:prSet presAssocID="{147DDAC1-926C-42A8-B19D-C73E6806C9D1}" presName="compNode" presStyleCnt="0"/>
@@ -1194,6 +1236,13 @@
     <dgm:pt modelId="{FE294E79-72D9-4E8D-A0DD-ADDC346ED08C}" type="pres">
       <dgm:prSet presAssocID="{147DDAC1-926C-42A8-B19D-C73E6806C9D1}" presName="bkgdShape" presStyleLbl="node1" presStyleIdx="2" presStyleCnt="4"/>
       <dgm:spPr/>
+      <dgm:t>
+        <a:bodyPr/>
+        <a:lstStyle/>
+        <a:p>
+          <a:endParaRPr lang="zh-CN" altLang="en-US"/>
+        </a:p>
+      </dgm:t>
     </dgm:pt>
     <dgm:pt modelId="{39DE1138-A2A9-441F-BE4D-DFA072A57A20}" type="pres">
       <dgm:prSet presAssocID="{147DDAC1-926C-42A8-B19D-C73E6806C9D1}" presName="nodeTx" presStyleLbl="node1" presStyleIdx="2" presStyleCnt="4">
@@ -1202,6 +1251,13 @@
         </dgm:presLayoutVars>
       </dgm:prSet>
       <dgm:spPr/>
+      <dgm:t>
+        <a:bodyPr/>
+        <a:lstStyle/>
+        <a:p>
+          <a:endParaRPr lang="zh-CN" altLang="en-US"/>
+        </a:p>
+      </dgm:t>
     </dgm:pt>
     <dgm:pt modelId="{C60B8241-8421-429E-8603-3E64CFF6F038}" type="pres">
       <dgm:prSet presAssocID="{147DDAC1-926C-42A8-B19D-C73E6806C9D1}" presName="invisiNode" presStyleLbl="node1" presStyleIdx="2" presStyleCnt="4"/>
@@ -1214,6 +1270,13 @@
     <dgm:pt modelId="{CCB55928-FE19-44C2-AFF7-A80FE8DFAC31}" type="pres">
       <dgm:prSet presAssocID="{66B2749C-A5C9-4A13-9CB0-4349688B6A81}" presName="sibTrans" presStyleLbl="sibTrans2D1" presStyleIdx="0" presStyleCnt="0"/>
       <dgm:spPr/>
+      <dgm:t>
+        <a:bodyPr/>
+        <a:lstStyle/>
+        <a:p>
+          <a:endParaRPr lang="zh-CN" altLang="en-US"/>
+        </a:p>
+      </dgm:t>
     </dgm:pt>
     <dgm:pt modelId="{96F32F07-2250-45D6-BE5A-104CC565EA2E}" type="pres">
       <dgm:prSet presAssocID="{A91B0FDA-B48F-4737-B8C6-AB55BF35CBF2}" presName="compNode" presStyleCnt="0"/>
@@ -1222,6 +1285,13 @@
     <dgm:pt modelId="{EDB55B98-9D5D-4519-8928-5727FFB279DC}" type="pres">
       <dgm:prSet presAssocID="{A91B0FDA-B48F-4737-B8C6-AB55BF35CBF2}" presName="bkgdShape" presStyleLbl="node1" presStyleIdx="3" presStyleCnt="4"/>
       <dgm:spPr/>
+      <dgm:t>
+        <a:bodyPr/>
+        <a:lstStyle/>
+        <a:p>
+          <a:endParaRPr lang="zh-CN" altLang="en-US"/>
+        </a:p>
+      </dgm:t>
     </dgm:pt>
     <dgm:pt modelId="{3D1F61CE-3618-460C-8CAF-9B134828FD42}" type="pres">
       <dgm:prSet presAssocID="{A91B0FDA-B48F-4737-B8C6-AB55BF35CBF2}" presName="nodeTx" presStyleLbl="node1" presStyleIdx="3" presStyleCnt="4">
@@ -1230,6 +1300,13 @@
         </dgm:presLayoutVars>
       </dgm:prSet>
       <dgm:spPr/>
+      <dgm:t>
+        <a:bodyPr/>
+        <a:lstStyle/>
+        <a:p>
+          <a:endParaRPr lang="zh-CN" altLang="en-US"/>
+        </a:p>
+      </dgm:t>
     </dgm:pt>
     <dgm:pt modelId="{33DA97E7-A123-4F99-A7A7-F6F5674444EC}" type="pres">
       <dgm:prSet presAssocID="{A91B0FDA-B48F-4737-B8C6-AB55BF35CBF2}" presName="invisiNode" presStyleLbl="node1" presStyleIdx="3" presStyleCnt="4"/>
@@ -1241,22 +1318,22 @@
     </dgm:pt>
   </dgm:ptLst>
   <dgm:cxnLst>
+    <dgm:cxn modelId="{B8C47B6F-352C-44B9-8021-CC64E2AC80CF}" type="presOf" srcId="{7B5A7269-508B-4A68-A2B5-F1136EFD8ED1}" destId="{3B36D75D-FF93-4F03-9AAA-77C195D6A066}" srcOrd="1" destOrd="0" presId="urn:microsoft.com/office/officeart/2005/8/layout/hList7"/>
+    <dgm:cxn modelId="{D62B629B-0ABB-4710-9AA0-EFCF465D0D0C}" srcId="{DC02156D-D8FF-44D6-A2BA-2E578D3291E3}" destId="{A91B0FDA-B48F-4737-B8C6-AB55BF35CBF2}" srcOrd="3" destOrd="0" parTransId="{602AC4B6-8CF9-46D1-BAF4-2A5A7C67311F}" sibTransId="{998A1131-D569-4867-974F-EFAE81D8EC49}"/>
+    <dgm:cxn modelId="{3533DA05-A160-4F27-84A7-F5D2C193BFFA}" srcId="{DC02156D-D8FF-44D6-A2BA-2E578D3291E3}" destId="{7B5A7269-508B-4A68-A2B5-F1136EFD8ED1}" srcOrd="1" destOrd="0" parTransId="{13C0054D-C96F-4CC9-9089-FEB6D9E265AD}" sibTransId="{5719E05E-3431-4648-B8C4-702EEC9D34FA}"/>
+    <dgm:cxn modelId="{62D7488A-238E-4307-ABD6-BAF06D7A4D67}" type="presOf" srcId="{147DDAC1-926C-42A8-B19D-C73E6806C9D1}" destId="{39DE1138-A2A9-441F-BE4D-DFA072A57A20}" srcOrd="1" destOrd="0" presId="urn:microsoft.com/office/officeart/2005/8/layout/hList7"/>
+    <dgm:cxn modelId="{3FC78B7B-B753-4728-84B0-52B7437D0CBD}" srcId="{DC02156D-D8FF-44D6-A2BA-2E578D3291E3}" destId="{6E702B1F-914D-40EF-9A50-E5814BA020EC}" srcOrd="0" destOrd="0" parTransId="{7A1180A1-EC52-4AEE-AF40-B71328850B08}" sibTransId="{4997A14A-5CE9-4553-899F-19071CE6BC1B}"/>
     <dgm:cxn modelId="{E98C4FD8-1FDC-4E7C-9D53-931DC5558617}" srcId="{DC02156D-D8FF-44D6-A2BA-2E578D3291E3}" destId="{147DDAC1-926C-42A8-B19D-C73E6806C9D1}" srcOrd="2" destOrd="0" parTransId="{74F80458-9A81-4212-94C0-CD3E4D1011A0}" sibTransId="{66B2749C-A5C9-4A13-9CB0-4349688B6A81}"/>
+    <dgm:cxn modelId="{A4BFDEAA-FE05-4377-812B-BF17A330090B}" type="presOf" srcId="{A91B0FDA-B48F-4737-B8C6-AB55BF35CBF2}" destId="{EDB55B98-9D5D-4519-8928-5727FFB279DC}" srcOrd="0" destOrd="0" presId="urn:microsoft.com/office/officeart/2005/8/layout/hList7"/>
+    <dgm:cxn modelId="{40441006-6142-49A5-979A-CB1E12FA2D70}" type="presOf" srcId="{4997A14A-5CE9-4553-899F-19071CE6BC1B}" destId="{EADD3FDF-930A-45D5-9FFE-EB8B9DF34BF1}" srcOrd="0" destOrd="0" presId="urn:microsoft.com/office/officeart/2005/8/layout/hList7"/>
+    <dgm:cxn modelId="{5E90A2ED-418C-44BB-9C4B-2BC3826DCC3A}" type="presOf" srcId="{147DDAC1-926C-42A8-B19D-C73E6806C9D1}" destId="{FE294E79-72D9-4E8D-A0DD-ADDC346ED08C}" srcOrd="0" destOrd="0" presId="urn:microsoft.com/office/officeart/2005/8/layout/hList7"/>
+    <dgm:cxn modelId="{60FCF2D9-0632-4A5D-8C1C-51FF2AD2FE3F}" type="presOf" srcId="{66B2749C-A5C9-4A13-9CB0-4349688B6A81}" destId="{CCB55928-FE19-44C2-AFF7-A80FE8DFAC31}" srcOrd="0" destOrd="0" presId="urn:microsoft.com/office/officeart/2005/8/layout/hList7"/>
+    <dgm:cxn modelId="{CF2ED3B7-EF5D-4DCE-A003-4A859AB2D252}" type="presOf" srcId="{6E702B1F-914D-40EF-9A50-E5814BA020EC}" destId="{78F3816B-434E-46D4-9177-1D9E27FA4FB3}" srcOrd="0" destOrd="0" presId="urn:microsoft.com/office/officeart/2005/8/layout/hList7"/>
+    <dgm:cxn modelId="{F74B9CFA-6A30-448B-930C-4ED60DA06BD5}" type="presOf" srcId="{6E702B1F-914D-40EF-9A50-E5814BA020EC}" destId="{43ADFF75-EBF5-4449-AAC6-D658025C6A84}" srcOrd="1" destOrd="0" presId="urn:microsoft.com/office/officeart/2005/8/layout/hList7"/>
     <dgm:cxn modelId="{ADC05DCA-8030-448C-BFE8-D2AF90053838}" type="presOf" srcId="{7B5A7269-508B-4A68-A2B5-F1136EFD8ED1}" destId="{BE4BEAD8-8D94-44B9-B847-567C15820B3D}" srcOrd="0" destOrd="0" presId="urn:microsoft.com/office/officeart/2005/8/layout/hList7"/>
-    <dgm:cxn modelId="{3FC78B7B-B753-4728-84B0-52B7437D0CBD}" srcId="{DC02156D-D8FF-44D6-A2BA-2E578D3291E3}" destId="{6E702B1F-914D-40EF-9A50-E5814BA020EC}" srcOrd="0" destOrd="0" parTransId="{7A1180A1-EC52-4AEE-AF40-B71328850B08}" sibTransId="{4997A14A-5CE9-4553-899F-19071CE6BC1B}"/>
-    <dgm:cxn modelId="{CF2ED3B7-EF5D-4DCE-A003-4A859AB2D252}" type="presOf" srcId="{6E702B1F-914D-40EF-9A50-E5814BA020EC}" destId="{78F3816B-434E-46D4-9177-1D9E27FA4FB3}" srcOrd="0" destOrd="0" presId="urn:microsoft.com/office/officeart/2005/8/layout/hList7"/>
-    <dgm:cxn modelId="{D62B629B-0ABB-4710-9AA0-EFCF465D0D0C}" srcId="{DC02156D-D8FF-44D6-A2BA-2E578D3291E3}" destId="{A91B0FDA-B48F-4737-B8C6-AB55BF35CBF2}" srcOrd="3" destOrd="0" parTransId="{602AC4B6-8CF9-46D1-BAF4-2A5A7C67311F}" sibTransId="{998A1131-D569-4867-974F-EFAE81D8EC49}"/>
-    <dgm:cxn modelId="{60FCF2D9-0632-4A5D-8C1C-51FF2AD2FE3F}" type="presOf" srcId="{66B2749C-A5C9-4A13-9CB0-4349688B6A81}" destId="{CCB55928-FE19-44C2-AFF7-A80FE8DFAC31}" srcOrd="0" destOrd="0" presId="urn:microsoft.com/office/officeart/2005/8/layout/hList7"/>
-    <dgm:cxn modelId="{F74B9CFA-6A30-448B-930C-4ED60DA06BD5}" type="presOf" srcId="{6E702B1F-914D-40EF-9A50-E5814BA020EC}" destId="{43ADFF75-EBF5-4449-AAC6-D658025C6A84}" srcOrd="1" destOrd="0" presId="urn:microsoft.com/office/officeart/2005/8/layout/hList7"/>
-    <dgm:cxn modelId="{62D7488A-238E-4307-ABD6-BAF06D7A4D67}" type="presOf" srcId="{147DDAC1-926C-42A8-B19D-C73E6806C9D1}" destId="{39DE1138-A2A9-441F-BE4D-DFA072A57A20}" srcOrd="1" destOrd="0" presId="urn:microsoft.com/office/officeart/2005/8/layout/hList7"/>
     <dgm:cxn modelId="{F68E8974-3963-4B50-9670-3B9BDCDE004B}" type="presOf" srcId="{5719E05E-3431-4648-B8C4-702EEC9D34FA}" destId="{0866DD5C-7501-4C5F-9A29-881AF4FB0E00}" srcOrd="0" destOrd="0" presId="urn:microsoft.com/office/officeart/2005/8/layout/hList7"/>
-    <dgm:cxn modelId="{40441006-6142-49A5-979A-CB1E12FA2D70}" type="presOf" srcId="{4997A14A-5CE9-4553-899F-19071CE6BC1B}" destId="{EADD3FDF-930A-45D5-9FFE-EB8B9DF34BF1}" srcOrd="0" destOrd="0" presId="urn:microsoft.com/office/officeart/2005/8/layout/hList7"/>
+    <dgm:cxn modelId="{2D9C1373-23BC-4705-B9AE-224E3A1509F0}" type="presOf" srcId="{DC02156D-D8FF-44D6-A2BA-2E578D3291E3}" destId="{CD8D9423-C784-4A7A-BB88-D3F1017EE21F}" srcOrd="0" destOrd="0" presId="urn:microsoft.com/office/officeart/2005/8/layout/hList7"/>
     <dgm:cxn modelId="{3D7A3BF0-010B-414D-BA2D-25DAD6129469}" type="presOf" srcId="{A91B0FDA-B48F-4737-B8C6-AB55BF35CBF2}" destId="{3D1F61CE-3618-460C-8CAF-9B134828FD42}" srcOrd="1" destOrd="0" presId="urn:microsoft.com/office/officeart/2005/8/layout/hList7"/>
-    <dgm:cxn modelId="{3533DA05-A160-4F27-84A7-F5D2C193BFFA}" srcId="{DC02156D-D8FF-44D6-A2BA-2E578D3291E3}" destId="{7B5A7269-508B-4A68-A2B5-F1136EFD8ED1}" srcOrd="1" destOrd="0" parTransId="{13C0054D-C96F-4CC9-9089-FEB6D9E265AD}" sibTransId="{5719E05E-3431-4648-B8C4-702EEC9D34FA}"/>
-    <dgm:cxn modelId="{B8C47B6F-352C-44B9-8021-CC64E2AC80CF}" type="presOf" srcId="{7B5A7269-508B-4A68-A2B5-F1136EFD8ED1}" destId="{3B36D75D-FF93-4F03-9AAA-77C195D6A066}" srcOrd="1" destOrd="0" presId="urn:microsoft.com/office/officeart/2005/8/layout/hList7"/>
-    <dgm:cxn modelId="{5E90A2ED-418C-44BB-9C4B-2BC3826DCC3A}" type="presOf" srcId="{147DDAC1-926C-42A8-B19D-C73E6806C9D1}" destId="{FE294E79-72D9-4E8D-A0DD-ADDC346ED08C}" srcOrd="0" destOrd="0" presId="urn:microsoft.com/office/officeart/2005/8/layout/hList7"/>
-    <dgm:cxn modelId="{A4BFDEAA-FE05-4377-812B-BF17A330090B}" type="presOf" srcId="{A91B0FDA-B48F-4737-B8C6-AB55BF35CBF2}" destId="{EDB55B98-9D5D-4519-8928-5727FFB279DC}" srcOrd="0" destOrd="0" presId="urn:microsoft.com/office/officeart/2005/8/layout/hList7"/>
-    <dgm:cxn modelId="{2D9C1373-23BC-4705-B9AE-224E3A1509F0}" type="presOf" srcId="{DC02156D-D8FF-44D6-A2BA-2E578D3291E3}" destId="{CD8D9423-C784-4A7A-BB88-D3F1017EE21F}" srcOrd="0" destOrd="0" presId="urn:microsoft.com/office/officeart/2005/8/layout/hList7"/>
     <dgm:cxn modelId="{A6971820-353D-49E4-BCA0-0ACE00B41060}" type="presParOf" srcId="{CD8D9423-C784-4A7A-BB88-D3F1017EE21F}" destId="{D0D94B8C-1304-4B48-A7D3-0ACF4CE586D8}" srcOrd="0" destOrd="0" presId="urn:microsoft.com/office/officeart/2005/8/layout/hList7"/>
     <dgm:cxn modelId="{11D6EEB4-31CE-4D90-8751-BA00070F1BDA}" type="presParOf" srcId="{CD8D9423-C784-4A7A-BB88-D3F1017EE21F}" destId="{35059406-8E25-4857-AD6E-059ADA50FCCD}" srcOrd="1" destOrd="0" presId="urn:microsoft.com/office/officeart/2005/8/layout/hList7"/>
     <dgm:cxn modelId="{6F22F841-23F1-410D-BD56-0B8F77B1D517}" type="presParOf" srcId="{35059406-8E25-4857-AD6E-059ADA50FCCD}" destId="{60E5DDA2-DA54-4443-82E8-A925A1049C29}" srcOrd="0" destOrd="0" presId="urn:microsoft.com/office/officeart/2005/8/layout/hList7"/>
@@ -3156,7 +3233,7 @@
           <a:p>
             <a:fld id="{F95C0167-56F1-4335-A315-FAC9FF797CF2}" type="datetimeFigureOut">
               <a:rPr lang="zh-CN" altLang="en-US" smtClean="0"/>
-              <a:t>2017/9/14</a:t>
+              <a:t>2017/9/15</a:t>
             </a:fld>
             <a:endParaRPr lang="zh-CN" altLang="en-US"/>
           </a:p>
@@ -3680,7 +3757,7 @@
             <a:fld id="{1D00F9FB-5080-5E4B-80A0-21AAAFB12036}" type="datetimeFigureOut">
               <a:rPr lang="zh-CN" altLang="en-US" smtClean="0"/>
               <a:pPr/>
-              <a:t>2017/9/14</a:t>
+              <a:t>2017/9/15</a:t>
             </a:fld>
             <a:endParaRPr lang="zh-CN" altLang="en-US"/>
           </a:p>
@@ -4004,7 +4081,7 @@
             <a:fld id="{8008DD98-D290-1944-9E3C-A008DC37D5BB}" type="datetimeFigureOut">
               <a:rPr lang="zh-CN" altLang="en-US" smtClean="0"/>
               <a:pPr/>
-              <a:t>2017/9/14</a:t>
+              <a:t>2017/9/15</a:t>
             </a:fld>
             <a:endParaRPr lang="zh-CN" altLang="en-US"/>
           </a:p>
@@ -4235,7 +4312,7 @@
             <a:fld id="{8008DD98-D290-1944-9E3C-A008DC37D5BB}" type="datetimeFigureOut">
               <a:rPr lang="zh-CN" altLang="en-US" smtClean="0"/>
               <a:pPr/>
-              <a:t>2017/9/14</a:t>
+              <a:t>2017/9/15</a:t>
             </a:fld>
             <a:endParaRPr lang="zh-CN" altLang="en-US"/>
           </a:p>
@@ -4535,7 +4612,7 @@
             <a:fld id="{8008DD98-D290-1944-9E3C-A008DC37D5BB}" type="datetimeFigureOut">
               <a:rPr lang="zh-CN" altLang="en-US" smtClean="0"/>
               <a:pPr/>
-              <a:t>2017/9/14</a:t>
+              <a:t>2017/9/15</a:t>
             </a:fld>
             <a:endParaRPr lang="zh-CN" altLang="en-US"/>
           </a:p>
@@ -4998,7 +5075,7 @@
             <a:fld id="{8008DD98-D290-1944-9E3C-A008DC37D5BB}" type="datetimeFigureOut">
               <a:rPr lang="zh-CN" altLang="en-US" smtClean="0"/>
               <a:pPr/>
-              <a:t>2017/9/14</a:t>
+              <a:t>2017/9/15</a:t>
             </a:fld>
             <a:endParaRPr lang="zh-CN" altLang="en-US"/>
           </a:p>
@@ -5583,7 +5660,7 @@
             <a:fld id="{8008DD98-D290-1944-9E3C-A008DC37D5BB}" type="datetimeFigureOut">
               <a:rPr lang="zh-CN" altLang="en-US" smtClean="0"/>
               <a:pPr/>
-              <a:t>2017/9/14</a:t>
+              <a:t>2017/9/15</a:t>
             </a:fld>
             <a:endParaRPr lang="zh-CN" altLang="en-US"/>
           </a:p>
@@ -6437,7 +6514,7 @@
             <a:fld id="{8008DD98-D290-1944-9E3C-A008DC37D5BB}" type="datetimeFigureOut">
               <a:rPr lang="zh-CN" altLang="en-US" smtClean="0"/>
               <a:pPr/>
-              <a:t>2017/9/14</a:t>
+              <a:t>2017/9/15</a:t>
             </a:fld>
             <a:endParaRPr lang="zh-CN" altLang="en-US"/>
           </a:p>
@@ -6644,7 +6721,7 @@
             <a:fld id="{8008DD98-D290-1944-9E3C-A008DC37D5BB}" type="datetimeFigureOut">
               <a:rPr lang="zh-CN" altLang="en-US" smtClean="0"/>
               <a:pPr/>
-              <a:t>2017/9/14</a:t>
+              <a:t>2017/9/15</a:t>
             </a:fld>
             <a:endParaRPr lang="zh-CN" altLang="en-US"/>
           </a:p>
@@ -6867,7 +6944,7 @@
             <a:fld id="{8008DD98-D290-1944-9E3C-A008DC37D5BB}" type="datetimeFigureOut">
               <a:rPr lang="zh-CN" altLang="en-US" smtClean="0"/>
               <a:pPr/>
-              <a:t>2017/9/14</a:t>
+              <a:t>2017/9/15</a:t>
             </a:fld>
             <a:endParaRPr lang="zh-CN" altLang="en-US"/>
           </a:p>
@@ -7081,7 +7158,7 @@
             <a:fld id="{989F6407-BF86-914C-ADA6-16EAE3B57F00}" type="datetimeFigureOut">
               <a:rPr lang="zh-CN" altLang="en-US" smtClean="0"/>
               <a:pPr/>
-              <a:t>2017/9/14</a:t>
+              <a:t>2017/9/15</a:t>
             </a:fld>
             <a:endParaRPr lang="zh-CN" altLang="en-US"/>
           </a:p>
@@ -7373,7 +7450,7 @@
             <a:fld id="{C2BCB646-4F3B-BA4B-ACCA-2AD81AF17150}" type="datetimeFigureOut">
               <a:rPr lang="zh-CN" altLang="en-US" smtClean="0"/>
               <a:pPr/>
-              <a:t>2017/9/14</a:t>
+              <a:t>2017/9/15</a:t>
             </a:fld>
             <a:endParaRPr lang="zh-CN" altLang="en-US"/>
           </a:p>
@@ -7652,7 +7729,7 @@
             <a:fld id="{8008DD98-D290-1944-9E3C-A008DC37D5BB}" type="datetimeFigureOut">
               <a:rPr lang="zh-CN" altLang="en-US" smtClean="0"/>
               <a:pPr/>
-              <a:t>2017/9/14</a:t>
+              <a:t>2017/9/15</a:t>
             </a:fld>
             <a:endParaRPr lang="zh-CN" altLang="en-US"/>
           </a:p>
@@ -8076,7 +8153,7 @@
             <a:fld id="{76A91C22-BD40-AD4C-AA2D-908C13CBD97F}" type="datetimeFigureOut">
               <a:rPr lang="zh-CN" altLang="en-US" smtClean="0"/>
               <a:pPr/>
-              <a:t>2017/9/14</a:t>
+              <a:t>2017/9/15</a:t>
             </a:fld>
             <a:endParaRPr lang="zh-CN" altLang="en-US"/>
           </a:p>
@@ -8236,7 +8313,7 @@
             <a:fld id="{586A406C-4124-A44B-AAB3-E28B03A55918}" type="datetimeFigureOut">
               <a:rPr lang="zh-CN" altLang="en-US" smtClean="0"/>
               <a:pPr/>
-              <a:t>2017/9/14</a:t>
+              <a:t>2017/9/15</a:t>
             </a:fld>
             <a:endParaRPr lang="zh-CN" altLang="en-US"/>
           </a:p>
@@ -8373,7 +8450,7 @@
             <a:fld id="{2074CD15-5E46-464B-8D08-BFA93B2436DD}" type="datetimeFigureOut">
               <a:rPr lang="zh-CN" altLang="en-US" smtClean="0"/>
               <a:pPr/>
-              <a:t>2017/9/14</a:t>
+              <a:t>2017/9/15</a:t>
             </a:fld>
             <a:endParaRPr lang="zh-CN" altLang="en-US"/>
           </a:p>
@@ -8664,7 +8741,7 @@
             <a:fld id="{5F886CCF-1E31-7A43-A4B1-334391A24759}" type="datetimeFigureOut">
               <a:rPr lang="zh-CN" altLang="en-US" smtClean="0"/>
               <a:pPr/>
-              <a:t>2017/9/14</a:t>
+              <a:t>2017/9/15</a:t>
             </a:fld>
             <a:endParaRPr lang="zh-CN" altLang="en-US"/>
           </a:p>
@@ -8988,7 +9065,7 @@
             <a:fld id="{4FCD1256-3E51-E542-9EAF-8455297457F0}" type="datetimeFigureOut">
               <a:rPr lang="zh-CN" altLang="en-US" smtClean="0"/>
               <a:pPr/>
-              <a:t>2017/9/14</a:t>
+              <a:t>2017/9/15</a:t>
             </a:fld>
             <a:endParaRPr lang="zh-CN" altLang="en-US"/>
           </a:p>
@@ -9253,7 +9330,7 @@
             <a:fld id="{8008DD98-D290-1944-9E3C-A008DC37D5BB}" type="datetimeFigureOut">
               <a:rPr lang="zh-CN" altLang="en-US" smtClean="0"/>
               <a:pPr/>
-              <a:t>2017/9/14</a:t>
+              <a:t>2017/9/15</a:t>
             </a:fld>
             <a:endParaRPr lang="zh-CN" altLang="en-US"/>
           </a:p>
@@ -10337,7 +10414,7 @@
         </p:nvSpPr>
         <p:spPr>
           <a:xfrm>
-            <a:off x="1612789" y="1014609"/>
+            <a:off x="1536192" y="1031326"/>
             <a:ext cx="6631441" cy="461665"/>
           </a:xfrm>
           <a:prstGeom prst="rect">
@@ -11156,15 +11233,7 @@
                 <a:ea typeface="微軟正黑體" panose="020B0604030504040204" pitchFamily="34" charset="-120"/>
                 <a:cs typeface="Lantinghei SC Extralight" charset="-122"/>
               </a:rPr>
-              <a:t>软件工具</a:t>
-            </a:r>
-            <a:r>
-              <a:rPr lang="zh-CN" altLang="en-US" sz="800" b="1" dirty="0" smtClean="0">
-                <a:latin typeface="微軟正黑體" panose="020B0604030504040204" pitchFamily="34" charset="-120"/>
-                <a:ea typeface="微軟正黑體" panose="020B0604030504040204" pitchFamily="34" charset="-120"/>
-                <a:cs typeface="Lantinghei SC Extralight" charset="-122"/>
-              </a:rPr>
-              <a:t> </a:t>
+              <a:t>软件工具 </a:t>
             </a:r>
             <a:endParaRPr lang="en-US" altLang="zh-CN" sz="800" b="1" dirty="0" smtClean="0">
               <a:latin typeface="微軟正黑體" panose="020B0604030504040204" pitchFamily="34" charset="-120"/>
@@ -11186,15 +11255,7 @@
                 <a:ea typeface="微軟正黑體" panose="020B0604030504040204" pitchFamily="34" charset="-120"/>
                 <a:cs typeface="Lantinghei SC Extralight" charset="-122"/>
               </a:rPr>
-              <a:t>校内各社团</a:t>
-            </a:r>
-            <a:r>
-              <a:rPr lang="zh-CN" altLang="en-US" sz="800" b="1" dirty="0" smtClean="0">
-                <a:latin typeface="微軟正黑體" panose="020B0604030504040204" pitchFamily="34" charset="-120"/>
-                <a:ea typeface="微軟正黑體" panose="020B0604030504040204" pitchFamily="34" charset="-120"/>
-                <a:cs typeface="Lantinghei SC Extralight" charset="-122"/>
-              </a:rPr>
-              <a:t>资源</a:t>
+              <a:t>校内各社团资源</a:t>
             </a:r>
             <a:endParaRPr lang="en-US" altLang="zh-CN" sz="800" b="1" dirty="0" smtClean="0">
               <a:latin typeface="微軟正黑體" panose="020B0604030504040204" pitchFamily="34" charset="-120"/>
@@ -11384,11 +11445,6 @@
               </a:rPr>
               <a:t>环境</a:t>
             </a:r>
-            <a:endParaRPr lang="zh-CN" altLang="en-US" sz="800" b="1" dirty="0" smtClean="0">
-              <a:latin typeface="微軟正黑體" panose="020B0604030504040204" pitchFamily="34" charset="-120"/>
-              <a:ea typeface="微軟正黑體" panose="020B0604030504040204" pitchFamily="34" charset="-120"/>
-              <a:cs typeface="Lantinghei SC Extralight" charset="-122"/>
-            </a:endParaRPr>
           </a:p>
           <a:p>
             <a:pPr marL="214313" lvl="1" indent="-90000">

--- a/学生手册逻辑模型_2017级第三组.pptx
+++ b/学生手册逻辑模型_2017级第三组.pptx
@@ -5,11 +5,10 @@
     <p:sldMasterId id="2147483747" r:id="rId1"/>
   </p:sldMasterIdLst>
   <p:notesMasterIdLst>
-    <p:notesMasterId r:id="rId4"/>
+    <p:notesMasterId r:id="rId3"/>
   </p:notesMasterIdLst>
   <p:sldIdLst>
-    <p:sldId id="280" r:id="rId2"/>
-    <p:sldId id="279" r:id="rId3"/>
+    <p:sldId id="256" r:id="rId2"/>
   </p:sldIdLst>
   <p:sldSz cx="9144000" cy="5143500" type="screen16x9"/>
   <p:notesSz cx="6858000" cy="9144000"/>
@@ -177,20 +176,6 @@
     </p:extLst>
   </p:cmAuthor>
 </p:cmAuthorLst>
-</file>
-
-<file path=ppt/comments/comment1.xml><?xml version="1.0" encoding="utf-8"?>
-<p:cmLst xmlns:a="http://schemas.openxmlformats.org/drawingml/2006/main" xmlns:r="http://schemas.openxmlformats.org/officeDocument/2006/relationships" xmlns:p="http://schemas.openxmlformats.org/presentationml/2006/main">
-  <p:cm authorId="1" dt="2017-09-14T23:20:26.423" idx="1">
-    <p:pos x="1747" y="669"/>
-    <p:text/>
-    <p:extLst>
-      <p:ext uri="{C676402C-5697-4E1C-873F-D02D1690AC5C}">
-        <p15:threadingInfo xmlns:p15="http://schemas.microsoft.com/office/powerpoint/2012/main" timeZoneBias="-480"/>
-      </p:ext>
-    </p:extLst>
-  </p:cm>
-</p:cmLst>
 </file>
 
 <file path=ppt/diagrams/colors1.xml><?xml version="1.0" encoding="utf-8"?>
@@ -982,47 +967,18 @@
       <dgm:prSet loTypeId="urn:microsoft.com/office/officeart/2005/8/layout/hList7" loCatId="process" qsTypeId="urn:microsoft.com/office/officeart/2005/8/quickstyle/simple1" qsCatId="simple" csTypeId="urn:microsoft.com/office/officeart/2005/8/colors/colorful2" csCatId="colorful" phldr="1"/>
       <dgm:spPr/>
     </dgm:pt>
-    <dgm:pt modelId="{7B5A7269-508B-4A68-A2B5-F1136EFD8ED1}">
-      <dgm:prSet phldrT="[文本]" phldr="1"/>
+    <dgm:pt modelId="{147DDAC1-926C-42A8-B19D-C73E6806C9D1}">
+      <dgm:prSet phldrT="[文本]"/>
       <dgm:spPr/>
       <dgm:t>
         <a:bodyPr/>
         <a:lstStyle/>
         <a:p>
+          <a:r>
+            <a:rPr lang="en-US" altLang="zh-CN" dirty="0" smtClean="0"/>
+            <a:t> </a:t>
+          </a:r>
           <a:endParaRPr lang="zh-CN" altLang="en-US" dirty="0"/>
-        </a:p>
-      </dgm:t>
-    </dgm:pt>
-    <dgm:pt modelId="{13C0054D-C96F-4CC9-9089-FEB6D9E265AD}" type="parTrans" cxnId="{3533DA05-A160-4F27-84A7-F5D2C193BFFA}">
-      <dgm:prSet/>
-      <dgm:spPr/>
-      <dgm:t>
-        <a:bodyPr/>
-        <a:lstStyle/>
-        <a:p>
-          <a:endParaRPr lang="zh-CN" altLang="en-US"/>
-        </a:p>
-      </dgm:t>
-    </dgm:pt>
-    <dgm:pt modelId="{5719E05E-3431-4648-B8C4-702EEC9D34FA}" type="sibTrans" cxnId="{3533DA05-A160-4F27-84A7-F5D2C193BFFA}">
-      <dgm:prSet/>
-      <dgm:spPr/>
-      <dgm:t>
-        <a:bodyPr/>
-        <a:lstStyle/>
-        <a:p>
-          <a:endParaRPr lang="zh-CN" altLang="en-US"/>
-        </a:p>
-      </dgm:t>
-    </dgm:pt>
-    <dgm:pt modelId="{147DDAC1-926C-42A8-B19D-C73E6806C9D1}">
-      <dgm:prSet phldrT="[文本]" phldr="1"/>
-      <dgm:spPr/>
-      <dgm:t>
-        <a:bodyPr/>
-        <a:lstStyle/>
-        <a:p>
-          <a:endParaRPr lang="zh-CN" altLang="en-US"/>
         </a:p>
       </dgm:t>
     </dgm:pt>
@@ -1049,13 +1005,17 @@
       </dgm:t>
     </dgm:pt>
     <dgm:pt modelId="{A91B0FDA-B48F-4737-B8C6-AB55BF35CBF2}">
-      <dgm:prSet phldrT="[文本]" phldr="1"/>
+      <dgm:prSet phldrT="[文本]"/>
       <dgm:spPr/>
       <dgm:t>
         <a:bodyPr/>
         <a:lstStyle/>
         <a:p>
-          <a:endParaRPr lang="zh-CN" altLang="en-US"/>
+          <a:r>
+            <a:rPr lang="en-US" altLang="zh-CN" dirty="0" smtClean="0"/>
+            <a:t> </a:t>
+          </a:r>
+          <a:endParaRPr lang="zh-CN" altLang="en-US" dirty="0"/>
         </a:p>
       </dgm:t>
     </dgm:pt>
@@ -1104,6 +1064,43 @@
       </dgm:t>
     </dgm:pt>
     <dgm:pt modelId="{4997A14A-5CE9-4553-899F-19071CE6BC1B}" type="sibTrans" cxnId="{3FC78B7B-B753-4728-84B0-52B7437D0CBD}">
+      <dgm:prSet/>
+      <dgm:spPr/>
+      <dgm:t>
+        <a:bodyPr/>
+        <a:lstStyle/>
+        <a:p>
+          <a:endParaRPr lang="zh-CN" altLang="en-US"/>
+        </a:p>
+      </dgm:t>
+    </dgm:pt>
+    <dgm:pt modelId="{7B5A7269-508B-4A68-A2B5-F1136EFD8ED1}">
+      <dgm:prSet phldrT="[文本]"/>
+      <dgm:spPr/>
+      <dgm:t>
+        <a:bodyPr/>
+        <a:lstStyle/>
+        <a:p>
+          <a:r>
+            <a:rPr lang="en-US" altLang="zh-CN" dirty="0" smtClean="0"/>
+            <a:t> </a:t>
+          </a:r>
+          <a:endParaRPr lang="zh-CN" altLang="en-US" dirty="0"/>
+        </a:p>
+      </dgm:t>
+    </dgm:pt>
+    <dgm:pt modelId="{5719E05E-3431-4648-B8C4-702EEC9D34FA}" type="sibTrans" cxnId="{3533DA05-A160-4F27-84A7-F5D2C193BFFA}">
+      <dgm:prSet/>
+      <dgm:spPr/>
+      <dgm:t>
+        <a:bodyPr/>
+        <a:lstStyle/>
+        <a:p>
+          <a:endParaRPr lang="zh-CN" altLang="en-US"/>
+        </a:p>
+      </dgm:t>
+    </dgm:pt>
+    <dgm:pt modelId="{13C0054D-C96F-4CC9-9089-FEB6D9E265AD}" type="parTrans" cxnId="{3533DA05-A160-4F27-84A7-F5D2C193BFFA}">
       <dgm:prSet/>
       <dgm:spPr/>
       <dgm:t>
@@ -1318,47 +1315,47 @@
     </dgm:pt>
   </dgm:ptLst>
   <dgm:cxnLst>
-    <dgm:cxn modelId="{B8C47B6F-352C-44B9-8021-CC64E2AC80CF}" type="presOf" srcId="{7B5A7269-508B-4A68-A2B5-F1136EFD8ED1}" destId="{3B36D75D-FF93-4F03-9AAA-77C195D6A066}" srcOrd="1" destOrd="0" presId="urn:microsoft.com/office/officeart/2005/8/layout/hList7"/>
+    <dgm:cxn modelId="{97F1D3B8-0A2C-41D8-9183-56A367AA9960}" type="presOf" srcId="{7B5A7269-508B-4A68-A2B5-F1136EFD8ED1}" destId="{3B36D75D-FF93-4F03-9AAA-77C195D6A066}" srcOrd="1" destOrd="0" presId="urn:microsoft.com/office/officeart/2005/8/layout/hList7"/>
+    <dgm:cxn modelId="{3533DA05-A160-4F27-84A7-F5D2C193BFFA}" srcId="{DC02156D-D8FF-44D6-A2BA-2E578D3291E3}" destId="{7B5A7269-508B-4A68-A2B5-F1136EFD8ED1}" srcOrd="1" destOrd="0" parTransId="{13C0054D-C96F-4CC9-9089-FEB6D9E265AD}" sibTransId="{5719E05E-3431-4648-B8C4-702EEC9D34FA}"/>
+    <dgm:cxn modelId="{FA4D961D-B98A-4940-BC68-129492C2C80B}" type="presOf" srcId="{A91B0FDA-B48F-4737-B8C6-AB55BF35CBF2}" destId="{EDB55B98-9D5D-4519-8928-5727FFB279DC}" srcOrd="0" destOrd="0" presId="urn:microsoft.com/office/officeart/2005/8/layout/hList7"/>
+    <dgm:cxn modelId="{7AD4CE7A-75B5-433A-8FF8-EC9E2BFCB830}" type="presOf" srcId="{DC02156D-D8FF-44D6-A2BA-2E578D3291E3}" destId="{CD8D9423-C784-4A7A-BB88-D3F1017EE21F}" srcOrd="0" destOrd="0" presId="urn:microsoft.com/office/officeart/2005/8/layout/hList7"/>
+    <dgm:cxn modelId="{3FC78B7B-B753-4728-84B0-52B7437D0CBD}" srcId="{DC02156D-D8FF-44D6-A2BA-2E578D3291E3}" destId="{6E702B1F-914D-40EF-9A50-E5814BA020EC}" srcOrd="0" destOrd="0" parTransId="{7A1180A1-EC52-4AEE-AF40-B71328850B08}" sibTransId="{4997A14A-5CE9-4553-899F-19071CE6BC1B}"/>
+    <dgm:cxn modelId="{C0577CE9-A044-4680-A2A6-4D45E5A2B442}" type="presOf" srcId="{A91B0FDA-B48F-4737-B8C6-AB55BF35CBF2}" destId="{3D1F61CE-3618-460C-8CAF-9B134828FD42}" srcOrd="1" destOrd="0" presId="urn:microsoft.com/office/officeart/2005/8/layout/hList7"/>
+    <dgm:cxn modelId="{197A504A-1152-4AC0-A0ED-7960B770E79D}" type="presOf" srcId="{66B2749C-A5C9-4A13-9CB0-4349688B6A81}" destId="{CCB55928-FE19-44C2-AFF7-A80FE8DFAC31}" srcOrd="0" destOrd="0" presId="urn:microsoft.com/office/officeart/2005/8/layout/hList7"/>
     <dgm:cxn modelId="{D62B629B-0ABB-4710-9AA0-EFCF465D0D0C}" srcId="{DC02156D-D8FF-44D6-A2BA-2E578D3291E3}" destId="{A91B0FDA-B48F-4737-B8C6-AB55BF35CBF2}" srcOrd="3" destOrd="0" parTransId="{602AC4B6-8CF9-46D1-BAF4-2A5A7C67311F}" sibTransId="{998A1131-D569-4867-974F-EFAE81D8EC49}"/>
-    <dgm:cxn modelId="{3533DA05-A160-4F27-84A7-F5D2C193BFFA}" srcId="{DC02156D-D8FF-44D6-A2BA-2E578D3291E3}" destId="{7B5A7269-508B-4A68-A2B5-F1136EFD8ED1}" srcOrd="1" destOrd="0" parTransId="{13C0054D-C96F-4CC9-9089-FEB6D9E265AD}" sibTransId="{5719E05E-3431-4648-B8C4-702EEC9D34FA}"/>
-    <dgm:cxn modelId="{62D7488A-238E-4307-ABD6-BAF06D7A4D67}" type="presOf" srcId="{147DDAC1-926C-42A8-B19D-C73E6806C9D1}" destId="{39DE1138-A2A9-441F-BE4D-DFA072A57A20}" srcOrd="1" destOrd="0" presId="urn:microsoft.com/office/officeart/2005/8/layout/hList7"/>
-    <dgm:cxn modelId="{3FC78B7B-B753-4728-84B0-52B7437D0CBD}" srcId="{DC02156D-D8FF-44D6-A2BA-2E578D3291E3}" destId="{6E702B1F-914D-40EF-9A50-E5814BA020EC}" srcOrd="0" destOrd="0" parTransId="{7A1180A1-EC52-4AEE-AF40-B71328850B08}" sibTransId="{4997A14A-5CE9-4553-899F-19071CE6BC1B}"/>
+    <dgm:cxn modelId="{A472FBF9-0390-4B75-906D-E427F321657E}" type="presOf" srcId="{5719E05E-3431-4648-B8C4-702EEC9D34FA}" destId="{0866DD5C-7501-4C5F-9A29-881AF4FB0E00}" srcOrd="0" destOrd="0" presId="urn:microsoft.com/office/officeart/2005/8/layout/hList7"/>
+    <dgm:cxn modelId="{75BB7ACB-AD59-4072-8761-5A88C9A0601F}" type="presOf" srcId="{147DDAC1-926C-42A8-B19D-C73E6806C9D1}" destId="{FE294E79-72D9-4E8D-A0DD-ADDC346ED08C}" srcOrd="0" destOrd="0" presId="urn:microsoft.com/office/officeart/2005/8/layout/hList7"/>
+    <dgm:cxn modelId="{E865DC91-9A23-4F08-9A86-CEB205797828}" type="presOf" srcId="{6E702B1F-914D-40EF-9A50-E5814BA020EC}" destId="{78F3816B-434E-46D4-9177-1D9E27FA4FB3}" srcOrd="0" destOrd="0" presId="urn:microsoft.com/office/officeart/2005/8/layout/hList7"/>
+    <dgm:cxn modelId="{4117D76E-134F-4573-A71B-1EFCC632BFD6}" type="presOf" srcId="{147DDAC1-926C-42A8-B19D-C73E6806C9D1}" destId="{39DE1138-A2A9-441F-BE4D-DFA072A57A20}" srcOrd="1" destOrd="0" presId="urn:microsoft.com/office/officeart/2005/8/layout/hList7"/>
+    <dgm:cxn modelId="{DB7F1B4E-0506-4D16-8CE5-141F2F63444C}" type="presOf" srcId="{7B5A7269-508B-4A68-A2B5-F1136EFD8ED1}" destId="{BE4BEAD8-8D94-44B9-B847-567C15820B3D}" srcOrd="0" destOrd="0" presId="urn:microsoft.com/office/officeart/2005/8/layout/hList7"/>
     <dgm:cxn modelId="{E98C4FD8-1FDC-4E7C-9D53-931DC5558617}" srcId="{DC02156D-D8FF-44D6-A2BA-2E578D3291E3}" destId="{147DDAC1-926C-42A8-B19D-C73E6806C9D1}" srcOrd="2" destOrd="0" parTransId="{74F80458-9A81-4212-94C0-CD3E4D1011A0}" sibTransId="{66B2749C-A5C9-4A13-9CB0-4349688B6A81}"/>
-    <dgm:cxn modelId="{A4BFDEAA-FE05-4377-812B-BF17A330090B}" type="presOf" srcId="{A91B0FDA-B48F-4737-B8C6-AB55BF35CBF2}" destId="{EDB55B98-9D5D-4519-8928-5727FFB279DC}" srcOrd="0" destOrd="0" presId="urn:microsoft.com/office/officeart/2005/8/layout/hList7"/>
-    <dgm:cxn modelId="{40441006-6142-49A5-979A-CB1E12FA2D70}" type="presOf" srcId="{4997A14A-5CE9-4553-899F-19071CE6BC1B}" destId="{EADD3FDF-930A-45D5-9FFE-EB8B9DF34BF1}" srcOrd="0" destOrd="0" presId="urn:microsoft.com/office/officeart/2005/8/layout/hList7"/>
-    <dgm:cxn modelId="{5E90A2ED-418C-44BB-9C4B-2BC3826DCC3A}" type="presOf" srcId="{147DDAC1-926C-42A8-B19D-C73E6806C9D1}" destId="{FE294E79-72D9-4E8D-A0DD-ADDC346ED08C}" srcOrd="0" destOrd="0" presId="urn:microsoft.com/office/officeart/2005/8/layout/hList7"/>
-    <dgm:cxn modelId="{60FCF2D9-0632-4A5D-8C1C-51FF2AD2FE3F}" type="presOf" srcId="{66B2749C-A5C9-4A13-9CB0-4349688B6A81}" destId="{CCB55928-FE19-44C2-AFF7-A80FE8DFAC31}" srcOrd="0" destOrd="0" presId="urn:microsoft.com/office/officeart/2005/8/layout/hList7"/>
-    <dgm:cxn modelId="{CF2ED3B7-EF5D-4DCE-A003-4A859AB2D252}" type="presOf" srcId="{6E702B1F-914D-40EF-9A50-E5814BA020EC}" destId="{78F3816B-434E-46D4-9177-1D9E27FA4FB3}" srcOrd="0" destOrd="0" presId="urn:microsoft.com/office/officeart/2005/8/layout/hList7"/>
-    <dgm:cxn modelId="{F74B9CFA-6A30-448B-930C-4ED60DA06BD5}" type="presOf" srcId="{6E702B1F-914D-40EF-9A50-E5814BA020EC}" destId="{43ADFF75-EBF5-4449-AAC6-D658025C6A84}" srcOrd="1" destOrd="0" presId="urn:microsoft.com/office/officeart/2005/8/layout/hList7"/>
-    <dgm:cxn modelId="{ADC05DCA-8030-448C-BFE8-D2AF90053838}" type="presOf" srcId="{7B5A7269-508B-4A68-A2B5-F1136EFD8ED1}" destId="{BE4BEAD8-8D94-44B9-B847-567C15820B3D}" srcOrd="0" destOrd="0" presId="urn:microsoft.com/office/officeart/2005/8/layout/hList7"/>
-    <dgm:cxn modelId="{F68E8974-3963-4B50-9670-3B9BDCDE004B}" type="presOf" srcId="{5719E05E-3431-4648-B8C4-702EEC9D34FA}" destId="{0866DD5C-7501-4C5F-9A29-881AF4FB0E00}" srcOrd="0" destOrd="0" presId="urn:microsoft.com/office/officeart/2005/8/layout/hList7"/>
-    <dgm:cxn modelId="{2D9C1373-23BC-4705-B9AE-224E3A1509F0}" type="presOf" srcId="{DC02156D-D8FF-44D6-A2BA-2E578D3291E3}" destId="{CD8D9423-C784-4A7A-BB88-D3F1017EE21F}" srcOrd="0" destOrd="0" presId="urn:microsoft.com/office/officeart/2005/8/layout/hList7"/>
-    <dgm:cxn modelId="{3D7A3BF0-010B-414D-BA2D-25DAD6129469}" type="presOf" srcId="{A91B0FDA-B48F-4737-B8C6-AB55BF35CBF2}" destId="{3D1F61CE-3618-460C-8CAF-9B134828FD42}" srcOrd="1" destOrd="0" presId="urn:microsoft.com/office/officeart/2005/8/layout/hList7"/>
-    <dgm:cxn modelId="{A6971820-353D-49E4-BCA0-0ACE00B41060}" type="presParOf" srcId="{CD8D9423-C784-4A7A-BB88-D3F1017EE21F}" destId="{D0D94B8C-1304-4B48-A7D3-0ACF4CE586D8}" srcOrd="0" destOrd="0" presId="urn:microsoft.com/office/officeart/2005/8/layout/hList7"/>
-    <dgm:cxn modelId="{11D6EEB4-31CE-4D90-8751-BA00070F1BDA}" type="presParOf" srcId="{CD8D9423-C784-4A7A-BB88-D3F1017EE21F}" destId="{35059406-8E25-4857-AD6E-059ADA50FCCD}" srcOrd="1" destOrd="0" presId="urn:microsoft.com/office/officeart/2005/8/layout/hList7"/>
-    <dgm:cxn modelId="{6F22F841-23F1-410D-BD56-0B8F77B1D517}" type="presParOf" srcId="{35059406-8E25-4857-AD6E-059ADA50FCCD}" destId="{60E5DDA2-DA54-4443-82E8-A925A1049C29}" srcOrd="0" destOrd="0" presId="urn:microsoft.com/office/officeart/2005/8/layout/hList7"/>
-    <dgm:cxn modelId="{E99EC27D-51B8-476D-9BB9-EA5508E2AAF6}" type="presParOf" srcId="{60E5DDA2-DA54-4443-82E8-A925A1049C29}" destId="{78F3816B-434E-46D4-9177-1D9E27FA4FB3}" srcOrd="0" destOrd="0" presId="urn:microsoft.com/office/officeart/2005/8/layout/hList7"/>
-    <dgm:cxn modelId="{2ABE409F-C0A1-4983-B247-DD5F1F4D0FDA}" type="presParOf" srcId="{60E5DDA2-DA54-4443-82E8-A925A1049C29}" destId="{43ADFF75-EBF5-4449-AAC6-D658025C6A84}" srcOrd="1" destOrd="0" presId="urn:microsoft.com/office/officeart/2005/8/layout/hList7"/>
-    <dgm:cxn modelId="{D1921303-2713-490A-8F41-BB71380B7E8F}" type="presParOf" srcId="{60E5DDA2-DA54-4443-82E8-A925A1049C29}" destId="{62F68E8A-C5B1-4290-B6DB-F57F5EABAA53}" srcOrd="2" destOrd="0" presId="urn:microsoft.com/office/officeart/2005/8/layout/hList7"/>
-    <dgm:cxn modelId="{22368501-4501-4537-9762-068C38FA4F7C}" type="presParOf" srcId="{60E5DDA2-DA54-4443-82E8-A925A1049C29}" destId="{03E57C5E-DFE5-4015-83B3-709089DBFA10}" srcOrd="3" destOrd="0" presId="urn:microsoft.com/office/officeart/2005/8/layout/hList7"/>
-    <dgm:cxn modelId="{47E6CAC8-2D8E-4BFC-91CC-5D1178D591C7}" type="presParOf" srcId="{35059406-8E25-4857-AD6E-059ADA50FCCD}" destId="{EADD3FDF-930A-45D5-9FFE-EB8B9DF34BF1}" srcOrd="1" destOrd="0" presId="urn:microsoft.com/office/officeart/2005/8/layout/hList7"/>
-    <dgm:cxn modelId="{9EB82B49-87E5-4162-9E65-71CB0B9EAB8A}" type="presParOf" srcId="{35059406-8E25-4857-AD6E-059ADA50FCCD}" destId="{6933BF99-6493-4B68-8D53-41366193462C}" srcOrd="2" destOrd="0" presId="urn:microsoft.com/office/officeart/2005/8/layout/hList7"/>
-    <dgm:cxn modelId="{DB9793E0-91DE-4FC5-A01B-2BE9ECC03F2B}" type="presParOf" srcId="{6933BF99-6493-4B68-8D53-41366193462C}" destId="{BE4BEAD8-8D94-44B9-B847-567C15820B3D}" srcOrd="0" destOrd="0" presId="urn:microsoft.com/office/officeart/2005/8/layout/hList7"/>
-    <dgm:cxn modelId="{55D82905-3A39-48F8-BBCC-ED63C7E9962D}" type="presParOf" srcId="{6933BF99-6493-4B68-8D53-41366193462C}" destId="{3B36D75D-FF93-4F03-9AAA-77C195D6A066}" srcOrd="1" destOrd="0" presId="urn:microsoft.com/office/officeart/2005/8/layout/hList7"/>
-    <dgm:cxn modelId="{FF8E38E7-C584-4F9A-836D-16188ABBE81B}" type="presParOf" srcId="{6933BF99-6493-4B68-8D53-41366193462C}" destId="{6C4D97C5-9980-4265-8D62-1CB7E2ABC90A}" srcOrd="2" destOrd="0" presId="urn:microsoft.com/office/officeart/2005/8/layout/hList7"/>
-    <dgm:cxn modelId="{38743655-43F2-49F2-B613-A78C52B4EC47}" type="presParOf" srcId="{6933BF99-6493-4B68-8D53-41366193462C}" destId="{E6DE2198-2FDF-43A0-8C4B-606ED4483AFB}" srcOrd="3" destOrd="0" presId="urn:microsoft.com/office/officeart/2005/8/layout/hList7"/>
-    <dgm:cxn modelId="{85475F94-34B8-406A-988D-30762F7FD450}" type="presParOf" srcId="{35059406-8E25-4857-AD6E-059ADA50FCCD}" destId="{0866DD5C-7501-4C5F-9A29-881AF4FB0E00}" srcOrd="3" destOrd="0" presId="urn:microsoft.com/office/officeart/2005/8/layout/hList7"/>
-    <dgm:cxn modelId="{7B0B4070-34D7-4B23-BB78-FA0E0F97BA0A}" type="presParOf" srcId="{35059406-8E25-4857-AD6E-059ADA50FCCD}" destId="{30E6B541-5D1B-428F-85B4-7DA045D9F7B3}" srcOrd="4" destOrd="0" presId="urn:microsoft.com/office/officeart/2005/8/layout/hList7"/>
-    <dgm:cxn modelId="{BE0C7098-DF79-45C8-AC7E-35E1756674E1}" type="presParOf" srcId="{30E6B541-5D1B-428F-85B4-7DA045D9F7B3}" destId="{FE294E79-72D9-4E8D-A0DD-ADDC346ED08C}" srcOrd="0" destOrd="0" presId="urn:microsoft.com/office/officeart/2005/8/layout/hList7"/>
-    <dgm:cxn modelId="{5212593D-42CA-4A04-8A9C-3298E179C3E8}" type="presParOf" srcId="{30E6B541-5D1B-428F-85B4-7DA045D9F7B3}" destId="{39DE1138-A2A9-441F-BE4D-DFA072A57A20}" srcOrd="1" destOrd="0" presId="urn:microsoft.com/office/officeart/2005/8/layout/hList7"/>
-    <dgm:cxn modelId="{F941E57A-CDA1-4EAF-94B3-E190D80A5F31}" type="presParOf" srcId="{30E6B541-5D1B-428F-85B4-7DA045D9F7B3}" destId="{C60B8241-8421-429E-8603-3E64CFF6F038}" srcOrd="2" destOrd="0" presId="urn:microsoft.com/office/officeart/2005/8/layout/hList7"/>
-    <dgm:cxn modelId="{52ACC5F2-BE41-4948-AD0C-4ED65DD6AE95}" type="presParOf" srcId="{30E6B541-5D1B-428F-85B4-7DA045D9F7B3}" destId="{4196F9E5-469B-4E71-A583-03901DC86EF4}" srcOrd="3" destOrd="0" presId="urn:microsoft.com/office/officeart/2005/8/layout/hList7"/>
-    <dgm:cxn modelId="{C0952F38-A058-46AF-A46F-C3560F57DC2D}" type="presParOf" srcId="{35059406-8E25-4857-AD6E-059ADA50FCCD}" destId="{CCB55928-FE19-44C2-AFF7-A80FE8DFAC31}" srcOrd="5" destOrd="0" presId="urn:microsoft.com/office/officeart/2005/8/layout/hList7"/>
-    <dgm:cxn modelId="{A07D3231-CFC0-47AB-B40B-20BABF891CA4}" type="presParOf" srcId="{35059406-8E25-4857-AD6E-059ADA50FCCD}" destId="{96F32F07-2250-45D6-BE5A-104CC565EA2E}" srcOrd="6" destOrd="0" presId="urn:microsoft.com/office/officeart/2005/8/layout/hList7"/>
-    <dgm:cxn modelId="{8AD13377-A20D-4B0E-861B-11CFC969A00A}" type="presParOf" srcId="{96F32F07-2250-45D6-BE5A-104CC565EA2E}" destId="{EDB55B98-9D5D-4519-8928-5727FFB279DC}" srcOrd="0" destOrd="0" presId="urn:microsoft.com/office/officeart/2005/8/layout/hList7"/>
-    <dgm:cxn modelId="{1BCEF33D-BD4F-4A31-9067-270F2DCBC2A6}" type="presParOf" srcId="{96F32F07-2250-45D6-BE5A-104CC565EA2E}" destId="{3D1F61CE-3618-460C-8CAF-9B134828FD42}" srcOrd="1" destOrd="0" presId="urn:microsoft.com/office/officeart/2005/8/layout/hList7"/>
-    <dgm:cxn modelId="{6A53936B-91B7-4EF5-9372-F71F03D9A72E}" type="presParOf" srcId="{96F32F07-2250-45D6-BE5A-104CC565EA2E}" destId="{33DA97E7-A123-4F99-A7A7-F6F5674444EC}" srcOrd="2" destOrd="0" presId="urn:microsoft.com/office/officeart/2005/8/layout/hList7"/>
-    <dgm:cxn modelId="{D6CFE3BC-27BD-4B64-A7CB-74AC2A2115CA}" type="presParOf" srcId="{96F32F07-2250-45D6-BE5A-104CC565EA2E}" destId="{26B6DE50-00B7-4A40-A4F0-D5574E5F1B5C}" srcOrd="3" destOrd="0" presId="urn:microsoft.com/office/officeart/2005/8/layout/hList7"/>
+    <dgm:cxn modelId="{6CE87487-6679-4931-B39E-AB91DDBBF215}" type="presOf" srcId="{4997A14A-5CE9-4553-899F-19071CE6BC1B}" destId="{EADD3FDF-930A-45D5-9FFE-EB8B9DF34BF1}" srcOrd="0" destOrd="0" presId="urn:microsoft.com/office/officeart/2005/8/layout/hList7"/>
+    <dgm:cxn modelId="{07BA31AD-B00C-4336-A9F8-875EF7058884}" type="presOf" srcId="{6E702B1F-914D-40EF-9A50-E5814BA020EC}" destId="{43ADFF75-EBF5-4449-AAC6-D658025C6A84}" srcOrd="1" destOrd="0" presId="urn:microsoft.com/office/officeart/2005/8/layout/hList7"/>
+    <dgm:cxn modelId="{4A1E3B9D-7287-4872-8088-C2C668470B96}" type="presParOf" srcId="{CD8D9423-C784-4A7A-BB88-D3F1017EE21F}" destId="{D0D94B8C-1304-4B48-A7D3-0ACF4CE586D8}" srcOrd="0" destOrd="0" presId="urn:microsoft.com/office/officeart/2005/8/layout/hList7"/>
+    <dgm:cxn modelId="{6EA4AF3F-67F2-491D-A11F-736DBB2DC466}" type="presParOf" srcId="{CD8D9423-C784-4A7A-BB88-D3F1017EE21F}" destId="{35059406-8E25-4857-AD6E-059ADA50FCCD}" srcOrd="1" destOrd="0" presId="urn:microsoft.com/office/officeart/2005/8/layout/hList7"/>
+    <dgm:cxn modelId="{1BC67F5F-F13A-4E90-921A-69A1048346C0}" type="presParOf" srcId="{35059406-8E25-4857-AD6E-059ADA50FCCD}" destId="{60E5DDA2-DA54-4443-82E8-A925A1049C29}" srcOrd="0" destOrd="0" presId="urn:microsoft.com/office/officeart/2005/8/layout/hList7"/>
+    <dgm:cxn modelId="{FCD8850D-DF6A-40D0-A2FF-019A04271568}" type="presParOf" srcId="{60E5DDA2-DA54-4443-82E8-A925A1049C29}" destId="{78F3816B-434E-46D4-9177-1D9E27FA4FB3}" srcOrd="0" destOrd="0" presId="urn:microsoft.com/office/officeart/2005/8/layout/hList7"/>
+    <dgm:cxn modelId="{502B2AC2-7213-4508-B129-1D515229F81C}" type="presParOf" srcId="{60E5DDA2-DA54-4443-82E8-A925A1049C29}" destId="{43ADFF75-EBF5-4449-AAC6-D658025C6A84}" srcOrd="1" destOrd="0" presId="urn:microsoft.com/office/officeart/2005/8/layout/hList7"/>
+    <dgm:cxn modelId="{21D46D0D-6FDC-488A-8F10-6897A486EB9D}" type="presParOf" srcId="{60E5DDA2-DA54-4443-82E8-A925A1049C29}" destId="{62F68E8A-C5B1-4290-B6DB-F57F5EABAA53}" srcOrd="2" destOrd="0" presId="urn:microsoft.com/office/officeart/2005/8/layout/hList7"/>
+    <dgm:cxn modelId="{096CB008-2465-49CA-B878-6223DEC3E6CB}" type="presParOf" srcId="{60E5DDA2-DA54-4443-82E8-A925A1049C29}" destId="{03E57C5E-DFE5-4015-83B3-709089DBFA10}" srcOrd="3" destOrd="0" presId="urn:microsoft.com/office/officeart/2005/8/layout/hList7"/>
+    <dgm:cxn modelId="{08B689C5-B40B-4ECD-82AD-9D4D64F7DDD5}" type="presParOf" srcId="{35059406-8E25-4857-AD6E-059ADA50FCCD}" destId="{EADD3FDF-930A-45D5-9FFE-EB8B9DF34BF1}" srcOrd="1" destOrd="0" presId="urn:microsoft.com/office/officeart/2005/8/layout/hList7"/>
+    <dgm:cxn modelId="{134F36CC-A74E-4D8E-8DD5-D6EB76DC13C1}" type="presParOf" srcId="{35059406-8E25-4857-AD6E-059ADA50FCCD}" destId="{6933BF99-6493-4B68-8D53-41366193462C}" srcOrd="2" destOrd="0" presId="urn:microsoft.com/office/officeart/2005/8/layout/hList7"/>
+    <dgm:cxn modelId="{FB3BD9DE-5E52-45AD-9173-41D1A1749AC7}" type="presParOf" srcId="{6933BF99-6493-4B68-8D53-41366193462C}" destId="{BE4BEAD8-8D94-44B9-B847-567C15820B3D}" srcOrd="0" destOrd="0" presId="urn:microsoft.com/office/officeart/2005/8/layout/hList7"/>
+    <dgm:cxn modelId="{1C2D11FB-079E-4F1D-8BF3-508AFDF7803D}" type="presParOf" srcId="{6933BF99-6493-4B68-8D53-41366193462C}" destId="{3B36D75D-FF93-4F03-9AAA-77C195D6A066}" srcOrd="1" destOrd="0" presId="urn:microsoft.com/office/officeart/2005/8/layout/hList7"/>
+    <dgm:cxn modelId="{AB2449B0-F375-49BA-AC22-042D87027CA2}" type="presParOf" srcId="{6933BF99-6493-4B68-8D53-41366193462C}" destId="{6C4D97C5-9980-4265-8D62-1CB7E2ABC90A}" srcOrd="2" destOrd="0" presId="urn:microsoft.com/office/officeart/2005/8/layout/hList7"/>
+    <dgm:cxn modelId="{091AB617-6044-4A60-A79C-AA6A26522777}" type="presParOf" srcId="{6933BF99-6493-4B68-8D53-41366193462C}" destId="{E6DE2198-2FDF-43A0-8C4B-606ED4483AFB}" srcOrd="3" destOrd="0" presId="urn:microsoft.com/office/officeart/2005/8/layout/hList7"/>
+    <dgm:cxn modelId="{89E81EE6-01B7-4B91-8BC6-64531F47E3C0}" type="presParOf" srcId="{35059406-8E25-4857-AD6E-059ADA50FCCD}" destId="{0866DD5C-7501-4C5F-9A29-881AF4FB0E00}" srcOrd="3" destOrd="0" presId="urn:microsoft.com/office/officeart/2005/8/layout/hList7"/>
+    <dgm:cxn modelId="{B49159EF-F928-4EC4-A1F8-3B1531815C92}" type="presParOf" srcId="{35059406-8E25-4857-AD6E-059ADA50FCCD}" destId="{30E6B541-5D1B-428F-85B4-7DA045D9F7B3}" srcOrd="4" destOrd="0" presId="urn:microsoft.com/office/officeart/2005/8/layout/hList7"/>
+    <dgm:cxn modelId="{92E4DD5F-4A3A-4822-AF80-20AB1365B476}" type="presParOf" srcId="{30E6B541-5D1B-428F-85B4-7DA045D9F7B3}" destId="{FE294E79-72D9-4E8D-A0DD-ADDC346ED08C}" srcOrd="0" destOrd="0" presId="urn:microsoft.com/office/officeart/2005/8/layout/hList7"/>
+    <dgm:cxn modelId="{BF9B4935-AD17-4438-A202-9E3A2A510531}" type="presParOf" srcId="{30E6B541-5D1B-428F-85B4-7DA045D9F7B3}" destId="{39DE1138-A2A9-441F-BE4D-DFA072A57A20}" srcOrd="1" destOrd="0" presId="urn:microsoft.com/office/officeart/2005/8/layout/hList7"/>
+    <dgm:cxn modelId="{D78A40C0-2BFD-4E1C-93C6-614094323FA0}" type="presParOf" srcId="{30E6B541-5D1B-428F-85B4-7DA045D9F7B3}" destId="{C60B8241-8421-429E-8603-3E64CFF6F038}" srcOrd="2" destOrd="0" presId="urn:microsoft.com/office/officeart/2005/8/layout/hList7"/>
+    <dgm:cxn modelId="{7CD625C0-8D97-4C7E-9BB6-A14CF71A3366}" type="presParOf" srcId="{30E6B541-5D1B-428F-85B4-7DA045D9F7B3}" destId="{4196F9E5-469B-4E71-A583-03901DC86EF4}" srcOrd="3" destOrd="0" presId="urn:microsoft.com/office/officeart/2005/8/layout/hList7"/>
+    <dgm:cxn modelId="{7277502C-1B37-4A37-A916-46FC5E59B2DC}" type="presParOf" srcId="{35059406-8E25-4857-AD6E-059ADA50FCCD}" destId="{CCB55928-FE19-44C2-AFF7-A80FE8DFAC31}" srcOrd="5" destOrd="0" presId="urn:microsoft.com/office/officeart/2005/8/layout/hList7"/>
+    <dgm:cxn modelId="{54D8C0F3-042B-432B-A1A4-C866BF395EE6}" type="presParOf" srcId="{35059406-8E25-4857-AD6E-059ADA50FCCD}" destId="{96F32F07-2250-45D6-BE5A-104CC565EA2E}" srcOrd="6" destOrd="0" presId="urn:microsoft.com/office/officeart/2005/8/layout/hList7"/>
+    <dgm:cxn modelId="{03E99AD7-F3DC-41E6-BAA6-0EFB0427B715}" type="presParOf" srcId="{96F32F07-2250-45D6-BE5A-104CC565EA2E}" destId="{EDB55B98-9D5D-4519-8928-5727FFB279DC}" srcOrd="0" destOrd="0" presId="urn:microsoft.com/office/officeart/2005/8/layout/hList7"/>
+    <dgm:cxn modelId="{DCBF614E-6EB2-48A7-8BA9-EEC79ACB2589}" type="presParOf" srcId="{96F32F07-2250-45D6-BE5A-104CC565EA2E}" destId="{3D1F61CE-3618-460C-8CAF-9B134828FD42}" srcOrd="1" destOrd="0" presId="urn:microsoft.com/office/officeart/2005/8/layout/hList7"/>
+    <dgm:cxn modelId="{4BD9798E-84CE-422E-B347-073BEF7DAEF3}" type="presParOf" srcId="{96F32F07-2250-45D6-BE5A-104CC565EA2E}" destId="{33DA97E7-A123-4F99-A7A7-F6F5674444EC}" srcOrd="2" destOrd="0" presId="urn:microsoft.com/office/officeart/2005/8/layout/hList7"/>
+    <dgm:cxn modelId="{8E87A3BF-8428-49E6-8361-A154579FF656}" type="presParOf" srcId="{96F32F07-2250-45D6-BE5A-104CC565EA2E}" destId="{26B6DE50-00B7-4A40-A4F0-D5574E5F1B5C}" srcOrd="3" destOrd="0" presId="urn:microsoft.com/office/officeart/2005/8/layout/hList7"/>
   </dgm:cxnLst>
   <dgm:bg/>
   <dgm:whole/>
@@ -1552,12 +1549,12 @@
         </a:fontRef>
       </dsp:style>
       <dsp:txBody>
-        <a:bodyPr spcFirstLastPara="0" vert="horz" wrap="square" lIns="248920" tIns="248920" rIns="248920" bIns="248920" numCol="1" spcCol="1270" anchor="ctr" anchorCtr="0">
+        <a:bodyPr spcFirstLastPara="0" vert="horz" wrap="square" lIns="270256" tIns="270256" rIns="270256" bIns="270256" numCol="1" spcCol="1270" anchor="ctr" anchorCtr="0">
           <a:noAutofit/>
         </a:bodyPr>
         <a:lstStyle/>
         <a:p>
-          <a:pPr lvl="0" algn="ctr" defTabSz="1555750">
+          <a:pPr lvl="0" algn="ctr" defTabSz="1689100">
             <a:lnSpc>
               <a:spcPct val="90000"/>
             </a:lnSpc>
@@ -1568,7 +1565,11 @@
               <a:spcPct val="35000"/>
             </a:spcAft>
           </a:pPr>
-          <a:endParaRPr lang="zh-CN" altLang="en-US" sz="3500" kern="1200" dirty="0"/>
+          <a:r>
+            <a:rPr lang="en-US" altLang="zh-CN" sz="3800" kern="1200" dirty="0" smtClean="0"/>
+            <a:t> </a:t>
+          </a:r>
+          <a:endParaRPr lang="zh-CN" altLang="en-US" sz="3800" kern="1200" dirty="0"/>
         </a:p>
       </dsp:txBody>
       <dsp:txXfrm>
@@ -1675,12 +1676,12 @@
         </a:fontRef>
       </dsp:style>
       <dsp:txBody>
-        <a:bodyPr spcFirstLastPara="0" vert="horz" wrap="square" lIns="248920" tIns="248920" rIns="248920" bIns="248920" numCol="1" spcCol="1270" anchor="ctr" anchorCtr="0">
+        <a:bodyPr spcFirstLastPara="0" vert="horz" wrap="square" lIns="270256" tIns="270256" rIns="270256" bIns="270256" numCol="1" spcCol="1270" anchor="ctr" anchorCtr="0">
           <a:noAutofit/>
         </a:bodyPr>
         <a:lstStyle/>
         <a:p>
-          <a:pPr lvl="0" algn="ctr" defTabSz="1555750">
+          <a:pPr lvl="0" algn="ctr" defTabSz="1689100">
             <a:lnSpc>
               <a:spcPct val="90000"/>
             </a:lnSpc>
@@ -1691,7 +1692,11 @@
               <a:spcPct val="35000"/>
             </a:spcAft>
           </a:pPr>
-          <a:endParaRPr lang="zh-CN" altLang="en-US" sz="3500" kern="1200"/>
+          <a:r>
+            <a:rPr lang="en-US" altLang="zh-CN" sz="3800" kern="1200" dirty="0" smtClean="0"/>
+            <a:t> </a:t>
+          </a:r>
+          <a:endParaRPr lang="zh-CN" altLang="en-US" sz="3800" kern="1200" dirty="0"/>
         </a:p>
       </dsp:txBody>
       <dsp:txXfrm>
@@ -1798,12 +1803,12 @@
         </a:fontRef>
       </dsp:style>
       <dsp:txBody>
-        <a:bodyPr spcFirstLastPara="0" vert="horz" wrap="square" lIns="248920" tIns="248920" rIns="248920" bIns="248920" numCol="1" spcCol="1270" anchor="ctr" anchorCtr="0">
+        <a:bodyPr spcFirstLastPara="0" vert="horz" wrap="square" lIns="270256" tIns="270256" rIns="270256" bIns="270256" numCol="1" spcCol="1270" anchor="ctr" anchorCtr="0">
           <a:noAutofit/>
         </a:bodyPr>
         <a:lstStyle/>
         <a:p>
-          <a:pPr lvl="0" algn="ctr" defTabSz="1555750">
+          <a:pPr lvl="0" algn="ctr" defTabSz="1689100">
             <a:lnSpc>
               <a:spcPct val="90000"/>
             </a:lnSpc>
@@ -1814,7 +1819,11 @@
               <a:spcPct val="35000"/>
             </a:spcAft>
           </a:pPr>
-          <a:endParaRPr lang="zh-CN" altLang="en-US" sz="3500" kern="1200"/>
+          <a:r>
+            <a:rPr lang="en-US" altLang="zh-CN" sz="3800" kern="1200" dirty="0" smtClean="0"/>
+            <a:t> </a:t>
+          </a:r>
+          <a:endParaRPr lang="zh-CN" altLang="en-US" sz="3800" kern="1200" dirty="0"/>
         </a:p>
       </dsp:txBody>
       <dsp:txXfrm>
@@ -3575,7 +3584,7 @@
     </p:spTree>
     <p:extLst>
       <p:ext uri="{BB962C8B-B14F-4D97-AF65-F5344CB8AC3E}">
-        <p14:creationId xmlns:p14="http://schemas.microsoft.com/office/powerpoint/2010/main" val="2325617968"/>
+        <p14:creationId xmlns:p14="http://schemas.microsoft.com/office/powerpoint/2010/main" val="127554900"/>
       </p:ext>
     </p:extLst>
   </p:cSld>
@@ -9785,25 +9794,6 @@
           <a:chExt cx="0" cy="0"/>
         </a:xfrm>
       </p:grpSpPr>
-      <p:sp>
-        <p:nvSpPr>
-          <p:cNvPr id="2" name="标题 1"/>
-          <p:cNvSpPr>
-            <a:spLocks noGrp="1"/>
-          </p:cNvSpPr>
-          <p:nvPr>
-            <p:ph type="title"/>
-          </p:nvPr>
-        </p:nvSpPr>
-        <p:spPr/>
-        <p:txBody>
-          <a:bodyPr/>
-          <a:lstStyle/>
-          <a:p>
-            <a:endParaRPr lang="zh-CN" altLang="en-US" dirty="0"/>
-          </a:p>
-        </p:txBody>
-      </p:sp>
       <p:graphicFrame>
         <p:nvGraphicFramePr>
           <p:cNvPr id="4" name="内容占位符 3"/>
@@ -9812,15 +9802,11 @@
           </p:cNvGraphicFramePr>
           <p:nvPr>
             <p:ph sz="quarter" idx="13"/>
-            <p:extLst>
-              <p:ext uri="{D42A27DB-BD31-4B8C-83A1-F6EECF244321}">
-                <p14:modId xmlns:p14="http://schemas.microsoft.com/office/powerpoint/2010/main" val="2546788813"/>
-              </p:ext>
-            </p:extLst>
+            <p:extLst/>
           </p:nvPr>
         </p:nvGraphicFramePr>
         <p:xfrm>
-          <a:off x="685800" y="1774825"/>
+          <a:off x="685800" y="1677035"/>
           <a:ext cx="7772400" cy="2568575"/>
         </p:xfrm>
         <a:graphic>
@@ -9837,8 +9823,8 @@
         </p:nvSpPr>
         <p:spPr>
           <a:xfrm>
-            <a:off x="685332" y="855879"/>
-            <a:ext cx="7773338" cy="800202"/>
+            <a:off x="685332" y="879543"/>
+            <a:ext cx="7773338" cy="721927"/>
           </a:xfrm>
           <a:prstGeom prst="roundRect">
             <a:avLst/>
@@ -9875,8 +9861,8 @@
         </p:nvSpPr>
         <p:spPr>
           <a:xfrm>
-            <a:off x="685332" y="-87782"/>
-            <a:ext cx="7773338" cy="805143"/>
+            <a:off x="685332" y="81999"/>
+            <a:ext cx="7773338" cy="711562"/>
           </a:xfrm>
           <a:prstGeom prst="roundRect">
             <a:avLst/>
@@ -9913,8 +9899,8 @@
         </p:nvSpPr>
         <p:spPr>
           <a:xfrm>
-            <a:off x="685332" y="4425696"/>
-            <a:ext cx="7773338" cy="805143"/>
+            <a:off x="685332" y="4330446"/>
+            <a:ext cx="7773338" cy="728589"/>
           </a:xfrm>
           <a:prstGeom prst="roundRect">
             <a:avLst/>
@@ -9951,8 +9937,8 @@
         </p:nvSpPr>
         <p:spPr>
           <a:xfrm>
-            <a:off x="811987" y="-54628"/>
-            <a:ext cx="724205" cy="712996"/>
+            <a:off x="811987" y="82532"/>
+            <a:ext cx="655200" cy="655200"/>
           </a:xfrm>
           <a:prstGeom prst="ellipse">
             <a:avLst/>
@@ -9978,7 +9964,7 @@
           <a:p>
             <a:pPr algn="ctr"/>
             <a:r>
-              <a:rPr lang="zh-CN" altLang="en-US" sz="1200" b="1" dirty="0">
+              <a:rPr lang="zh-CN" altLang="en-US" sz="1000" b="1" dirty="0">
                 <a:latin typeface="微软雅黑" panose="020B0503020204020204" pitchFamily="34" charset="-122"/>
                 <a:ea typeface="微软雅黑" panose="020B0503020204020204" pitchFamily="34" charset="-122"/>
               </a:rPr>
@@ -9995,8 +9981,8 @@
         </p:nvSpPr>
         <p:spPr>
           <a:xfrm>
-            <a:off x="811987" y="901951"/>
-            <a:ext cx="724205" cy="712996"/>
+            <a:off x="811987" y="882901"/>
+            <a:ext cx="655200" cy="655200"/>
           </a:xfrm>
           <a:prstGeom prst="ellipse">
             <a:avLst/>
@@ -10022,7 +10008,7 @@
           <a:p>
             <a:pPr algn="ctr"/>
             <a:r>
-              <a:rPr lang="zh-CN" altLang="en-US" sz="1200" b="1" dirty="0">
+              <a:rPr lang="zh-CN" altLang="en-US" sz="1000" b="1" dirty="0">
                 <a:latin typeface="微软雅黑" panose="020B0503020204020204" pitchFamily="34" charset="-122"/>
                 <a:ea typeface="微软雅黑" panose="020B0503020204020204" pitchFamily="34" charset="-122"/>
               </a:rPr>
@@ -10039,8 +10025,8 @@
         </p:nvSpPr>
         <p:spPr>
           <a:xfrm>
-            <a:off x="811987" y="4471769"/>
-            <a:ext cx="724205" cy="712996"/>
+            <a:off x="811987" y="4340959"/>
+            <a:ext cx="655200" cy="655200"/>
           </a:xfrm>
           <a:prstGeom prst="ellipse">
             <a:avLst/>
@@ -10066,13 +10052,13 @@
           <a:p>
             <a:pPr algn="ctr"/>
             <a:r>
-              <a:rPr lang="zh-CN" altLang="en-US" sz="1200" b="1" dirty="0" smtClean="0">
+              <a:rPr lang="zh-CN" altLang="en-US" sz="1000" b="1" dirty="0" smtClean="0">
                 <a:latin typeface="微软雅黑" panose="020B0503020204020204" pitchFamily="34" charset="-122"/>
                 <a:ea typeface="微软雅黑" panose="020B0503020204020204" pitchFamily="34" charset="-122"/>
               </a:rPr>
               <a:t>外部因素</a:t>
             </a:r>
-            <a:endParaRPr lang="zh-CN" altLang="en-US" sz="1200" b="1" dirty="0">
+            <a:endParaRPr lang="zh-CN" altLang="en-US" sz="1000" b="1" dirty="0">
               <a:latin typeface="微软雅黑" panose="020B0503020204020204" pitchFamily="34" charset="-122"/>
               <a:ea typeface="微软雅黑" panose="020B0503020204020204" pitchFamily="34" charset="-122"/>
             </a:endParaRPr>
@@ -10087,7 +10073,7 @@
         </p:nvSpPr>
         <p:spPr>
           <a:xfrm>
-            <a:off x="1536192" y="41549"/>
+            <a:off x="1536192" y="149499"/>
             <a:ext cx="6876288" cy="584775"/>
           </a:xfrm>
           <a:prstGeom prst="rect">
@@ -10414,7 +10400,7 @@
         </p:nvSpPr>
         <p:spPr>
           <a:xfrm>
-            <a:off x="1536192" y="1031326"/>
+            <a:off x="1536192" y="1024976"/>
             <a:ext cx="6631441" cy="461665"/>
           </a:xfrm>
           <a:prstGeom prst="rect">
@@ -10549,8 +10535,8 @@
         </p:nvSpPr>
         <p:spPr>
           <a:xfrm>
-            <a:off x="1402080" y="1968851"/>
-            <a:ext cx="492443" cy="276999"/>
+            <a:off x="1424025" y="1901541"/>
+            <a:ext cx="441146" cy="246221"/>
           </a:xfrm>
           <a:prstGeom prst="rect">
             <a:avLst/>
@@ -10564,13 +10550,13 @@
           <a:lstStyle/>
           <a:p>
             <a:r>
-              <a:rPr lang="zh-CN" altLang="en-US" sz="1200" b="1" dirty="0" smtClean="0">
+              <a:rPr lang="zh-CN" altLang="en-US" sz="1000" b="1" dirty="0" smtClean="0">
                 <a:latin typeface="微软雅黑" panose="020B0503020204020204" pitchFamily="34" charset="-122"/>
                 <a:ea typeface="微软雅黑" panose="020B0503020204020204" pitchFamily="34" charset="-122"/>
               </a:rPr>
               <a:t>效果</a:t>
             </a:r>
-            <a:endParaRPr lang="zh-CN" altLang="en-US" sz="1200" b="1" dirty="0">
+            <a:endParaRPr lang="zh-CN" altLang="en-US" sz="1000" b="1" dirty="0">
               <a:latin typeface="微软雅黑" panose="020B0503020204020204" pitchFamily="34" charset="-122"/>
               <a:ea typeface="微软雅黑" panose="020B0503020204020204" pitchFamily="34" charset="-122"/>
             </a:endParaRPr>
@@ -10585,8 +10571,8 @@
         </p:nvSpPr>
         <p:spPr>
           <a:xfrm>
-            <a:off x="3347720" y="1968851"/>
-            <a:ext cx="492443" cy="276999"/>
+            <a:off x="3378200" y="1896461"/>
+            <a:ext cx="441146" cy="246221"/>
           </a:xfrm>
           <a:prstGeom prst="rect">
             <a:avLst/>
@@ -10600,7 +10586,7 @@
           <a:lstStyle/>
           <a:p>
             <a:r>
-              <a:rPr lang="zh-CN" altLang="en-US" sz="1200" b="1" dirty="0">
+              <a:rPr lang="zh-CN" altLang="en-US" sz="1000" b="1" dirty="0">
                 <a:latin typeface="微软雅黑" panose="020B0503020204020204" pitchFamily="34" charset="-122"/>
                 <a:ea typeface="微软雅黑" panose="020B0503020204020204" pitchFamily="34" charset="-122"/>
               </a:rPr>
@@ -10617,8 +10603,8 @@
         </p:nvSpPr>
         <p:spPr>
           <a:xfrm>
-            <a:off x="5339080" y="1968851"/>
-            <a:ext cx="492443" cy="276999"/>
+            <a:off x="5339080" y="1891381"/>
+            <a:ext cx="441146" cy="246221"/>
           </a:xfrm>
           <a:prstGeom prst="rect">
             <a:avLst/>
@@ -10632,7 +10618,7 @@
           <a:lstStyle/>
           <a:p>
             <a:r>
-              <a:rPr lang="zh-CN" altLang="en-US" sz="1200" b="1" dirty="0">
+              <a:rPr lang="zh-CN" altLang="en-US" sz="1000" b="1" dirty="0">
                 <a:latin typeface="微软雅黑" panose="020B0503020204020204" pitchFamily="34" charset="-122"/>
                 <a:ea typeface="微软雅黑" panose="020B0503020204020204" pitchFamily="34" charset="-122"/>
               </a:rPr>
@@ -10649,8 +10635,8 @@
         </p:nvSpPr>
         <p:spPr>
           <a:xfrm>
-            <a:off x="7289800" y="1968851"/>
-            <a:ext cx="492443" cy="276999"/>
+            <a:off x="7305040" y="1891381"/>
+            <a:ext cx="441146" cy="246221"/>
           </a:xfrm>
           <a:prstGeom prst="rect">
             <a:avLst/>
@@ -10664,199 +10650,11 @@
           <a:lstStyle/>
           <a:p>
             <a:r>
-              <a:rPr lang="zh-CN" altLang="en-US" sz="1200" b="1" dirty="0">
+              <a:rPr lang="zh-CN" altLang="en-US" sz="1000" b="1" dirty="0">
                 <a:latin typeface="微软雅黑" panose="020B0503020204020204" pitchFamily="34" charset="-122"/>
                 <a:ea typeface="微软雅黑" panose="020B0503020204020204" pitchFamily="34" charset="-122"/>
               </a:rPr>
               <a:t>输入</a:t>
-            </a:r>
-          </a:p>
-        </p:txBody>
-      </p:sp>
-      <p:sp>
-        <p:nvSpPr>
-          <p:cNvPr id="19" name="文本框 18"/>
-          <p:cNvSpPr txBox="1"/>
-          <p:nvPr/>
-        </p:nvSpPr>
-        <p:spPr>
-          <a:xfrm>
-            <a:off x="2729830" y="2397947"/>
-            <a:ext cx="1642116" cy="1717393"/>
-          </a:xfrm>
-          <a:prstGeom prst="rect">
-            <a:avLst/>
-          </a:prstGeom>
-        </p:spPr>
-        <p:txBody>
-          <a:bodyPr wrap="square">
-            <a:spAutoFit/>
-          </a:bodyPr>
-          <a:lstStyle>
-            <a:defPPr>
-              <a:defRPr lang="zh-CN"/>
-            </a:defPPr>
-            <a:lvl1pPr marL="88900" indent="-88900">
-              <a:lnSpc>
-                <a:spcPct val="120000"/>
-              </a:lnSpc>
-              <a:buFont typeface="Arial" panose="020B0604020202020204" pitchFamily="34" charset="0"/>
-              <a:buChar char="•"/>
-              <a:defRPr sz="800" b="1">
-                <a:latin typeface="微軟正黑體" panose="020B0604030504040204" pitchFamily="34" charset="-120"/>
-                <a:ea typeface="微軟正黑體" panose="020B0604030504040204" pitchFamily="34" charset="-120"/>
-                <a:cs typeface="Lantinghei SC Extralight" charset="-122"/>
-              </a:defRPr>
-            </a:lvl1pPr>
-            <a:lvl2pPr marL="363538" lvl="1" indent="-187325">
-              <a:lnSpc>
-                <a:spcPct val="120000"/>
-              </a:lnSpc>
-              <a:buFont typeface="Wingdings" panose="05000000000000000000" pitchFamily="2" charset="2"/>
-              <a:buChar char="ü"/>
-              <a:defRPr sz="800" b="1">
-                <a:latin typeface="微軟正黑體" panose="020B0604030504040204" pitchFamily="34" charset="-120"/>
-                <a:ea typeface="微軟正黑體" panose="020B0604030504040204" pitchFamily="34" charset="-120"/>
-                <a:cs typeface="Lantinghei SC Extralight" charset="-122"/>
-              </a:defRPr>
-            </a:lvl2pPr>
-          </a:lstStyle>
-          <a:p>
-            <a:r>
-              <a:rPr lang="en-US" altLang="zh-CN" dirty="0"/>
-              <a:t>61</a:t>
-            </a:r>
-            <a:r>
-              <a:rPr lang="zh-CN" altLang="en-US" dirty="0"/>
-              <a:t>名学员</a:t>
-            </a:r>
-            <a:r>
-              <a:rPr lang="en-US" altLang="zh-CN" dirty="0"/>
-              <a:t>/</a:t>
-            </a:r>
-            <a:r>
-              <a:rPr lang="zh-CN" altLang="en-US" dirty="0"/>
-              <a:t>分成</a:t>
-            </a:r>
-            <a:r>
-              <a:rPr lang="en-US" altLang="zh-CN" dirty="0"/>
-              <a:t>10</a:t>
-            </a:r>
-            <a:r>
-              <a:rPr lang="zh-CN" altLang="en-US" dirty="0"/>
-              <a:t>个学习小组</a:t>
-            </a:r>
-          </a:p>
-          <a:p>
-            <a:r>
-              <a:rPr lang="zh-CN" altLang="en-US" dirty="0"/>
-              <a:t>每位学员</a:t>
-            </a:r>
-            <a:r>
-              <a:rPr lang="en-US" altLang="zh-CN" dirty="0"/>
-              <a:t>/</a:t>
-            </a:r>
-            <a:r>
-              <a:rPr lang="zh-CN" altLang="en-US" dirty="0"/>
-              <a:t>数据工作流：</a:t>
-            </a:r>
-          </a:p>
-          <a:p>
-            <a:pPr lvl="1"/>
-            <a:r>
-              <a:rPr lang="en-US" altLang="zh-CN" dirty="0"/>
-              <a:t>WIKI</a:t>
-            </a:r>
-            <a:r>
-              <a:rPr lang="zh-CN" altLang="en-US" dirty="0"/>
-              <a:t>，</a:t>
-            </a:r>
-            <a:r>
-              <a:rPr lang="en-US" altLang="zh-CN" dirty="0"/>
-              <a:t>GIT </a:t>
-            </a:r>
-          </a:p>
-          <a:p>
-            <a:pPr lvl="1"/>
-            <a:r>
-              <a:rPr lang="en-US" altLang="zh-CN" dirty="0"/>
-              <a:t>10</a:t>
-            </a:r>
-            <a:r>
-              <a:rPr lang="zh-CN" altLang="en-US" dirty="0"/>
-              <a:t>个小组</a:t>
-            </a:r>
-            <a:r>
-              <a:rPr lang="en-US" altLang="zh-CN" dirty="0"/>
-              <a:t>/</a:t>
-            </a:r>
-            <a:r>
-              <a:rPr lang="zh-CN" altLang="en-US" dirty="0"/>
-              <a:t>纸质出版物：</a:t>
-            </a:r>
-          </a:p>
-          <a:p>
-            <a:pPr lvl="1"/>
-            <a:r>
-              <a:rPr lang="zh-CN" altLang="en-US" dirty="0"/>
-              <a:t>班级宪章</a:t>
-            </a:r>
-          </a:p>
-          <a:p>
-            <a:pPr lvl="1"/>
-            <a:r>
-              <a:rPr lang="zh-CN" altLang="en-US" dirty="0"/>
-              <a:t>社群画布</a:t>
-            </a:r>
-          </a:p>
-          <a:p>
-            <a:pPr lvl="1"/>
-            <a:r>
-              <a:rPr lang="zh-CN" altLang="en-US" dirty="0"/>
-              <a:t>逻辑模型（每日迭代）</a:t>
-            </a:r>
-          </a:p>
-          <a:p>
-            <a:r>
-              <a:rPr lang="en-US" altLang="zh-CN" dirty="0"/>
-              <a:t>10</a:t>
-            </a:r>
-            <a:r>
-              <a:rPr lang="zh-CN" altLang="en-US" dirty="0"/>
-              <a:t>个小组</a:t>
-            </a:r>
-            <a:r>
-              <a:rPr lang="en-US" altLang="zh-CN" dirty="0"/>
-              <a:t>/</a:t>
-            </a:r>
-            <a:r>
-              <a:rPr lang="zh-CN" altLang="en-US" dirty="0"/>
-              <a:t>任务成效展示：</a:t>
-            </a:r>
-          </a:p>
-          <a:p>
-            <a:pPr lvl="1"/>
-            <a:r>
-              <a:rPr lang="zh-CN" altLang="en-US" dirty="0"/>
-              <a:t>晨间汇报</a:t>
-            </a:r>
-            <a:endParaRPr lang="en-US" altLang="zh-CN" dirty="0"/>
-          </a:p>
-          <a:p>
-            <a:pPr lvl="1"/>
-            <a:r>
-              <a:rPr lang="zh-CN" altLang="en-US" dirty="0"/>
-              <a:t>终极汇报</a:t>
-            </a:r>
-          </a:p>
-          <a:p>
-            <a:r>
-              <a:rPr lang="en-US" altLang="zh-CN" dirty="0"/>
-              <a:t>MEM</a:t>
-            </a:r>
-            <a:r>
-              <a:rPr lang="zh-CN" altLang="en-US" dirty="0"/>
-              <a:t>班级社群平台</a:t>
             </a:r>
           </a:p>
         </p:txBody>
@@ -10869,8 +10667,8 @@
         </p:nvSpPr>
         <p:spPr>
           <a:xfrm>
-            <a:off x="4673600" y="2381335"/>
-            <a:ext cx="1828800" cy="2012859"/>
+            <a:off x="4673600" y="2349585"/>
+            <a:ext cx="1828800" cy="1902059"/>
           </a:xfrm>
           <a:prstGeom prst="rect">
             <a:avLst/>
@@ -10890,7 +10688,7 @@
               <a:buChar char="•"/>
             </a:pPr>
             <a:r>
-              <a:rPr lang="zh-CN" altLang="en-US" sz="800" b="1" dirty="0" smtClean="0">
+              <a:rPr lang="zh-CN" altLang="en-US" sz="700" b="1" dirty="0" smtClean="0">
                 <a:latin typeface="微軟正黑體" panose="020B0604030504040204" pitchFamily="34" charset="-120"/>
                 <a:ea typeface="微軟正黑體" panose="020B0604030504040204" pitchFamily="34" charset="-120"/>
                 <a:cs typeface="Lantinghei SC Extralight" charset="-122"/>
@@ -10898,12 +10696,28 @@
               <a:t>课程</a:t>
             </a:r>
             <a:r>
-              <a:rPr lang="zh-CN" altLang="en-US" sz="800" b="1" dirty="0">
-                <a:latin typeface="微軟正黑體" panose="020B0604030504040204" pitchFamily="34" charset="-120"/>
-                <a:ea typeface="微軟正黑體" panose="020B0604030504040204" pitchFamily="34" charset="-120"/>
-                <a:cs typeface="Lantinghei SC Extralight" charset="-122"/>
-              </a:rPr>
-              <a:t>单元一「认识自己」：</a:t>
+              <a:rPr lang="zh-CN" altLang="en-US" sz="700" b="1" dirty="0">
+                <a:latin typeface="微軟正黑體" panose="020B0604030504040204" pitchFamily="34" charset="-120"/>
+                <a:ea typeface="微軟正黑體" panose="020B0604030504040204" pitchFamily="34" charset="-120"/>
+                <a:cs typeface="Lantinghei SC Extralight" charset="-122"/>
+              </a:rPr>
+              <a:t>单元一</a:t>
+            </a:r>
+            <a:r>
+              <a:rPr lang="zh-CN" altLang="en-US" sz="700" b="1" dirty="0" smtClean="0">
+                <a:latin typeface="微軟正黑體" panose="020B0604030504040204" pitchFamily="34" charset="-120"/>
+                <a:ea typeface="微軟正黑體" panose="020B0604030504040204" pitchFamily="34" charset="-120"/>
+                <a:cs typeface="Lantinghei SC Extralight" charset="-122"/>
+              </a:rPr>
+              <a:t>「同学与我」</a:t>
+            </a:r>
+            <a:r>
+              <a:rPr lang="zh-CN" altLang="en-US" sz="700" b="1" dirty="0">
+                <a:latin typeface="微軟正黑體" panose="020B0604030504040204" pitchFamily="34" charset="-120"/>
+                <a:ea typeface="微軟正黑體" panose="020B0604030504040204" pitchFamily="34" charset="-120"/>
+                <a:cs typeface="Lantinghei SC Extralight" charset="-122"/>
+              </a:rPr>
+              <a:t>：</a:t>
             </a:r>
           </a:p>
           <a:p>
@@ -10915,14 +10729,22 @@
               <a:buChar char="ü"/>
             </a:pPr>
             <a:r>
-              <a:rPr lang="zh-CN" altLang="en-US" sz="800" b="1" dirty="0" smtClean="0">
-                <a:latin typeface="微軟正黑體" panose="020B0604030504040204" pitchFamily="34" charset="-120"/>
-                <a:ea typeface="微軟正黑體" panose="020B0604030504040204" pitchFamily="34" charset="-120"/>
-                <a:cs typeface="Lantinghei SC Extralight" charset="-122"/>
-              </a:rPr>
-              <a:t>发现自己优势</a:t>
-            </a:r>
-            <a:endParaRPr lang="zh-CN" altLang="en-US" sz="800" b="1" dirty="0">
+              <a:rPr lang="zh-CN" altLang="en-US" sz="700" b="1" dirty="0">
+                <a:latin typeface="微軟正黑體" panose="020B0604030504040204" pitchFamily="34" charset="-120"/>
+                <a:ea typeface="微軟正黑體" panose="020B0604030504040204" pitchFamily="34" charset="-120"/>
+                <a:cs typeface="Lantinghei SC Extralight" charset="-122"/>
+              </a:rPr>
+              <a:t>破冰</a:t>
+            </a:r>
+            <a:r>
+              <a:rPr lang="zh-CN" altLang="en-US" sz="700" b="1" dirty="0" smtClean="0">
+                <a:latin typeface="微軟正黑體" panose="020B0604030504040204" pitchFamily="34" charset="-120"/>
+                <a:ea typeface="微軟正黑體" panose="020B0604030504040204" pitchFamily="34" charset="-120"/>
+                <a:cs typeface="Lantinghei SC Extralight" charset="-122"/>
+              </a:rPr>
+              <a:t>游戏</a:t>
+            </a:r>
+            <a:endParaRPr lang="en-US" altLang="zh-CN" sz="700" b="1" dirty="0" smtClean="0">
               <a:latin typeface="微軟正黑體" panose="020B0604030504040204" pitchFamily="34" charset="-120"/>
               <a:ea typeface="微軟正黑體" panose="020B0604030504040204" pitchFamily="34" charset="-120"/>
               <a:cs typeface="Lantinghei SC Extralight" charset="-122"/>
@@ -10937,22 +10759,58 @@
               <a:buChar char="ü"/>
             </a:pPr>
             <a:r>
-              <a:rPr lang="zh-CN" altLang="en-US" sz="800" b="1" dirty="0">
-                <a:latin typeface="微軟正黑體" panose="020B0604030504040204" pitchFamily="34" charset="-120"/>
-                <a:ea typeface="微軟正黑體" panose="020B0604030504040204" pitchFamily="34" charset="-120"/>
-                <a:cs typeface="Lantinghei SC Extralight" charset="-122"/>
-              </a:rPr>
-              <a:t>个人简历制作（自发迭代</a:t>
-            </a:r>
-            <a:r>
-              <a:rPr lang="zh-CN" altLang="en-US" sz="800" b="1" dirty="0" smtClean="0">
-                <a:latin typeface="微軟正黑體" panose="020B0604030504040204" pitchFamily="34" charset="-120"/>
-                <a:ea typeface="微軟正黑體" panose="020B0604030504040204" pitchFamily="34" charset="-120"/>
-                <a:cs typeface="Lantinghei SC Extralight" charset="-122"/>
-              </a:rPr>
-              <a:t>）</a:t>
-            </a:r>
-            <a:endParaRPr lang="zh-CN" altLang="en-US" sz="800" b="1" dirty="0">
+              <a:rPr lang="zh-CN" altLang="en-US" sz="700" b="1" dirty="0" smtClean="0">
+                <a:latin typeface="微軟正黑體" panose="020B0604030504040204" pitchFamily="34" charset="-120"/>
+                <a:ea typeface="微軟正黑體" panose="020B0604030504040204" pitchFamily="34" charset="-120"/>
+                <a:cs typeface="Lantinghei SC Extralight" charset="-122"/>
+              </a:rPr>
+              <a:t>课程引导</a:t>
+            </a:r>
+            <a:endParaRPr lang="en-US" altLang="zh-CN" sz="700" b="1" dirty="0" smtClean="0">
+              <a:latin typeface="微軟正黑體" panose="020B0604030504040204" pitchFamily="34" charset="-120"/>
+              <a:ea typeface="微軟正黑體" panose="020B0604030504040204" pitchFamily="34" charset="-120"/>
+              <a:cs typeface="Lantinghei SC Extralight" charset="-122"/>
+            </a:endParaRPr>
+          </a:p>
+          <a:p>
+            <a:pPr marL="363538" lvl="1" indent="-187325">
+              <a:lnSpc>
+                <a:spcPct val="120000"/>
+              </a:lnSpc>
+              <a:buFont typeface="Wingdings" panose="05000000000000000000" pitchFamily="2" charset="2"/>
+              <a:buChar char="ü"/>
+            </a:pPr>
+            <a:r>
+              <a:rPr lang="zh-CN" altLang="en-US" sz="700" b="1" dirty="0" smtClean="0">
+                <a:latin typeface="微軟正黑體" panose="020B0604030504040204" pitchFamily="34" charset="-120"/>
+                <a:ea typeface="微軟正黑體" panose="020B0604030504040204" pitchFamily="34" charset="-120"/>
+                <a:cs typeface="Lantinghei SC Extralight" charset="-122"/>
+              </a:rPr>
+              <a:t>班长选举</a:t>
+            </a:r>
+            <a:endParaRPr lang="en-US" altLang="zh-CN" sz="700" b="1" dirty="0" smtClean="0">
+              <a:latin typeface="微軟正黑體" panose="020B0604030504040204" pitchFamily="34" charset="-120"/>
+              <a:ea typeface="微軟正黑體" panose="020B0604030504040204" pitchFamily="34" charset="-120"/>
+              <a:cs typeface="Lantinghei SC Extralight" charset="-122"/>
+            </a:endParaRPr>
+          </a:p>
+          <a:p>
+            <a:pPr marL="363538" lvl="1" indent="-187325">
+              <a:lnSpc>
+                <a:spcPct val="120000"/>
+              </a:lnSpc>
+              <a:buFont typeface="Wingdings" panose="05000000000000000000" pitchFamily="2" charset="2"/>
+              <a:buChar char="ü"/>
+            </a:pPr>
+            <a:r>
+              <a:rPr lang="zh-CN" altLang="en-US" sz="700" b="1" dirty="0" smtClean="0">
+                <a:latin typeface="微軟正黑體" panose="020B0604030504040204" pitchFamily="34" charset="-120"/>
+                <a:ea typeface="微軟正黑體" panose="020B0604030504040204" pitchFamily="34" charset="-120"/>
+                <a:cs typeface="Lantinghei SC Extralight" charset="-122"/>
+              </a:rPr>
+              <a:t>工具讲解</a:t>
+            </a:r>
+            <a:endParaRPr lang="zh-CN" altLang="en-US" sz="700" b="1" dirty="0">
               <a:latin typeface="微軟正黑體" panose="020B0604030504040204" pitchFamily="34" charset="-120"/>
               <a:ea typeface="微軟正黑體" panose="020B0604030504040204" pitchFamily="34" charset="-120"/>
               <a:cs typeface="Lantinghei SC Extralight" charset="-122"/>
@@ -10967,12 +10825,36 @@
               <a:buChar char="•"/>
             </a:pPr>
             <a:r>
-              <a:rPr lang="zh-CN" altLang="en-US" sz="800" b="1" dirty="0">
-                <a:latin typeface="微軟正黑體" panose="020B0604030504040204" pitchFamily="34" charset="-120"/>
-                <a:ea typeface="微軟正黑體" panose="020B0604030504040204" pitchFamily="34" charset="-120"/>
-                <a:cs typeface="Lantinghei SC Extralight" charset="-122"/>
-              </a:rPr>
-              <a:t>课程单元二「认识清华」：</a:t>
+              <a:rPr lang="zh-CN" altLang="en-US" sz="700" b="1" dirty="0" smtClean="0">
+                <a:latin typeface="微軟正黑體" panose="020B0604030504040204" pitchFamily="34" charset="-120"/>
+                <a:ea typeface="微軟正黑體" panose="020B0604030504040204" pitchFamily="34" charset="-120"/>
+                <a:cs typeface="Lantinghei SC Extralight" charset="-122"/>
+              </a:rPr>
+              <a:t>课程</a:t>
+            </a:r>
+            <a:r>
+              <a:rPr lang="zh-CN" altLang="en-US" sz="700" b="1" dirty="0">
+                <a:latin typeface="微軟正黑體" panose="020B0604030504040204" pitchFamily="34" charset="-120"/>
+                <a:ea typeface="微軟正黑體" panose="020B0604030504040204" pitchFamily="34" charset="-120"/>
+                <a:cs typeface="Lantinghei SC Extralight" charset="-122"/>
+              </a:rPr>
+              <a:t>单元二</a:t>
+            </a:r>
+            <a:r>
+              <a:rPr lang="zh-CN" altLang="en-US" sz="700" b="1" dirty="0" smtClean="0">
+                <a:latin typeface="微軟正黑體" panose="020B0604030504040204" pitchFamily="34" charset="-120"/>
+                <a:ea typeface="微軟正黑體" panose="020B0604030504040204" pitchFamily="34" charset="-120"/>
+                <a:cs typeface="Lantinghei SC Extralight" charset="-122"/>
+              </a:rPr>
+              <a:t>「清华与我」</a:t>
+            </a:r>
+            <a:r>
+              <a:rPr lang="zh-CN" altLang="en-US" sz="700" b="1" dirty="0">
+                <a:latin typeface="微軟正黑體" panose="020B0604030504040204" pitchFamily="34" charset="-120"/>
+                <a:ea typeface="微軟正黑體" panose="020B0604030504040204" pitchFamily="34" charset="-120"/>
+                <a:cs typeface="Lantinghei SC Extralight" charset="-122"/>
+              </a:rPr>
+              <a:t>：</a:t>
             </a:r>
           </a:p>
           <a:p>
@@ -10984,13 +10866,18 @@
               <a:buChar char="ü"/>
             </a:pPr>
             <a:r>
-              <a:rPr lang="zh-CN" altLang="en-US" sz="800" b="1" dirty="0">
-                <a:latin typeface="微軟正黑體" panose="020B0604030504040204" pitchFamily="34" charset="-120"/>
-                <a:ea typeface="微軟正黑體" panose="020B0604030504040204" pitchFamily="34" charset="-120"/>
-                <a:cs typeface="Lantinghei SC Extralight" charset="-122"/>
-              </a:rPr>
-              <a:t>校园探索</a:t>
-            </a:r>
+              <a:rPr lang="zh-CN" altLang="en-US" sz="700" b="1" dirty="0" smtClean="0">
+                <a:latin typeface="微軟正黑體" panose="020B0604030504040204" pitchFamily="34" charset="-120"/>
+                <a:ea typeface="微軟正黑體" panose="020B0604030504040204" pitchFamily="34" charset="-120"/>
+                <a:cs typeface="Lantinghei SC Extralight" charset="-122"/>
+              </a:rPr>
+              <a:t>认识清华 </a:t>
+            </a:r>
+            <a:endParaRPr lang="en-US" altLang="zh-CN" sz="700" b="1" dirty="0" smtClean="0">
+              <a:latin typeface="微軟正黑體" panose="020B0604030504040204" pitchFamily="34" charset="-120"/>
+              <a:ea typeface="微軟正黑體" panose="020B0604030504040204" pitchFamily="34" charset="-120"/>
+              <a:cs typeface="Lantinghei SC Extralight" charset="-122"/>
+            </a:endParaRPr>
           </a:p>
           <a:p>
             <a:pPr marL="363538" lvl="1" indent="-187325">
@@ -11001,22 +10888,14 @@
               <a:buChar char="ü"/>
             </a:pPr>
             <a:r>
-              <a:rPr lang="zh-CN" altLang="en-US" sz="800" b="1" dirty="0">
-                <a:latin typeface="微軟正黑體" panose="020B0604030504040204" pitchFamily="34" charset="-120"/>
-                <a:ea typeface="微軟正黑體" panose="020B0604030504040204" pitchFamily="34" charset="-120"/>
-                <a:cs typeface="Lantinghei SC Extralight" charset="-122"/>
-              </a:rPr>
-              <a:t>定向</a:t>
-            </a:r>
-            <a:r>
-              <a:rPr lang="zh-CN" altLang="en-US" sz="800" b="1" dirty="0" smtClean="0">
-                <a:latin typeface="微軟正黑體" panose="020B0604030504040204" pitchFamily="34" charset="-120"/>
-                <a:ea typeface="微軟正黑體" panose="020B0604030504040204" pitchFamily="34" charset="-120"/>
-                <a:cs typeface="Lantinghei SC Extralight" charset="-122"/>
-              </a:rPr>
-              <a:t>越野</a:t>
-            </a:r>
-            <a:endParaRPr lang="en-US" altLang="zh-CN" sz="800" b="1" dirty="0" smtClean="0">
+              <a:rPr lang="zh-CN" altLang="en-US" sz="700" b="1" dirty="0" smtClean="0">
+                <a:latin typeface="微軟正黑體" panose="020B0604030504040204" pitchFamily="34" charset="-120"/>
+                <a:ea typeface="微軟正黑體" panose="020B0604030504040204" pitchFamily="34" charset="-120"/>
+                <a:cs typeface="Lantinghei SC Extralight" charset="-122"/>
+              </a:rPr>
+              <a:t>定向越野</a:t>
+            </a:r>
+            <a:endParaRPr lang="en-US" altLang="zh-CN" sz="700" b="1" dirty="0" smtClean="0">
               <a:latin typeface="微軟正黑體" panose="020B0604030504040204" pitchFamily="34" charset="-120"/>
               <a:ea typeface="微軟正黑體" panose="020B0604030504040204" pitchFamily="34" charset="-120"/>
               <a:cs typeface="Lantinghei SC Extralight" charset="-122"/>
@@ -11031,18 +10910,13 @@
               <a:buChar char="ü"/>
             </a:pPr>
             <a:r>
-              <a:rPr lang="zh-CN" altLang="en-US" sz="800" b="1" dirty="0" smtClean="0">
+              <a:rPr lang="zh-CN" altLang="en-US" sz="700" b="1" dirty="0" smtClean="0">
                 <a:latin typeface="微軟正黑體" panose="020B0604030504040204" pitchFamily="34" charset="-120"/>
                 <a:ea typeface="微軟正黑體" panose="020B0604030504040204" pitchFamily="34" charset="-120"/>
                 <a:cs typeface="Lantinghei SC Extralight" charset="-122"/>
               </a:rPr>
               <a:t>图书馆介绍</a:t>
             </a:r>
-            <a:endParaRPr lang="zh-CN" altLang="en-US" sz="800" b="1" dirty="0">
-              <a:latin typeface="微軟正黑體" panose="020B0604030504040204" pitchFamily="34" charset="-120"/>
-              <a:ea typeface="微軟正黑體" panose="020B0604030504040204" pitchFamily="34" charset="-120"/>
-              <a:cs typeface="Lantinghei SC Extralight" charset="-122"/>
-            </a:endParaRPr>
           </a:p>
           <a:p>
             <a:pPr marL="363538" lvl="1" indent="-187325">
@@ -11053,12 +10927,77 @@
               <a:buChar char="ü"/>
             </a:pPr>
             <a:r>
-              <a:rPr lang="zh-CN" altLang="en-US" sz="800" b="1" dirty="0">
-                <a:latin typeface="微軟正黑體" panose="020B0604030504040204" pitchFamily="34" charset="-120"/>
-                <a:ea typeface="微軟正黑體" panose="020B0604030504040204" pitchFamily="34" charset="-120"/>
-                <a:cs typeface="Lantinghei SC Extralight" charset="-122"/>
-              </a:rPr>
-              <a:t>实验室探究</a:t>
+              <a:rPr lang="zh-CN" altLang="en-US" sz="700" b="1" dirty="0" smtClean="0">
+                <a:latin typeface="微軟正黑體" panose="020B0604030504040204" pitchFamily="34" charset="-120"/>
+                <a:ea typeface="微軟正黑體" panose="020B0604030504040204" pitchFamily="34" charset="-120"/>
+                <a:cs typeface="Lantinghei SC Extralight" charset="-122"/>
+              </a:rPr>
+              <a:t>实验室</a:t>
+            </a:r>
+            <a:r>
+              <a:rPr lang="zh-CN" altLang="en-US" sz="700" b="1" dirty="0">
+                <a:latin typeface="微軟正黑體" panose="020B0604030504040204" pitchFamily="34" charset="-120"/>
+                <a:ea typeface="微軟正黑體" panose="020B0604030504040204" pitchFamily="34" charset="-120"/>
+                <a:cs typeface="Lantinghei SC Extralight" charset="-122"/>
+              </a:rPr>
+              <a:t>探究</a:t>
+            </a:r>
+          </a:p>
+          <a:p>
+            <a:pPr marL="88900" indent="-88900">
+              <a:lnSpc>
+                <a:spcPct val="120000"/>
+              </a:lnSpc>
+              <a:buFont typeface="Arial" panose="020B0604020202020204" pitchFamily="34" charset="0"/>
+              <a:buChar char="•"/>
+            </a:pPr>
+            <a:r>
+              <a:rPr lang="zh-CN" altLang="en-US" sz="700" b="1" dirty="0" smtClean="0">
+                <a:latin typeface="微軟正黑體" panose="020B0604030504040204" pitchFamily="34" charset="-120"/>
+                <a:ea typeface="微軟正黑體" panose="020B0604030504040204" pitchFamily="34" charset="-120"/>
+                <a:cs typeface="Lantinghei SC Extralight" charset="-122"/>
+              </a:rPr>
+              <a:t>课程</a:t>
+            </a:r>
+            <a:r>
+              <a:rPr lang="zh-CN" altLang="en-US" sz="700" b="1" dirty="0">
+                <a:latin typeface="微軟正黑體" panose="020B0604030504040204" pitchFamily="34" charset="-120"/>
+                <a:ea typeface="微軟正黑體" panose="020B0604030504040204" pitchFamily="34" charset="-120"/>
+                <a:cs typeface="Lantinghei SC Extralight" charset="-122"/>
+              </a:rPr>
+              <a:t>单元三</a:t>
+            </a:r>
+            <a:r>
+              <a:rPr lang="zh-CN" altLang="en-US" sz="700" b="1" dirty="0" smtClean="0">
+                <a:latin typeface="微軟正黑體" panose="020B0604030504040204" pitchFamily="34" charset="-120"/>
+                <a:ea typeface="微軟正黑體" panose="020B0604030504040204" pitchFamily="34" charset="-120"/>
+                <a:cs typeface="Lantinghei SC Extralight" charset="-122"/>
+              </a:rPr>
+              <a:t>「</a:t>
+            </a:r>
+            <a:r>
+              <a:rPr lang="en-US" altLang="zh-CN" sz="700" b="1" dirty="0">
+                <a:latin typeface="微軟正黑體" panose="020B0604030504040204" pitchFamily="34" charset="-120"/>
+                <a:ea typeface="微軟正黑體" panose="020B0604030504040204" pitchFamily="34" charset="-120"/>
+                <a:cs typeface="Lantinghei SC Extralight" charset="-122"/>
+              </a:rPr>
+              <a:t>MEM</a:t>
+            </a:r>
+            <a:r>
+              <a:rPr lang="zh-CN" altLang="en-US" sz="700" b="1" dirty="0" smtClean="0">
+                <a:latin typeface="微軟正黑體" panose="020B0604030504040204" pitchFamily="34" charset="-120"/>
+                <a:ea typeface="微軟正黑體" panose="020B0604030504040204" pitchFamily="34" charset="-120"/>
+                <a:cs typeface="Lantinghei SC Extralight" charset="-122"/>
+              </a:rPr>
+              <a:t>与</a:t>
+            </a:r>
+            <a:r>
+              <a:rPr lang="zh-CN" altLang="en-US" sz="700" b="1" dirty="0">
+                <a:latin typeface="微軟正黑體" panose="020B0604030504040204" pitchFamily="34" charset="-120"/>
+                <a:ea typeface="微軟正黑體" panose="020B0604030504040204" pitchFamily="34" charset="-120"/>
+                <a:cs typeface="Lantinghei SC Extralight" charset="-122"/>
+              </a:rPr>
+              <a:t>我」：</a:t>
             </a:r>
           </a:p>
           <a:p>
@@ -11070,30 +11009,18 @@
               <a:buChar char="ü"/>
             </a:pPr>
             <a:r>
-              <a:rPr lang="zh-CN" altLang="en-US" sz="800" b="1" dirty="0">
-                <a:latin typeface="微軟正黑體" panose="020B0604030504040204" pitchFamily="34" charset="-120"/>
-                <a:ea typeface="微軟正黑體" panose="020B0604030504040204" pitchFamily="34" charset="-120"/>
-                <a:cs typeface="Lantinghei SC Extralight" charset="-122"/>
-              </a:rPr>
-              <a:t>社团资源</a:t>
-            </a:r>
-          </a:p>
-          <a:p>
-            <a:pPr marL="88900" indent="-88900">
-              <a:lnSpc>
-                <a:spcPct val="120000"/>
-              </a:lnSpc>
-              <a:buFont typeface="Arial" panose="020B0604020202020204" pitchFamily="34" charset="0"/>
-              <a:buChar char="•"/>
-            </a:pPr>
-            <a:r>
-              <a:rPr lang="zh-CN" altLang="en-US" sz="800" b="1" dirty="0">
-                <a:latin typeface="微軟正黑體" panose="020B0604030504040204" pitchFamily="34" charset="-120"/>
-                <a:ea typeface="微軟正黑體" panose="020B0604030504040204" pitchFamily="34" charset="-120"/>
-                <a:cs typeface="Lantinghei SC Extralight" charset="-122"/>
-              </a:rPr>
-              <a:t>课程单元三「清华与我」：</a:t>
-            </a:r>
+              <a:rPr lang="zh-CN" altLang="en-US" sz="700" b="1" dirty="0" smtClean="0">
+                <a:latin typeface="微軟正黑體" panose="020B0604030504040204" pitchFamily="34" charset="-120"/>
+                <a:ea typeface="微軟正黑體" panose="020B0604030504040204" pitchFamily="34" charset="-120"/>
+                <a:cs typeface="Lantinghei SC Extralight" charset="-122"/>
+              </a:rPr>
+              <a:t>分享经验</a:t>
+            </a:r>
+            <a:endParaRPr lang="en-US" altLang="zh-CN" sz="700" b="1" dirty="0" smtClean="0">
+              <a:latin typeface="微軟正黑體" panose="020B0604030504040204" pitchFamily="34" charset="-120"/>
+              <a:ea typeface="微軟正黑體" panose="020B0604030504040204" pitchFamily="34" charset="-120"/>
+              <a:cs typeface="Lantinghei SC Extralight" charset="-122"/>
+            </a:endParaRPr>
           </a:p>
           <a:p>
             <a:pPr marL="363538" lvl="1" indent="-187325">
@@ -11104,21 +11031,18 @@
               <a:buChar char="ü"/>
             </a:pPr>
             <a:r>
-              <a:rPr lang="zh-CN" altLang="en-US" sz="800" b="1" dirty="0" smtClean="0">
-                <a:latin typeface="微軟正黑體" panose="020B0604030504040204" pitchFamily="34" charset="-120"/>
-                <a:ea typeface="微軟正黑體" panose="020B0604030504040204" pitchFamily="34" charset="-120"/>
-                <a:cs typeface="Lantinghei SC Extralight" charset="-122"/>
-              </a:rPr>
-              <a:t>上梯班级</a:t>
-            </a:r>
-            <a:r>
-              <a:rPr lang="zh-CN" altLang="en-US" sz="800" b="1" dirty="0">
-                <a:latin typeface="微軟正黑體" panose="020B0604030504040204" pitchFamily="34" charset="-120"/>
-                <a:ea typeface="微軟正黑體" panose="020B0604030504040204" pitchFamily="34" charset="-120"/>
-                <a:cs typeface="Lantinghei SC Extralight" charset="-122"/>
-              </a:rPr>
-              <a:t>宪章</a:t>
-            </a:r>
+              <a:rPr lang="zh-CN" altLang="en-US" sz="700" b="1" dirty="0" smtClean="0">
+                <a:latin typeface="微軟正黑體" panose="020B0604030504040204" pitchFamily="34" charset="-120"/>
+                <a:ea typeface="微軟正黑體" panose="020B0604030504040204" pitchFamily="34" charset="-120"/>
+                <a:cs typeface="Lantinghei SC Extralight" charset="-122"/>
+              </a:rPr>
+              <a:t>软件培训</a:t>
+            </a:r>
+            <a:endParaRPr lang="zh-CN" altLang="en-US" sz="700" b="1" dirty="0">
+              <a:latin typeface="微軟正黑體" panose="020B0604030504040204" pitchFamily="34" charset="-120"/>
+              <a:ea typeface="微軟正黑體" panose="020B0604030504040204" pitchFamily="34" charset="-120"/>
+              <a:cs typeface="Lantinghei SC Extralight" charset="-122"/>
+            </a:endParaRPr>
           </a:p>
           <a:p>
             <a:pPr marL="363538" lvl="1" indent="-187325">
@@ -11129,31 +11053,14 @@
               <a:buChar char="ü"/>
             </a:pPr>
             <a:r>
-              <a:rPr lang="zh-CN" altLang="en-US" sz="800" b="1" dirty="0">
-                <a:latin typeface="微軟正黑體" panose="020B0604030504040204" pitchFamily="34" charset="-120"/>
-                <a:ea typeface="微軟正黑體" panose="020B0604030504040204" pitchFamily="34" charset="-120"/>
-                <a:cs typeface="Lantinghei SC Extralight" charset="-122"/>
-              </a:rPr>
-              <a:t>制定班级宪章</a:t>
-            </a:r>
-          </a:p>
-          <a:p>
-            <a:pPr marL="363538" lvl="1" indent="-187325">
-              <a:lnSpc>
-                <a:spcPct val="120000"/>
-              </a:lnSpc>
-              <a:buFont typeface="Wingdings" panose="05000000000000000000" pitchFamily="2" charset="2"/>
-              <a:buChar char="ü"/>
-            </a:pPr>
-            <a:r>
-              <a:rPr lang="zh-CN" altLang="en-US" sz="800" b="1" dirty="0" smtClean="0">
-                <a:latin typeface="微軟正黑體" panose="020B0604030504040204" pitchFamily="34" charset="-120"/>
-                <a:ea typeface="微軟正黑體" panose="020B0604030504040204" pitchFamily="34" charset="-120"/>
-                <a:cs typeface="Lantinghei SC Extralight" charset="-122"/>
-              </a:rPr>
-              <a:t>终极汇报演出</a:t>
-            </a:r>
-            <a:endParaRPr lang="zh-CN" altLang="en-US" sz="800" b="1" dirty="0">
+              <a:rPr lang="zh-CN" altLang="en-US" sz="700" b="1" dirty="0" smtClean="0">
+                <a:latin typeface="微軟正黑體" panose="020B0604030504040204" pitchFamily="34" charset="-120"/>
+                <a:ea typeface="微軟正黑體" panose="020B0604030504040204" pitchFamily="34" charset="-120"/>
+                <a:cs typeface="Lantinghei SC Extralight" charset="-122"/>
+              </a:rPr>
+              <a:t>班级宪章</a:t>
+            </a:r>
+            <a:endParaRPr lang="zh-CN" altLang="en-US" sz="700" b="1" dirty="0">
               <a:latin typeface="微軟正黑體" panose="020B0604030504040204" pitchFamily="34" charset="-120"/>
               <a:ea typeface="微軟正黑體" panose="020B0604030504040204" pitchFamily="34" charset="-120"/>
               <a:cs typeface="Lantinghei SC Extralight" charset="-122"/>
@@ -11169,8 +11076,8 @@
         </p:nvSpPr>
         <p:spPr>
           <a:xfrm>
-            <a:off x="6649560" y="2348111"/>
-            <a:ext cx="1814660" cy="1731693"/>
+            <a:off x="6597820" y="2342322"/>
+            <a:ext cx="1814660" cy="1526765"/>
           </a:xfrm>
           <a:prstGeom prst="rect">
             <a:avLst/>
@@ -11190,7 +11097,7 @@
               <a:buChar char="•"/>
             </a:pPr>
             <a:r>
-              <a:rPr lang="en-US" altLang="zh-CN" sz="800" b="1" dirty="0" smtClean="0">
+              <a:rPr lang="en-US" altLang="zh-CN" sz="700" b="1" dirty="0" smtClean="0">
                 <a:latin typeface="微軟正黑體" panose="020B0604030504040204" pitchFamily="34" charset="-120"/>
                 <a:ea typeface="微軟正黑體" panose="020B0604030504040204" pitchFamily="34" charset="-120"/>
                 <a:cs typeface="Lantinghei SC Extralight" charset="-122"/>
@@ -11198,14 +11105,14 @@
               <a:t>WIKI</a:t>
             </a:r>
             <a:r>
-              <a:rPr lang="zh-CN" altLang="en-US" sz="800" b="1" dirty="0" smtClean="0">
+              <a:rPr lang="zh-CN" altLang="en-US" sz="700" b="1" dirty="0" smtClean="0">
                 <a:latin typeface="微軟正黑體" panose="020B0604030504040204" pitchFamily="34" charset="-120"/>
                 <a:ea typeface="微軟正黑體" panose="020B0604030504040204" pitchFamily="34" charset="-120"/>
                 <a:cs typeface="Lantinghei SC Extralight" charset="-122"/>
               </a:rPr>
               <a:t>软件工具</a:t>
             </a:r>
-            <a:endParaRPr lang="en-US" altLang="zh-CN" sz="800" b="1" dirty="0" smtClean="0">
+            <a:endParaRPr lang="en-US" altLang="zh-CN" sz="700" b="1" dirty="0" smtClean="0">
               <a:latin typeface="微軟正黑體" panose="020B0604030504040204" pitchFamily="34" charset="-120"/>
               <a:ea typeface="微軟正黑體" panose="020B0604030504040204" pitchFamily="34" charset="-120"/>
               <a:cs typeface="Lantinghei SC Extralight" charset="-122"/>
@@ -11220,7 +11127,7 @@
               <a:buChar char="•"/>
             </a:pPr>
             <a:r>
-              <a:rPr lang="en-US" altLang="zh-CN" sz="800" b="1" dirty="0" smtClean="0">
+              <a:rPr lang="en-US" altLang="zh-CN" sz="700" b="1" dirty="0" smtClean="0">
                 <a:latin typeface="微軟正黑體" panose="020B0604030504040204" pitchFamily="34" charset="-120"/>
                 <a:ea typeface="微軟正黑體" panose="020B0604030504040204" pitchFamily="34" charset="-120"/>
                 <a:cs typeface="Lantinghei SC Extralight" charset="-122"/>
@@ -11228,14 +11135,14 @@
               <a:t>GIT</a:t>
             </a:r>
             <a:r>
-              <a:rPr lang="zh-CN" altLang="en-US" sz="800" b="1" dirty="0" smtClean="0">
+              <a:rPr lang="zh-CN" altLang="en-US" sz="700" b="1" dirty="0" smtClean="0">
                 <a:latin typeface="微軟正黑體" panose="020B0604030504040204" pitchFamily="34" charset="-120"/>
                 <a:ea typeface="微軟正黑體" panose="020B0604030504040204" pitchFamily="34" charset="-120"/>
                 <a:cs typeface="Lantinghei SC Extralight" charset="-122"/>
               </a:rPr>
               <a:t>软件工具 </a:t>
             </a:r>
-            <a:endParaRPr lang="en-US" altLang="zh-CN" sz="800" b="1" dirty="0" smtClean="0">
+            <a:endParaRPr lang="en-US" altLang="zh-CN" sz="700" b="1" dirty="0" smtClean="0">
               <a:latin typeface="微軟正黑體" panose="020B0604030504040204" pitchFamily="34" charset="-120"/>
               <a:ea typeface="微軟正黑體" panose="020B0604030504040204" pitchFamily="34" charset="-120"/>
               <a:cs typeface="Lantinghei SC Extralight" charset="-122"/>
@@ -11250,14 +11157,14 @@
               <a:buChar char="•"/>
             </a:pPr>
             <a:r>
-              <a:rPr lang="zh-CN" altLang="en-US" sz="800" b="1" dirty="0" smtClean="0">
+              <a:rPr lang="zh-CN" altLang="en-US" sz="700" b="1" dirty="0" smtClean="0">
                 <a:latin typeface="微軟正黑體" panose="020B0604030504040204" pitchFamily="34" charset="-120"/>
                 <a:ea typeface="微軟正黑體" panose="020B0604030504040204" pitchFamily="34" charset="-120"/>
                 <a:cs typeface="Lantinghei SC Extralight" charset="-122"/>
               </a:rPr>
               <a:t>校内各社团资源</a:t>
             </a:r>
-            <a:endParaRPr lang="en-US" altLang="zh-CN" sz="800" b="1" dirty="0" smtClean="0">
+            <a:endParaRPr lang="en-US" altLang="zh-CN" sz="700" b="1" dirty="0" smtClean="0">
               <a:latin typeface="微軟正黑體" panose="020B0604030504040204" pitchFamily="34" charset="-120"/>
               <a:ea typeface="微軟正黑體" panose="020B0604030504040204" pitchFamily="34" charset="-120"/>
               <a:cs typeface="Lantinghei SC Extralight" charset="-122"/>
@@ -11272,7 +11179,7 @@
               <a:buChar char="•"/>
             </a:pPr>
             <a:r>
-              <a:rPr lang="zh-CN" altLang="en-US" sz="800" b="1" dirty="0">
+              <a:rPr lang="zh-CN" altLang="en-US" sz="700" b="1" dirty="0">
                 <a:latin typeface="微軟正黑體" panose="020B0604030504040204" pitchFamily="34" charset="-120"/>
                 <a:ea typeface="微軟正黑體" panose="020B0604030504040204" pitchFamily="34" charset="-120"/>
                 <a:cs typeface="Lantinghei SC Extralight" charset="-122"/>
@@ -11280,7 +11187,7 @@
               <a:t>校内</a:t>
             </a:r>
             <a:r>
-              <a:rPr lang="zh-CN" altLang="en-US" sz="800" b="1" dirty="0" smtClean="0">
+              <a:rPr lang="zh-CN" altLang="en-US" sz="700" b="1" dirty="0" smtClean="0">
                 <a:latin typeface="微軟正黑體" panose="020B0604030504040204" pitchFamily="34" charset="-120"/>
                 <a:ea typeface="微軟正黑體" panose="020B0604030504040204" pitchFamily="34" charset="-120"/>
                 <a:cs typeface="Lantinghei SC Extralight" charset="-122"/>
@@ -11288,14 +11195,14 @@
               <a:t>图书馆</a:t>
             </a:r>
             <a:r>
-              <a:rPr lang="zh-CN" altLang="en-US" sz="800" b="1" dirty="0">
+              <a:rPr lang="zh-CN" altLang="en-US" sz="700" b="1" dirty="0">
                 <a:latin typeface="微軟正黑體" panose="020B0604030504040204" pitchFamily="34" charset="-120"/>
                 <a:ea typeface="微軟正黑體" panose="020B0604030504040204" pitchFamily="34" charset="-120"/>
                 <a:cs typeface="Lantinghei SC Extralight" charset="-122"/>
               </a:rPr>
               <a:t>资源</a:t>
             </a:r>
-            <a:endParaRPr lang="en-US" altLang="zh-CN" sz="800" b="1" dirty="0">
+            <a:endParaRPr lang="en-US" altLang="zh-CN" sz="700" b="1" dirty="0">
               <a:latin typeface="微軟正黑體" panose="020B0604030504040204" pitchFamily="34" charset="-120"/>
               <a:ea typeface="微軟正黑體" panose="020B0604030504040204" pitchFamily="34" charset="-120"/>
               <a:cs typeface="Lantinghei SC Extralight" charset="-122"/>
@@ -11310,14 +11217,30 @@
               <a:buChar char="•"/>
             </a:pPr>
             <a:r>
-              <a:rPr lang="zh-CN" altLang="en-US" sz="800" b="1" dirty="0" smtClean="0">
-                <a:latin typeface="微軟正黑體" panose="020B0604030504040204" pitchFamily="34" charset="-120"/>
-                <a:ea typeface="微軟正黑體" panose="020B0604030504040204" pitchFamily="34" charset="-120"/>
-                <a:cs typeface="Lantinghei SC Extralight" charset="-122"/>
-              </a:rPr>
-              <a:t>导师生动讲解</a:t>
-            </a:r>
-            <a:endParaRPr lang="en-US" altLang="zh-CN" sz="800" b="1" dirty="0" smtClean="0">
+              <a:rPr lang="zh-CN" altLang="en-US" sz="700" b="1" dirty="0">
+                <a:latin typeface="微軟正黑體" panose="020B0604030504040204" pitchFamily="34" charset="-120"/>
+                <a:ea typeface="微軟正黑體" panose="020B0604030504040204" pitchFamily="34" charset="-120"/>
+                <a:cs typeface="Lantinghei SC Extralight" charset="-122"/>
+              </a:rPr>
+              <a:t>往期</a:t>
+            </a:r>
+            <a:r>
+              <a:rPr lang="en-US" altLang="zh-CN" sz="700" b="1" dirty="0">
+                <a:latin typeface="微軟正黑體" panose="020B0604030504040204" pitchFamily="34" charset="-120"/>
+                <a:ea typeface="微軟正黑體" panose="020B0604030504040204" pitchFamily="34" charset="-120"/>
+                <a:cs typeface="Lantinghei SC Extralight" charset="-122"/>
+              </a:rPr>
+              <a:t>MEM</a:t>
+            </a:r>
+            <a:r>
+              <a:rPr lang="zh-CN" altLang="en-US" sz="700" b="1" dirty="0">
+                <a:latin typeface="微軟正黑體" panose="020B0604030504040204" pitchFamily="34" charset="-120"/>
+                <a:ea typeface="微軟正黑體" panose="020B0604030504040204" pitchFamily="34" charset="-120"/>
+                <a:cs typeface="Lantinghei SC Extralight" charset="-122"/>
+              </a:rPr>
+              <a:t>案例</a:t>
+            </a:r>
+            <a:endParaRPr lang="en-US" altLang="zh-CN" sz="700" b="1" dirty="0">
               <a:latin typeface="微軟正黑體" panose="020B0604030504040204" pitchFamily="34" charset="-120"/>
               <a:ea typeface="微軟正黑體" panose="020B0604030504040204" pitchFamily="34" charset="-120"/>
               <a:cs typeface="Lantinghei SC Extralight" charset="-122"/>
@@ -11332,14 +11255,14 @@
               <a:buChar char="•"/>
             </a:pPr>
             <a:r>
-              <a:rPr lang="zh-CN" altLang="en-US" sz="800" b="1" dirty="0" smtClean="0">
-                <a:latin typeface="微軟正黑體" panose="020B0604030504040204" pitchFamily="34" charset="-120"/>
-                <a:ea typeface="微軟正黑體" panose="020B0604030504040204" pitchFamily="34" charset="-120"/>
-                <a:cs typeface="Lantinghei SC Extralight" charset="-122"/>
-              </a:rPr>
-              <a:t>同学自身努力</a:t>
-            </a:r>
-            <a:endParaRPr lang="en-US" altLang="zh-CN" sz="800" b="1" dirty="0" smtClean="0">
+              <a:rPr lang="zh-CN" altLang="en-US" sz="700" b="1" dirty="0" smtClean="0">
+                <a:latin typeface="微軟正黑體" panose="020B0604030504040204" pitchFamily="34" charset="-120"/>
+                <a:ea typeface="微軟正黑體" panose="020B0604030504040204" pitchFamily="34" charset="-120"/>
+                <a:cs typeface="Lantinghei SC Extralight" charset="-122"/>
+              </a:rPr>
+              <a:t>导师生动讲解</a:t>
+            </a:r>
+            <a:endParaRPr lang="en-US" altLang="zh-CN" sz="700" b="1" dirty="0" smtClean="0">
               <a:latin typeface="微軟正黑體" panose="020B0604030504040204" pitchFamily="34" charset="-120"/>
               <a:ea typeface="微軟正黑體" panose="020B0604030504040204" pitchFamily="34" charset="-120"/>
               <a:cs typeface="Lantinghei SC Extralight" charset="-122"/>
@@ -11354,14 +11277,14 @@
               <a:buChar char="•"/>
             </a:pPr>
             <a:r>
-              <a:rPr lang="zh-CN" altLang="en-US" sz="800" b="1" dirty="0" smtClean="0">
-                <a:latin typeface="微軟正黑體" panose="020B0604030504040204" pitchFamily="34" charset="-120"/>
-                <a:ea typeface="微軟正黑體" panose="020B0604030504040204" pitchFamily="34" charset="-120"/>
-                <a:cs typeface="Lantinghei SC Extralight" charset="-122"/>
-              </a:rPr>
-              <a:t>组间学习交流</a:t>
-            </a:r>
-            <a:endParaRPr lang="en-US" altLang="zh-CN" sz="800" b="1" dirty="0" smtClean="0">
+              <a:rPr lang="zh-CN" altLang="en-US" sz="700" b="1" dirty="0" smtClean="0">
+                <a:latin typeface="微軟正黑體" panose="020B0604030504040204" pitchFamily="34" charset="-120"/>
+                <a:ea typeface="微軟正黑體" panose="020B0604030504040204" pitchFamily="34" charset="-120"/>
+                <a:cs typeface="Lantinghei SC Extralight" charset="-122"/>
+              </a:rPr>
+              <a:t>同学自身努力</a:t>
+            </a:r>
+            <a:endParaRPr lang="en-US" altLang="zh-CN" sz="700" b="1" dirty="0" smtClean="0">
               <a:latin typeface="微軟正黑體" panose="020B0604030504040204" pitchFamily="34" charset="-120"/>
               <a:ea typeface="微軟正黑體" panose="020B0604030504040204" pitchFamily="34" charset="-120"/>
               <a:cs typeface="Lantinghei SC Extralight" charset="-122"/>
@@ -11376,38 +11299,14 @@
               <a:buChar char="•"/>
             </a:pPr>
             <a:r>
-              <a:rPr lang="zh-CN" altLang="en-US" sz="800" b="1" dirty="0">
-                <a:latin typeface="微軟正黑體" panose="020B0604030504040204" pitchFamily="34" charset="-120"/>
-                <a:ea typeface="微軟正黑體" panose="020B0604030504040204" pitchFamily="34" charset="-120"/>
-                <a:cs typeface="Lantinghei SC Extralight" charset="-122"/>
-              </a:rPr>
-              <a:t>往</a:t>
-            </a:r>
-            <a:r>
-              <a:rPr lang="zh-CN" altLang="en-US" sz="800" b="1" dirty="0" smtClean="0">
-                <a:latin typeface="微軟正黑體" panose="020B0604030504040204" pitchFamily="34" charset="-120"/>
-                <a:ea typeface="微軟正黑體" panose="020B0604030504040204" pitchFamily="34" charset="-120"/>
-                <a:cs typeface="Lantinghei SC Extralight" charset="-122"/>
-              </a:rPr>
-              <a:t>期</a:t>
-            </a:r>
-            <a:r>
-              <a:rPr lang="en-US" altLang="zh-CN" sz="800" b="1" dirty="0" smtClean="0">
-                <a:latin typeface="微軟正黑體" panose="020B0604030504040204" pitchFamily="34" charset="-120"/>
-                <a:ea typeface="微軟正黑體" panose="020B0604030504040204" pitchFamily="34" charset="-120"/>
-                <a:cs typeface="Lantinghei SC Extralight" charset="-122"/>
-              </a:rPr>
-              <a:t>MEM</a:t>
-            </a:r>
-            <a:r>
-              <a:rPr lang="zh-CN" altLang="en-US" sz="800" b="1" dirty="0" smtClean="0">
-                <a:latin typeface="微軟正黑體" panose="020B0604030504040204" pitchFamily="34" charset="-120"/>
-                <a:ea typeface="微軟正黑體" panose="020B0604030504040204" pitchFamily="34" charset="-120"/>
-                <a:cs typeface="Lantinghei SC Extralight" charset="-122"/>
-              </a:rPr>
-              <a:t>案例</a:t>
-            </a:r>
-            <a:endParaRPr lang="en-US" altLang="zh-CN" sz="800" b="1" dirty="0" smtClean="0">
+              <a:rPr lang="zh-CN" altLang="en-US" sz="700" b="1" dirty="0" smtClean="0">
+                <a:latin typeface="微軟正黑體" panose="020B0604030504040204" pitchFamily="34" charset="-120"/>
+                <a:ea typeface="微軟正黑體" panose="020B0604030504040204" pitchFamily="34" charset="-120"/>
+                <a:cs typeface="Lantinghei SC Extralight" charset="-122"/>
+              </a:rPr>
+              <a:t>组间学习交流</a:t>
+            </a:r>
+            <a:endParaRPr lang="en-US" altLang="zh-CN" sz="700" b="1" dirty="0" smtClean="0">
               <a:latin typeface="微軟正黑體" panose="020B0604030504040204" pitchFamily="34" charset="-120"/>
               <a:ea typeface="微軟正黑體" panose="020B0604030504040204" pitchFamily="34" charset="-120"/>
               <a:cs typeface="Lantinghei SC Extralight" charset="-122"/>
@@ -11422,7 +11321,7 @@
               <a:buChar char="•"/>
             </a:pPr>
             <a:r>
-              <a:rPr lang="zh-CN" altLang="en-US" sz="800" b="1" dirty="0" smtClean="0">
+              <a:rPr lang="zh-CN" altLang="en-US" sz="700" b="1" dirty="0" smtClean="0">
                 <a:latin typeface="微軟正黑體" panose="020B0604030504040204" pitchFamily="34" charset="-120"/>
                 <a:ea typeface="微軟正黑體" panose="020B0604030504040204" pitchFamily="34" charset="-120"/>
                 <a:cs typeface="Lantinghei SC Extralight" charset="-122"/>
@@ -11430,7 +11329,7 @@
               <a:t>现场</a:t>
             </a:r>
             <a:r>
-              <a:rPr lang="zh-CN" altLang="en-US" sz="800" b="1" dirty="0">
+              <a:rPr lang="zh-CN" altLang="en-US" sz="700" b="1" dirty="0">
                 <a:latin typeface="微軟正黑體" panose="020B0604030504040204" pitchFamily="34" charset="-120"/>
                 <a:ea typeface="微軟正黑體" panose="020B0604030504040204" pitchFamily="34" charset="-120"/>
                 <a:cs typeface="Lantinghei SC Extralight" charset="-122"/>
@@ -11438,7 +11337,7 @@
               <a:t>教学</a:t>
             </a:r>
             <a:r>
-              <a:rPr lang="zh-CN" altLang="en-US" sz="800" b="1" dirty="0" smtClean="0">
+              <a:rPr lang="zh-CN" altLang="en-US" sz="700" b="1" dirty="0" smtClean="0">
                 <a:latin typeface="微軟正黑體" panose="020B0604030504040204" pitchFamily="34" charset="-120"/>
                 <a:ea typeface="微軟正黑體" panose="020B0604030504040204" pitchFamily="34" charset="-120"/>
                 <a:cs typeface="Lantinghei SC Extralight" charset="-122"/>
@@ -11455,7 +11354,7 @@
               <a:buChar char="•"/>
             </a:pPr>
             <a:r>
-              <a:rPr lang="en-US" altLang="zh-CN" sz="800" b="1" dirty="0" smtClean="0">
+              <a:rPr lang="en-US" altLang="zh-CN" sz="700" b="1" dirty="0" smtClean="0">
                 <a:latin typeface="微軟正黑體" panose="020B0604030504040204" pitchFamily="34" charset="-120"/>
                 <a:ea typeface="微軟正黑體" panose="020B0604030504040204" pitchFamily="34" charset="-120"/>
                 <a:cs typeface="Lantinghei SC Extralight" charset="-122"/>
@@ -11463,13 +11362,42 @@
               <a:t>MEM</a:t>
             </a:r>
             <a:r>
-              <a:rPr lang="zh-CN" altLang="en-US" sz="800" b="1" dirty="0">
-                <a:latin typeface="微軟正黑體" panose="020B0604030504040204" pitchFamily="34" charset="-120"/>
-                <a:ea typeface="微軟正黑體" panose="020B0604030504040204" pitchFamily="34" charset="-120"/>
-                <a:cs typeface="Lantinghei SC Extralight" charset="-122"/>
-              </a:rPr>
-              <a:t>教育中心的支持 </a:t>
-            </a:r>
+              <a:rPr lang="zh-CN" altLang="en-US" sz="700" b="1" dirty="0">
+                <a:latin typeface="微軟正黑體" panose="020B0604030504040204" pitchFamily="34" charset="-120"/>
+                <a:ea typeface="微軟正黑體" panose="020B0604030504040204" pitchFamily="34" charset="-120"/>
+                <a:cs typeface="Lantinghei SC Extralight" charset="-122"/>
+              </a:rPr>
+              <a:t>教育</a:t>
+            </a:r>
+            <a:r>
+              <a:rPr lang="zh-CN" altLang="en-US" sz="700" b="1" dirty="0" smtClean="0">
+                <a:latin typeface="微軟正黑體" panose="020B0604030504040204" pitchFamily="34" charset="-120"/>
+                <a:ea typeface="微軟正黑體" panose="020B0604030504040204" pitchFamily="34" charset="-120"/>
+                <a:cs typeface="Lantinghei SC Extralight" charset="-122"/>
+              </a:rPr>
+              <a:t>中心</a:t>
+            </a:r>
+            <a:r>
+              <a:rPr lang="zh-CN" altLang="en-US" sz="700" b="1" dirty="0">
+                <a:latin typeface="微軟正黑體" panose="020B0604030504040204" pitchFamily="34" charset="-120"/>
+                <a:ea typeface="微軟正黑體" panose="020B0604030504040204" pitchFamily="34" charset="-120"/>
+                <a:cs typeface="Lantinghei SC Extralight" charset="-122"/>
+              </a:rPr>
+              <a:t>资源</a:t>
+            </a:r>
+            <a:r>
+              <a:rPr lang="zh-CN" altLang="en-US" sz="700" b="1" dirty="0" smtClean="0">
+                <a:latin typeface="微軟正黑體" panose="020B0604030504040204" pitchFamily="34" charset="-120"/>
+                <a:ea typeface="微軟正黑體" panose="020B0604030504040204" pitchFamily="34" charset="-120"/>
+                <a:cs typeface="Lantinghei SC Extralight" charset="-122"/>
+              </a:rPr>
+              <a:t> </a:t>
+            </a:r>
+            <a:endParaRPr lang="zh-CN" altLang="en-US" sz="700" b="1" dirty="0">
+              <a:latin typeface="微軟正黑體" panose="020B0604030504040204" pitchFamily="34" charset="-120"/>
+              <a:ea typeface="微軟正黑體" panose="020B0604030504040204" pitchFamily="34" charset="-120"/>
+              <a:cs typeface="Lantinghei SC Extralight" charset="-122"/>
+            </a:endParaRPr>
           </a:p>
           <a:p>
             <a:pPr marL="214313" lvl="1" indent="-214313">
@@ -11479,7 +11407,7 @@
               <a:buFont typeface="Arial" panose="020B0604020202020204" pitchFamily="34" charset="0"/>
               <a:buChar char="•"/>
             </a:pPr>
-            <a:endParaRPr lang="en-US" altLang="zh-CN" sz="800" b="1" dirty="0">
+            <a:endParaRPr lang="en-US" altLang="zh-CN" sz="700" b="1" dirty="0">
               <a:latin typeface="微軟正黑體" panose="020B0604030504040204" pitchFamily="34" charset="-120"/>
               <a:ea typeface="微軟正黑體" panose="020B0604030504040204" pitchFamily="34" charset="-120"/>
               <a:cs typeface="Lantinghei SC Extralight" charset="-122"/>
@@ -11489,102 +11417,14 @@
       </p:sp>
       <p:sp>
         <p:nvSpPr>
-          <p:cNvPr id="22" name="文本框 21"/>
-          <p:cNvSpPr txBox="1"/>
-          <p:nvPr/>
-        </p:nvSpPr>
-        <p:spPr>
-          <a:xfrm>
-            <a:off x="757673" y="2397947"/>
-            <a:ext cx="1609608" cy="1569660"/>
-          </a:xfrm>
-          <a:prstGeom prst="rect">
-            <a:avLst/>
-          </a:prstGeom>
-          <a:noFill/>
-        </p:spPr>
-        <p:txBody>
-          <a:bodyPr wrap="square" rtlCol="0">
-            <a:spAutoFit/>
-          </a:bodyPr>
-          <a:lstStyle/>
-          <a:p>
-            <a:pPr marL="177800" indent="-90000">
-              <a:lnSpc>
-                <a:spcPct val="120000"/>
-              </a:lnSpc>
-              <a:buFont typeface="Arial" panose="020B0604020202020204" pitchFamily="34" charset="0"/>
-              <a:buChar char="•"/>
-            </a:pPr>
-            <a:r>
-              <a:rPr lang="zh-CN" altLang="en-US" sz="800" b="1" dirty="0" smtClean="0">
-                <a:latin typeface="微軟正黑體" panose="020B0604030504040204" pitchFamily="34" charset="-120"/>
-                <a:ea typeface="微軟正黑體" panose="020B0604030504040204" pitchFamily="34" charset="-120"/>
-                <a:cs typeface="Lantinghei SC Extralight" charset="-122"/>
-              </a:rPr>
-              <a:t>通过自身优势的深入了解，清华历史的认识，重启人生的定位</a:t>
-            </a:r>
-            <a:endParaRPr lang="en-US" altLang="zh-CN" sz="800" b="1" dirty="0" smtClean="0">
-              <a:latin typeface="微軟正黑體" panose="020B0604030504040204" pitchFamily="34" charset="-120"/>
-              <a:ea typeface="微軟正黑體" panose="020B0604030504040204" pitchFamily="34" charset="-120"/>
-              <a:cs typeface="Lantinghei SC Extralight" charset="-122"/>
-            </a:endParaRPr>
-          </a:p>
-          <a:p>
-            <a:pPr marL="177800" indent="-90000">
-              <a:lnSpc>
-                <a:spcPct val="120000"/>
-              </a:lnSpc>
-              <a:buFont typeface="Arial" panose="020B0604020202020204" pitchFamily="34" charset="0"/>
-              <a:buChar char="•"/>
-            </a:pPr>
-            <a:r>
-              <a:rPr lang="zh-CN" altLang="en-US" sz="800" b="1" dirty="0" smtClean="0">
-                <a:latin typeface="微軟正黑體" panose="020B0604030504040204" pitchFamily="34" charset="-120"/>
-                <a:ea typeface="微軟正黑體" panose="020B0604030504040204" pitchFamily="34" charset="-120"/>
-                <a:cs typeface="Lantinghei SC Extralight" charset="-122"/>
-              </a:rPr>
-              <a:t>通过输出物的完成，能够学习迭代思维和计算思维，自主学习的过程中掌握学习工具</a:t>
-            </a:r>
-            <a:endParaRPr lang="en-US" altLang="zh-CN" sz="800" b="1" dirty="0">
-              <a:latin typeface="微軟正黑體" panose="020B0604030504040204" pitchFamily="34" charset="-120"/>
-              <a:ea typeface="微軟正黑體" panose="020B0604030504040204" pitchFamily="34" charset="-120"/>
-              <a:cs typeface="Lantinghei SC Extralight" charset="-122"/>
-            </a:endParaRPr>
-          </a:p>
-          <a:p>
-            <a:pPr marL="177800" lvl="1" indent="-90000">
-              <a:lnSpc>
-                <a:spcPct val="120000"/>
-              </a:lnSpc>
-              <a:buFont typeface="Arial" panose="020B0604020202020204" pitchFamily="34" charset="0"/>
-              <a:buChar char="•"/>
-            </a:pPr>
-            <a:r>
-              <a:rPr lang="zh-CN" altLang="en-US" sz="800" b="1" dirty="0" smtClean="0">
-                <a:latin typeface="微軟正黑體" panose="020B0604030504040204" pitchFamily="34" charset="-120"/>
-                <a:ea typeface="微軟正黑體" panose="020B0604030504040204" pitchFamily="34" charset="-120"/>
-                <a:cs typeface="Lantinghei SC Extralight" charset="-122"/>
-              </a:rPr>
-              <a:t>通过晨间汇报，终极汇报等快速进入学习状态，学会协同工作</a:t>
-            </a:r>
-            <a:endParaRPr lang="zh-CN" altLang="en-US" sz="800" dirty="0">
-              <a:latin typeface="微软雅黑" panose="020B0503020204020204" pitchFamily="34" charset="-122"/>
-              <a:ea typeface="微软雅黑" panose="020B0503020204020204" pitchFamily="34" charset="-122"/>
-            </a:endParaRPr>
-          </a:p>
-        </p:txBody>
-      </p:sp>
-      <p:sp>
-        <p:nvSpPr>
           <p:cNvPr id="27" name="文本框 26"/>
           <p:cNvSpPr txBox="1"/>
           <p:nvPr/>
         </p:nvSpPr>
         <p:spPr>
           <a:xfrm>
-            <a:off x="1612789" y="4597434"/>
-            <a:ext cx="6631441" cy="535531"/>
+            <a:off x="1562477" y="4330446"/>
+            <a:ext cx="6631441" cy="726930"/>
           </a:xfrm>
           <a:prstGeom prst="rect">
             <a:avLst/>
@@ -11626,1238 +11466,90 @@
           </a:lstStyle>
           <a:p>
             <a:r>
-              <a:rPr lang="en-US" altLang="zh-CN" dirty="0"/>
+              <a:rPr lang="en-US" altLang="zh-CN" sz="700" dirty="0"/>
               <a:t>MEM</a:t>
             </a:r>
             <a:r>
-              <a:rPr lang="zh-CN" altLang="en-US" dirty="0" smtClean="0"/>
+              <a:rPr lang="zh-CN" altLang="en-US" sz="700" dirty="0" smtClean="0"/>
               <a:t>学生</a:t>
             </a:r>
             <a:r>
-              <a:rPr lang="zh-CN" altLang="en-US" dirty="0"/>
+              <a:rPr lang="zh-CN" altLang="en-US" sz="700" dirty="0"/>
               <a:t>在入学导引课初期，自我意识与集体意识需要进行</a:t>
             </a:r>
             <a:r>
-              <a:rPr lang="zh-CN" altLang="en-US" dirty="0" smtClean="0"/>
+              <a:rPr lang="zh-CN" altLang="en-US" sz="700" dirty="0" smtClean="0"/>
               <a:t>磨合</a:t>
             </a:r>
-            <a:endParaRPr lang="en-US" altLang="zh-CN" dirty="0" smtClean="0"/>
-          </a:p>
-          <a:p>
-            <a:r>
-              <a:rPr lang="en-US" altLang="zh-CN" dirty="0" smtClean="0"/>
+            <a:endParaRPr lang="en-US" altLang="zh-CN" sz="700" dirty="0" smtClean="0"/>
+          </a:p>
+          <a:p>
+            <a:r>
+              <a:rPr lang="en-US" altLang="zh-CN" sz="700" dirty="0" smtClean="0"/>
               <a:t>MEM</a:t>
             </a:r>
             <a:r>
-              <a:rPr lang="zh-CN" altLang="en-US" dirty="0" smtClean="0"/>
+              <a:rPr lang="zh-CN" altLang="en-US" sz="700" dirty="0" smtClean="0"/>
               <a:t>学生兼顾学习和工作的特点导致课堂效果不足</a:t>
             </a:r>
-            <a:endParaRPr lang="en-US" altLang="zh-CN" dirty="0"/>
-          </a:p>
-          <a:p>
-            <a:r>
-              <a:rPr lang="en-US" altLang="zh-CN" dirty="0" smtClean="0"/>
+            <a:endParaRPr lang="en-US" altLang="zh-CN" sz="700" dirty="0"/>
+          </a:p>
+          <a:p>
+            <a:r>
+              <a:rPr lang="en-US" altLang="zh-CN" sz="700" dirty="0" smtClean="0"/>
               <a:t>MEM</a:t>
             </a:r>
             <a:r>
-              <a:rPr lang="zh-CN" altLang="en-US" dirty="0" smtClean="0"/>
+              <a:rPr lang="zh-CN" altLang="en-US" sz="700" dirty="0" smtClean="0"/>
               <a:t>学生</a:t>
             </a:r>
             <a:r>
-              <a:rPr lang="zh-CN" altLang="en-US" dirty="0"/>
+              <a:rPr lang="zh-CN" altLang="en-US" sz="700" dirty="0"/>
               <a:t>在有限时间内的健康与体力需要</a:t>
             </a:r>
             <a:r>
-              <a:rPr lang="zh-CN" altLang="en-US" dirty="0" smtClean="0"/>
+              <a:rPr lang="zh-CN" altLang="en-US" sz="700" dirty="0" smtClean="0"/>
               <a:t>保持</a:t>
             </a:r>
-            <a:endParaRPr lang="en-US" altLang="zh-CN" dirty="0"/>
-          </a:p>
-        </p:txBody>
-      </p:sp>
-    </p:spTree>
-    <p:extLst>
-      <p:ext uri="{BB962C8B-B14F-4D97-AF65-F5344CB8AC3E}">
-        <p14:creationId xmlns:p14="http://schemas.microsoft.com/office/powerpoint/2010/main" val="2235751971"/>
-      </p:ext>
-    </p:extLst>
-  </p:cSld>
-  <p:clrMapOvr>
-    <a:masterClrMapping/>
-  </p:clrMapOvr>
-  <p:transition spd="slow">
-    <p:wipe/>
-  </p:transition>
-  <p:timing>
-    <p:tnLst>
-      <p:par>
-        <p:cTn id="1" dur="indefinite" restart="never" nodeType="tmRoot"/>
-      </p:par>
-    </p:tnLst>
-  </p:timing>
-</p:sld>
-</file>
-
-<file path=ppt/slides/slide2.xml><?xml version="1.0" encoding="utf-8"?>
-<p:sld xmlns:a="http://schemas.openxmlformats.org/drawingml/2006/main" xmlns:r="http://schemas.openxmlformats.org/officeDocument/2006/relationships" xmlns:p="http://schemas.openxmlformats.org/presentationml/2006/main">
-  <p:cSld>
-    <p:spTree>
-      <p:nvGrpSpPr>
-        <p:cNvPr id="1" name=""/>
-        <p:cNvGrpSpPr/>
-        <p:nvPr/>
-      </p:nvGrpSpPr>
-      <p:grpSpPr>
-        <a:xfrm>
-          <a:off x="0" y="0"/>
-          <a:ext cx="0" cy="0"/>
-          <a:chOff x="0" y="0"/>
-          <a:chExt cx="0" cy="0"/>
-        </a:xfrm>
-      </p:grpSpPr>
-      <p:grpSp>
-        <p:nvGrpSpPr>
-          <p:cNvPr id="30" name="组合 29"/>
-          <p:cNvGrpSpPr/>
-          <p:nvPr/>
-        </p:nvGrpSpPr>
-        <p:grpSpPr>
-          <a:xfrm>
-            <a:off x="1266927" y="116554"/>
-            <a:ext cx="7701813" cy="4960472"/>
-            <a:chOff x="1689236" y="155405"/>
-            <a:chExt cx="8658545" cy="6613963"/>
-          </a:xfrm>
-        </p:grpSpPr>
-        <p:grpSp>
-          <p:nvGrpSpPr>
-            <p:cNvPr id="10" name="组合 9"/>
-            <p:cNvGrpSpPr/>
-            <p:nvPr/>
-          </p:nvGrpSpPr>
-          <p:grpSpPr>
-            <a:xfrm>
-              <a:off x="1791948" y="1677450"/>
-              <a:ext cx="8453120" cy="4346802"/>
-              <a:chOff x="1788160" y="1716959"/>
-              <a:chExt cx="8453120" cy="4346802"/>
-            </a:xfrm>
-          </p:grpSpPr>
-          <p:grpSp>
-            <p:nvGrpSpPr>
-              <p:cNvPr id="7" name="组合 6"/>
-              <p:cNvGrpSpPr/>
-              <p:nvPr/>
-            </p:nvGrpSpPr>
-            <p:grpSpPr>
-              <a:xfrm>
-                <a:off x="1788160" y="1717895"/>
-                <a:ext cx="8453120" cy="4345866"/>
-                <a:chOff x="1788160" y="1717895"/>
-                <a:chExt cx="8204778" cy="4345866"/>
-              </a:xfrm>
-            </p:grpSpPr>
-            <p:sp>
-              <p:nvSpPr>
-                <p:cNvPr id="26" name="矩形 25"/>
-                <p:cNvSpPr/>
-                <p:nvPr/>
-              </p:nvSpPr>
-              <p:spPr>
-                <a:xfrm>
-                  <a:off x="7950778" y="1726132"/>
-                  <a:ext cx="2042160" cy="4337629"/>
-                </a:xfrm>
-                <a:prstGeom prst="rect">
-                  <a:avLst/>
-                </a:prstGeom>
-                <a:noFill/>
-                <a:ln w="76200">
-                  <a:solidFill>
-                    <a:srgbClr val="F6BB00"/>
-                  </a:solidFill>
-                </a:ln>
-              </p:spPr>
-              <p:style>
-                <a:lnRef idx="2">
-                  <a:schemeClr val="accent1">
-                    <a:shade val="50000"/>
-                  </a:schemeClr>
-                </a:lnRef>
-                <a:fillRef idx="1">
-                  <a:schemeClr val="accent1"/>
-                </a:fillRef>
-                <a:effectRef idx="0">
-                  <a:schemeClr val="accent1"/>
-                </a:effectRef>
-                <a:fontRef idx="minor">
-                  <a:schemeClr val="lt1"/>
-                </a:fontRef>
-              </p:style>
-              <p:txBody>
-                <a:bodyPr rtlCol="0" anchor="ctr"/>
-                <a:lstStyle/>
-                <a:p>
-                  <a:pPr algn="ctr"/>
-                  <a:endParaRPr lang="zh-CN" altLang="en-US" sz="975" b="1">
-                    <a:solidFill>
-                      <a:schemeClr val="tx1"/>
-                    </a:solidFill>
-                    <a:latin typeface="微軟正黑體" panose="020B0604030504040204" pitchFamily="34" charset="-120"/>
-                    <a:ea typeface="微軟正黑體" panose="020B0604030504040204" pitchFamily="34" charset="-120"/>
-                    <a:cs typeface="Lantinghei SC Extralight" charset="-122"/>
-                  </a:endParaRPr>
-                </a:p>
-              </p:txBody>
-            </p:sp>
-            <p:sp>
-              <p:nvSpPr>
-                <p:cNvPr id="25" name="矩形 24"/>
-                <p:cNvSpPr/>
-                <p:nvPr/>
-              </p:nvSpPr>
-              <p:spPr>
-                <a:xfrm>
-                  <a:off x="5890549" y="1726132"/>
-                  <a:ext cx="2042160" cy="4337629"/>
-                </a:xfrm>
-                <a:prstGeom prst="rect">
-                  <a:avLst/>
-                </a:prstGeom>
-                <a:noFill/>
-                <a:ln w="76200">
-                  <a:solidFill>
-                    <a:srgbClr val="F6BB00"/>
-                  </a:solidFill>
-                </a:ln>
-              </p:spPr>
-              <p:style>
-                <a:lnRef idx="2">
-                  <a:schemeClr val="accent1">
-                    <a:shade val="50000"/>
-                  </a:schemeClr>
-                </a:lnRef>
-                <a:fillRef idx="1">
-                  <a:schemeClr val="accent1"/>
-                </a:fillRef>
-                <a:effectRef idx="0">
-                  <a:schemeClr val="accent1"/>
-                </a:effectRef>
-                <a:fontRef idx="minor">
-                  <a:schemeClr val="lt1"/>
-                </a:fontRef>
-              </p:style>
-              <p:txBody>
-                <a:bodyPr rtlCol="0" anchor="ctr"/>
-                <a:lstStyle/>
-                <a:p>
-                  <a:pPr algn="ctr"/>
-                  <a:endParaRPr lang="zh-CN" altLang="en-US" sz="975" b="1">
-                    <a:solidFill>
-                      <a:schemeClr val="tx1"/>
-                    </a:solidFill>
-                    <a:latin typeface="微軟正黑體" panose="020B0604030504040204" pitchFamily="34" charset="-120"/>
-                    <a:ea typeface="微軟正黑體" panose="020B0604030504040204" pitchFamily="34" charset="-120"/>
-                    <a:cs typeface="Lantinghei SC Extralight" charset="-122"/>
-                  </a:endParaRPr>
-                </a:p>
-              </p:txBody>
-            </p:sp>
-            <p:sp>
-              <p:nvSpPr>
-                <p:cNvPr id="24" name="矩形 23"/>
-                <p:cNvSpPr/>
-                <p:nvPr/>
-              </p:nvSpPr>
-              <p:spPr>
-                <a:xfrm>
-                  <a:off x="3848389" y="1717895"/>
-                  <a:ext cx="2042160" cy="4337629"/>
-                </a:xfrm>
-                <a:prstGeom prst="rect">
-                  <a:avLst/>
-                </a:prstGeom>
-                <a:noFill/>
-                <a:ln w="76200">
-                  <a:solidFill>
-                    <a:srgbClr val="F6BB00"/>
-                  </a:solidFill>
-                </a:ln>
-              </p:spPr>
-              <p:style>
-                <a:lnRef idx="2">
-                  <a:schemeClr val="accent1">
-                    <a:shade val="50000"/>
-                  </a:schemeClr>
-                </a:lnRef>
-                <a:fillRef idx="1">
-                  <a:schemeClr val="accent1"/>
-                </a:fillRef>
-                <a:effectRef idx="0">
-                  <a:schemeClr val="accent1"/>
-                </a:effectRef>
-                <a:fontRef idx="minor">
-                  <a:schemeClr val="lt1"/>
-                </a:fontRef>
-              </p:style>
-              <p:txBody>
-                <a:bodyPr rtlCol="0" anchor="ctr"/>
-                <a:lstStyle/>
-                <a:p>
-                  <a:pPr algn="ctr"/>
-                  <a:endParaRPr lang="zh-CN" altLang="en-US" sz="975" b="1">
-                    <a:solidFill>
-                      <a:schemeClr val="tx1"/>
-                    </a:solidFill>
-                    <a:latin typeface="微軟正黑體" panose="020B0604030504040204" pitchFamily="34" charset="-120"/>
-                    <a:ea typeface="微軟正黑體" panose="020B0604030504040204" pitchFamily="34" charset="-120"/>
-                    <a:cs typeface="Lantinghei SC Extralight" charset="-122"/>
-                  </a:endParaRPr>
-                </a:p>
-              </p:txBody>
-            </p:sp>
-            <p:sp>
-              <p:nvSpPr>
-                <p:cNvPr id="6" name="矩形 5"/>
-                <p:cNvSpPr/>
-                <p:nvPr/>
-              </p:nvSpPr>
-              <p:spPr>
-                <a:xfrm>
-                  <a:off x="1788160" y="1717896"/>
-                  <a:ext cx="2042160" cy="4337629"/>
-                </a:xfrm>
-                <a:prstGeom prst="rect">
-                  <a:avLst/>
-                </a:prstGeom>
-                <a:noFill/>
-                <a:ln w="76200">
-                  <a:solidFill>
-                    <a:srgbClr val="F6BB00"/>
-                  </a:solidFill>
-                </a:ln>
-              </p:spPr>
-              <p:style>
-                <a:lnRef idx="2">
-                  <a:schemeClr val="accent1">
-                    <a:shade val="50000"/>
-                  </a:schemeClr>
-                </a:lnRef>
-                <a:fillRef idx="1">
-                  <a:schemeClr val="accent1"/>
-                </a:fillRef>
-                <a:effectRef idx="0">
-                  <a:schemeClr val="accent1"/>
-                </a:effectRef>
-                <a:fontRef idx="minor">
-                  <a:schemeClr val="lt1"/>
-                </a:fontRef>
-              </p:style>
-              <p:txBody>
-                <a:bodyPr rtlCol="0" anchor="ctr"/>
-                <a:lstStyle/>
-                <a:p>
-                  <a:pPr algn="ctr"/>
-                  <a:endParaRPr lang="zh-CN" altLang="en-US" sz="975" b="1">
-                    <a:solidFill>
-                      <a:schemeClr val="tx1"/>
-                    </a:solidFill>
-                    <a:latin typeface="微軟正黑體" panose="020B0604030504040204" pitchFamily="34" charset="-120"/>
-                    <a:ea typeface="微軟正黑體" panose="020B0604030504040204" pitchFamily="34" charset="-120"/>
-                    <a:cs typeface="Lantinghei SC Extralight" charset="-122"/>
-                  </a:endParaRPr>
-                </a:p>
-              </p:txBody>
-            </p:sp>
-          </p:grpSp>
-          <p:sp>
-            <p:nvSpPr>
-              <p:cNvPr id="9" name="直角三角形 8"/>
-              <p:cNvSpPr/>
-              <p:nvPr/>
-            </p:nvSpPr>
-            <p:spPr>
-              <a:xfrm rot="5400000" flipV="1">
-                <a:off x="3377225" y="1726132"/>
-                <a:ext cx="487945" cy="487945"/>
-              </a:xfrm>
-              <a:prstGeom prst="rtTriangle">
-                <a:avLst/>
-              </a:prstGeom>
-              <a:solidFill>
-                <a:srgbClr val="F6BB00"/>
-              </a:solidFill>
-              <a:ln>
-                <a:solidFill>
-                  <a:srgbClr val="F6BB00"/>
-                </a:solidFill>
-              </a:ln>
-            </p:spPr>
-            <p:style>
-              <a:lnRef idx="2">
-                <a:schemeClr val="accent1">
-                  <a:shade val="50000"/>
-                </a:schemeClr>
-              </a:lnRef>
-              <a:fillRef idx="1">
-                <a:schemeClr val="accent1"/>
-              </a:fillRef>
-              <a:effectRef idx="0">
-                <a:schemeClr val="accent1"/>
-              </a:effectRef>
-              <a:fontRef idx="minor">
-                <a:schemeClr val="lt1"/>
-              </a:fontRef>
-            </p:style>
-            <p:txBody>
-              <a:bodyPr rtlCol="0" anchor="ctr"/>
-              <a:lstStyle/>
-              <a:p>
-                <a:pPr algn="ctr"/>
-                <a:endParaRPr lang="zh-CN" altLang="en-US" sz="975" b="1">
-                  <a:solidFill>
-                    <a:schemeClr val="tx1"/>
-                  </a:solidFill>
-                  <a:latin typeface="微軟正黑體" panose="020B0604030504040204" pitchFamily="34" charset="-120"/>
-                  <a:ea typeface="微軟正黑體" panose="020B0604030504040204" pitchFamily="34" charset="-120"/>
-                  <a:cs typeface="Lantinghei SC Extralight" charset="-122"/>
-                </a:endParaRPr>
-              </a:p>
-            </p:txBody>
-          </p:sp>
-          <p:sp>
-            <p:nvSpPr>
-              <p:cNvPr id="27" name="直角三角形 26"/>
-              <p:cNvSpPr/>
-              <p:nvPr/>
-            </p:nvSpPr>
-            <p:spPr>
-              <a:xfrm rot="5400000" flipV="1">
-                <a:off x="5522592" y="1726132"/>
-                <a:ext cx="487945" cy="487945"/>
-              </a:xfrm>
-              <a:prstGeom prst="rtTriangle">
-                <a:avLst/>
-              </a:prstGeom>
-              <a:solidFill>
-                <a:srgbClr val="F6BB00"/>
-              </a:solidFill>
-              <a:ln>
-                <a:solidFill>
-                  <a:srgbClr val="F6BB00"/>
-                </a:solidFill>
-              </a:ln>
-            </p:spPr>
-            <p:style>
-              <a:lnRef idx="2">
-                <a:schemeClr val="accent1">
-                  <a:shade val="50000"/>
-                </a:schemeClr>
-              </a:lnRef>
-              <a:fillRef idx="1">
-                <a:schemeClr val="accent1"/>
-              </a:fillRef>
-              <a:effectRef idx="0">
-                <a:schemeClr val="accent1"/>
-              </a:effectRef>
-              <a:fontRef idx="minor">
-                <a:schemeClr val="lt1"/>
-              </a:fontRef>
-            </p:style>
-            <p:txBody>
-              <a:bodyPr rtlCol="0" anchor="ctr"/>
-              <a:lstStyle/>
-              <a:p>
-                <a:pPr algn="ctr"/>
-                <a:endParaRPr lang="zh-CN" altLang="en-US" sz="975" b="1">
-                  <a:solidFill>
-                    <a:schemeClr val="tx1"/>
-                  </a:solidFill>
-                  <a:latin typeface="微軟正黑體" panose="020B0604030504040204" pitchFamily="34" charset="-120"/>
-                  <a:ea typeface="微軟正黑體" panose="020B0604030504040204" pitchFamily="34" charset="-120"/>
-                  <a:cs typeface="Lantinghei SC Extralight" charset="-122"/>
-                </a:endParaRPr>
-              </a:p>
-            </p:txBody>
-          </p:sp>
-          <p:sp>
-            <p:nvSpPr>
-              <p:cNvPr id="28" name="直角三角形 27"/>
-              <p:cNvSpPr/>
-              <p:nvPr/>
-            </p:nvSpPr>
-            <p:spPr>
-              <a:xfrm rot="5400000" flipV="1">
-                <a:off x="7591307" y="1726132"/>
-                <a:ext cx="487945" cy="487945"/>
-              </a:xfrm>
-              <a:prstGeom prst="rtTriangle">
-                <a:avLst/>
-              </a:prstGeom>
-              <a:solidFill>
-                <a:srgbClr val="F6BB00"/>
-              </a:solidFill>
-              <a:ln>
-                <a:solidFill>
-                  <a:srgbClr val="F6BB00"/>
-                </a:solidFill>
-              </a:ln>
-            </p:spPr>
-            <p:style>
-              <a:lnRef idx="2">
-                <a:schemeClr val="accent1">
-                  <a:shade val="50000"/>
-                </a:schemeClr>
-              </a:lnRef>
-              <a:fillRef idx="1">
-                <a:schemeClr val="accent1"/>
-              </a:fillRef>
-              <a:effectRef idx="0">
-                <a:schemeClr val="accent1"/>
-              </a:effectRef>
-              <a:fontRef idx="minor">
-                <a:schemeClr val="lt1"/>
-              </a:fontRef>
-            </p:style>
-            <p:txBody>
-              <a:bodyPr rtlCol="0" anchor="ctr"/>
-              <a:lstStyle/>
-              <a:p>
-                <a:pPr algn="ctr"/>
-                <a:endParaRPr lang="zh-CN" altLang="en-US" sz="975" b="1">
-                  <a:solidFill>
-                    <a:schemeClr val="tx1"/>
-                  </a:solidFill>
-                  <a:latin typeface="微軟正黑體" panose="020B0604030504040204" pitchFamily="34" charset="-120"/>
-                  <a:ea typeface="微軟正黑體" panose="020B0604030504040204" pitchFamily="34" charset="-120"/>
-                  <a:cs typeface="Lantinghei SC Extralight" charset="-122"/>
-                </a:endParaRPr>
-              </a:p>
-            </p:txBody>
-          </p:sp>
-          <p:sp>
-            <p:nvSpPr>
-              <p:cNvPr id="29" name="直角三角形 28"/>
-              <p:cNvSpPr/>
-              <p:nvPr/>
-            </p:nvSpPr>
-            <p:spPr>
-              <a:xfrm rot="5400000" flipV="1">
-                <a:off x="9726373" y="1716959"/>
-                <a:ext cx="487945" cy="487945"/>
-              </a:xfrm>
-              <a:prstGeom prst="rtTriangle">
-                <a:avLst/>
-              </a:prstGeom>
-              <a:solidFill>
-                <a:srgbClr val="F6BB00"/>
-              </a:solidFill>
-              <a:ln>
-                <a:solidFill>
-                  <a:srgbClr val="F6BB00"/>
-                </a:solidFill>
-              </a:ln>
-            </p:spPr>
-            <p:style>
-              <a:lnRef idx="2">
-                <a:schemeClr val="accent1">
-                  <a:shade val="50000"/>
-                </a:schemeClr>
-              </a:lnRef>
-              <a:fillRef idx="1">
-                <a:schemeClr val="accent1"/>
-              </a:fillRef>
-              <a:effectRef idx="0">
-                <a:schemeClr val="accent1"/>
-              </a:effectRef>
-              <a:fontRef idx="minor">
-                <a:schemeClr val="lt1"/>
-              </a:fontRef>
-            </p:style>
-            <p:txBody>
-              <a:bodyPr rtlCol="0" anchor="ctr"/>
-              <a:lstStyle/>
-              <a:p>
-                <a:pPr algn="ctr"/>
-                <a:endParaRPr lang="zh-CN" altLang="en-US" sz="975" b="1">
-                  <a:solidFill>
-                    <a:schemeClr val="tx1"/>
-                  </a:solidFill>
-                  <a:latin typeface="微軟正黑體" panose="020B0604030504040204" pitchFamily="34" charset="-120"/>
-                  <a:ea typeface="微軟正黑體" panose="020B0604030504040204" pitchFamily="34" charset="-120"/>
-                  <a:cs typeface="Lantinghei SC Extralight" charset="-122"/>
-                </a:endParaRPr>
-              </a:p>
-            </p:txBody>
-          </p:sp>
-        </p:grpSp>
-        <p:sp>
-          <p:nvSpPr>
-            <p:cNvPr id="8" name="Rounded Rectangle 7"/>
-            <p:cNvSpPr/>
-            <p:nvPr/>
-          </p:nvSpPr>
-          <p:spPr>
-            <a:xfrm>
-              <a:off x="1689236" y="954608"/>
-              <a:ext cx="8658544" cy="686164"/>
-            </a:xfrm>
-            <a:prstGeom prst="roundRect">
-              <a:avLst/>
-            </a:prstGeom>
-            <a:noFill/>
-            <a:ln w="28575">
-              <a:solidFill>
-                <a:schemeClr val="bg2">
-                  <a:lumMod val="25000"/>
-                </a:schemeClr>
-              </a:solidFill>
-            </a:ln>
-            <a:effectLst/>
-          </p:spPr>
-          <p:style>
-            <a:lnRef idx="1">
-              <a:schemeClr val="accent1"/>
-            </a:lnRef>
-            <a:fillRef idx="3">
-              <a:schemeClr val="accent1"/>
-            </a:fillRef>
-            <a:effectRef idx="2">
-              <a:schemeClr val="accent1"/>
-            </a:effectRef>
-            <a:fontRef idx="minor">
-              <a:schemeClr val="lt1"/>
-            </a:fontRef>
-          </p:style>
-          <p:txBody>
-            <a:bodyPr rtlCol="0" anchor="ctr"/>
-            <a:lstStyle/>
-            <a:p>
-              <a:endParaRPr lang="en-US" sz="2100" b="1" dirty="0">
-                <a:solidFill>
-                  <a:schemeClr val="tx1"/>
-                </a:solidFill>
-                <a:latin typeface="微軟正黑體" panose="020B0604030504040204" pitchFamily="34" charset="-120"/>
-                <a:ea typeface="微軟正黑體" panose="020B0604030504040204" pitchFamily="34" charset="-120"/>
-                <a:cs typeface="Lantinghei SC Extralight" charset="-122"/>
-              </a:endParaRPr>
-            </a:p>
-          </p:txBody>
-        </p:sp>
-        <p:sp>
-          <p:nvSpPr>
-            <p:cNvPr id="4" name="Rounded Rectangle 3"/>
-            <p:cNvSpPr/>
-            <p:nvPr/>
-          </p:nvSpPr>
-          <p:spPr>
-            <a:xfrm>
-              <a:off x="1689236" y="155405"/>
-              <a:ext cx="8658544" cy="713843"/>
-            </a:xfrm>
-            <a:prstGeom prst="roundRect">
-              <a:avLst/>
-            </a:prstGeom>
-            <a:noFill/>
-            <a:ln w="28575">
-              <a:solidFill>
-                <a:schemeClr val="bg2">
-                  <a:lumMod val="25000"/>
-                </a:schemeClr>
-              </a:solidFill>
-            </a:ln>
-            <a:effectLst/>
-          </p:spPr>
-          <p:style>
-            <a:lnRef idx="1">
-              <a:schemeClr val="accent1"/>
-            </a:lnRef>
-            <a:fillRef idx="3">
-              <a:schemeClr val="accent1"/>
-            </a:fillRef>
-            <a:effectRef idx="2">
-              <a:schemeClr val="accent1"/>
-            </a:effectRef>
-            <a:fontRef idx="minor">
-              <a:schemeClr val="lt1"/>
-            </a:fontRef>
-          </p:style>
-          <p:txBody>
-            <a:bodyPr rtlCol="0" anchor="ctr"/>
-            <a:lstStyle/>
-            <a:p>
-              <a:endParaRPr lang="en-US" sz="900" b="1" dirty="0">
-                <a:solidFill>
-                  <a:schemeClr val="tx1"/>
-                </a:solidFill>
-                <a:latin typeface="微軟正黑體" panose="020B0604030504040204" pitchFamily="34" charset="-120"/>
-                <a:ea typeface="微軟正黑體" panose="020B0604030504040204" pitchFamily="34" charset="-120"/>
-                <a:cs typeface="Lantinghei SC Extralight" charset="-122"/>
-              </a:endParaRPr>
-            </a:p>
-          </p:txBody>
-        </p:sp>
-        <p:sp>
-          <p:nvSpPr>
-            <p:cNvPr id="16" name="Rounded Rectangle 15"/>
-            <p:cNvSpPr/>
-            <p:nvPr/>
-          </p:nvSpPr>
-          <p:spPr>
-            <a:xfrm>
-              <a:off x="1689236" y="6083204"/>
-              <a:ext cx="8658545" cy="686164"/>
-            </a:xfrm>
-            <a:prstGeom prst="roundRect">
-              <a:avLst/>
-            </a:prstGeom>
-            <a:noFill/>
-            <a:ln w="28575">
-              <a:solidFill>
-                <a:schemeClr val="bg2">
-                  <a:lumMod val="25000"/>
-                </a:schemeClr>
-              </a:solidFill>
-            </a:ln>
-            <a:effectLst/>
-          </p:spPr>
-          <p:style>
-            <a:lnRef idx="1">
-              <a:schemeClr val="accent1"/>
-            </a:lnRef>
-            <a:fillRef idx="3">
-              <a:schemeClr val="accent1"/>
-            </a:fillRef>
-            <a:effectRef idx="2">
-              <a:schemeClr val="accent1"/>
-            </a:effectRef>
-            <a:fontRef idx="minor">
-              <a:schemeClr val="lt1"/>
-            </a:fontRef>
-          </p:style>
-          <p:txBody>
-            <a:bodyPr rtlCol="0" anchor="ctr"/>
-            <a:lstStyle/>
-            <a:p>
-              <a:endParaRPr lang="en-US" sz="2100" b="1" dirty="0">
-                <a:solidFill>
-                  <a:schemeClr val="tx1"/>
-                </a:solidFill>
-                <a:latin typeface="微軟正黑體" panose="020B0604030504040204" pitchFamily="34" charset="-120"/>
-                <a:ea typeface="微軟正黑體" panose="020B0604030504040204" pitchFamily="34" charset="-120"/>
-                <a:cs typeface="Lantinghei SC Extralight" charset="-122"/>
-              </a:endParaRPr>
-            </a:p>
-          </p:txBody>
-        </p:sp>
-        <p:sp>
-          <p:nvSpPr>
-            <p:cNvPr id="18" name="Rounded Rectangle 7"/>
-            <p:cNvSpPr/>
-            <p:nvPr/>
-          </p:nvSpPr>
-          <p:spPr>
-            <a:xfrm>
-              <a:off x="1689236" y="946372"/>
-              <a:ext cx="970154" cy="686164"/>
-            </a:xfrm>
-            <a:prstGeom prst="roundRect">
-              <a:avLst/>
-            </a:prstGeom>
-            <a:solidFill>
-              <a:srgbClr val="3A3A3A"/>
-            </a:solidFill>
-            <a:ln w="28575">
-              <a:solidFill>
-                <a:schemeClr val="bg2">
-                  <a:lumMod val="25000"/>
-                </a:schemeClr>
-              </a:solidFill>
-            </a:ln>
-            <a:effectLst/>
-          </p:spPr>
-          <p:style>
-            <a:lnRef idx="1">
-              <a:schemeClr val="accent1"/>
-            </a:lnRef>
-            <a:fillRef idx="3">
-              <a:schemeClr val="accent1"/>
-            </a:fillRef>
-            <a:effectRef idx="2">
-              <a:schemeClr val="accent1"/>
-            </a:effectRef>
-            <a:fontRef idx="minor">
-              <a:schemeClr val="lt1"/>
-            </a:fontRef>
-          </p:style>
-          <p:txBody>
-            <a:bodyPr rtlCol="0" anchor="ctr"/>
-            <a:lstStyle/>
-            <a:p>
-              <a:r>
-                <a:rPr lang="zh-CN" altLang="en-US" sz="2100" b="1" dirty="0">
-                  <a:solidFill>
-                    <a:schemeClr val="tx1"/>
-                  </a:solidFill>
-                  <a:latin typeface="微軟正黑體" panose="020B0604030504040204" pitchFamily="34" charset="-120"/>
-                  <a:ea typeface="微軟正黑體" panose="020B0604030504040204" pitchFamily="34" charset="-120"/>
-                  <a:cs typeface="Lantinghei SC Extralight" charset="-122"/>
-                </a:rPr>
-                <a:t>目标</a:t>
-              </a:r>
-              <a:endParaRPr lang="en-US" sz="2100" b="1" dirty="0">
-                <a:solidFill>
-                  <a:schemeClr val="tx1"/>
-                </a:solidFill>
-                <a:latin typeface="微軟正黑體" panose="020B0604030504040204" pitchFamily="34" charset="-120"/>
-                <a:ea typeface="微軟正黑體" panose="020B0604030504040204" pitchFamily="34" charset="-120"/>
-                <a:cs typeface="Lantinghei SC Extralight" charset="-122"/>
-              </a:endParaRPr>
-            </a:p>
-          </p:txBody>
-        </p:sp>
-        <p:sp>
-          <p:nvSpPr>
-            <p:cNvPr id="19" name="Rounded Rectangle 7"/>
-            <p:cNvSpPr/>
-            <p:nvPr/>
-          </p:nvSpPr>
-          <p:spPr>
-            <a:xfrm>
-              <a:off x="1689236" y="155405"/>
-              <a:ext cx="970154" cy="686164"/>
-            </a:xfrm>
-            <a:prstGeom prst="roundRect">
-              <a:avLst/>
-            </a:prstGeom>
-            <a:solidFill>
-              <a:srgbClr val="3A3A3A"/>
-            </a:solidFill>
-            <a:ln w="28575">
-              <a:solidFill>
-                <a:schemeClr val="bg2">
-                  <a:lumMod val="25000"/>
-                </a:schemeClr>
-              </a:solidFill>
-            </a:ln>
-            <a:effectLst/>
-          </p:spPr>
-          <p:style>
-            <a:lnRef idx="1">
-              <a:schemeClr val="accent1"/>
-            </a:lnRef>
-            <a:fillRef idx="3">
-              <a:schemeClr val="accent1"/>
-            </a:fillRef>
-            <a:effectRef idx="2">
-              <a:schemeClr val="accent1"/>
-            </a:effectRef>
-            <a:fontRef idx="minor">
-              <a:schemeClr val="lt1"/>
-            </a:fontRef>
-          </p:style>
-          <p:txBody>
-            <a:bodyPr rtlCol="0" anchor="ctr"/>
-            <a:lstStyle/>
-            <a:p>
-              <a:r>
-                <a:rPr lang="zh-CN" altLang="en-US" sz="2100" b="1" dirty="0">
-                  <a:solidFill>
-                    <a:schemeClr val="tx1"/>
-                  </a:solidFill>
-                  <a:latin typeface="微軟正黑體" panose="020B0604030504040204" pitchFamily="34" charset="-120"/>
-                  <a:ea typeface="微軟正黑體" panose="020B0604030504040204" pitchFamily="34" charset="-120"/>
-                  <a:cs typeface="Lantinghei SC Extralight" charset="-122"/>
-                </a:rPr>
-                <a:t>背景</a:t>
-              </a:r>
-              <a:endParaRPr lang="en-US" sz="2100" b="1" dirty="0">
-                <a:solidFill>
-                  <a:schemeClr val="tx1"/>
-                </a:solidFill>
-                <a:latin typeface="微軟正黑體" panose="020B0604030504040204" pitchFamily="34" charset="-120"/>
-                <a:ea typeface="微軟正黑體" panose="020B0604030504040204" pitchFamily="34" charset="-120"/>
-                <a:cs typeface="Lantinghei SC Extralight" charset="-122"/>
-              </a:endParaRPr>
-            </a:p>
-          </p:txBody>
-        </p:sp>
-        <p:sp>
-          <p:nvSpPr>
-            <p:cNvPr id="22" name="Rounded Rectangle 7"/>
-            <p:cNvSpPr/>
-            <p:nvPr/>
-          </p:nvSpPr>
-          <p:spPr>
-            <a:xfrm>
-              <a:off x="1712908" y="6083204"/>
-              <a:ext cx="1489587" cy="686164"/>
-            </a:xfrm>
-            <a:prstGeom prst="roundRect">
-              <a:avLst/>
-            </a:prstGeom>
-            <a:solidFill>
-              <a:srgbClr val="3A3A3A"/>
-            </a:solidFill>
-            <a:ln w="28575">
-              <a:solidFill>
-                <a:schemeClr val="bg2">
-                  <a:lumMod val="25000"/>
-                </a:schemeClr>
-              </a:solidFill>
-            </a:ln>
-            <a:effectLst/>
-          </p:spPr>
-          <p:style>
-            <a:lnRef idx="1">
-              <a:schemeClr val="accent1"/>
-            </a:lnRef>
-            <a:fillRef idx="3">
-              <a:schemeClr val="accent1"/>
-            </a:fillRef>
-            <a:effectRef idx="2">
-              <a:schemeClr val="accent1"/>
-            </a:effectRef>
-            <a:fontRef idx="minor">
-              <a:schemeClr val="lt1"/>
-            </a:fontRef>
-          </p:style>
-          <p:txBody>
-            <a:bodyPr rtlCol="0" anchor="ctr"/>
-            <a:lstStyle/>
-            <a:p>
-              <a:r>
-                <a:rPr lang="zh-CN" altLang="en-US" sz="2100" b="1" dirty="0">
-                  <a:solidFill>
-                    <a:schemeClr val="tx1"/>
-                  </a:solidFill>
-                  <a:latin typeface="微軟正黑體" panose="020B0604030504040204" pitchFamily="34" charset="-120"/>
-                  <a:ea typeface="微軟正黑體" panose="020B0604030504040204" pitchFamily="34" charset="-120"/>
-                  <a:cs typeface="Lantinghei SC Extralight" charset="-122"/>
-                </a:rPr>
-                <a:t>外部因素</a:t>
-              </a:r>
-              <a:endParaRPr lang="en-US" sz="2100" b="1" dirty="0">
-                <a:solidFill>
-                  <a:schemeClr val="tx1"/>
-                </a:solidFill>
-                <a:latin typeface="微軟正黑體" panose="020B0604030504040204" pitchFamily="34" charset="-120"/>
-                <a:ea typeface="微軟正黑體" panose="020B0604030504040204" pitchFamily="34" charset="-120"/>
-                <a:cs typeface="Lantinghei SC Extralight" charset="-122"/>
-              </a:endParaRPr>
-            </a:p>
-          </p:txBody>
-        </p:sp>
-      </p:grpSp>
-      <p:grpSp>
-        <p:nvGrpSpPr>
-          <p:cNvPr id="49" name="组合 48"/>
-          <p:cNvGrpSpPr/>
-          <p:nvPr/>
-        </p:nvGrpSpPr>
-        <p:grpSpPr>
-          <a:xfrm>
-            <a:off x="16395" y="-14287"/>
-            <a:ext cx="1082282" cy="5157788"/>
-            <a:chOff x="-80966" y="-19050"/>
-            <a:chExt cx="1443043" cy="6877051"/>
-          </a:xfrm>
-        </p:grpSpPr>
-        <p:sp>
-          <p:nvSpPr>
-            <p:cNvPr id="50" name="任意多边形 49"/>
-            <p:cNvSpPr/>
-            <p:nvPr/>
-          </p:nvSpPr>
-          <p:spPr>
-            <a:xfrm rot="16200000" flipV="1">
-              <a:off x="-2489564" y="2408598"/>
-              <a:ext cx="6260239" cy="1443042"/>
-            </a:xfrm>
-            <a:custGeom>
-              <a:avLst/>
-              <a:gdLst>
-                <a:gd name="connsiteX0" fmla="*/ 6260239 w 6260239"/>
-                <a:gd name="connsiteY0" fmla="*/ 1443042 h 1443042"/>
-                <a:gd name="connsiteX1" fmla="*/ 6260239 w 6260239"/>
-                <a:gd name="connsiteY1" fmla="*/ 1370077 h 1443042"/>
-                <a:gd name="connsiteX2" fmla="*/ 3239468 w 6260239"/>
-                <a:gd name="connsiteY2" fmla="*/ 0 h 1443042"/>
-                <a:gd name="connsiteX3" fmla="*/ 0 w 6260239"/>
-                <a:gd name="connsiteY3" fmla="*/ 1443042 h 1443042"/>
-              </a:gdLst>
-              <a:ahLst/>
-              <a:cxnLst>
-                <a:cxn ang="0">
-                  <a:pos x="connsiteX0" y="connsiteY0"/>
-                </a:cxn>
-                <a:cxn ang="0">
-                  <a:pos x="connsiteX1" y="connsiteY1"/>
-                </a:cxn>
-                <a:cxn ang="0">
-                  <a:pos x="connsiteX2" y="connsiteY2"/>
-                </a:cxn>
-                <a:cxn ang="0">
-                  <a:pos x="connsiteX3" y="connsiteY3"/>
-                </a:cxn>
-              </a:cxnLst>
-              <a:rect l="l" t="t" r="r" b="b"/>
-              <a:pathLst>
-                <a:path w="6260239" h="1443042">
-                  <a:moveTo>
-                    <a:pt x="6260239" y="1443042"/>
-                  </a:moveTo>
-                  <a:lnTo>
-                    <a:pt x="6260239" y="1370077"/>
-                  </a:lnTo>
-                  <a:lnTo>
-                    <a:pt x="3239468" y="0"/>
-                  </a:lnTo>
-                  <a:lnTo>
-                    <a:pt x="0" y="1443042"/>
-                  </a:lnTo>
-                  <a:close/>
-                </a:path>
-              </a:pathLst>
-            </a:custGeom>
-            <a:solidFill>
-              <a:srgbClr val="FFC001"/>
-            </a:solidFill>
-            <a:ln>
-              <a:solidFill>
-                <a:srgbClr val="DBB76C"/>
-              </a:solidFill>
-            </a:ln>
-          </p:spPr>
-          <p:style>
-            <a:lnRef idx="2">
-              <a:schemeClr val="accent1">
-                <a:shade val="50000"/>
-              </a:schemeClr>
-            </a:lnRef>
-            <a:fillRef idx="1">
-              <a:schemeClr val="accent1"/>
-            </a:fillRef>
-            <a:effectRef idx="0">
-              <a:schemeClr val="accent1"/>
-            </a:effectRef>
-            <a:fontRef idx="minor">
-              <a:schemeClr val="lt1"/>
-            </a:fontRef>
-          </p:style>
-          <p:txBody>
-            <a:bodyPr rtlCol="0" anchor="ctr"/>
-            <a:lstStyle/>
-            <a:p>
-              <a:pPr algn="ctr"/>
-              <a:endParaRPr lang="zh-CN" altLang="en-US" sz="975" b="1">
-                <a:solidFill>
-                  <a:schemeClr val="tx1"/>
-                </a:solidFill>
-                <a:latin typeface="微軟正黑體" panose="020B0604030504040204" pitchFamily="34" charset="-120"/>
-                <a:ea typeface="微軟正黑體" panose="020B0604030504040204" pitchFamily="34" charset="-120"/>
-                <a:cs typeface="Lantinghei SC Extralight" charset="-122"/>
-              </a:endParaRPr>
-            </a:p>
-          </p:txBody>
-        </p:sp>
-        <p:sp>
-          <p:nvSpPr>
-            <p:cNvPr id="51" name="任意多边形 50"/>
-            <p:cNvSpPr/>
-            <p:nvPr/>
-          </p:nvSpPr>
-          <p:spPr>
-            <a:xfrm rot="16200000" flipV="1">
-              <a:off x="-2557704" y="2938221"/>
-              <a:ext cx="6396518" cy="1443041"/>
-            </a:xfrm>
-            <a:custGeom>
-              <a:avLst/>
-              <a:gdLst>
-                <a:gd name="connsiteX0" fmla="*/ 6396518 w 6396518"/>
-                <a:gd name="connsiteY0" fmla="*/ 1443041 h 1443041"/>
-                <a:gd name="connsiteX1" fmla="*/ 3214875 w 6396518"/>
-                <a:gd name="connsiteY1" fmla="*/ 0 h 1443041"/>
-                <a:gd name="connsiteX2" fmla="*/ 0 w 6396518"/>
-                <a:gd name="connsiteY2" fmla="*/ 1432086 h 1443041"/>
-                <a:gd name="connsiteX3" fmla="*/ 0 w 6396518"/>
-                <a:gd name="connsiteY3" fmla="*/ 1443041 h 1443041"/>
-              </a:gdLst>
-              <a:ahLst/>
-              <a:cxnLst>
-                <a:cxn ang="0">
-                  <a:pos x="connsiteX0" y="connsiteY0"/>
-                </a:cxn>
-                <a:cxn ang="0">
-                  <a:pos x="connsiteX1" y="connsiteY1"/>
-                </a:cxn>
-                <a:cxn ang="0">
-                  <a:pos x="connsiteX2" y="connsiteY2"/>
-                </a:cxn>
-                <a:cxn ang="0">
-                  <a:pos x="connsiteX3" y="connsiteY3"/>
-                </a:cxn>
-              </a:cxnLst>
-              <a:rect l="l" t="t" r="r" b="b"/>
-              <a:pathLst>
-                <a:path w="6396518" h="1443041">
-                  <a:moveTo>
-                    <a:pt x="6396518" y="1443041"/>
-                  </a:moveTo>
-                  <a:lnTo>
-                    <a:pt x="3214875" y="0"/>
-                  </a:lnTo>
-                  <a:lnTo>
-                    <a:pt x="0" y="1432086"/>
-                  </a:lnTo>
-                  <a:lnTo>
-                    <a:pt x="0" y="1443041"/>
-                  </a:lnTo>
-                  <a:close/>
-                </a:path>
-              </a:pathLst>
-            </a:custGeom>
-            <a:solidFill>
-              <a:srgbClr val="3A3A3A"/>
-            </a:solidFill>
-            <a:ln>
-              <a:noFill/>
-            </a:ln>
-          </p:spPr>
-          <p:style>
-            <a:lnRef idx="2">
-              <a:schemeClr val="accent1">
-                <a:shade val="50000"/>
-              </a:schemeClr>
-            </a:lnRef>
-            <a:fillRef idx="1">
-              <a:schemeClr val="accent1"/>
-            </a:fillRef>
-            <a:effectRef idx="0">
-              <a:schemeClr val="accent1"/>
-            </a:effectRef>
-            <a:fontRef idx="minor">
-              <a:schemeClr val="lt1"/>
-            </a:fontRef>
-          </p:style>
-          <p:txBody>
-            <a:bodyPr rtlCol="0" anchor="ctr"/>
-            <a:lstStyle/>
-            <a:p>
-              <a:pPr algn="ctr"/>
-              <a:endParaRPr lang="zh-CN" altLang="en-US" sz="975" b="1">
-                <a:solidFill>
-                  <a:schemeClr val="tx1"/>
-                </a:solidFill>
-                <a:latin typeface="微軟正黑體" panose="020B0604030504040204" pitchFamily="34" charset="-120"/>
-                <a:ea typeface="微軟正黑體" panose="020B0604030504040204" pitchFamily="34" charset="-120"/>
-                <a:cs typeface="Lantinghei SC Extralight" charset="-122"/>
-              </a:endParaRPr>
-            </a:p>
-          </p:txBody>
-        </p:sp>
-        <p:cxnSp>
-          <p:nvCxnSpPr>
-            <p:cNvPr id="52" name="直接连接符 51"/>
-            <p:cNvCxnSpPr/>
-            <p:nvPr/>
-          </p:nvCxnSpPr>
-          <p:spPr>
-            <a:xfrm rot="16200000" flipV="1">
-              <a:off x="-529500" y="638885"/>
-              <a:ext cx="2419074" cy="1103204"/>
-            </a:xfrm>
-            <a:prstGeom prst="line">
-              <a:avLst/>
-            </a:prstGeom>
-            <a:ln>
-              <a:solidFill>
-                <a:srgbClr val="3A3A3A"/>
-              </a:solidFill>
-            </a:ln>
-          </p:spPr>
-          <p:style>
-            <a:lnRef idx="1">
-              <a:schemeClr val="accent1"/>
-            </a:lnRef>
-            <a:fillRef idx="0">
-              <a:schemeClr val="accent1"/>
-            </a:fillRef>
-            <a:effectRef idx="0">
-              <a:schemeClr val="accent1"/>
-            </a:effectRef>
-            <a:fontRef idx="minor">
-              <a:schemeClr val="tx1"/>
-            </a:fontRef>
-          </p:style>
-        </p:cxnSp>
-      </p:grpSp>
-      <p:sp>
-        <p:nvSpPr>
-          <p:cNvPr id="5" name="文本框 4"/>
-          <p:cNvSpPr txBox="1"/>
+            <a:endParaRPr lang="en-US" altLang="zh-CN" sz="700" dirty="0" smtClean="0"/>
+          </a:p>
+          <a:p>
+            <a:r>
+              <a:rPr lang="en-US" altLang="zh-CN" sz="700" dirty="0" smtClean="0"/>
+              <a:t>MEM</a:t>
+            </a:r>
+            <a:r>
+              <a:rPr lang="zh-CN" altLang="en-US" sz="700" dirty="0"/>
+              <a:t>学生在面对新生事物和未知领域时所产生出的恐惧感和无力感；</a:t>
+            </a:r>
+          </a:p>
+          <a:p>
+            <a:r>
+              <a:rPr lang="en-US" altLang="zh-CN" sz="700" dirty="0"/>
+              <a:t>MEM</a:t>
+            </a:r>
+            <a:r>
+              <a:rPr lang="zh-CN" altLang="en-US" sz="700" dirty="0"/>
+              <a:t>学生与经验不足的助教团队之间可能存在沟通障碍</a:t>
+            </a:r>
+            <a:r>
+              <a:rPr lang="zh-CN" altLang="en-US" sz="700" dirty="0" smtClean="0"/>
+              <a:t>。</a:t>
+            </a:r>
+            <a:endParaRPr lang="en-US" altLang="zh-CN" sz="700" dirty="0"/>
+          </a:p>
+        </p:txBody>
+      </p:sp>
+      <p:sp>
+        <p:nvSpPr>
+          <p:cNvPr id="23" name="矩形 22"/>
+          <p:cNvSpPr/>
           <p:nvPr/>
         </p:nvSpPr>
         <p:spPr>
           <a:xfrm>
-            <a:off x="23214" y="962250"/>
-            <a:ext cx="923330" cy="3661181"/>
-          </a:xfrm>
-          <a:prstGeom prst="rect">
-            <a:avLst/>
-          </a:prstGeom>
-          <a:noFill/>
-        </p:spPr>
-        <p:txBody>
-          <a:bodyPr vert="eaVert" wrap="square" rtlCol="0">
-            <a:spAutoFit/>
-          </a:bodyPr>
-          <a:lstStyle/>
-          <a:p>
-            <a:pPr algn="ctr"/>
-            <a:r>
-              <a:rPr lang="zh-CN" altLang="en-US" sz="2400" b="1" dirty="0" smtClean="0">
-                <a:latin typeface="微軟正黑體" panose="020B0604030504040204" pitchFamily="34" charset="-120"/>
-                <a:ea typeface="微軟正黑體" panose="020B0604030504040204" pitchFamily="34" charset="-120"/>
-                <a:cs typeface="Lantinghei SC Extralight" charset="-122"/>
-              </a:rPr>
-              <a:t>逻辑模型</a:t>
-            </a:r>
-            <a:endParaRPr lang="en-US" altLang="zh-CN" sz="2400" b="1" dirty="0" smtClean="0">
-              <a:latin typeface="微軟正黑體" panose="020B0604030504040204" pitchFamily="34" charset="-120"/>
-              <a:ea typeface="微軟正黑體" panose="020B0604030504040204" pitchFamily="34" charset="-120"/>
-              <a:cs typeface="Lantinghei SC Extralight" charset="-122"/>
-            </a:endParaRPr>
-          </a:p>
-          <a:p>
-            <a:pPr algn="ctr"/>
-            <a:r>
-              <a:rPr lang="zh-TW" altLang="en-US" sz="2400" b="1" dirty="0" smtClean="0">
-                <a:latin typeface="微軟正黑體" panose="020B0604030504040204" pitchFamily="34" charset="-120"/>
-                <a:ea typeface="微軟正黑體" panose="020B0604030504040204" pitchFamily="34" charset="-120"/>
-                <a:cs typeface="Lantinghei SC Extralight" charset="-122"/>
-              </a:rPr>
-              <a:t>入學導引課</a:t>
-            </a:r>
-            <a:endParaRPr lang="zh-CN" altLang="en-US" sz="2400" b="1" dirty="0">
-              <a:latin typeface="微軟正黑體" panose="020B0604030504040204" pitchFamily="34" charset="-120"/>
-              <a:ea typeface="微軟正黑體" panose="020B0604030504040204" pitchFamily="34" charset="-120"/>
-              <a:cs typeface="Lantinghei SC Extralight" charset="-122"/>
-            </a:endParaRPr>
-          </a:p>
-        </p:txBody>
-      </p:sp>
-      <p:sp>
-        <p:nvSpPr>
-          <p:cNvPr id="31" name="Rectangle 11"/>
-          <p:cNvSpPr/>
-          <p:nvPr/>
-        </p:nvSpPr>
-        <p:spPr>
-          <a:xfrm>
-            <a:off x="7062717" y="1726374"/>
-            <a:ext cx="1814660" cy="2123658"/>
+            <a:off x="2768203" y="2341593"/>
+            <a:ext cx="1828800" cy="1643527"/>
           </a:xfrm>
           <a:prstGeom prst="rect">
             <a:avLst/>
@@ -12865,330 +11557,6 @@
         </p:spPr>
         <p:txBody>
           <a:bodyPr wrap="square">
-            <a:spAutoFit/>
-          </a:bodyPr>
-          <a:lstStyle/>
-          <a:p>
-            <a:pPr marL="214313" lvl="1" indent="-214313">
-              <a:lnSpc>
-                <a:spcPct val="150000"/>
-              </a:lnSpc>
-              <a:buFont typeface="Arial" panose="020B0604020202020204" pitchFamily="34" charset="0"/>
-              <a:buChar char="•"/>
-            </a:pPr>
-            <a:r>
-              <a:rPr lang="zh-CN" altLang="en-US" sz="800" b="1" dirty="0" smtClean="0">
-                <a:latin typeface="微軟正黑體" panose="020B0604030504040204" pitchFamily="34" charset="-120"/>
-                <a:ea typeface="微軟正黑體" panose="020B0604030504040204" pitchFamily="34" charset="-120"/>
-                <a:cs typeface="Lantinghei SC Extralight" charset="-122"/>
-              </a:rPr>
-              <a:t>超</a:t>
-            </a:r>
-            <a:r>
-              <a:rPr lang="zh-CN" altLang="en-US" sz="800" b="1" dirty="0">
-                <a:latin typeface="微軟正黑體" panose="020B0604030504040204" pitchFamily="34" charset="-120"/>
-                <a:ea typeface="微軟正黑體" panose="020B0604030504040204" pitchFamily="34" charset="-120"/>
-                <a:cs typeface="Lantinghei SC Extralight" charset="-122"/>
-              </a:rPr>
-              <a:t>限</a:t>
-            </a:r>
-            <a:r>
-              <a:rPr lang="zh-CN" altLang="en-US" sz="800" b="1" dirty="0" smtClean="0">
-                <a:latin typeface="微軟正黑體" panose="020B0604030504040204" pitchFamily="34" charset="-120"/>
-                <a:ea typeface="微軟正黑體" panose="020B0604030504040204" pitchFamily="34" charset="-120"/>
-                <a:cs typeface="Lantinghei SC Extralight" charset="-122"/>
-              </a:rPr>
-              <a:t>学习过程</a:t>
-            </a:r>
-            <a:endParaRPr lang="en-US" altLang="zh-CN" sz="800" b="1" dirty="0">
-              <a:latin typeface="微軟正黑體" panose="020B0604030504040204" pitchFamily="34" charset="-120"/>
-              <a:ea typeface="微軟正黑體" panose="020B0604030504040204" pitchFamily="34" charset="-120"/>
-              <a:cs typeface="Lantinghei SC Extralight" charset="-122"/>
-            </a:endParaRPr>
-          </a:p>
-          <a:p>
-            <a:pPr marL="214313" lvl="1" indent="-214313">
-              <a:lnSpc>
-                <a:spcPct val="150000"/>
-              </a:lnSpc>
-              <a:buFont typeface="Arial" panose="020B0604020202020204" pitchFamily="34" charset="0"/>
-              <a:buChar char="•"/>
-            </a:pPr>
-            <a:r>
-              <a:rPr lang="en-US" altLang="zh-CN" sz="800" b="1" dirty="0" smtClean="0">
-                <a:latin typeface="微軟正黑體" panose="020B0604030504040204" pitchFamily="34" charset="-120"/>
-                <a:ea typeface="微軟正黑體" panose="020B0604030504040204" pitchFamily="34" charset="-120"/>
-                <a:cs typeface="Lantinghei SC Extralight" charset="-122"/>
-              </a:rPr>
-              <a:t>WIKI</a:t>
-            </a:r>
-            <a:r>
-              <a:rPr lang="zh-CN" altLang="en-US" sz="800" b="1" dirty="0">
-                <a:latin typeface="微軟正黑體" panose="020B0604030504040204" pitchFamily="34" charset="-120"/>
-                <a:ea typeface="微軟正黑體" panose="020B0604030504040204" pitchFamily="34" charset="-120"/>
-                <a:cs typeface="Lantinghei SC Extralight" charset="-122"/>
-              </a:rPr>
-              <a:t>，</a:t>
-            </a:r>
-            <a:r>
-              <a:rPr lang="en-US" altLang="zh-CN" sz="800" b="1" dirty="0">
-                <a:latin typeface="微軟正黑體" panose="020B0604030504040204" pitchFamily="34" charset="-120"/>
-                <a:ea typeface="微軟正黑體" panose="020B0604030504040204" pitchFamily="34" charset="-120"/>
-                <a:cs typeface="Lantinghei SC Extralight" charset="-122"/>
-              </a:rPr>
-              <a:t>GIT</a:t>
-            </a:r>
-            <a:r>
-              <a:rPr lang="zh-CN" altLang="en-US" sz="800" b="1" dirty="0">
-                <a:latin typeface="微軟正黑體" panose="020B0604030504040204" pitchFamily="34" charset="-120"/>
-                <a:ea typeface="微軟正黑體" panose="020B0604030504040204" pitchFamily="34" charset="-120"/>
-                <a:cs typeface="Lantinghei SC Extralight" charset="-122"/>
-              </a:rPr>
-              <a:t>的工具</a:t>
-            </a:r>
-            <a:r>
-              <a:rPr lang="zh-CN" altLang="en-US" sz="800" b="1" dirty="0" smtClean="0">
-                <a:latin typeface="微軟正黑體" panose="020B0604030504040204" pitchFamily="34" charset="-120"/>
-                <a:ea typeface="微軟正黑體" panose="020B0604030504040204" pitchFamily="34" charset="-120"/>
-                <a:cs typeface="Lantinghei SC Extralight" charset="-122"/>
-              </a:rPr>
-              <a:t>支持 </a:t>
-            </a:r>
-            <a:endParaRPr lang="en-US" altLang="zh-CN" sz="800" b="1" dirty="0" smtClean="0">
-              <a:latin typeface="微軟正黑體" panose="020B0604030504040204" pitchFamily="34" charset="-120"/>
-              <a:ea typeface="微軟正黑體" panose="020B0604030504040204" pitchFamily="34" charset="-120"/>
-              <a:cs typeface="Lantinghei SC Extralight" charset="-122"/>
-            </a:endParaRPr>
-          </a:p>
-          <a:p>
-            <a:pPr marL="214313" lvl="1" indent="-214313">
-              <a:lnSpc>
-                <a:spcPct val="150000"/>
-              </a:lnSpc>
-              <a:buFont typeface="Arial" panose="020B0604020202020204" pitchFamily="34" charset="0"/>
-              <a:buChar char="•"/>
-            </a:pPr>
-            <a:r>
-              <a:rPr lang="zh-CN" altLang="en-US" sz="800" b="1" dirty="0" smtClean="0">
-                <a:latin typeface="微軟正黑體" panose="020B0604030504040204" pitchFamily="34" charset="-120"/>
-                <a:ea typeface="微軟正黑體" panose="020B0604030504040204" pitchFamily="34" charset="-120"/>
-                <a:cs typeface="Lantinghei SC Extralight" charset="-122"/>
-              </a:rPr>
-              <a:t>校内各社团资源支持</a:t>
-            </a:r>
-            <a:endParaRPr lang="en-US" altLang="zh-CN" sz="800" b="1" dirty="0" smtClean="0">
-              <a:latin typeface="微軟正黑體" panose="020B0604030504040204" pitchFamily="34" charset="-120"/>
-              <a:ea typeface="微軟正黑體" panose="020B0604030504040204" pitchFamily="34" charset="-120"/>
-              <a:cs typeface="Lantinghei SC Extralight" charset="-122"/>
-            </a:endParaRPr>
-          </a:p>
-          <a:p>
-            <a:pPr marL="214313" lvl="1" indent="-214313">
-              <a:lnSpc>
-                <a:spcPct val="150000"/>
-              </a:lnSpc>
-              <a:buFont typeface="Arial" panose="020B0604020202020204" pitchFamily="34" charset="0"/>
-              <a:buChar char="•"/>
-            </a:pPr>
-            <a:r>
-              <a:rPr lang="zh-CN" altLang="en-US" sz="800" b="1" dirty="0">
-                <a:latin typeface="微軟正黑體" panose="020B0604030504040204" pitchFamily="34" charset="-120"/>
-                <a:ea typeface="微軟正黑體" panose="020B0604030504040204" pitchFamily="34" charset="-120"/>
-                <a:cs typeface="Lantinghei SC Extralight" charset="-122"/>
-              </a:rPr>
-              <a:t>校内图书馆支持</a:t>
-            </a:r>
-            <a:endParaRPr lang="en-US" altLang="zh-CN" sz="800" b="1" dirty="0">
-              <a:latin typeface="微軟正黑體" panose="020B0604030504040204" pitchFamily="34" charset="-120"/>
-              <a:ea typeface="微軟正黑體" panose="020B0604030504040204" pitchFamily="34" charset="-120"/>
-              <a:cs typeface="Lantinghei SC Extralight" charset="-122"/>
-            </a:endParaRPr>
-          </a:p>
-          <a:p>
-            <a:pPr marL="214313" lvl="1" indent="-214313">
-              <a:lnSpc>
-                <a:spcPct val="150000"/>
-              </a:lnSpc>
-              <a:buFont typeface="Arial" panose="020B0604020202020204" pitchFamily="34" charset="0"/>
-              <a:buChar char="•"/>
-            </a:pPr>
-            <a:r>
-              <a:rPr lang="zh-CN" altLang="en-US" sz="800" b="1" dirty="0" smtClean="0">
-                <a:latin typeface="微軟正黑體" panose="020B0604030504040204" pitchFamily="34" charset="-120"/>
-                <a:ea typeface="微軟正黑體" panose="020B0604030504040204" pitchFamily="34" charset="-120"/>
-                <a:cs typeface="Lantinghei SC Extralight" charset="-122"/>
-              </a:rPr>
-              <a:t>现场所有同学自身的资源 </a:t>
-            </a:r>
-            <a:endParaRPr lang="en-US" altLang="zh-CN" sz="800" b="1" dirty="0" smtClean="0">
-              <a:latin typeface="微軟正黑體" panose="020B0604030504040204" pitchFamily="34" charset="-120"/>
-              <a:ea typeface="微軟正黑體" panose="020B0604030504040204" pitchFamily="34" charset="-120"/>
-              <a:cs typeface="Lantinghei SC Extralight" charset="-122"/>
-            </a:endParaRPr>
-          </a:p>
-          <a:p>
-            <a:pPr marL="214313" lvl="1" indent="-214313">
-              <a:lnSpc>
-                <a:spcPct val="150000"/>
-              </a:lnSpc>
-              <a:buFont typeface="Arial" panose="020B0604020202020204" pitchFamily="34" charset="0"/>
-              <a:buChar char="•"/>
-            </a:pPr>
-            <a:r>
-              <a:rPr lang="zh-CN" altLang="en-US" sz="800" b="1" dirty="0">
-                <a:latin typeface="微軟正黑體" panose="020B0604030504040204" pitchFamily="34" charset="-120"/>
-                <a:ea typeface="微軟正黑體" panose="020B0604030504040204" pitchFamily="34" charset="-120"/>
-                <a:cs typeface="Lantinghei SC Extralight" charset="-122"/>
-              </a:rPr>
-              <a:t>现场教学环境的</a:t>
-            </a:r>
-            <a:r>
-              <a:rPr lang="zh-CN" altLang="en-US" sz="800" b="1" dirty="0" smtClean="0">
-                <a:latin typeface="微軟正黑體" panose="020B0604030504040204" pitchFamily="34" charset="-120"/>
-                <a:ea typeface="微軟正黑體" panose="020B0604030504040204" pitchFamily="34" charset="-120"/>
-                <a:cs typeface="Lantinghei SC Extralight" charset="-122"/>
-              </a:rPr>
-              <a:t>支持</a:t>
-            </a:r>
-          </a:p>
-          <a:p>
-            <a:pPr marL="214313" lvl="1" indent="-214313">
-              <a:lnSpc>
-                <a:spcPct val="150000"/>
-              </a:lnSpc>
-              <a:buFont typeface="Arial" panose="020B0604020202020204" pitchFamily="34" charset="0"/>
-              <a:buChar char="•"/>
-            </a:pPr>
-            <a:r>
-              <a:rPr lang="zh-CN" altLang="en-US" sz="800" b="1" dirty="0">
-                <a:latin typeface="微軟正黑體" panose="020B0604030504040204" pitchFamily="34" charset="-120"/>
-                <a:ea typeface="微軟正黑體" panose="020B0604030504040204" pitchFamily="34" charset="-120"/>
-                <a:cs typeface="Lantinghei SC Extralight" charset="-122"/>
-              </a:rPr>
-              <a:t>往期</a:t>
-            </a:r>
-            <a:r>
-              <a:rPr lang="en-US" altLang="zh-CN" sz="800" b="1" dirty="0">
-                <a:latin typeface="微軟正黑體" panose="020B0604030504040204" pitchFamily="34" charset="-120"/>
-                <a:ea typeface="微軟正黑體" panose="020B0604030504040204" pitchFamily="34" charset="-120"/>
-                <a:cs typeface="Lantinghei SC Extralight" charset="-122"/>
-              </a:rPr>
-              <a:t>MEM</a:t>
-            </a:r>
-            <a:r>
-              <a:rPr lang="zh-CN" altLang="en-US" sz="800" b="1" dirty="0">
-                <a:latin typeface="微軟正黑體" panose="020B0604030504040204" pitchFamily="34" charset="-120"/>
-                <a:ea typeface="微軟正黑體" panose="020B0604030504040204" pitchFamily="34" charset="-120"/>
-                <a:cs typeface="Lantinghei SC Extralight" charset="-122"/>
-              </a:rPr>
-              <a:t>学长的资源 </a:t>
-            </a:r>
-            <a:endParaRPr lang="zh-CN" altLang="en-US" sz="800" b="1" dirty="0" smtClean="0">
-              <a:latin typeface="微軟正黑體" panose="020B0604030504040204" pitchFamily="34" charset="-120"/>
-              <a:ea typeface="微軟正黑體" panose="020B0604030504040204" pitchFamily="34" charset="-120"/>
-              <a:cs typeface="Lantinghei SC Extralight" charset="-122"/>
-            </a:endParaRPr>
-          </a:p>
-          <a:p>
-            <a:pPr marL="214313" lvl="1" indent="-214313">
-              <a:lnSpc>
-                <a:spcPct val="150000"/>
-              </a:lnSpc>
-              <a:buFont typeface="Arial" panose="020B0604020202020204" pitchFamily="34" charset="0"/>
-              <a:buChar char="•"/>
-            </a:pPr>
-            <a:r>
-              <a:rPr lang="en-US" altLang="zh-CN" sz="800" b="1" dirty="0">
-                <a:latin typeface="微軟正黑體" panose="020B0604030504040204" pitchFamily="34" charset="-120"/>
-                <a:ea typeface="微軟正黑體" panose="020B0604030504040204" pitchFamily="34" charset="-120"/>
-                <a:cs typeface="Lantinghei SC Extralight" charset="-122"/>
-              </a:rPr>
-              <a:t>MEM</a:t>
-            </a:r>
-            <a:r>
-              <a:rPr lang="zh-CN" altLang="en-US" sz="800" b="1" dirty="0">
-                <a:latin typeface="微軟正黑體" panose="020B0604030504040204" pitchFamily="34" charset="-120"/>
-                <a:ea typeface="微軟正黑體" panose="020B0604030504040204" pitchFamily="34" charset="-120"/>
-                <a:cs typeface="Lantinghei SC Extralight" charset="-122"/>
-              </a:rPr>
-              <a:t>教育中心的支持 </a:t>
-            </a:r>
-            <a:endParaRPr lang="zh-CN" altLang="en-US" sz="800" b="1" dirty="0" smtClean="0">
-              <a:latin typeface="微軟正黑體" panose="020B0604030504040204" pitchFamily="34" charset="-120"/>
-              <a:ea typeface="微軟正黑體" panose="020B0604030504040204" pitchFamily="34" charset="-120"/>
-              <a:cs typeface="Lantinghei SC Extralight" charset="-122"/>
-            </a:endParaRPr>
-          </a:p>
-          <a:p>
-            <a:pPr marL="214313" lvl="1" indent="-214313">
-              <a:lnSpc>
-                <a:spcPct val="150000"/>
-              </a:lnSpc>
-              <a:buFont typeface="Arial" panose="020B0604020202020204" pitchFamily="34" charset="0"/>
-              <a:buChar char="•"/>
-            </a:pPr>
-            <a:r>
-              <a:rPr lang="zh-CN" altLang="en-US" sz="800" b="1" dirty="0">
-                <a:latin typeface="微軟正黑體" panose="020B0604030504040204" pitchFamily="34" charset="-120"/>
-                <a:ea typeface="微軟正黑體" panose="020B0604030504040204" pitchFamily="34" charset="-120"/>
-                <a:cs typeface="Lantinghei SC Extralight" charset="-122"/>
-              </a:rPr>
-              <a:t>课程挑战方的导师、助教支持</a:t>
-            </a:r>
-            <a:endParaRPr lang="en-US" altLang="zh-CN" sz="800" b="1" dirty="0">
-              <a:latin typeface="微軟正黑體" panose="020B0604030504040204" pitchFamily="34" charset="-120"/>
-              <a:ea typeface="微軟正黑體" panose="020B0604030504040204" pitchFamily="34" charset="-120"/>
-              <a:cs typeface="Lantinghei SC Extralight" charset="-122"/>
-            </a:endParaRPr>
-          </a:p>
-          <a:p>
-            <a:pPr marL="214313" lvl="1" indent="-214313">
-              <a:lnSpc>
-                <a:spcPct val="150000"/>
-              </a:lnSpc>
-              <a:buFont typeface="Arial" panose="020B0604020202020204" pitchFamily="34" charset="0"/>
-              <a:buChar char="•"/>
-            </a:pPr>
-            <a:endParaRPr lang="zh-CN" altLang="en-US" sz="800" b="1" dirty="0">
-              <a:latin typeface="微軟正黑體" panose="020B0604030504040204" pitchFamily="34" charset="-120"/>
-              <a:ea typeface="微軟正黑體" panose="020B0604030504040204" pitchFamily="34" charset="-120"/>
-              <a:cs typeface="Lantinghei SC Extralight" charset="-122"/>
-            </a:endParaRPr>
-          </a:p>
-          <a:p>
-            <a:pPr marL="214313" lvl="1" indent="-214313">
-              <a:lnSpc>
-                <a:spcPct val="150000"/>
-              </a:lnSpc>
-              <a:buFont typeface="Arial" panose="020B0604020202020204" pitchFamily="34" charset="0"/>
-              <a:buChar char="•"/>
-            </a:pPr>
-            <a:endParaRPr lang="en-US" altLang="zh-CN" sz="800" b="1" dirty="0">
-              <a:latin typeface="微軟正黑體" panose="020B0604030504040204" pitchFamily="34" charset="-120"/>
-              <a:ea typeface="微軟正黑體" panose="020B0604030504040204" pitchFamily="34" charset="-120"/>
-              <a:cs typeface="Lantinghei SC Extralight" charset="-122"/>
-            </a:endParaRPr>
-          </a:p>
-        </p:txBody>
-      </p:sp>
-      <p:sp>
-        <p:nvSpPr>
-          <p:cNvPr id="34" name="TextBox 12"/>
-          <p:cNvSpPr txBox="1"/>
-          <p:nvPr/>
-        </p:nvSpPr>
-        <p:spPr>
-          <a:xfrm>
-            <a:off x="5179693" y="1727091"/>
-            <a:ext cx="1883023" cy="2603790"/>
-          </a:xfrm>
-          <a:prstGeom prst="rect">
-            <a:avLst/>
-          </a:prstGeom>
-          <a:noFill/>
-        </p:spPr>
-        <p:txBody>
-          <a:bodyPr wrap="square" rtlCol="0">
             <a:spAutoFit/>
           </a:bodyPr>
           <a:lstStyle/>
@@ -13201,36 +11569,36 @@
               <a:buChar char="•"/>
             </a:pPr>
             <a:r>
-              <a:rPr lang="en-US" altLang="zh-CN" sz="800" b="1" dirty="0">
-                <a:latin typeface="微軟正黑體" panose="020B0604030504040204" pitchFamily="34" charset="-120"/>
-                <a:ea typeface="微軟正黑體" panose="020B0604030504040204" pitchFamily="34" charset="-120"/>
-                <a:cs typeface="Lantinghei SC Extralight" charset="-122"/>
-              </a:rPr>
-              <a:t>4</a:t>
-            </a:r>
-            <a:r>
-              <a:rPr lang="zh-CN" altLang="en-US" sz="800" b="1" dirty="0">
-                <a:latin typeface="微軟正黑體" panose="020B0604030504040204" pitchFamily="34" charset="-120"/>
-                <a:ea typeface="微軟正黑體" panose="020B0604030504040204" pitchFamily="34" charset="-120"/>
-                <a:cs typeface="Lantinghei SC Extralight" charset="-122"/>
-              </a:rPr>
-              <a:t>天</a:t>
-            </a:r>
-            <a:r>
-              <a:rPr lang="en-US" altLang="zh-CN" sz="800" b="1" dirty="0">
-                <a:latin typeface="微軟正黑體" panose="020B0604030504040204" pitchFamily="34" charset="-120"/>
-                <a:ea typeface="微軟正黑體" panose="020B0604030504040204" pitchFamily="34" charset="-120"/>
-                <a:cs typeface="Lantinghei SC Extralight" charset="-122"/>
-              </a:rPr>
-              <a:t>MEM</a:t>
-            </a:r>
-            <a:r>
-              <a:rPr lang="zh-CN" altLang="en-US" sz="800" b="1" dirty="0">
-                <a:latin typeface="微軟正黑體" panose="020B0604030504040204" pitchFamily="34" charset="-120"/>
-                <a:ea typeface="微軟正黑體" panose="020B0604030504040204" pitchFamily="34" charset="-120"/>
-                <a:cs typeface="Lantinghei SC Extralight" charset="-122"/>
-              </a:rPr>
-              <a:t>导引课，三个课程单元。</a:t>
+              <a:rPr lang="zh-CN" altLang="en-US" sz="700" b="1" dirty="0" smtClean="0">
+                <a:latin typeface="微軟正黑體" panose="020B0604030504040204" pitchFamily="34" charset="-120"/>
+                <a:ea typeface="微軟正黑體" panose="020B0604030504040204" pitchFamily="34" charset="-120"/>
+                <a:cs typeface="Lantinghei SC Extralight" charset="-122"/>
+              </a:rPr>
+              <a:t>课程</a:t>
+            </a:r>
+            <a:r>
+              <a:rPr lang="zh-CN" altLang="en-US" sz="700" b="1" dirty="0">
+                <a:latin typeface="微軟正黑體" panose="020B0604030504040204" pitchFamily="34" charset="-120"/>
+                <a:ea typeface="微軟正黑體" panose="020B0604030504040204" pitchFamily="34" charset="-120"/>
+                <a:cs typeface="Lantinghei SC Extralight" charset="-122"/>
+              </a:rPr>
+              <a:t>单元一</a:t>
+            </a:r>
+            <a:r>
+              <a:rPr lang="zh-CN" altLang="en-US" sz="700" b="1" dirty="0" smtClean="0">
+                <a:latin typeface="微軟正黑體" panose="020B0604030504040204" pitchFamily="34" charset="-120"/>
+                <a:ea typeface="微軟正黑體" panose="020B0604030504040204" pitchFamily="34" charset="-120"/>
+                <a:cs typeface="Lantinghei SC Extralight" charset="-122"/>
+              </a:rPr>
+              <a:t>「同学与我」</a:t>
+            </a:r>
+            <a:r>
+              <a:rPr lang="zh-CN" altLang="en-US" sz="700" b="1" dirty="0">
+                <a:latin typeface="微軟正黑體" panose="020B0604030504040204" pitchFamily="34" charset="-120"/>
+                <a:ea typeface="微軟正黑體" panose="020B0604030504040204" pitchFamily="34" charset="-120"/>
+                <a:cs typeface="Lantinghei SC Extralight" charset="-122"/>
+              </a:rPr>
+              <a:t>：</a:t>
             </a:r>
           </a:p>
           <a:p>
@@ -13242,13 +11610,34 @@
               <a:buChar char="ü"/>
             </a:pPr>
             <a:r>
-              <a:rPr lang="zh-CN" altLang="en-US" sz="800" b="1" dirty="0">
-                <a:latin typeface="微軟正黑體" panose="020B0604030504040204" pitchFamily="34" charset="-120"/>
-                <a:ea typeface="微軟正黑體" panose="020B0604030504040204" pitchFamily="34" charset="-120"/>
-                <a:cs typeface="Lantinghei SC Extralight" charset="-122"/>
-              </a:rPr>
-              <a:t>单元一：认识自己</a:t>
-            </a:r>
+              <a:rPr lang="zh-CN" altLang="en-US" sz="700" b="1" dirty="0" smtClean="0">
+                <a:latin typeface="微軟正黑體" panose="020B0604030504040204" pitchFamily="34" charset="-120"/>
+                <a:ea typeface="微軟正黑體" panose="020B0604030504040204" pitchFamily="34" charset="-120"/>
+                <a:cs typeface="Lantinghei SC Extralight" charset="-122"/>
+              </a:rPr>
+              <a:t>个人</a:t>
+            </a:r>
+            <a:r>
+              <a:rPr lang="en-US" altLang="zh-CN" sz="700" b="1" dirty="0">
+                <a:latin typeface="微軟正黑體" panose="020B0604030504040204" pitchFamily="34" charset="-120"/>
+                <a:ea typeface="微軟正黑體" panose="020B0604030504040204" pitchFamily="34" charset="-120"/>
+                <a:cs typeface="Lantinghei SC Extralight" charset="-122"/>
+              </a:rPr>
+              <a:t>wiki</a:t>
+            </a:r>
+            <a:r>
+              <a:rPr lang="zh-CN" altLang="en-US" sz="700" b="1" dirty="0">
+                <a:latin typeface="微軟正黑體" panose="020B0604030504040204" pitchFamily="34" charset="-120"/>
+                <a:ea typeface="微軟正黑體" panose="020B0604030504040204" pitchFamily="34" charset="-120"/>
+                <a:cs typeface="Lantinghei SC Extralight" charset="-122"/>
+              </a:rPr>
+              <a:t>主页</a:t>
+            </a:r>
+            <a:endParaRPr lang="en-US" altLang="zh-CN" sz="700" b="1" dirty="0" smtClean="0">
+              <a:latin typeface="微軟正黑體" panose="020B0604030504040204" pitchFamily="34" charset="-120"/>
+              <a:ea typeface="微軟正黑體" panose="020B0604030504040204" pitchFamily="34" charset="-120"/>
+              <a:cs typeface="Lantinghei SC Extralight" charset="-122"/>
+            </a:endParaRPr>
           </a:p>
           <a:p>
             <a:pPr marL="363538" lvl="1" indent="-187325">
@@ -13259,13 +11648,34 @@
               <a:buChar char="ü"/>
             </a:pPr>
             <a:r>
-              <a:rPr lang="zh-CN" altLang="en-US" sz="800" b="1" dirty="0">
-                <a:latin typeface="微軟正黑體" panose="020B0604030504040204" pitchFamily="34" charset="-120"/>
-                <a:ea typeface="微軟正黑體" panose="020B0604030504040204" pitchFamily="34" charset="-120"/>
-                <a:cs typeface="Lantinghei SC Extralight" charset="-122"/>
-              </a:rPr>
-              <a:t>单元二：认识清华</a:t>
-            </a:r>
+              <a:rPr lang="zh-CN" altLang="en-US" sz="700" b="1" dirty="0">
+                <a:latin typeface="微軟正黑體" panose="020B0604030504040204" pitchFamily="34" charset="-120"/>
+                <a:ea typeface="微軟正黑體" panose="020B0604030504040204" pitchFamily="34" charset="-120"/>
+                <a:cs typeface="Lantinghei SC Extralight" charset="-122"/>
+              </a:rPr>
+              <a:t>小组</a:t>
+            </a:r>
+            <a:r>
+              <a:rPr lang="en-US" altLang="zh-CN" sz="700" b="1" dirty="0" smtClean="0">
+                <a:latin typeface="微軟正黑體" panose="020B0604030504040204" pitchFamily="34" charset="-120"/>
+                <a:ea typeface="微軟正黑體" panose="020B0604030504040204" pitchFamily="34" charset="-120"/>
+                <a:cs typeface="Lantinghei SC Extralight" charset="-122"/>
+              </a:rPr>
+              <a:t>wiki</a:t>
+            </a:r>
+            <a:r>
+              <a:rPr lang="zh-CN" altLang="en-US" sz="700" b="1" dirty="0">
+                <a:latin typeface="微軟正黑體" panose="020B0604030504040204" pitchFamily="34" charset="-120"/>
+                <a:ea typeface="微軟正黑體" panose="020B0604030504040204" pitchFamily="34" charset="-120"/>
+                <a:cs typeface="Lantinghei SC Extralight" charset="-122"/>
+              </a:rPr>
+              <a:t>主页</a:t>
+            </a:r>
+            <a:endParaRPr lang="en-US" altLang="zh-CN" sz="700" b="1" dirty="0">
+              <a:latin typeface="微軟正黑體" panose="020B0604030504040204" pitchFamily="34" charset="-120"/>
+              <a:ea typeface="微軟正黑體" panose="020B0604030504040204" pitchFamily="34" charset="-120"/>
+              <a:cs typeface="Lantinghei SC Extralight" charset="-122"/>
+            </a:endParaRPr>
           </a:p>
           <a:p>
             <a:pPr marL="363538" lvl="1" indent="-187325">
@@ -13276,13 +11686,18 @@
               <a:buChar char="ü"/>
             </a:pPr>
             <a:r>
-              <a:rPr lang="zh-CN" altLang="en-US" sz="800" b="1" dirty="0">
-                <a:latin typeface="微軟正黑體" panose="020B0604030504040204" pitchFamily="34" charset="-120"/>
-                <a:ea typeface="微軟正黑體" panose="020B0604030504040204" pitchFamily="34" charset="-120"/>
-                <a:cs typeface="Lantinghei SC Extralight" charset="-122"/>
-              </a:rPr>
-              <a:t>单元三：清华与我</a:t>
-            </a:r>
+              <a:rPr lang="zh-CN" altLang="en-US" sz="700" b="1" dirty="0">
+                <a:latin typeface="微軟正黑體" panose="020B0604030504040204" pitchFamily="34" charset="-120"/>
+                <a:ea typeface="微軟正黑體" panose="020B0604030504040204" pitchFamily="34" charset="-120"/>
+                <a:cs typeface="Lantinghei SC Extralight" charset="-122"/>
+              </a:rPr>
+              <a:t>逻辑模型、社群画布</a:t>
+            </a:r>
+            <a:endParaRPr lang="zh-CN" altLang="en-US" sz="700" b="1" dirty="0" smtClean="0">
+              <a:latin typeface="微軟正黑體" panose="020B0604030504040204" pitchFamily="34" charset="-120"/>
+              <a:ea typeface="微軟正黑體" panose="020B0604030504040204" pitchFamily="34" charset="-120"/>
+              <a:cs typeface="Lantinghei SC Extralight" charset="-122"/>
+            </a:endParaRPr>
           </a:p>
           <a:p>
             <a:pPr marL="88900" indent="-88900">
@@ -13293,12 +11708,12 @@
               <a:buChar char="•"/>
             </a:pPr>
             <a:r>
-              <a:rPr lang="zh-CN" altLang="en-US" sz="800" b="1" dirty="0">
-                <a:latin typeface="微軟正黑體" panose="020B0604030504040204" pitchFamily="34" charset="-120"/>
-                <a:ea typeface="微軟正黑體" panose="020B0604030504040204" pitchFamily="34" charset="-120"/>
-                <a:cs typeface="Lantinghei SC Extralight" charset="-122"/>
-              </a:rPr>
-              <a:t>课程单元一「认识自己」：</a:t>
+              <a:rPr lang="zh-CN" altLang="en-US" sz="700" b="1" dirty="0" smtClean="0">
+                <a:latin typeface="微軟正黑體" panose="020B0604030504040204" pitchFamily="34" charset="-120"/>
+                <a:ea typeface="微軟正黑體" panose="020B0604030504040204" pitchFamily="34" charset="-120"/>
+                <a:cs typeface="Lantinghei SC Extralight" charset="-122"/>
+              </a:rPr>
+              <a:t>课程单元二「清华与我」：</a:t>
             </a:r>
           </a:p>
           <a:p>
@@ -13310,13 +11725,18 @@
               <a:buChar char="ü"/>
             </a:pPr>
             <a:r>
-              <a:rPr lang="zh-CN" altLang="en-US" sz="800" b="1" dirty="0">
-                <a:latin typeface="微軟正黑體" panose="020B0604030504040204" pitchFamily="34" charset="-120"/>
-                <a:ea typeface="微軟正黑體" panose="020B0604030504040204" pitchFamily="34" charset="-120"/>
-                <a:cs typeface="Lantinghei SC Extralight" charset="-122"/>
-              </a:rPr>
-              <a:t>优势测试</a:t>
-            </a:r>
+              <a:rPr lang="zh-CN" altLang="en-US" sz="700" b="1" dirty="0" smtClean="0">
+                <a:latin typeface="微軟正黑體" panose="020B0604030504040204" pitchFamily="34" charset="-120"/>
+                <a:ea typeface="微軟正黑體" panose="020B0604030504040204" pitchFamily="34" charset="-120"/>
+                <a:cs typeface="Lantinghei SC Extralight" charset="-122"/>
+              </a:rPr>
+              <a:t>主页迭代</a:t>
+            </a:r>
+            <a:endParaRPr lang="en-US" altLang="zh-CN" sz="700" b="1" dirty="0" smtClean="0">
+              <a:latin typeface="微軟正黑體" panose="020B0604030504040204" pitchFamily="34" charset="-120"/>
+              <a:ea typeface="微軟正黑體" panose="020B0604030504040204" pitchFamily="34" charset="-120"/>
+              <a:cs typeface="Lantinghei SC Extralight" charset="-122"/>
+            </a:endParaRPr>
           </a:p>
           <a:p>
             <a:pPr marL="363538" lvl="1" indent="-187325">
@@ -13327,13 +11747,18 @@
               <a:buChar char="ü"/>
             </a:pPr>
             <a:r>
-              <a:rPr lang="zh-CN" altLang="en-US" sz="800" b="1" dirty="0">
-                <a:latin typeface="微軟正黑體" panose="020B0604030504040204" pitchFamily="34" charset="-120"/>
-                <a:ea typeface="微軟正黑體" panose="020B0604030504040204" pitchFamily="34" charset="-120"/>
-                <a:cs typeface="Lantinghei SC Extralight" charset="-122"/>
-              </a:rPr>
-              <a:t>个人简历制作（自发迭代）</a:t>
-            </a:r>
+              <a:rPr lang="zh-CN" altLang="en-US" sz="700" b="1" dirty="0" smtClean="0">
+                <a:latin typeface="微軟正黑體" panose="020B0604030504040204" pitchFamily="34" charset="-120"/>
+                <a:ea typeface="微軟正黑體" panose="020B0604030504040204" pitchFamily="34" charset="-120"/>
+                <a:cs typeface="Lantinghei SC Extralight" charset="-122"/>
+              </a:rPr>
+              <a:t>学员手册  </a:t>
+            </a:r>
+            <a:endParaRPr lang="zh-CN" altLang="en-US" sz="700" b="1" dirty="0" smtClean="0">
+              <a:latin typeface="微軟正黑體" panose="020B0604030504040204" pitchFamily="34" charset="-120"/>
+              <a:ea typeface="微軟正黑體" panose="020B0604030504040204" pitchFamily="34" charset="-120"/>
+              <a:cs typeface="Lantinghei SC Extralight" charset="-122"/>
+            </a:endParaRPr>
           </a:p>
           <a:p>
             <a:pPr marL="88900" indent="-88900">
@@ -13344,12 +11769,52 @@
               <a:buChar char="•"/>
             </a:pPr>
             <a:r>
-              <a:rPr lang="zh-CN" altLang="en-US" sz="800" b="1" dirty="0">
-                <a:latin typeface="微軟正黑體" panose="020B0604030504040204" pitchFamily="34" charset="-120"/>
-                <a:ea typeface="微軟正黑體" panose="020B0604030504040204" pitchFamily="34" charset="-120"/>
-                <a:cs typeface="Lantinghei SC Extralight" charset="-122"/>
-              </a:rPr>
-              <a:t>课程单元二「认识清华」：</a:t>
+              <a:rPr lang="zh-CN" altLang="en-US" sz="700" b="1" dirty="0" smtClean="0">
+                <a:latin typeface="微軟正黑體" panose="020B0604030504040204" pitchFamily="34" charset="-120"/>
+                <a:ea typeface="微軟正黑體" panose="020B0604030504040204" pitchFamily="34" charset="-120"/>
+                <a:cs typeface="Lantinghei SC Extralight" charset="-122"/>
+              </a:rPr>
+              <a:t>课程</a:t>
+            </a:r>
+            <a:r>
+              <a:rPr lang="zh-CN" altLang="en-US" sz="700" b="1" dirty="0">
+                <a:latin typeface="微軟正黑體" panose="020B0604030504040204" pitchFamily="34" charset="-120"/>
+                <a:ea typeface="微軟正黑體" panose="020B0604030504040204" pitchFamily="34" charset="-120"/>
+                <a:cs typeface="Lantinghei SC Extralight" charset="-122"/>
+              </a:rPr>
+              <a:t>单元三</a:t>
+            </a:r>
+            <a:r>
+              <a:rPr lang="zh-CN" altLang="en-US" sz="700" b="1" dirty="0" smtClean="0">
+                <a:latin typeface="微軟正黑體" panose="020B0604030504040204" pitchFamily="34" charset="-120"/>
+                <a:ea typeface="微軟正黑體" panose="020B0604030504040204" pitchFamily="34" charset="-120"/>
+                <a:cs typeface="Lantinghei SC Extralight" charset="-122"/>
+              </a:rPr>
+              <a:t>「</a:t>
+            </a:r>
+            <a:r>
+              <a:rPr lang="en-US" altLang="zh-CN" sz="700" b="1" dirty="0">
+                <a:latin typeface="微軟正黑體" panose="020B0604030504040204" pitchFamily="34" charset="-120"/>
+                <a:ea typeface="微軟正黑體" panose="020B0604030504040204" pitchFamily="34" charset="-120"/>
+                <a:cs typeface="Lantinghei SC Extralight" charset="-122"/>
+              </a:rPr>
+              <a:t>MEM</a:t>
+            </a:r>
+            <a:r>
+              <a:rPr lang="zh-CN" altLang="en-US" sz="700" b="1" dirty="0" smtClean="0">
+                <a:latin typeface="微軟正黑體" panose="020B0604030504040204" pitchFamily="34" charset="-120"/>
+                <a:ea typeface="微軟正黑體" panose="020B0604030504040204" pitchFamily="34" charset="-120"/>
+                <a:cs typeface="Lantinghei SC Extralight" charset="-122"/>
+              </a:rPr>
+              <a:t>与</a:t>
+            </a:r>
+            <a:r>
+              <a:rPr lang="zh-CN" altLang="en-US" sz="700" b="1" dirty="0">
+                <a:latin typeface="微軟正黑體" panose="020B0604030504040204" pitchFamily="34" charset="-120"/>
+                <a:ea typeface="微軟正黑體" panose="020B0604030504040204" pitchFamily="34" charset="-120"/>
+                <a:cs typeface="Lantinghei SC Extralight" charset="-122"/>
+              </a:rPr>
+              <a:t>我」：</a:t>
             </a:r>
           </a:p>
           <a:p>
@@ -13361,21 +11826,18 @@
               <a:buChar char="ü"/>
             </a:pPr>
             <a:r>
-              <a:rPr lang="zh-CN" altLang="en-US" sz="800" b="1" dirty="0" smtClean="0">
-                <a:latin typeface="微軟正黑體" panose="020B0604030504040204" pitchFamily="34" charset="-120"/>
-                <a:ea typeface="微軟正黑體" panose="020B0604030504040204" pitchFamily="34" charset="-120"/>
-                <a:cs typeface="Lantinghei SC Extralight" charset="-122"/>
-              </a:rPr>
-              <a:t>校</a:t>
-            </a:r>
-            <a:r>
-              <a:rPr lang="zh-CN" altLang="en-US" sz="800" b="1" dirty="0">
-                <a:latin typeface="微軟正黑體" panose="020B0604030504040204" pitchFamily="34" charset="-120"/>
-                <a:ea typeface="微軟正黑體" panose="020B0604030504040204" pitchFamily="34" charset="-120"/>
-                <a:cs typeface="Lantinghei SC Extralight" charset="-122"/>
-              </a:rPr>
-              <a:t>园探索</a:t>
-            </a:r>
+              <a:rPr lang="zh-CN" altLang="en-US" sz="700" b="1" dirty="0" smtClean="0">
+                <a:latin typeface="微軟正黑體" panose="020B0604030504040204" pitchFamily="34" charset="-120"/>
+                <a:ea typeface="微軟正黑體" panose="020B0604030504040204" pitchFamily="34" charset="-120"/>
+                <a:cs typeface="Lantinghei SC Extralight" charset="-122"/>
+              </a:rPr>
+              <a:t>主页迭代</a:t>
+            </a:r>
+            <a:endParaRPr lang="en-US" altLang="zh-CN" sz="700" b="1" dirty="0" smtClean="0">
+              <a:latin typeface="微軟正黑體" panose="020B0604030504040204" pitchFamily="34" charset="-120"/>
+              <a:ea typeface="微軟正黑體" panose="020B0604030504040204" pitchFamily="34" charset="-120"/>
+              <a:cs typeface="Lantinghei SC Extralight" charset="-122"/>
+            </a:endParaRPr>
           </a:p>
           <a:p>
             <a:pPr marL="363538" lvl="1" indent="-187325">
@@ -13386,21 +11848,18 @@
               <a:buChar char="ü"/>
             </a:pPr>
             <a:r>
-              <a:rPr lang="zh-CN" altLang="en-US" sz="800" b="1" dirty="0" smtClean="0">
-                <a:latin typeface="微軟正黑體" panose="020B0604030504040204" pitchFamily="34" charset="-120"/>
-                <a:ea typeface="微軟正黑體" panose="020B0604030504040204" pitchFamily="34" charset="-120"/>
-                <a:cs typeface="Lantinghei SC Extralight" charset="-122"/>
-              </a:rPr>
-              <a:t>定向</a:t>
-            </a:r>
-            <a:r>
-              <a:rPr lang="zh-CN" altLang="en-US" sz="800" b="1" dirty="0">
-                <a:latin typeface="微軟正黑體" panose="020B0604030504040204" pitchFamily="34" charset="-120"/>
-                <a:ea typeface="微軟正黑體" panose="020B0604030504040204" pitchFamily="34" charset="-120"/>
-                <a:cs typeface="Lantinghei SC Extralight" charset="-122"/>
-              </a:rPr>
-              <a:t>越野</a:t>
-            </a:r>
+              <a:rPr lang="zh-CN" altLang="en-US" sz="700" b="1" dirty="0" smtClean="0">
+                <a:latin typeface="微軟正黑體" panose="020B0604030504040204" pitchFamily="34" charset="-120"/>
+                <a:ea typeface="微軟正黑體" panose="020B0604030504040204" pitchFamily="34" charset="-120"/>
+                <a:cs typeface="Lantinghei SC Extralight" charset="-122"/>
+              </a:rPr>
+              <a:t>学员手册迭代</a:t>
+            </a:r>
+            <a:endParaRPr lang="zh-CN" altLang="en-US" sz="700" b="1" dirty="0">
+              <a:latin typeface="微軟正黑體" panose="020B0604030504040204" pitchFamily="34" charset="-120"/>
+              <a:ea typeface="微軟正黑體" panose="020B0604030504040204" pitchFamily="34" charset="-120"/>
+              <a:cs typeface="Lantinghei SC Extralight" charset="-122"/>
+            </a:endParaRPr>
           </a:p>
           <a:p>
             <a:pPr marL="363538" lvl="1" indent="-187325">
@@ -13411,21 +11870,18 @@
               <a:buChar char="ü"/>
             </a:pPr>
             <a:r>
-              <a:rPr lang="zh-CN" altLang="en-US" sz="800" b="1" dirty="0" smtClean="0">
-                <a:latin typeface="微軟正黑體" panose="020B0604030504040204" pitchFamily="34" charset="-120"/>
-                <a:ea typeface="微軟正黑體" panose="020B0604030504040204" pitchFamily="34" charset="-120"/>
-                <a:cs typeface="Lantinghei SC Extralight" charset="-122"/>
-              </a:rPr>
-              <a:t>实</a:t>
-            </a:r>
-            <a:r>
-              <a:rPr lang="zh-CN" altLang="en-US" sz="800" b="1" dirty="0">
-                <a:latin typeface="微軟正黑體" panose="020B0604030504040204" pitchFamily="34" charset="-120"/>
-                <a:ea typeface="微軟正黑體" panose="020B0604030504040204" pitchFamily="34" charset="-120"/>
-                <a:cs typeface="Lantinghei SC Extralight" charset="-122"/>
-              </a:rPr>
-              <a:t>验室探究</a:t>
-            </a:r>
+              <a:rPr lang="zh-CN" altLang="en-US" sz="700" b="1" dirty="0" smtClean="0">
+                <a:latin typeface="微軟正黑體" panose="020B0604030504040204" pitchFamily="34" charset="-120"/>
+                <a:ea typeface="微軟正黑體" panose="020B0604030504040204" pitchFamily="34" charset="-120"/>
+                <a:cs typeface="Lantinghei SC Extralight" charset="-122"/>
+              </a:rPr>
+              <a:t>班级宪章</a:t>
+            </a:r>
+            <a:endParaRPr lang="en-US" altLang="zh-CN" sz="700" b="1" dirty="0" smtClean="0">
+              <a:latin typeface="微軟正黑體" panose="020B0604030504040204" pitchFamily="34" charset="-120"/>
+              <a:ea typeface="微軟正黑體" panose="020B0604030504040204" pitchFamily="34" charset="-120"/>
+              <a:cs typeface="Lantinghei SC Extralight" charset="-122"/>
+            </a:endParaRPr>
           </a:p>
           <a:p>
             <a:pPr marL="363538" lvl="1" indent="-187325">
@@ -13436,22 +11892,41 @@
               <a:buChar char="ü"/>
             </a:pPr>
             <a:r>
-              <a:rPr lang="zh-CN" altLang="en-US" sz="800" b="1" dirty="0" smtClean="0">
-                <a:latin typeface="微軟正黑體" panose="020B0604030504040204" pitchFamily="34" charset="-120"/>
-                <a:ea typeface="微軟正黑體" panose="020B0604030504040204" pitchFamily="34" charset="-120"/>
-                <a:cs typeface="Lantinghei SC Extralight" charset="-122"/>
-              </a:rPr>
-              <a:t>社</a:t>
-            </a:r>
-            <a:r>
-              <a:rPr lang="zh-CN" altLang="en-US" sz="800" b="1" dirty="0">
-                <a:latin typeface="微軟正黑體" panose="020B0604030504040204" pitchFamily="34" charset="-120"/>
-                <a:ea typeface="微軟正黑體" panose="020B0604030504040204" pitchFamily="34" charset="-120"/>
-                <a:cs typeface="Lantinghei SC Extralight" charset="-122"/>
-              </a:rPr>
-              <a:t>团资源</a:t>
-            </a:r>
-          </a:p>
+              <a:rPr lang="zh-CN" altLang="en-US" sz="700" b="1" dirty="0" smtClean="0">
+                <a:latin typeface="微軟正黑體" panose="020B0604030504040204" pitchFamily="34" charset="-120"/>
+                <a:ea typeface="微軟正黑體" panose="020B0604030504040204" pitchFamily="34" charset="-120"/>
+                <a:cs typeface="Lantinghei SC Extralight" charset="-122"/>
+              </a:rPr>
+              <a:t>终极汇报报告</a:t>
+            </a:r>
+            <a:endParaRPr lang="zh-CN" altLang="en-US" sz="700" b="1" dirty="0">
+              <a:latin typeface="微軟正黑體" panose="020B0604030504040204" pitchFamily="34" charset="-120"/>
+              <a:ea typeface="微軟正黑體" panose="020B0604030504040204" pitchFamily="34" charset="-120"/>
+              <a:cs typeface="Lantinghei SC Extralight" charset="-122"/>
+            </a:endParaRPr>
+          </a:p>
+        </p:txBody>
+      </p:sp>
+      <p:sp>
+        <p:nvSpPr>
+          <p:cNvPr id="24" name="矩形 23"/>
+          <p:cNvSpPr/>
+          <p:nvPr/>
+        </p:nvSpPr>
+        <p:spPr>
+          <a:xfrm>
+            <a:off x="767386" y="2341592"/>
+            <a:ext cx="1828800" cy="1772793"/>
+          </a:xfrm>
+          <a:prstGeom prst="rect">
+            <a:avLst/>
+          </a:prstGeom>
+        </p:spPr>
+        <p:txBody>
+          <a:bodyPr wrap="square">
+            <a:spAutoFit/>
+          </a:bodyPr>
+          <a:lstStyle/>
           <a:p>
             <a:pPr marL="88900" indent="-88900">
               <a:lnSpc>
@@ -13461,20 +11936,36 @@
               <a:buChar char="•"/>
             </a:pPr>
             <a:r>
-              <a:rPr lang="zh-CN" altLang="en-US" sz="800" b="1" dirty="0" smtClean="0">
-                <a:latin typeface="微軟正黑體" panose="020B0604030504040204" pitchFamily="34" charset="-120"/>
-                <a:ea typeface="微軟正黑體" panose="020B0604030504040204" pitchFamily="34" charset="-120"/>
-                <a:cs typeface="Lantinghei SC Extralight" charset="-122"/>
-              </a:rPr>
-              <a:t>课</a:t>
-            </a:r>
-            <a:r>
-              <a:rPr lang="zh-CN" altLang="en-US" sz="800" b="1" dirty="0">
-                <a:latin typeface="微軟正黑體" panose="020B0604030504040204" pitchFamily="34" charset="-120"/>
-                <a:ea typeface="微軟正黑體" panose="020B0604030504040204" pitchFamily="34" charset="-120"/>
-                <a:cs typeface="Lantinghei SC Extralight" charset="-122"/>
-              </a:rPr>
-              <a:t>程单元三「清华与我」：</a:t>
+              <a:rPr lang="zh-CN" altLang="en-US" sz="700" b="1" dirty="0" smtClean="0">
+                <a:latin typeface="微軟正黑體" panose="020B0604030504040204" pitchFamily="34" charset="-120"/>
+                <a:ea typeface="微軟正黑體" panose="020B0604030504040204" pitchFamily="34" charset="-120"/>
+                <a:cs typeface="Lantinghei SC Extralight" charset="-122"/>
+              </a:rPr>
+              <a:t>课程</a:t>
+            </a:r>
+            <a:r>
+              <a:rPr lang="zh-CN" altLang="en-US" sz="700" b="1" dirty="0">
+                <a:latin typeface="微軟正黑體" panose="020B0604030504040204" pitchFamily="34" charset="-120"/>
+                <a:ea typeface="微軟正黑體" panose="020B0604030504040204" pitchFamily="34" charset="-120"/>
+                <a:cs typeface="Lantinghei SC Extralight" charset="-122"/>
+              </a:rPr>
+              <a:t>单元一</a:t>
+            </a:r>
+            <a:r>
+              <a:rPr lang="zh-CN" altLang="en-US" sz="700" b="1" dirty="0" smtClean="0">
+                <a:latin typeface="微軟正黑體" panose="020B0604030504040204" pitchFamily="34" charset="-120"/>
+                <a:ea typeface="微軟正黑體" panose="020B0604030504040204" pitchFamily="34" charset="-120"/>
+                <a:cs typeface="Lantinghei SC Extralight" charset="-122"/>
+              </a:rPr>
+              <a:t>「同学与我」</a:t>
+            </a:r>
+            <a:r>
+              <a:rPr lang="zh-CN" altLang="en-US" sz="700" b="1" dirty="0">
+                <a:latin typeface="微軟正黑體" panose="020B0604030504040204" pitchFamily="34" charset="-120"/>
+                <a:ea typeface="微軟正黑體" panose="020B0604030504040204" pitchFamily="34" charset="-120"/>
+                <a:cs typeface="Lantinghei SC Extralight" charset="-122"/>
+              </a:rPr>
+              <a:t>：</a:t>
             </a:r>
           </a:p>
           <a:p>
@@ -13486,21 +11977,26 @@
               <a:buChar char="ü"/>
             </a:pPr>
             <a:r>
-              <a:rPr lang="zh-CN" altLang="en-US" sz="800" b="1" dirty="0" smtClean="0">
-                <a:latin typeface="微軟正黑體" panose="020B0604030504040204" pitchFamily="34" charset="-120"/>
-                <a:ea typeface="微軟正黑體" panose="020B0604030504040204" pitchFamily="34" charset="-120"/>
-                <a:cs typeface="Lantinghei SC Extralight" charset="-122"/>
-              </a:rPr>
-              <a:t>上</a:t>
-            </a:r>
-            <a:r>
-              <a:rPr lang="zh-CN" altLang="en-US" sz="800" b="1" dirty="0">
-                <a:latin typeface="微軟正黑體" panose="020B0604030504040204" pitchFamily="34" charset="-120"/>
-                <a:ea typeface="微軟正黑體" panose="020B0604030504040204" pitchFamily="34" charset="-120"/>
-                <a:cs typeface="Lantinghei SC Extralight" charset="-122"/>
-              </a:rPr>
-              <a:t>期班级宪章</a:t>
-            </a:r>
+              <a:rPr lang="zh-CN" altLang="en-US" sz="700" b="1" dirty="0">
+                <a:latin typeface="微軟正黑體" panose="020B0604030504040204" pitchFamily="34" charset="-120"/>
+                <a:ea typeface="微軟正黑體" panose="020B0604030504040204" pitchFamily="34" charset="-120"/>
+                <a:cs typeface="Lantinghei SC Extralight" charset="-122"/>
+              </a:rPr>
+              <a:t>引导同学互相</a:t>
+            </a:r>
+            <a:r>
+              <a:rPr lang="zh-CN" altLang="en-US" sz="700" b="1" dirty="0" smtClean="0">
+                <a:latin typeface="微軟正黑體" panose="020B0604030504040204" pitchFamily="34" charset="-120"/>
+                <a:ea typeface="微軟正黑體" panose="020B0604030504040204" pitchFamily="34" charset="-120"/>
+                <a:cs typeface="Lantinghei SC Extralight" charset="-122"/>
+              </a:rPr>
+              <a:t>认识</a:t>
+            </a:r>
+            <a:endParaRPr lang="en-US" altLang="zh-CN" sz="700" b="1" dirty="0" smtClean="0">
+              <a:latin typeface="微軟正黑體" panose="020B0604030504040204" pitchFamily="34" charset="-120"/>
+              <a:ea typeface="微軟正黑體" panose="020B0604030504040204" pitchFamily="34" charset="-120"/>
+              <a:cs typeface="Lantinghei SC Extralight" charset="-122"/>
+            </a:endParaRPr>
           </a:p>
           <a:p>
             <a:pPr marL="363538" lvl="1" indent="-187325">
@@ -13511,21 +12007,34 @@
               <a:buChar char="ü"/>
             </a:pPr>
             <a:r>
-              <a:rPr lang="zh-CN" altLang="en-US" sz="800" b="1" dirty="0" smtClean="0">
-                <a:latin typeface="微軟正黑體" panose="020B0604030504040204" pitchFamily="34" charset="-120"/>
-                <a:ea typeface="微軟正黑體" panose="020B0604030504040204" pitchFamily="34" charset="-120"/>
-                <a:cs typeface="Lantinghei SC Extralight" charset="-122"/>
-              </a:rPr>
-              <a:t>辩</a:t>
-            </a:r>
-            <a:r>
-              <a:rPr lang="zh-CN" altLang="en-US" sz="800" b="1" dirty="0">
-                <a:latin typeface="微軟正黑體" panose="020B0604030504040204" pitchFamily="34" charset="-120"/>
-                <a:ea typeface="微軟正黑體" panose="020B0604030504040204" pitchFamily="34" charset="-120"/>
-                <a:cs typeface="Lantinghei SC Extralight" charset="-122"/>
-              </a:rPr>
-              <a:t>论班级宪章制定的方法论</a:t>
-            </a:r>
+              <a:rPr lang="zh-CN" altLang="en-US" sz="700" b="1" dirty="0" smtClean="0">
+                <a:latin typeface="微軟正黑體" panose="020B0604030504040204" pitchFamily="34" charset="-120"/>
+                <a:ea typeface="微軟正黑體" panose="020B0604030504040204" pitchFamily="34" charset="-120"/>
+                <a:cs typeface="Lantinghei SC Extralight" charset="-122"/>
+              </a:rPr>
+              <a:t>引导</a:t>
+            </a:r>
+            <a:r>
+              <a:rPr lang="zh-CN" altLang="en-US" sz="700" b="1" dirty="0">
+                <a:latin typeface="微軟正黑體" panose="020B0604030504040204" pitchFamily="34" charset="-120"/>
+                <a:ea typeface="微軟正黑體" panose="020B0604030504040204" pitchFamily="34" charset="-120"/>
+                <a:cs typeface="Lantinghei SC Extralight" charset="-122"/>
+              </a:rPr>
+              <a:t>同学进入学习</a:t>
+            </a:r>
+            <a:r>
+              <a:rPr lang="zh-CN" altLang="en-US" sz="700" b="1" dirty="0" smtClean="0">
+                <a:latin typeface="微軟正黑體" panose="020B0604030504040204" pitchFamily="34" charset="-120"/>
+                <a:ea typeface="微軟正黑體" panose="020B0604030504040204" pitchFamily="34" charset="-120"/>
+                <a:cs typeface="Lantinghei SC Extralight" charset="-122"/>
+              </a:rPr>
+              <a:t>状态</a:t>
+            </a:r>
+            <a:endParaRPr lang="en-US" altLang="zh-CN" sz="700" b="1" dirty="0" smtClean="0">
+              <a:latin typeface="微軟正黑體" panose="020B0604030504040204" pitchFamily="34" charset="-120"/>
+              <a:ea typeface="微軟正黑體" panose="020B0604030504040204" pitchFamily="34" charset="-120"/>
+              <a:cs typeface="Lantinghei SC Extralight" charset="-122"/>
+            </a:endParaRPr>
           </a:p>
           <a:p>
             <a:pPr marL="363538" lvl="1" indent="-187325">
@@ -13536,21 +12045,26 @@
               <a:buChar char="ü"/>
             </a:pPr>
             <a:r>
-              <a:rPr lang="zh-CN" altLang="en-US" sz="800" b="1" dirty="0" smtClean="0">
-                <a:latin typeface="微軟正黑體" panose="020B0604030504040204" pitchFamily="34" charset="-120"/>
-                <a:ea typeface="微軟正黑體" panose="020B0604030504040204" pitchFamily="34" charset="-120"/>
-                <a:cs typeface="Lantinghei SC Extralight" charset="-122"/>
-              </a:rPr>
-              <a:t>上</a:t>
-            </a:r>
-            <a:r>
-              <a:rPr lang="zh-CN" altLang="en-US" sz="800" b="1" dirty="0">
-                <a:latin typeface="微軟正黑體" panose="020B0604030504040204" pitchFamily="34" charset="-120"/>
-                <a:ea typeface="微軟正黑體" panose="020B0604030504040204" pitchFamily="34" charset="-120"/>
-                <a:cs typeface="Lantinghei SC Extralight" charset="-122"/>
-              </a:rPr>
-              <a:t>期汇报演出</a:t>
-            </a:r>
+              <a:rPr lang="zh-CN" altLang="en-US" sz="700" b="1" dirty="0">
+                <a:latin typeface="微軟正黑體" panose="020B0604030504040204" pitchFamily="34" charset="-120"/>
+                <a:ea typeface="微軟正黑體" panose="020B0604030504040204" pitchFamily="34" charset="-120"/>
+                <a:cs typeface="Lantinghei SC Extralight" charset="-122"/>
+              </a:rPr>
+              <a:t>掌握</a:t>
+            </a:r>
+            <a:r>
+              <a:rPr lang="zh-CN" altLang="en-US" sz="700" b="1" dirty="0" smtClean="0">
+                <a:latin typeface="微軟正黑體" panose="020B0604030504040204" pitchFamily="34" charset="-120"/>
+                <a:ea typeface="微軟正黑體" panose="020B0604030504040204" pitchFamily="34" charset="-120"/>
+                <a:cs typeface="Lantinghei SC Extralight" charset="-122"/>
+              </a:rPr>
+              <a:t>学习工具</a:t>
+            </a:r>
+            <a:endParaRPr lang="en-US" altLang="zh-CN" sz="700" b="1" dirty="0" smtClean="0">
+              <a:latin typeface="微軟正黑體" panose="020B0604030504040204" pitchFamily="34" charset="-120"/>
+              <a:ea typeface="微軟正黑體" panose="020B0604030504040204" pitchFamily="34" charset="-120"/>
+              <a:cs typeface="Lantinghei SC Extralight" charset="-122"/>
+            </a:endParaRPr>
           </a:p>
           <a:p>
             <a:pPr marL="363538" lvl="1" indent="-187325">
@@ -13561,47 +12075,16 @@
               <a:buChar char="ü"/>
             </a:pPr>
             <a:r>
-              <a:rPr lang="zh-CN" altLang="en-US" sz="800" b="1" dirty="0" smtClean="0">
-                <a:latin typeface="微軟正黑體" panose="020B0604030504040204" pitchFamily="34" charset="-120"/>
-                <a:ea typeface="微軟正黑體" panose="020B0604030504040204" pitchFamily="34" charset="-120"/>
-                <a:cs typeface="Lantinghei SC Extralight" charset="-122"/>
-              </a:rPr>
-              <a:t>制定</a:t>
-            </a:r>
-            <a:r>
-              <a:rPr lang="zh-CN" altLang="en-US" sz="800" b="1" dirty="0">
-                <a:latin typeface="微軟正黑體" panose="020B0604030504040204" pitchFamily="34" charset="-120"/>
-                <a:ea typeface="微軟正黑體" panose="020B0604030504040204" pitchFamily="34" charset="-120"/>
-                <a:cs typeface="Lantinghei SC Extralight" charset="-122"/>
-              </a:rPr>
-              <a:t>班级宪章</a:t>
-            </a:r>
-          </a:p>
-        </p:txBody>
-      </p:sp>
-      <p:sp>
-        <p:nvSpPr>
-          <p:cNvPr id="35" name="TextBox 25"/>
-          <p:cNvSpPr txBox="1"/>
-          <p:nvPr/>
-        </p:nvSpPr>
-        <p:spPr>
-          <a:xfrm>
-            <a:off x="3295934" y="1726722"/>
-            <a:ext cx="1883760" cy="1569660"/>
-          </a:xfrm>
-          <a:prstGeom prst="rect">
-            <a:avLst/>
-          </a:prstGeom>
-          <a:noFill/>
-        </p:spPr>
-        <p:txBody>
-          <a:bodyPr wrap="square" rtlCol="0">
-            <a:spAutoFit/>
-          </a:bodyPr>
-          <a:lstStyle/>
-          <a:p>
-            <a:pPr marL="177800" indent="-177800">
+              <a:rPr lang="zh-CN" altLang="en-US" sz="700" b="1" dirty="0" smtClean="0">
+                <a:latin typeface="微軟正黑體" panose="020B0604030504040204" pitchFamily="34" charset="-120"/>
+                <a:ea typeface="微軟正黑體" panose="020B0604030504040204" pitchFamily="34" charset="-120"/>
+                <a:cs typeface="Lantinghei SC Extralight" charset="-122"/>
+              </a:rPr>
+              <a:t>形成班级组织</a:t>
+            </a:r>
+          </a:p>
+          <a:p>
+            <a:pPr marL="88900" indent="-88900">
               <a:lnSpc>
                 <a:spcPct val="120000"/>
               </a:lnSpc>
@@ -13609,85 +12092,12 @@
               <a:buChar char="•"/>
             </a:pPr>
             <a:r>
-              <a:rPr lang="en-US" altLang="zh-CN" sz="800" b="1" dirty="0">
-                <a:latin typeface="微軟正黑體" panose="020B0604030504040204" pitchFamily="34" charset="-120"/>
-                <a:ea typeface="微軟正黑體" panose="020B0604030504040204" pitchFamily="34" charset="-120"/>
-                <a:cs typeface="Lantinghei SC Extralight" charset="-122"/>
-              </a:rPr>
-              <a:t>61</a:t>
-            </a:r>
-            <a:r>
-              <a:rPr lang="zh-CN" altLang="en-US" sz="800" b="1" dirty="0">
-                <a:latin typeface="微軟正黑體" panose="020B0604030504040204" pitchFamily="34" charset="-120"/>
-                <a:ea typeface="微軟正黑體" panose="020B0604030504040204" pitchFamily="34" charset="-120"/>
-                <a:cs typeface="Lantinghei SC Extralight" charset="-122"/>
-              </a:rPr>
-              <a:t>名学员</a:t>
-            </a:r>
-            <a:r>
-              <a:rPr lang="en-US" altLang="zh-CN" sz="800" b="1" dirty="0">
-                <a:latin typeface="微軟正黑體" panose="020B0604030504040204" pitchFamily="34" charset="-120"/>
-                <a:ea typeface="微軟正黑體" panose="020B0604030504040204" pitchFamily="34" charset="-120"/>
-                <a:cs typeface="Lantinghei SC Extralight" charset="-122"/>
-              </a:rPr>
-              <a:t>/</a:t>
-            </a:r>
-            <a:r>
-              <a:rPr lang="zh-CN" altLang="en-US" sz="800" b="1" dirty="0">
-                <a:latin typeface="微軟正黑體" panose="020B0604030504040204" pitchFamily="34" charset="-120"/>
-                <a:ea typeface="微軟正黑體" panose="020B0604030504040204" pitchFamily="34" charset="-120"/>
-                <a:cs typeface="Lantinghei SC Extralight" charset="-122"/>
-              </a:rPr>
-              <a:t>分成</a:t>
-            </a:r>
-            <a:r>
-              <a:rPr lang="en-US" altLang="zh-CN" sz="800" b="1" dirty="0">
-                <a:latin typeface="微軟正黑體" panose="020B0604030504040204" pitchFamily="34" charset="-120"/>
-                <a:ea typeface="微軟正黑體" panose="020B0604030504040204" pitchFamily="34" charset="-120"/>
-                <a:cs typeface="Lantinghei SC Extralight" charset="-122"/>
-              </a:rPr>
-              <a:t>10</a:t>
-            </a:r>
-            <a:r>
-              <a:rPr lang="zh-CN" altLang="en-US" sz="800" b="1" dirty="0">
-                <a:latin typeface="微軟正黑體" panose="020B0604030504040204" pitchFamily="34" charset="-120"/>
-                <a:ea typeface="微軟正黑體" panose="020B0604030504040204" pitchFamily="34" charset="-120"/>
-                <a:cs typeface="Lantinghei SC Extralight" charset="-122"/>
-              </a:rPr>
-              <a:t>个学习小组。</a:t>
-            </a:r>
-          </a:p>
-          <a:p>
-            <a:pPr marL="177800" indent="-177800">
-              <a:lnSpc>
-                <a:spcPct val="120000"/>
-              </a:lnSpc>
-              <a:buFont typeface="Arial" panose="020B0604020202020204" pitchFamily="34" charset="0"/>
-              <a:buChar char="•"/>
-            </a:pPr>
-            <a:r>
-              <a:rPr lang="zh-CN" altLang="en-US" sz="800" b="1" dirty="0">
-                <a:latin typeface="微軟正黑體" panose="020B0604030504040204" pitchFamily="34" charset="-120"/>
-                <a:ea typeface="微軟正黑體" panose="020B0604030504040204" pitchFamily="34" charset="-120"/>
-                <a:cs typeface="Lantinghei SC Extralight" charset="-122"/>
-              </a:rPr>
-              <a:t>每位学员</a:t>
-            </a:r>
-            <a:r>
-              <a:rPr lang="en-US" altLang="zh-CN" sz="800" b="1" dirty="0">
-                <a:latin typeface="微軟正黑體" panose="020B0604030504040204" pitchFamily="34" charset="-120"/>
-                <a:ea typeface="微軟正黑體" panose="020B0604030504040204" pitchFamily="34" charset="-120"/>
-                <a:cs typeface="Lantinghei SC Extralight" charset="-122"/>
-              </a:rPr>
-              <a:t>/</a:t>
-            </a:r>
-            <a:r>
-              <a:rPr lang="zh-CN" altLang="en-US" sz="800" b="1" dirty="0">
-                <a:latin typeface="微軟正黑體" panose="020B0604030504040204" pitchFamily="34" charset="-120"/>
-                <a:ea typeface="微軟正黑體" panose="020B0604030504040204" pitchFamily="34" charset="-120"/>
-                <a:cs typeface="Lantinghei SC Extralight" charset="-122"/>
-              </a:rPr>
-              <a:t>数据工作流：</a:t>
+              <a:rPr lang="zh-CN" altLang="en-US" sz="700" b="1" dirty="0" smtClean="0">
+                <a:latin typeface="微軟正黑體" panose="020B0604030504040204" pitchFamily="34" charset="-120"/>
+                <a:ea typeface="微軟正黑體" panose="020B0604030504040204" pitchFamily="34" charset="-120"/>
+                <a:cs typeface="Lantinghei SC Extralight" charset="-122"/>
+              </a:rPr>
+              <a:t>课程单元二「清华与我」：</a:t>
             </a:r>
           </a:p>
           <a:p>
@@ -13699,75 +12109,34 @@
               <a:buChar char="ü"/>
             </a:pPr>
             <a:r>
-              <a:rPr lang="en-US" altLang="zh-CN" sz="800" b="1" dirty="0">
-                <a:latin typeface="微軟正黑體" panose="020B0604030504040204" pitchFamily="34" charset="-120"/>
-                <a:ea typeface="微軟正黑體" panose="020B0604030504040204" pitchFamily="34" charset="-120"/>
-                <a:cs typeface="Lantinghei SC Extralight" charset="-122"/>
-              </a:rPr>
-              <a:t>WIKI</a:t>
-            </a:r>
-            <a:r>
-              <a:rPr lang="zh-CN" altLang="en-US" sz="800" b="1" dirty="0">
-                <a:latin typeface="微軟正黑體" panose="020B0604030504040204" pitchFamily="34" charset="-120"/>
-                <a:ea typeface="微軟正黑體" panose="020B0604030504040204" pitchFamily="34" charset="-120"/>
-                <a:cs typeface="Lantinghei SC Extralight" charset="-122"/>
-              </a:rPr>
-              <a:t>，</a:t>
-            </a:r>
-            <a:r>
-              <a:rPr lang="en-US" altLang="zh-CN" sz="800" b="1" dirty="0">
-                <a:latin typeface="微軟正黑體" panose="020B0604030504040204" pitchFamily="34" charset="-120"/>
-                <a:ea typeface="微軟正黑體" panose="020B0604030504040204" pitchFamily="34" charset="-120"/>
-                <a:cs typeface="Lantinghei SC Extralight" charset="-122"/>
-              </a:rPr>
-              <a:t>GIT </a:t>
-            </a:r>
-            <a:endParaRPr lang="en-US" altLang="zh-CN" sz="800" b="1" dirty="0" smtClean="0">
+              <a:rPr lang="zh-CN" altLang="en-US" sz="700" b="1" dirty="0" smtClean="0">
+                <a:latin typeface="微軟正黑體" panose="020B0604030504040204" pitchFamily="34" charset="-120"/>
+                <a:ea typeface="微軟正黑體" panose="020B0604030504040204" pitchFamily="34" charset="-120"/>
+                <a:cs typeface="Lantinghei SC Extralight" charset="-122"/>
+              </a:rPr>
+              <a:t>引导</a:t>
+            </a:r>
+            <a:r>
+              <a:rPr lang="zh-CN" altLang="en-US" sz="700" b="1" dirty="0">
+                <a:latin typeface="微軟正黑體" panose="020B0604030504040204" pitchFamily="34" charset="-120"/>
+                <a:ea typeface="微軟正黑體" panose="020B0604030504040204" pitchFamily="34" charset="-120"/>
+                <a:cs typeface="Lantinghei SC Extralight" charset="-122"/>
+              </a:rPr>
+              <a:t>同学了解校园</a:t>
+            </a:r>
+            <a:r>
+              <a:rPr lang="zh-CN" altLang="en-US" sz="700" b="1" dirty="0" smtClean="0">
+                <a:latin typeface="微軟正黑體" panose="020B0604030504040204" pitchFamily="34" charset="-120"/>
+                <a:ea typeface="微軟正黑體" panose="020B0604030504040204" pitchFamily="34" charset="-120"/>
+                <a:cs typeface="Lantinghei SC Extralight" charset="-122"/>
+              </a:rPr>
+              <a:t>环境</a:t>
+            </a:r>
+            <a:endParaRPr lang="en-US" altLang="zh-CN" sz="700" b="1" dirty="0" smtClean="0">
               <a:latin typeface="微軟正黑體" panose="020B0604030504040204" pitchFamily="34" charset="-120"/>
               <a:ea typeface="微軟正黑體" panose="020B0604030504040204" pitchFamily="34" charset="-120"/>
               <a:cs typeface="Lantinghei SC Extralight" charset="-122"/>
             </a:endParaRPr>
-          </a:p>
-          <a:p>
-            <a:pPr marL="177800" lvl="1" indent="-177800">
-              <a:lnSpc>
-                <a:spcPct val="120000"/>
-              </a:lnSpc>
-              <a:buFont typeface="Arial" panose="020B0604020202020204" pitchFamily="34" charset="0"/>
-              <a:buChar char="•"/>
-            </a:pPr>
-            <a:r>
-              <a:rPr lang="en-US" altLang="zh-CN" sz="800" b="1" dirty="0">
-                <a:latin typeface="微軟正黑體" panose="020B0604030504040204" pitchFamily="34" charset="-120"/>
-                <a:ea typeface="微軟正黑體" panose="020B0604030504040204" pitchFamily="34" charset="-120"/>
-                <a:cs typeface="Lantinghei SC Extralight" charset="-122"/>
-              </a:rPr>
-              <a:t>10</a:t>
-            </a:r>
-            <a:r>
-              <a:rPr lang="zh-CN" altLang="en-US" sz="800" b="1" dirty="0">
-                <a:latin typeface="微軟正黑體" panose="020B0604030504040204" pitchFamily="34" charset="-120"/>
-                <a:ea typeface="微軟正黑體" panose="020B0604030504040204" pitchFamily="34" charset="-120"/>
-                <a:cs typeface="Lantinghei SC Extralight" charset="-122"/>
-              </a:rPr>
-              <a:t>个小组</a:t>
-            </a:r>
-            <a:r>
-              <a:rPr lang="en-US" altLang="zh-CN" sz="800" b="1" dirty="0">
-                <a:latin typeface="微軟正黑體" panose="020B0604030504040204" pitchFamily="34" charset="-120"/>
-                <a:ea typeface="微軟正黑體" panose="020B0604030504040204" pitchFamily="34" charset="-120"/>
-                <a:cs typeface="Lantinghei SC Extralight" charset="-122"/>
-              </a:rPr>
-              <a:t>/</a:t>
-            </a:r>
-            <a:r>
-              <a:rPr lang="zh-CN" altLang="en-US" sz="800" b="1" dirty="0">
-                <a:latin typeface="微軟正黑體" panose="020B0604030504040204" pitchFamily="34" charset="-120"/>
-                <a:ea typeface="微軟正黑體" panose="020B0604030504040204" pitchFamily="34" charset="-120"/>
-                <a:cs typeface="Lantinghei SC Extralight" charset="-122"/>
-              </a:rPr>
-              <a:t>纸质出版物：</a:t>
-            </a:r>
           </a:p>
           <a:p>
             <a:pPr marL="363538" lvl="1" indent="-187325">
@@ -13778,13 +12147,26 @@
               <a:buChar char="ü"/>
             </a:pPr>
             <a:r>
-              <a:rPr lang="zh-CN" altLang="en-US" sz="800" b="1" dirty="0">
-                <a:latin typeface="微軟正黑體" panose="020B0604030504040204" pitchFamily="34" charset="-120"/>
-                <a:ea typeface="微軟正黑體" panose="020B0604030504040204" pitchFamily="34" charset="-120"/>
-                <a:cs typeface="Lantinghei SC Extralight" charset="-122"/>
-              </a:rPr>
-              <a:t>班级宪章</a:t>
-            </a:r>
+              <a:rPr lang="zh-CN" altLang="en-US" sz="700" b="1" dirty="0" smtClean="0">
+                <a:latin typeface="微軟正黑體" panose="020B0604030504040204" pitchFamily="34" charset="-120"/>
+                <a:ea typeface="微軟正黑體" panose="020B0604030504040204" pitchFamily="34" charset="-120"/>
+                <a:cs typeface="Lantinghei SC Extralight" charset="-122"/>
+              </a:rPr>
+              <a:t>引导同学了解</a:t>
+            </a:r>
+            <a:r>
+              <a:rPr lang="zh-CN" altLang="en-US" sz="700" b="1" dirty="0">
+                <a:latin typeface="微軟正黑體" panose="020B0604030504040204" pitchFamily="34" charset="-120"/>
+                <a:ea typeface="微軟正黑體" panose="020B0604030504040204" pitchFamily="34" charset="-120"/>
+                <a:cs typeface="Lantinghei SC Extralight" charset="-122"/>
+              </a:rPr>
+              <a:t>各类资源</a:t>
+            </a:r>
+            <a:endParaRPr lang="en-US" altLang="zh-CN" sz="700" b="1" dirty="0" smtClean="0">
+              <a:latin typeface="微軟正黑體" panose="020B0604030504040204" pitchFamily="34" charset="-120"/>
+              <a:ea typeface="微軟正黑體" panose="020B0604030504040204" pitchFamily="34" charset="-120"/>
+              <a:cs typeface="Lantinghei SC Extralight" charset="-122"/>
+            </a:endParaRPr>
           </a:p>
           <a:p>
             <a:pPr marL="363538" lvl="1" indent="-187325">
@@ -13795,12 +12177,85 @@
               <a:buChar char="ü"/>
             </a:pPr>
             <a:r>
-              <a:rPr lang="zh-CN" altLang="en-US" sz="800" b="1" dirty="0">
-                <a:latin typeface="微軟正黑體" panose="020B0604030504040204" pitchFamily="34" charset="-120"/>
-                <a:ea typeface="微軟正黑體" panose="020B0604030504040204" pitchFamily="34" charset="-120"/>
-                <a:cs typeface="Lantinghei SC Extralight" charset="-122"/>
-              </a:rPr>
-              <a:t>社群画布</a:t>
+              <a:rPr lang="zh-CN" altLang="en-US" sz="700" b="1" dirty="0">
+                <a:latin typeface="微軟正黑體" panose="020B0604030504040204" pitchFamily="34" charset="-120"/>
+                <a:ea typeface="微軟正黑體" panose="020B0604030504040204" pitchFamily="34" charset="-120"/>
+                <a:cs typeface="Lantinghei SC Extralight" charset="-122"/>
+              </a:rPr>
+              <a:t>开始</a:t>
+            </a:r>
+            <a:r>
+              <a:rPr lang="zh-CN" altLang="en-US" sz="700" b="1" dirty="0" smtClean="0">
+                <a:latin typeface="微軟正黑體" panose="020B0604030504040204" pitchFamily="34" charset="-120"/>
+                <a:ea typeface="微軟正黑體" panose="020B0604030504040204" pitchFamily="34" charset="-120"/>
+                <a:cs typeface="Lantinghei SC Extralight" charset="-122"/>
+              </a:rPr>
+              <a:t>学会</a:t>
+            </a:r>
+            <a:r>
+              <a:rPr lang="zh-CN" altLang="en-US" sz="700" b="1" dirty="0" smtClean="0">
+                <a:latin typeface="微軟正黑體" panose="020B0604030504040204" pitchFamily="34" charset="-120"/>
+                <a:ea typeface="微軟正黑體" panose="020B0604030504040204" pitchFamily="34" charset="-120"/>
+                <a:cs typeface="Lantinghei SC Extralight" charset="-122"/>
+              </a:rPr>
+              <a:t>协同工作</a:t>
+            </a:r>
+          </a:p>
+          <a:p>
+            <a:pPr marL="88900" indent="-88900">
+              <a:lnSpc>
+                <a:spcPct val="120000"/>
+              </a:lnSpc>
+              <a:buFont typeface="Arial" panose="020B0604020202020204" pitchFamily="34" charset="0"/>
+              <a:buChar char="•"/>
+            </a:pPr>
+            <a:r>
+              <a:rPr lang="zh-CN" altLang="en-US" sz="700" b="1" dirty="0" smtClean="0">
+                <a:latin typeface="微軟正黑體" panose="020B0604030504040204" pitchFamily="34" charset="-120"/>
+                <a:ea typeface="微軟正黑體" panose="020B0604030504040204" pitchFamily="34" charset="-120"/>
+                <a:cs typeface="Lantinghei SC Extralight" charset="-122"/>
+              </a:rPr>
+              <a:t>课程</a:t>
+            </a:r>
+            <a:r>
+              <a:rPr lang="zh-CN" altLang="en-US" sz="700" b="1" dirty="0">
+                <a:latin typeface="微軟正黑體" panose="020B0604030504040204" pitchFamily="34" charset="-120"/>
+                <a:ea typeface="微軟正黑體" panose="020B0604030504040204" pitchFamily="34" charset="-120"/>
+                <a:cs typeface="Lantinghei SC Extralight" charset="-122"/>
+              </a:rPr>
+              <a:t>单元三</a:t>
+            </a:r>
+            <a:r>
+              <a:rPr lang="zh-CN" altLang="en-US" sz="700" b="1" dirty="0" smtClean="0">
+                <a:latin typeface="微軟正黑體" panose="020B0604030504040204" pitchFamily="34" charset="-120"/>
+                <a:ea typeface="微軟正黑體" panose="020B0604030504040204" pitchFamily="34" charset="-120"/>
+                <a:cs typeface="Lantinghei SC Extralight" charset="-122"/>
+              </a:rPr>
+              <a:t>「</a:t>
+            </a:r>
+            <a:r>
+              <a:rPr lang="en-US" altLang="zh-CN" sz="700" b="1" dirty="0">
+                <a:latin typeface="微軟正黑體" panose="020B0604030504040204" pitchFamily="34" charset="-120"/>
+                <a:ea typeface="微軟正黑體" panose="020B0604030504040204" pitchFamily="34" charset="-120"/>
+                <a:cs typeface="Lantinghei SC Extralight" charset="-122"/>
+              </a:rPr>
+              <a:t>MEM</a:t>
+            </a:r>
+            <a:r>
+              <a:rPr lang="zh-CN" altLang="en-US" sz="700" b="1" dirty="0" smtClean="0">
+                <a:latin typeface="微軟正黑體" panose="020B0604030504040204" pitchFamily="34" charset="-120"/>
+                <a:ea typeface="微軟正黑體" panose="020B0604030504040204" pitchFamily="34" charset="-120"/>
+                <a:cs typeface="Lantinghei SC Extralight" charset="-122"/>
+              </a:rPr>
+              <a:t>与</a:t>
+            </a:r>
+            <a:r>
+              <a:rPr lang="zh-CN" altLang="en-US" sz="700" b="1" dirty="0">
+                <a:latin typeface="微軟正黑體" panose="020B0604030504040204" pitchFamily="34" charset="-120"/>
+                <a:ea typeface="微軟正黑體" panose="020B0604030504040204" pitchFamily="34" charset="-120"/>
+                <a:cs typeface="Lantinghei SC Extralight" charset="-122"/>
+              </a:rPr>
+              <a:t>我」：</a:t>
             </a:r>
           </a:p>
           <a:p>
@@ -13812,54 +12267,18 @@
               <a:buChar char="ü"/>
             </a:pPr>
             <a:r>
-              <a:rPr lang="zh-CN" altLang="en-US" sz="800" b="1" dirty="0">
-                <a:latin typeface="微軟正黑體" panose="020B0604030504040204" pitchFamily="34" charset="-120"/>
-                <a:ea typeface="微軟正黑體" panose="020B0604030504040204" pitchFamily="34" charset="-120"/>
-                <a:cs typeface="Lantinghei SC Extralight" charset="-122"/>
-              </a:rPr>
-              <a:t>逻辑模型（每日迭代）</a:t>
-            </a:r>
-          </a:p>
-          <a:p>
-            <a:pPr marL="177800" indent="-177800">
-              <a:lnSpc>
-                <a:spcPct val="120000"/>
-              </a:lnSpc>
-              <a:buFont typeface="Arial" panose="020B0604020202020204" pitchFamily="34" charset="0"/>
-              <a:buChar char="•"/>
-            </a:pPr>
-            <a:r>
-              <a:rPr lang="en-US" altLang="zh-CN" sz="800" b="1" dirty="0">
-                <a:latin typeface="微軟正黑體" panose="020B0604030504040204" pitchFamily="34" charset="-120"/>
-                <a:ea typeface="微軟正黑體" panose="020B0604030504040204" pitchFamily="34" charset="-120"/>
-                <a:cs typeface="Lantinghei SC Extralight" charset="-122"/>
-              </a:rPr>
-              <a:t>10</a:t>
-            </a:r>
-            <a:r>
-              <a:rPr lang="zh-CN" altLang="en-US" sz="800" b="1" dirty="0">
-                <a:latin typeface="微軟正黑體" panose="020B0604030504040204" pitchFamily="34" charset="-120"/>
-                <a:ea typeface="微軟正黑體" panose="020B0604030504040204" pitchFamily="34" charset="-120"/>
-                <a:cs typeface="Lantinghei SC Extralight" charset="-122"/>
-              </a:rPr>
-              <a:t>个小组</a:t>
-            </a:r>
-            <a:r>
-              <a:rPr lang="en-US" altLang="zh-CN" sz="800" b="1" dirty="0">
-                <a:latin typeface="微軟正黑體" panose="020B0604030504040204" pitchFamily="34" charset="-120"/>
-                <a:ea typeface="微軟正黑體" panose="020B0604030504040204" pitchFamily="34" charset="-120"/>
-                <a:cs typeface="Lantinghei SC Extralight" charset="-122"/>
-              </a:rPr>
-              <a:t>/</a:t>
-            </a:r>
-            <a:r>
-              <a:rPr lang="zh-CN" altLang="en-US" sz="800" b="1" dirty="0">
-                <a:latin typeface="微軟正黑體" panose="020B0604030504040204" pitchFamily="34" charset="-120"/>
-                <a:ea typeface="微軟正黑體" panose="020B0604030504040204" pitchFamily="34" charset="-120"/>
-                <a:cs typeface="Lantinghei SC Extralight" charset="-122"/>
-              </a:rPr>
-              <a:t>任务成效展示：</a:t>
-            </a:r>
+              <a:rPr lang="zh-CN" altLang="en-US" sz="700" b="1" dirty="0" smtClean="0">
+                <a:latin typeface="微軟正黑體" panose="020B0604030504040204" pitchFamily="34" charset="-120"/>
+                <a:ea typeface="微軟正黑體" panose="020B0604030504040204" pitchFamily="34" charset="-120"/>
+                <a:cs typeface="Lantinghei SC Extralight" charset="-122"/>
+              </a:rPr>
+              <a:t>完成终版学员手册</a:t>
+            </a:r>
+            <a:endParaRPr lang="en-US" altLang="zh-CN" sz="700" b="1" dirty="0" smtClean="0">
+              <a:latin typeface="微軟正黑體" panose="020B0604030504040204" pitchFamily="34" charset="-120"/>
+              <a:ea typeface="微軟正黑體" panose="020B0604030504040204" pitchFamily="34" charset="-120"/>
+              <a:cs typeface="Lantinghei SC Extralight" charset="-122"/>
+            </a:endParaRPr>
           </a:p>
           <a:p>
             <a:pPr marL="363538" lvl="1" indent="-187325">
@@ -13870,126 +12289,52 @@
               <a:buChar char="ü"/>
             </a:pPr>
             <a:r>
-              <a:rPr lang="zh-CN" altLang="en-US" sz="800" b="1" dirty="0">
-                <a:latin typeface="微軟正黑體" panose="020B0604030504040204" pitchFamily="34" charset="-120"/>
-                <a:ea typeface="微軟正黑體" panose="020B0604030504040204" pitchFamily="34" charset="-120"/>
-                <a:cs typeface="Lantinghei SC Extralight" charset="-122"/>
-              </a:rPr>
-              <a:t>终极汇报</a:t>
-            </a:r>
-          </a:p>
-          <a:p>
-            <a:pPr marL="177800" indent="-177800">
-              <a:lnSpc>
-                <a:spcPct val="120000"/>
-              </a:lnSpc>
-              <a:buFont typeface="Arial" panose="020B0604020202020204" pitchFamily="34" charset="0"/>
-              <a:buChar char="•"/>
-            </a:pPr>
-            <a:r>
-              <a:rPr lang="en-US" altLang="zh-CN" sz="800" b="1" dirty="0">
-                <a:latin typeface="微軟正黑體" panose="020B0604030504040204" pitchFamily="34" charset="-120"/>
-                <a:ea typeface="微軟正黑體" panose="020B0604030504040204" pitchFamily="34" charset="-120"/>
-                <a:cs typeface="Lantinghei SC Extralight" charset="-122"/>
-              </a:rPr>
-              <a:t>MEM</a:t>
-            </a:r>
-            <a:r>
-              <a:rPr lang="zh-CN" altLang="en-US" sz="800" b="1" dirty="0">
-                <a:latin typeface="微軟正黑體" panose="020B0604030504040204" pitchFamily="34" charset="-120"/>
-                <a:ea typeface="微軟正黑體" panose="020B0604030504040204" pitchFamily="34" charset="-120"/>
-                <a:cs typeface="Lantinghei SC Extralight" charset="-122"/>
-              </a:rPr>
-              <a:t>班级社群平台。</a:t>
-            </a:r>
-            <a:endParaRPr lang="en-US" altLang="zh-CN" sz="800" b="1" dirty="0">
+              <a:rPr lang="zh-CN" altLang="en-US" sz="700" b="1" dirty="0" smtClean="0">
+                <a:latin typeface="微軟正黑體" panose="020B0604030504040204" pitchFamily="34" charset="-120"/>
+                <a:ea typeface="微軟正黑體" panose="020B0604030504040204" pitchFamily="34" charset="-120"/>
+                <a:cs typeface="Lantinghei SC Extralight" charset="-122"/>
+              </a:rPr>
+              <a:t>本期</a:t>
+            </a:r>
+            <a:r>
+              <a:rPr lang="en-US" altLang="zh-CN" sz="700" b="1" dirty="0">
+                <a:latin typeface="微軟正黑體" panose="020B0604030504040204" pitchFamily="34" charset="-120"/>
+                <a:ea typeface="微軟正黑體" panose="020B0604030504040204" pitchFamily="34" charset="-120"/>
+                <a:cs typeface="Lantinghei SC Extralight" charset="-122"/>
+              </a:rPr>
+              <a:t>XLP</a:t>
+            </a:r>
+            <a:r>
+              <a:rPr lang="zh-CN" altLang="en-US" sz="700" b="1" dirty="0">
+                <a:latin typeface="微軟正黑體" panose="020B0604030504040204" pitchFamily="34" charset="-120"/>
+                <a:ea typeface="微軟正黑體" panose="020B0604030504040204" pitchFamily="34" charset="-120"/>
+                <a:cs typeface="Lantinghei SC Extralight" charset="-122"/>
+              </a:rPr>
+              <a:t>培训成果展示</a:t>
+            </a:r>
+            <a:endParaRPr lang="zh-CN" altLang="en-US" sz="700" b="1" dirty="0">
               <a:latin typeface="微軟正黑體" panose="020B0604030504040204" pitchFamily="34" charset="-120"/>
               <a:ea typeface="微軟正黑體" panose="020B0604030504040204" pitchFamily="34" charset="-120"/>
               <a:cs typeface="Lantinghei SC Extralight" charset="-122"/>
             </a:endParaRPr>
           </a:p>
-        </p:txBody>
-      </p:sp>
-      <p:sp>
-        <p:nvSpPr>
-          <p:cNvPr id="36" name="TextBox 27"/>
-          <p:cNvSpPr txBox="1"/>
-          <p:nvPr/>
-        </p:nvSpPr>
-        <p:spPr>
-          <a:xfrm>
-            <a:off x="1406058" y="1717609"/>
-            <a:ext cx="1889875" cy="1274195"/>
-          </a:xfrm>
-          <a:prstGeom prst="rect">
-            <a:avLst/>
-          </a:prstGeom>
-          <a:noFill/>
-        </p:spPr>
-        <p:txBody>
-          <a:bodyPr wrap="square" rtlCol="0">
-            <a:spAutoFit/>
-          </a:bodyPr>
-          <a:lstStyle/>
-          <a:p>
-            <a:pPr marL="214313" indent="-214313">
+          <a:p>
+            <a:pPr marL="363538" lvl="1" indent="-187325">
               <a:lnSpc>
                 <a:spcPct val="120000"/>
               </a:lnSpc>
-              <a:buFont typeface="Arial" panose="020B0604020202020204" pitchFamily="34" charset="0"/>
-              <a:buChar char="•"/>
+              <a:buFont typeface="Wingdings" panose="05000000000000000000" pitchFamily="2" charset="2"/>
+              <a:buChar char="ü"/>
             </a:pPr>
             <a:r>
-              <a:rPr lang="en-US" altLang="zh-CN" sz="800" b="1" dirty="0">
-                <a:latin typeface="微軟正黑體" panose="020B0604030504040204" pitchFamily="34" charset="-120"/>
-                <a:ea typeface="微軟正黑體" panose="020B0604030504040204" pitchFamily="34" charset="-120"/>
-                <a:cs typeface="Lantinghei SC Extralight" charset="-122"/>
-              </a:rPr>
-              <a:t>MEM</a:t>
-            </a:r>
-            <a:r>
-              <a:rPr lang="zh-CN" altLang="en-US" sz="800" b="1" dirty="0">
-                <a:latin typeface="微軟正黑體" panose="020B0604030504040204" pitchFamily="34" charset="-120"/>
-                <a:ea typeface="微軟正黑體" panose="020B0604030504040204" pitchFamily="34" charset="-120"/>
-                <a:cs typeface="Lantinghei SC Extralight" charset="-122"/>
-              </a:rPr>
-              <a:t>学员透过逻辑模型的迭代，深入学习计算思维。</a:t>
-            </a:r>
-          </a:p>
-          <a:p>
-            <a:pPr marL="214313" indent="-214313">
-              <a:lnSpc>
-                <a:spcPct val="120000"/>
-              </a:lnSpc>
-              <a:buFont typeface="Arial" panose="020B0604020202020204" pitchFamily="34" charset="0"/>
-              <a:buChar char="•"/>
-            </a:pPr>
-            <a:r>
-              <a:rPr lang="zh-CN" altLang="en-US" sz="800" b="1" dirty="0">
-                <a:latin typeface="微軟正黑體" panose="020B0604030504040204" pitchFamily="34" charset="-120"/>
-                <a:ea typeface="微軟正黑體" panose="020B0604030504040204" pitchFamily="34" charset="-120"/>
-                <a:cs typeface="Lantinghei SC Extralight" charset="-122"/>
-              </a:rPr>
-              <a:t>透过「认识自己」，「认识清华」，「清华与我」的学习过程，得到资源整合的方法。</a:t>
-            </a:r>
-          </a:p>
-          <a:p>
-            <a:pPr marL="214313" indent="-214313">
-              <a:lnSpc>
-                <a:spcPct val="120000"/>
-              </a:lnSpc>
-              <a:buFont typeface="Arial" panose="020B0604020202020204" pitchFamily="34" charset="0"/>
-              <a:buChar char="•"/>
-            </a:pPr>
-            <a:r>
-              <a:rPr lang="zh-CN" altLang="en-US" sz="800" b="1" dirty="0">
-                <a:latin typeface="微軟正黑體" panose="020B0604030504040204" pitchFamily="34" charset="-120"/>
-                <a:ea typeface="微軟正黑體" panose="020B0604030504040204" pitchFamily="34" charset="-120"/>
-                <a:cs typeface="Lantinghei SC Extralight" charset="-122"/>
-              </a:rPr>
-              <a:t>学员能根据工具的使用，进行自主学习与数据工作流的成果输出。</a:t>
-            </a:r>
-            <a:endParaRPr lang="en-US" altLang="zh-CN" sz="800" b="1" dirty="0">
+              <a:rPr lang="zh-CN" altLang="en-US" sz="700" b="1" dirty="0" smtClean="0">
+                <a:latin typeface="微軟正黑體" panose="020B0604030504040204" pitchFamily="34" charset="-120"/>
+                <a:ea typeface="微軟正黑體" panose="020B0604030504040204" pitchFamily="34" charset="-120"/>
+                <a:cs typeface="Lantinghei SC Extralight" charset="-122"/>
+              </a:rPr>
+              <a:t>完成班级宪章</a:t>
+            </a:r>
+            <a:endParaRPr lang="en-US" altLang="zh-CN" sz="700" b="1" dirty="0" smtClean="0">
               <a:latin typeface="微軟正黑體" panose="020B0604030504040204" pitchFamily="34" charset="-120"/>
               <a:ea typeface="微軟正黑體" panose="020B0604030504040204" pitchFamily="34" charset="-120"/>
               <a:cs typeface="Lantinghei SC Extralight" charset="-122"/>
@@ -13997,753 +12342,10 @@
           </a:p>
         </p:txBody>
       </p:sp>
-      <p:sp>
-        <p:nvSpPr>
-          <p:cNvPr id="37" name="TextBox 25"/>
-          <p:cNvSpPr txBox="1"/>
-          <p:nvPr/>
-        </p:nvSpPr>
-        <p:spPr>
-          <a:xfrm>
-            <a:off x="2129883" y="741196"/>
-            <a:ext cx="6671448" cy="461665"/>
-          </a:xfrm>
-          <a:prstGeom prst="rect">
-            <a:avLst/>
-          </a:prstGeom>
-          <a:noFill/>
-        </p:spPr>
-        <p:txBody>
-          <a:bodyPr wrap="square" rtlCol="0">
-            <a:spAutoFit/>
-          </a:bodyPr>
-          <a:lstStyle/>
-          <a:p>
-            <a:r>
-              <a:rPr lang="zh-CN" altLang="en-US" sz="800" b="1" dirty="0">
-                <a:latin typeface="微軟正黑體" panose="020B0604030504040204" pitchFamily="34" charset="-120"/>
-                <a:ea typeface="微軟正黑體" panose="020B0604030504040204" pitchFamily="34" charset="-120"/>
-                <a:cs typeface="Lantinghei SC Extralight" charset="-122"/>
-              </a:rPr>
-              <a:t>宏观：在「清华与我」的课程结构中，进行价值整合与产出班级宪章的学习成果。</a:t>
-            </a:r>
-          </a:p>
-          <a:p>
-            <a:r>
-              <a:rPr lang="zh-CN" altLang="en-US" sz="800" b="1" dirty="0">
-                <a:latin typeface="微軟正黑體" panose="020B0604030504040204" pitchFamily="34" charset="-120"/>
-                <a:ea typeface="微軟正黑體" panose="020B0604030504040204" pitchFamily="34" charset="-120"/>
-                <a:cs typeface="Lantinghei SC Extralight" charset="-122"/>
-              </a:rPr>
-              <a:t>中观：藉由定向越野挑战，实验室探究，图书馆介绍等课程项目「认识清华」。</a:t>
-            </a:r>
-          </a:p>
-          <a:p>
-            <a:r>
-              <a:rPr lang="zh-CN" altLang="en-US" sz="800" b="1" dirty="0">
-                <a:latin typeface="微軟正黑體" panose="020B0604030504040204" pitchFamily="34" charset="-120"/>
-                <a:ea typeface="微軟正黑體" panose="020B0604030504040204" pitchFamily="34" charset="-120"/>
-                <a:cs typeface="Lantinghei SC Extralight" charset="-122"/>
-              </a:rPr>
-              <a:t>微观：透过性格测试，个人简历制作等课程项目「认识自己」。</a:t>
-            </a:r>
-          </a:p>
-        </p:txBody>
-      </p:sp>
-      <p:sp>
-        <p:nvSpPr>
-          <p:cNvPr id="38" name="TextBox 25"/>
-          <p:cNvSpPr txBox="1"/>
-          <p:nvPr/>
-        </p:nvSpPr>
-        <p:spPr>
-          <a:xfrm>
-            <a:off x="2120099" y="151533"/>
-            <a:ext cx="7023107" cy="461665"/>
-          </a:xfrm>
-          <a:prstGeom prst="rect">
-            <a:avLst/>
-          </a:prstGeom>
-          <a:noFill/>
-        </p:spPr>
-        <p:txBody>
-          <a:bodyPr wrap="square" rtlCol="0">
-            <a:spAutoFit/>
-          </a:bodyPr>
-          <a:lstStyle/>
-          <a:p>
-            <a:r>
-              <a:rPr lang="zh-CN" altLang="en-US" sz="800" b="1" dirty="0" smtClean="0">
-                <a:latin typeface="微軟正黑體" panose="020B0604030504040204" pitchFamily="34" charset="-120"/>
-                <a:ea typeface="微軟正黑體" panose="020B0604030504040204" pitchFamily="34" charset="-120"/>
-                <a:cs typeface="Lantinghei SC Extralight" charset="-122"/>
-              </a:rPr>
-              <a:t>宏观：清华大学工程管理硕士（以下简称：</a:t>
-            </a:r>
-            <a:r>
-              <a:rPr lang="en-US" altLang="zh-CN" sz="800" b="1" dirty="0" smtClean="0">
-                <a:latin typeface="微軟正黑體" panose="020B0604030504040204" pitchFamily="34" charset="-120"/>
-                <a:ea typeface="微軟正黑體" panose="020B0604030504040204" pitchFamily="34" charset="-120"/>
-                <a:cs typeface="Lantinghei SC Extralight" charset="-122"/>
-              </a:rPr>
-              <a:t>MEM</a:t>
-            </a:r>
-            <a:r>
-              <a:rPr lang="zh-CN" altLang="en-US" sz="800" b="1" dirty="0" smtClean="0">
-                <a:latin typeface="微軟正黑體" panose="020B0604030504040204" pitchFamily="34" charset="-120"/>
-                <a:ea typeface="微軟正黑體" panose="020B0604030504040204" pitchFamily="34" charset="-120"/>
-                <a:cs typeface="Lantinghei SC Extralight" charset="-122"/>
-              </a:rPr>
-              <a:t>），重在培养</a:t>
-            </a:r>
-            <a:r>
-              <a:rPr lang="en-US" altLang="zh-CN" sz="800" b="1" dirty="0" smtClean="0">
-                <a:latin typeface="微軟正黑體" panose="020B0604030504040204" pitchFamily="34" charset="-120"/>
-                <a:ea typeface="微軟正黑體" panose="020B0604030504040204" pitchFamily="34" charset="-120"/>
-                <a:cs typeface="Lantinghei SC Extralight" charset="-122"/>
-              </a:rPr>
-              <a:t>MEM</a:t>
-            </a:r>
-            <a:r>
-              <a:rPr lang="zh-CN" altLang="en-US" sz="800" b="1" dirty="0" smtClean="0">
-                <a:latin typeface="微軟正黑體" panose="020B0604030504040204" pitchFamily="34" charset="-120"/>
-                <a:ea typeface="微軟正黑體" panose="020B0604030504040204" pitchFamily="34" charset="-120"/>
-                <a:cs typeface="Lantinghei SC Extralight" charset="-122"/>
-              </a:rPr>
-              <a:t>学生未来的战略应用能力和职业需求胜任力。</a:t>
-            </a:r>
-          </a:p>
-          <a:p>
-            <a:r>
-              <a:rPr lang="zh-CN" altLang="en-US" sz="800" b="1" dirty="0" smtClean="0">
-                <a:latin typeface="微軟正黑體" panose="020B0604030504040204" pitchFamily="34" charset="-120"/>
-                <a:ea typeface="微軟正黑體" panose="020B0604030504040204" pitchFamily="34" charset="-120"/>
-                <a:cs typeface="Lantinghei SC Extralight" charset="-122"/>
-              </a:rPr>
-              <a:t>中观：清华大学为</a:t>
-            </a:r>
-            <a:r>
-              <a:rPr lang="en-US" altLang="zh-CN" sz="800" b="1" dirty="0" smtClean="0">
-                <a:latin typeface="微軟正黑體" panose="020B0604030504040204" pitchFamily="34" charset="-120"/>
-                <a:ea typeface="微軟正黑體" panose="020B0604030504040204" pitchFamily="34" charset="-120"/>
-                <a:cs typeface="Lantinghei SC Extralight" charset="-122"/>
-              </a:rPr>
-              <a:t>MEM</a:t>
-            </a:r>
-            <a:r>
-              <a:rPr lang="zh-CN" altLang="en-US" sz="800" b="1" dirty="0" smtClean="0">
-                <a:latin typeface="微軟正黑體" panose="020B0604030504040204" pitchFamily="34" charset="-120"/>
-                <a:ea typeface="微軟正黑體" panose="020B0604030504040204" pitchFamily="34" charset="-120"/>
-                <a:cs typeface="Lantinghei SC Extralight" charset="-122"/>
-              </a:rPr>
-              <a:t>开设「</a:t>
-            </a:r>
-            <a:r>
-              <a:rPr lang="en-US" altLang="zh-CN" sz="800" b="1" dirty="0" smtClean="0">
-                <a:latin typeface="微軟正黑體" panose="020B0604030504040204" pitchFamily="34" charset="-120"/>
-                <a:ea typeface="微軟正黑體" panose="020B0604030504040204" pitchFamily="34" charset="-120"/>
-                <a:cs typeface="Lantinghei SC Extralight" charset="-122"/>
-              </a:rPr>
-              <a:t>MEM</a:t>
-            </a:r>
-            <a:r>
-              <a:rPr lang="zh-CN" altLang="en-US" sz="800" b="1" dirty="0" smtClean="0">
-                <a:latin typeface="微軟正黑體" panose="020B0604030504040204" pitchFamily="34" charset="-120"/>
-                <a:ea typeface="微軟正黑體" panose="020B0604030504040204" pitchFamily="34" charset="-120"/>
-                <a:cs typeface="Lantinghei SC Extralight" charset="-122"/>
-              </a:rPr>
-              <a:t>入学导引课」，透过三个单元的课程设计，让学员学习如何深入计算思维。</a:t>
-            </a:r>
-          </a:p>
-          <a:p>
-            <a:r>
-              <a:rPr lang="zh-CN" altLang="en-US" sz="800" b="1" dirty="0" smtClean="0">
-                <a:latin typeface="微軟正黑體" panose="020B0604030504040204" pitchFamily="34" charset="-120"/>
-                <a:ea typeface="微軟正黑體" panose="020B0604030504040204" pitchFamily="34" charset="-120"/>
-                <a:cs typeface="Lantinghei SC Extralight" charset="-122"/>
-              </a:rPr>
-              <a:t>微观：</a:t>
-            </a:r>
-            <a:r>
-              <a:rPr lang="en-US" altLang="zh-CN" sz="800" b="1" dirty="0" smtClean="0">
-                <a:latin typeface="微軟正黑體" panose="020B0604030504040204" pitchFamily="34" charset="-120"/>
-                <a:ea typeface="微軟正黑體" panose="020B0604030504040204" pitchFamily="34" charset="-120"/>
-                <a:cs typeface="Lantinghei SC Extralight" charset="-122"/>
-              </a:rPr>
-              <a:t>2017</a:t>
-            </a:r>
-            <a:r>
-              <a:rPr lang="zh-CN" altLang="en-US" sz="800" b="1" dirty="0" smtClean="0">
-                <a:latin typeface="微軟正黑體" panose="020B0604030504040204" pitchFamily="34" charset="-120"/>
-                <a:ea typeface="微軟正黑體" panose="020B0604030504040204" pitchFamily="34" charset="-120"/>
-                <a:cs typeface="Lantinghei SC Extralight" charset="-122"/>
-              </a:rPr>
-              <a:t>年度第二梯次「</a:t>
-            </a:r>
-            <a:r>
-              <a:rPr lang="en-US" altLang="zh-CN" sz="800" b="1" dirty="0" smtClean="0">
-                <a:latin typeface="微軟正黑體" panose="020B0604030504040204" pitchFamily="34" charset="-120"/>
-                <a:ea typeface="微軟正黑體" panose="020B0604030504040204" pitchFamily="34" charset="-120"/>
-                <a:cs typeface="Lantinghei SC Extralight" charset="-122"/>
-              </a:rPr>
-              <a:t>MEM</a:t>
-            </a:r>
-            <a:r>
-              <a:rPr lang="zh-CN" altLang="en-US" sz="800" b="1" dirty="0" smtClean="0">
-                <a:latin typeface="微軟正黑體" panose="020B0604030504040204" pitchFamily="34" charset="-120"/>
-                <a:ea typeface="微軟正黑體" panose="020B0604030504040204" pitchFamily="34" charset="-120"/>
-                <a:cs typeface="Lantinghei SC Extralight" charset="-122"/>
-              </a:rPr>
-              <a:t>入学导引课」，将于</a:t>
-            </a:r>
-            <a:r>
-              <a:rPr lang="en-US" altLang="zh-CN" sz="800" b="1" dirty="0" smtClean="0">
-                <a:latin typeface="微軟正黑體" panose="020B0604030504040204" pitchFamily="34" charset="-120"/>
-                <a:ea typeface="微軟正黑體" panose="020B0604030504040204" pitchFamily="34" charset="-120"/>
-                <a:cs typeface="Lantinghei SC Extralight" charset="-122"/>
-              </a:rPr>
-              <a:t>2017</a:t>
-            </a:r>
-            <a:r>
-              <a:rPr lang="zh-CN" altLang="en-US" sz="800" b="1" dirty="0" smtClean="0">
-                <a:latin typeface="微軟正黑體" panose="020B0604030504040204" pitchFamily="34" charset="-120"/>
-                <a:ea typeface="微軟正黑體" panose="020B0604030504040204" pitchFamily="34" charset="-120"/>
-                <a:cs typeface="Lantinghei SC Extralight" charset="-122"/>
-              </a:rPr>
-              <a:t>年</a:t>
-            </a:r>
-            <a:r>
-              <a:rPr lang="en-US" altLang="zh-CN" sz="800" b="1" dirty="0" smtClean="0">
-                <a:latin typeface="微軟正黑體" panose="020B0604030504040204" pitchFamily="34" charset="-120"/>
-                <a:ea typeface="微軟正黑體" panose="020B0604030504040204" pitchFamily="34" charset="-120"/>
-                <a:cs typeface="Lantinghei SC Extralight" charset="-122"/>
-              </a:rPr>
-              <a:t>9</a:t>
-            </a:r>
-            <a:r>
-              <a:rPr lang="zh-CN" altLang="en-US" sz="800" b="1" dirty="0" smtClean="0">
-                <a:latin typeface="微軟正黑體" panose="020B0604030504040204" pitchFamily="34" charset="-120"/>
-                <a:ea typeface="微軟正黑體" panose="020B0604030504040204" pitchFamily="34" charset="-120"/>
-                <a:cs typeface="Lantinghei SC Extralight" charset="-122"/>
-              </a:rPr>
-              <a:t>月</a:t>
-            </a:r>
-            <a:r>
-              <a:rPr lang="en-US" altLang="zh-CN" sz="800" b="1" dirty="0" smtClean="0">
-                <a:latin typeface="微軟正黑體" panose="020B0604030504040204" pitchFamily="34" charset="-120"/>
-                <a:ea typeface="微軟正黑體" panose="020B0604030504040204" pitchFamily="34" charset="-120"/>
-                <a:cs typeface="Lantinghei SC Extralight" charset="-122"/>
-              </a:rPr>
-              <a:t>14</a:t>
-            </a:r>
-            <a:r>
-              <a:rPr lang="zh-CN" altLang="en-US" sz="800" b="1" dirty="0" smtClean="0">
-                <a:latin typeface="微軟正黑體" panose="020B0604030504040204" pitchFamily="34" charset="-120"/>
-                <a:ea typeface="微軟正黑體" panose="020B0604030504040204" pitchFamily="34" charset="-120"/>
-                <a:cs typeface="Lantinghei SC Extralight" charset="-122"/>
-              </a:rPr>
-              <a:t>日 </a:t>
-            </a:r>
-            <a:r>
-              <a:rPr lang="en-US" altLang="zh-CN" sz="800" b="1" dirty="0" smtClean="0">
-                <a:latin typeface="微軟正黑體" panose="020B0604030504040204" pitchFamily="34" charset="-120"/>
-                <a:ea typeface="微軟正黑體" panose="020B0604030504040204" pitchFamily="34" charset="-120"/>
-                <a:cs typeface="Lantinghei SC Extralight" charset="-122"/>
-              </a:rPr>
-              <a:t>- 2017</a:t>
-            </a:r>
-            <a:r>
-              <a:rPr lang="zh-CN" altLang="en-US" sz="800" b="1" dirty="0" smtClean="0">
-                <a:latin typeface="微軟正黑體" panose="020B0604030504040204" pitchFamily="34" charset="-120"/>
-                <a:ea typeface="微軟正黑體" panose="020B0604030504040204" pitchFamily="34" charset="-120"/>
-                <a:cs typeface="Lantinghei SC Extralight" charset="-122"/>
-              </a:rPr>
-              <a:t>年</a:t>
-            </a:r>
-            <a:r>
-              <a:rPr lang="en-US" altLang="zh-CN" sz="800" b="1" dirty="0" smtClean="0">
-                <a:latin typeface="微軟正黑體" panose="020B0604030504040204" pitchFamily="34" charset="-120"/>
-                <a:ea typeface="微軟正黑體" panose="020B0604030504040204" pitchFamily="34" charset="-120"/>
-                <a:cs typeface="Lantinghei SC Extralight" charset="-122"/>
-              </a:rPr>
-              <a:t>9</a:t>
-            </a:r>
-            <a:r>
-              <a:rPr lang="zh-CN" altLang="en-US" sz="800" b="1" dirty="0" smtClean="0">
-                <a:latin typeface="微軟正黑體" panose="020B0604030504040204" pitchFamily="34" charset="-120"/>
-                <a:ea typeface="微軟正黑體" panose="020B0604030504040204" pitchFamily="34" charset="-120"/>
-                <a:cs typeface="Lantinghei SC Extralight" charset="-122"/>
-              </a:rPr>
-              <a:t>月</a:t>
-            </a:r>
-            <a:r>
-              <a:rPr lang="en-US" altLang="zh-CN" sz="800" b="1" dirty="0" smtClean="0">
-                <a:latin typeface="微軟正黑體" panose="020B0604030504040204" pitchFamily="34" charset="-120"/>
-                <a:ea typeface="微軟正黑體" panose="020B0604030504040204" pitchFamily="34" charset="-120"/>
-                <a:cs typeface="Lantinghei SC Extralight" charset="-122"/>
-              </a:rPr>
-              <a:t>17</a:t>
-            </a:r>
-            <a:r>
-              <a:rPr lang="zh-CN" altLang="en-US" sz="800" b="1" dirty="0" smtClean="0">
-                <a:latin typeface="微軟正黑體" panose="020B0604030504040204" pitchFamily="34" charset="-120"/>
-                <a:ea typeface="微軟正黑體" panose="020B0604030504040204" pitchFamily="34" charset="-120"/>
-                <a:cs typeface="Lantinghei SC Extralight" charset="-122"/>
-              </a:rPr>
-              <a:t>日办理为期</a:t>
-            </a:r>
-            <a:r>
-              <a:rPr lang="en-US" altLang="zh-CN" sz="800" b="1" dirty="0" smtClean="0">
-                <a:latin typeface="微軟正黑體" panose="020B0604030504040204" pitchFamily="34" charset="-120"/>
-                <a:ea typeface="微軟正黑體" panose="020B0604030504040204" pitchFamily="34" charset="-120"/>
-                <a:cs typeface="Lantinghei SC Extralight" charset="-122"/>
-              </a:rPr>
-              <a:t>4</a:t>
-            </a:r>
-            <a:r>
-              <a:rPr lang="zh-CN" altLang="en-US" sz="800" b="1" dirty="0" smtClean="0">
-                <a:latin typeface="微軟正黑體" panose="020B0604030504040204" pitchFamily="34" charset="-120"/>
-                <a:ea typeface="微軟正黑體" panose="020B0604030504040204" pitchFamily="34" charset="-120"/>
-                <a:cs typeface="Lantinghei SC Extralight" charset="-122"/>
-              </a:rPr>
-              <a:t>天的课程。</a:t>
-            </a:r>
-            <a:endParaRPr lang="en-US" altLang="zh-CN" sz="800" b="1" dirty="0">
-              <a:latin typeface="微軟正黑體" panose="020B0604030504040204" pitchFamily="34" charset="-120"/>
-              <a:ea typeface="微軟正黑體" panose="020B0604030504040204" pitchFamily="34" charset="-120"/>
-              <a:cs typeface="Lantinghei SC Extralight" charset="-122"/>
-            </a:endParaRPr>
-          </a:p>
-        </p:txBody>
-      </p:sp>
-      <p:sp>
-        <p:nvSpPr>
-          <p:cNvPr id="40" name="Rounded Rectangle 7"/>
-          <p:cNvSpPr/>
-          <p:nvPr/>
-        </p:nvSpPr>
-        <p:spPr>
-          <a:xfrm>
-            <a:off x="1894163" y="1331366"/>
-            <a:ext cx="718814" cy="347089"/>
-          </a:xfrm>
-          <a:prstGeom prst="roundRect">
-            <a:avLst/>
-          </a:prstGeom>
-          <a:solidFill>
-            <a:srgbClr val="3A3A3A"/>
-          </a:solidFill>
-          <a:ln w="28575">
-            <a:solidFill>
-              <a:schemeClr val="bg2">
-                <a:lumMod val="25000"/>
-              </a:schemeClr>
-            </a:solidFill>
-          </a:ln>
-          <a:effectLst/>
-        </p:spPr>
-        <p:style>
-          <a:lnRef idx="1">
-            <a:schemeClr val="accent1"/>
-          </a:lnRef>
-          <a:fillRef idx="3">
-            <a:schemeClr val="accent1"/>
-          </a:fillRef>
-          <a:effectRef idx="2">
-            <a:schemeClr val="accent1"/>
-          </a:effectRef>
-          <a:fontRef idx="minor">
-            <a:schemeClr val="lt1"/>
-          </a:fontRef>
-        </p:style>
-        <p:txBody>
-          <a:bodyPr rtlCol="0" anchor="ctr"/>
-          <a:lstStyle/>
-          <a:p>
-            <a:r>
-              <a:rPr lang="zh-CN" altLang="en-US" sz="1800" b="1" dirty="0">
-                <a:solidFill>
-                  <a:schemeClr val="tx1"/>
-                </a:solidFill>
-                <a:latin typeface="微軟正黑體" panose="020B0604030504040204" pitchFamily="34" charset="-120"/>
-                <a:ea typeface="微軟正黑體" panose="020B0604030504040204" pitchFamily="34" charset="-120"/>
-                <a:cs typeface="Lantinghei SC Extralight" charset="-122"/>
-              </a:rPr>
-              <a:t>效果</a:t>
-            </a:r>
-            <a:endParaRPr lang="en-US" sz="1800" b="1" dirty="0">
-              <a:solidFill>
-                <a:schemeClr val="tx1"/>
-              </a:solidFill>
-              <a:latin typeface="微軟正黑體" panose="020B0604030504040204" pitchFamily="34" charset="-120"/>
-              <a:ea typeface="微軟正黑體" panose="020B0604030504040204" pitchFamily="34" charset="-120"/>
-              <a:cs typeface="Lantinghei SC Extralight" charset="-122"/>
-            </a:endParaRPr>
-          </a:p>
-        </p:txBody>
-      </p:sp>
-      <p:sp>
-        <p:nvSpPr>
-          <p:cNvPr id="41" name="Rounded Rectangle 7"/>
-          <p:cNvSpPr/>
-          <p:nvPr/>
-        </p:nvSpPr>
-        <p:spPr>
-          <a:xfrm>
-            <a:off x="3771854" y="1339002"/>
-            <a:ext cx="712615" cy="339453"/>
-          </a:xfrm>
-          <a:prstGeom prst="roundRect">
-            <a:avLst/>
-          </a:prstGeom>
-          <a:solidFill>
-            <a:srgbClr val="3A3A3A"/>
-          </a:solidFill>
-          <a:ln w="28575">
-            <a:solidFill>
-              <a:schemeClr val="bg2">
-                <a:lumMod val="25000"/>
-              </a:schemeClr>
-            </a:solidFill>
-          </a:ln>
-          <a:effectLst/>
-        </p:spPr>
-        <p:style>
-          <a:lnRef idx="1">
-            <a:schemeClr val="accent1"/>
-          </a:lnRef>
-          <a:fillRef idx="3">
-            <a:schemeClr val="accent1"/>
-          </a:fillRef>
-          <a:effectRef idx="2">
-            <a:schemeClr val="accent1"/>
-          </a:effectRef>
-          <a:fontRef idx="minor">
-            <a:schemeClr val="lt1"/>
-          </a:fontRef>
-        </p:style>
-        <p:txBody>
-          <a:bodyPr rtlCol="0" anchor="ctr"/>
-          <a:lstStyle/>
-          <a:p>
-            <a:r>
-              <a:rPr lang="zh-CN" altLang="en-US" sz="1800" b="1" dirty="0">
-                <a:solidFill>
-                  <a:schemeClr val="tx1"/>
-                </a:solidFill>
-                <a:latin typeface="微軟正黑體" panose="020B0604030504040204" pitchFamily="34" charset="-120"/>
-                <a:ea typeface="微軟正黑體" panose="020B0604030504040204" pitchFamily="34" charset="-120"/>
-                <a:cs typeface="Lantinghei SC Extralight" charset="-122"/>
-              </a:rPr>
-              <a:t>输出</a:t>
-            </a:r>
-            <a:endParaRPr lang="en-US" sz="1800" b="1" dirty="0">
-              <a:solidFill>
-                <a:schemeClr val="tx1"/>
-              </a:solidFill>
-              <a:latin typeface="微軟正黑體" panose="020B0604030504040204" pitchFamily="34" charset="-120"/>
-              <a:ea typeface="微軟正黑體" panose="020B0604030504040204" pitchFamily="34" charset="-120"/>
-              <a:cs typeface="Lantinghei SC Extralight" charset="-122"/>
-            </a:endParaRPr>
-          </a:p>
-        </p:txBody>
-      </p:sp>
-      <p:sp>
-        <p:nvSpPr>
-          <p:cNvPr id="42" name="Rounded Rectangle 7"/>
-          <p:cNvSpPr/>
-          <p:nvPr/>
-        </p:nvSpPr>
-        <p:spPr>
-          <a:xfrm>
-            <a:off x="5631653" y="1331366"/>
-            <a:ext cx="740867" cy="347089"/>
-          </a:xfrm>
-          <a:prstGeom prst="roundRect">
-            <a:avLst/>
-          </a:prstGeom>
-          <a:solidFill>
-            <a:srgbClr val="3A3A3A"/>
-          </a:solidFill>
-          <a:ln w="28575">
-            <a:solidFill>
-              <a:schemeClr val="bg2">
-                <a:lumMod val="25000"/>
-              </a:schemeClr>
-            </a:solidFill>
-          </a:ln>
-          <a:effectLst/>
-        </p:spPr>
-        <p:style>
-          <a:lnRef idx="1">
-            <a:schemeClr val="accent1"/>
-          </a:lnRef>
-          <a:fillRef idx="3">
-            <a:schemeClr val="accent1"/>
-          </a:fillRef>
-          <a:effectRef idx="2">
-            <a:schemeClr val="accent1"/>
-          </a:effectRef>
-          <a:fontRef idx="minor">
-            <a:schemeClr val="lt1"/>
-          </a:fontRef>
-        </p:style>
-        <p:txBody>
-          <a:bodyPr rtlCol="0" anchor="ctr"/>
-          <a:lstStyle/>
-          <a:p>
-            <a:r>
-              <a:rPr lang="zh-CN" altLang="en-US" sz="1800" b="1" dirty="0">
-                <a:solidFill>
-                  <a:schemeClr val="tx1"/>
-                </a:solidFill>
-                <a:latin typeface="微軟正黑體" panose="020B0604030504040204" pitchFamily="34" charset="-120"/>
-                <a:ea typeface="微軟正黑體" panose="020B0604030504040204" pitchFamily="34" charset="-120"/>
-                <a:cs typeface="Lantinghei SC Extralight" charset="-122"/>
-              </a:rPr>
-              <a:t>过程</a:t>
-            </a:r>
-            <a:endParaRPr lang="en-US" sz="1800" b="1" dirty="0">
-              <a:solidFill>
-                <a:schemeClr val="tx1"/>
-              </a:solidFill>
-              <a:latin typeface="微軟正黑體" panose="020B0604030504040204" pitchFamily="34" charset="-120"/>
-              <a:ea typeface="微軟正黑體" panose="020B0604030504040204" pitchFamily="34" charset="-120"/>
-              <a:cs typeface="Lantinghei SC Extralight" charset="-122"/>
-            </a:endParaRPr>
-          </a:p>
-        </p:txBody>
-      </p:sp>
-      <p:sp>
-        <p:nvSpPr>
-          <p:cNvPr id="43" name="Rounded Rectangle 7"/>
-          <p:cNvSpPr/>
-          <p:nvPr/>
-        </p:nvSpPr>
-        <p:spPr>
-          <a:xfrm>
-            <a:off x="7503146" y="1331366"/>
-            <a:ext cx="726454" cy="347089"/>
-          </a:xfrm>
-          <a:prstGeom prst="roundRect">
-            <a:avLst/>
-          </a:prstGeom>
-          <a:solidFill>
-            <a:srgbClr val="3A3A3A"/>
-          </a:solidFill>
-          <a:ln w="28575">
-            <a:solidFill>
-              <a:schemeClr val="bg2">
-                <a:lumMod val="25000"/>
-              </a:schemeClr>
-            </a:solidFill>
-          </a:ln>
-          <a:effectLst/>
-        </p:spPr>
-        <p:style>
-          <a:lnRef idx="1">
-            <a:schemeClr val="accent1"/>
-          </a:lnRef>
-          <a:fillRef idx="3">
-            <a:schemeClr val="accent1"/>
-          </a:fillRef>
-          <a:effectRef idx="2">
-            <a:schemeClr val="accent1"/>
-          </a:effectRef>
-          <a:fontRef idx="minor">
-            <a:schemeClr val="lt1"/>
-          </a:fontRef>
-        </p:style>
-        <p:txBody>
-          <a:bodyPr rtlCol="0" anchor="ctr"/>
-          <a:lstStyle/>
-          <a:p>
-            <a:r>
-              <a:rPr lang="zh-CN" altLang="en-US" sz="1800" b="1" dirty="0">
-                <a:solidFill>
-                  <a:schemeClr val="tx1"/>
-                </a:solidFill>
-                <a:latin typeface="微軟正黑體" panose="020B0604030504040204" pitchFamily="34" charset="-120"/>
-                <a:ea typeface="微軟正黑體" panose="020B0604030504040204" pitchFamily="34" charset="-120"/>
-                <a:cs typeface="Lantinghei SC Extralight" charset="-122"/>
-              </a:rPr>
-              <a:t>输入</a:t>
-            </a:r>
-            <a:endParaRPr lang="en-US" sz="1800" b="1" dirty="0">
-              <a:solidFill>
-                <a:schemeClr val="tx1"/>
-              </a:solidFill>
-              <a:latin typeface="微軟正黑體" panose="020B0604030504040204" pitchFamily="34" charset="-120"/>
-              <a:ea typeface="微軟正黑體" panose="020B0604030504040204" pitchFamily="34" charset="-120"/>
-              <a:cs typeface="Lantinghei SC Extralight" charset="-122"/>
-            </a:endParaRPr>
-          </a:p>
-        </p:txBody>
-      </p:sp>
-      <p:sp>
-        <p:nvSpPr>
-          <p:cNvPr id="2" name="文本框 1"/>
-          <p:cNvSpPr txBox="1"/>
-          <p:nvPr/>
-        </p:nvSpPr>
-        <p:spPr>
-          <a:xfrm>
-            <a:off x="2634033" y="4578409"/>
-            <a:ext cx="3724096" cy="461665"/>
-          </a:xfrm>
-          <a:prstGeom prst="rect">
-            <a:avLst/>
-          </a:prstGeom>
-          <a:noFill/>
-        </p:spPr>
-        <p:txBody>
-          <a:bodyPr wrap="none" rtlCol="0">
-            <a:spAutoFit/>
-          </a:bodyPr>
-          <a:lstStyle/>
-          <a:p>
-            <a:r>
-              <a:rPr lang="en-US" altLang="zh-CN" sz="800" b="1" dirty="0" smtClean="0">
-                <a:latin typeface="微軟正黑體" panose="020B0604030504040204" pitchFamily="34" charset="-120"/>
-                <a:ea typeface="微軟正黑體" panose="020B0604030504040204" pitchFamily="34" charset="-120"/>
-                <a:cs typeface="Lantinghei SC Extralight" charset="-122"/>
-              </a:rPr>
-              <a:t> 1</a:t>
-            </a:r>
-            <a:r>
-              <a:rPr lang="en-US" altLang="zh-CN" sz="800" b="1" dirty="0">
-                <a:latin typeface="微軟正黑體" panose="020B0604030504040204" pitchFamily="34" charset="-120"/>
-                <a:ea typeface="微軟正黑體" panose="020B0604030504040204" pitchFamily="34" charset="-120"/>
-                <a:cs typeface="Lantinghei SC Extralight" charset="-122"/>
-              </a:rPr>
-              <a:t>.</a:t>
-            </a:r>
-            <a:r>
-              <a:rPr lang="zh-CN" altLang="en-US" sz="800" b="1" dirty="0">
-                <a:latin typeface="微軟正黑體" panose="020B0604030504040204" pitchFamily="34" charset="-120"/>
-                <a:ea typeface="微軟正黑體" panose="020B0604030504040204" pitchFamily="34" charset="-120"/>
-                <a:cs typeface="Lantinghei SC Extralight" charset="-122"/>
-              </a:rPr>
-              <a:t>学生在入学导引课初期，自我意识与集体意识需要进行磨合才能形成</a:t>
-            </a:r>
-            <a:r>
-              <a:rPr lang="zh-CN" altLang="en-US" sz="800" b="1" dirty="0" smtClean="0">
-                <a:latin typeface="微軟正黑體" panose="020B0604030504040204" pitchFamily="34" charset="-120"/>
-                <a:ea typeface="微軟正黑體" panose="020B0604030504040204" pitchFamily="34" charset="-120"/>
-                <a:cs typeface="Lantinghei SC Extralight" charset="-122"/>
-              </a:rPr>
-              <a:t>自组织</a:t>
-            </a:r>
-            <a:endParaRPr lang="en-US" altLang="zh-CN" sz="800" b="1" dirty="0" smtClean="0">
-              <a:latin typeface="微軟正黑體" panose="020B0604030504040204" pitchFamily="34" charset="-120"/>
-              <a:ea typeface="微軟正黑體" panose="020B0604030504040204" pitchFamily="34" charset="-120"/>
-              <a:cs typeface="Lantinghei SC Extralight" charset="-122"/>
-            </a:endParaRPr>
-          </a:p>
-          <a:p>
-            <a:r>
-              <a:rPr lang="zh-CN" altLang="en-US" sz="800" b="1" dirty="0" smtClean="0">
-                <a:latin typeface="微軟正黑體" panose="020B0604030504040204" pitchFamily="34" charset="-120"/>
-                <a:ea typeface="微軟正黑體" panose="020B0604030504040204" pitchFamily="34" charset="-120"/>
-                <a:cs typeface="Lantinghei SC Extralight" charset="-122"/>
-              </a:rPr>
-              <a:t> </a:t>
-            </a:r>
-            <a:r>
-              <a:rPr lang="en-US" altLang="zh-CN" sz="800" b="1" dirty="0">
-                <a:latin typeface="微軟正黑體" panose="020B0604030504040204" pitchFamily="34" charset="-120"/>
-                <a:ea typeface="微軟正黑體" panose="020B0604030504040204" pitchFamily="34" charset="-120"/>
-                <a:cs typeface="Lantinghei SC Extralight" charset="-122"/>
-              </a:rPr>
-              <a:t>2.</a:t>
-            </a:r>
-            <a:r>
-              <a:rPr lang="zh-CN" altLang="en-US" sz="800" b="1" dirty="0">
-                <a:latin typeface="微軟正黑體" panose="020B0604030504040204" pitchFamily="34" charset="-120"/>
-                <a:ea typeface="微軟正黑體" panose="020B0604030504040204" pitchFamily="34" charset="-120"/>
-                <a:cs typeface="Lantinghei SC Extralight" charset="-122"/>
-              </a:rPr>
-              <a:t>学生在有限时间内的健康与体力需要</a:t>
-            </a:r>
-            <a:r>
-              <a:rPr lang="zh-CN" altLang="en-US" sz="800" b="1" dirty="0" smtClean="0">
-                <a:latin typeface="微軟正黑體" panose="020B0604030504040204" pitchFamily="34" charset="-120"/>
-                <a:ea typeface="微軟正黑體" panose="020B0604030504040204" pitchFamily="34" charset="-120"/>
-                <a:cs typeface="Lantinghei SC Extralight" charset="-122"/>
-              </a:rPr>
-              <a:t>保持</a:t>
-            </a:r>
-            <a:endParaRPr lang="en-US" altLang="zh-CN" sz="800" b="1" dirty="0" smtClean="0">
-              <a:latin typeface="微軟正黑體" panose="020B0604030504040204" pitchFamily="34" charset="-120"/>
-              <a:ea typeface="微軟正黑體" panose="020B0604030504040204" pitchFamily="34" charset="-120"/>
-              <a:cs typeface="Lantinghei SC Extralight" charset="-122"/>
-            </a:endParaRPr>
-          </a:p>
-          <a:p>
-            <a:r>
-              <a:rPr lang="zh-CN" altLang="en-US" sz="800" b="1" dirty="0" smtClean="0">
-                <a:latin typeface="微軟正黑體" panose="020B0604030504040204" pitchFamily="34" charset="-120"/>
-                <a:ea typeface="微軟正黑體" panose="020B0604030504040204" pitchFamily="34" charset="-120"/>
-                <a:cs typeface="Lantinghei SC Extralight" charset="-122"/>
-              </a:rPr>
-              <a:t> </a:t>
-            </a:r>
-            <a:r>
-              <a:rPr lang="en-US" altLang="zh-CN" sz="800" b="1" dirty="0">
-                <a:latin typeface="微軟正黑體" panose="020B0604030504040204" pitchFamily="34" charset="-120"/>
-                <a:ea typeface="微軟正黑體" panose="020B0604030504040204" pitchFamily="34" charset="-120"/>
-                <a:cs typeface="Lantinghei SC Extralight" charset="-122"/>
-              </a:rPr>
-              <a:t>3.</a:t>
-            </a:r>
-            <a:r>
-              <a:rPr lang="zh-CN" altLang="en-US" sz="800" b="1" dirty="0">
-                <a:latin typeface="微軟正黑體" panose="020B0604030504040204" pitchFamily="34" charset="-120"/>
-                <a:ea typeface="微軟正黑體" panose="020B0604030504040204" pitchFamily="34" charset="-120"/>
-                <a:cs typeface="Lantinghei SC Extralight" charset="-122"/>
-              </a:rPr>
-              <a:t>夜间教室、网络的不稳定因素</a:t>
-            </a:r>
-          </a:p>
-        </p:txBody>
-      </p:sp>
-      <p:sp>
-        <p:nvSpPr>
-          <p:cNvPr id="3" name="矩形 2"/>
-          <p:cNvSpPr/>
-          <p:nvPr/>
-        </p:nvSpPr>
-        <p:spPr>
-          <a:xfrm>
-            <a:off x="-27095" y="1696158"/>
-            <a:ext cx="705642" cy="338554"/>
-          </a:xfrm>
-          <a:prstGeom prst="rect">
-            <a:avLst/>
-          </a:prstGeom>
-        </p:spPr>
-        <p:txBody>
-          <a:bodyPr wrap="none">
-            <a:spAutoFit/>
-          </a:bodyPr>
-          <a:lstStyle/>
-          <a:p>
-            <a:r>
-              <a:rPr lang="en-US" altLang="zh-TW" sz="1600" b="1" dirty="0">
-                <a:latin typeface="微軟正黑體" panose="020B0604030504040204" pitchFamily="34" charset="-120"/>
-                <a:ea typeface="微軟正黑體" panose="020B0604030504040204" pitchFamily="34" charset="-120"/>
-                <a:cs typeface="Lantinghei SC Extralight" charset="-122"/>
-              </a:rPr>
-              <a:t>MEM</a:t>
-            </a:r>
-            <a:endParaRPr lang="zh-TW" altLang="en-US" sz="1600" b="1" dirty="0"/>
-          </a:p>
-        </p:txBody>
-      </p:sp>
     </p:spTree>
     <p:extLst>
       <p:ext uri="{BB962C8B-B14F-4D97-AF65-F5344CB8AC3E}">
-        <p14:creationId xmlns:p14="http://schemas.microsoft.com/office/powerpoint/2010/main" val="1390561042"/>
+        <p14:creationId xmlns:p14="http://schemas.microsoft.com/office/powerpoint/2010/main" val="1863429023"/>
       </p:ext>
     </p:extLst>
   </p:cSld>

--- a/学生手册逻辑模型_2017级第三组.pptx
+++ b/学生手册逻辑模型_2017级第三组.pptx
@@ -969,7 +969,14 @@
     </dgm:pt>
     <dgm:pt modelId="{147DDAC1-926C-42A8-B19D-C73E6806C9D1}">
       <dgm:prSet phldrT="[文本]"/>
-      <dgm:spPr/>
+      <dgm:spPr>
+        <a:solidFill>
+          <a:schemeClr val="accent6">
+            <a:lumMod val="60000"/>
+            <a:lumOff val="40000"/>
+          </a:schemeClr>
+        </a:solidFill>
+      </dgm:spPr>
       <dgm:t>
         <a:bodyPr/>
         <a:lstStyle/>
@@ -1006,7 +1013,13 @@
     </dgm:pt>
     <dgm:pt modelId="{A91B0FDA-B48F-4737-B8C6-AB55BF35CBF2}">
       <dgm:prSet phldrT="[文本]"/>
-      <dgm:spPr/>
+      <dgm:spPr>
+        <a:solidFill>
+          <a:schemeClr val="accent6">
+            <a:lumMod val="75000"/>
+          </a:schemeClr>
+        </a:solidFill>
+      </dgm:spPr>
       <dgm:t>
         <a:bodyPr/>
         <a:lstStyle/>
@@ -1043,7 +1056,14 @@
     </dgm:pt>
     <dgm:pt modelId="{6E702B1F-914D-40EF-9A50-E5814BA020EC}">
       <dgm:prSet/>
-      <dgm:spPr/>
+      <dgm:spPr>
+        <a:solidFill>
+          <a:schemeClr val="accent6">
+            <a:lumMod val="20000"/>
+            <a:lumOff val="80000"/>
+          </a:schemeClr>
+        </a:solidFill>
+      </dgm:spPr>
       <dgm:t>
         <a:bodyPr/>
         <a:lstStyle/>
@@ -1076,7 +1096,14 @@
     </dgm:pt>
     <dgm:pt modelId="{7B5A7269-508B-4A68-A2B5-F1136EFD8ED1}">
       <dgm:prSet phldrT="[文本]"/>
-      <dgm:spPr/>
+      <dgm:spPr>
+        <a:solidFill>
+          <a:schemeClr val="accent6">
+            <a:lumMod val="40000"/>
+            <a:lumOff val="60000"/>
+          </a:schemeClr>
+        </a:solidFill>
+      </dgm:spPr>
       <dgm:t>
         <a:bodyPr/>
         <a:lstStyle/>
@@ -1121,8 +1148,13 @@
       <dgm:spPr/>
     </dgm:pt>
     <dgm:pt modelId="{D0D94B8C-1304-4B48-A7D3-0ACF4CE586D8}" type="pres">
-      <dgm:prSet presAssocID="{DC02156D-D8FF-44D6-A2BA-2E578D3291E3}" presName="fgShape" presStyleLbl="fgShp" presStyleIdx="0" presStyleCnt="1"/>
-      <dgm:spPr/>
+      <dgm:prSet presAssocID="{DC02156D-D8FF-44D6-A2BA-2E578D3291E3}" presName="fgShape" presStyleLbl="fgShp" presStyleIdx="0" presStyleCnt="1" custLinFactY="100000" custLinFactNeighborX="-2583" custLinFactNeighborY="102631"/>
+      <dgm:spPr>
+        <a:noFill/>
+        <a:ln>
+          <a:noFill/>
+        </a:ln>
+      </dgm:spPr>
     </dgm:pt>
     <dgm:pt modelId="{35059406-8E25-4857-AD6E-059ADA50FCCD}" type="pres">
       <dgm:prSet presAssocID="{DC02156D-D8FF-44D6-A2BA-2E578D3291E3}" presName="linComp" presStyleCnt="0"/>
@@ -1164,7 +1196,14 @@
     </dgm:pt>
     <dgm:pt modelId="{03E57C5E-DFE5-4015-83B3-709089DBFA10}" type="pres">
       <dgm:prSet presAssocID="{6E702B1F-914D-40EF-9A50-E5814BA020EC}" presName="imagNode" presStyleLbl="fgImgPlace1" presStyleIdx="0" presStyleCnt="4" custScaleX="70901" custScaleY="67827" custLinFactNeighborY="-26977"/>
-      <dgm:spPr/>
+      <dgm:spPr>
+        <a:solidFill>
+          <a:schemeClr val="accent5">
+            <a:lumMod val="40000"/>
+            <a:lumOff val="60000"/>
+          </a:schemeClr>
+        </a:solidFill>
+      </dgm:spPr>
     </dgm:pt>
     <dgm:pt modelId="{EADD3FDF-930A-45D5-9FFE-EB8B9DF34BF1}" type="pres">
       <dgm:prSet presAssocID="{4997A14A-5CE9-4553-899F-19071CE6BC1B}" presName="sibTrans" presStyleLbl="sibTrans2D1" presStyleIdx="0" presStyleCnt="0"/>
@@ -1213,7 +1252,14 @@
     </dgm:pt>
     <dgm:pt modelId="{E6DE2198-2FDF-43A0-8C4B-606ED4483AFB}" type="pres">
       <dgm:prSet presAssocID="{7B5A7269-508B-4A68-A2B5-F1136EFD8ED1}" presName="imagNode" presStyleLbl="fgImgPlace1" presStyleIdx="1" presStyleCnt="4" custScaleX="67763" custScaleY="67763" custLinFactNeighborY="-27009"/>
-      <dgm:spPr/>
+      <dgm:spPr>
+        <a:solidFill>
+          <a:schemeClr val="accent5">
+            <a:lumMod val="40000"/>
+            <a:lumOff val="60000"/>
+          </a:schemeClr>
+        </a:solidFill>
+      </dgm:spPr>
     </dgm:pt>
     <dgm:pt modelId="{0866DD5C-7501-4C5F-9A29-881AF4FB0E00}" type="pres">
       <dgm:prSet presAssocID="{5719E05E-3431-4648-B8C4-702EEC9D34FA}" presName="sibTrans" presStyleLbl="sibTrans2D1" presStyleIdx="0" presStyleCnt="0"/>
@@ -1262,7 +1308,14 @@
     </dgm:pt>
     <dgm:pt modelId="{4196F9E5-469B-4E71-A583-03901DC86EF4}" type="pres">
       <dgm:prSet presAssocID="{147DDAC1-926C-42A8-B19D-C73E6806C9D1}" presName="imagNode" presStyleLbl="fgImgPlace1" presStyleIdx="2" presStyleCnt="4" custScaleX="67763" custScaleY="67763" custLinFactNeighborY="-27009"/>
-      <dgm:spPr/>
+      <dgm:spPr>
+        <a:solidFill>
+          <a:schemeClr val="accent5">
+            <a:lumMod val="40000"/>
+            <a:lumOff val="60000"/>
+          </a:schemeClr>
+        </a:solidFill>
+      </dgm:spPr>
     </dgm:pt>
     <dgm:pt modelId="{CCB55928-FE19-44C2-AFF7-A80FE8DFAC31}" type="pres">
       <dgm:prSet presAssocID="{66B2749C-A5C9-4A13-9CB0-4349688B6A81}" presName="sibTrans" presStyleLbl="sibTrans2D1" presStyleIdx="0" presStyleCnt="0"/>
@@ -1311,26 +1364,33 @@
     </dgm:pt>
     <dgm:pt modelId="{26B6DE50-00B7-4A40-A4F0-D5574E5F1B5C}" type="pres">
       <dgm:prSet presAssocID="{A91B0FDA-B48F-4737-B8C6-AB55BF35CBF2}" presName="imagNode" presStyleLbl="fgImgPlace1" presStyleIdx="3" presStyleCnt="4" custScaleX="67763" custScaleY="67763" custLinFactNeighborY="-27009"/>
-      <dgm:spPr/>
+      <dgm:spPr>
+        <a:solidFill>
+          <a:schemeClr val="accent5">
+            <a:lumMod val="40000"/>
+            <a:lumOff val="60000"/>
+          </a:schemeClr>
+        </a:solidFill>
+      </dgm:spPr>
     </dgm:pt>
   </dgm:ptLst>
   <dgm:cxnLst>
-    <dgm:cxn modelId="{97F1D3B8-0A2C-41D8-9183-56A367AA9960}" type="presOf" srcId="{7B5A7269-508B-4A68-A2B5-F1136EFD8ED1}" destId="{3B36D75D-FF93-4F03-9AAA-77C195D6A066}" srcOrd="1" destOrd="0" presId="urn:microsoft.com/office/officeart/2005/8/layout/hList7"/>
-    <dgm:cxn modelId="{3533DA05-A160-4F27-84A7-F5D2C193BFFA}" srcId="{DC02156D-D8FF-44D6-A2BA-2E578D3291E3}" destId="{7B5A7269-508B-4A68-A2B5-F1136EFD8ED1}" srcOrd="1" destOrd="0" parTransId="{13C0054D-C96F-4CC9-9089-FEB6D9E265AD}" sibTransId="{5719E05E-3431-4648-B8C4-702EEC9D34FA}"/>
+    <dgm:cxn modelId="{C0577CE9-A044-4680-A2A6-4D45E5A2B442}" type="presOf" srcId="{A91B0FDA-B48F-4737-B8C6-AB55BF35CBF2}" destId="{3D1F61CE-3618-460C-8CAF-9B134828FD42}" srcOrd="1" destOrd="0" presId="urn:microsoft.com/office/officeart/2005/8/layout/hList7"/>
+    <dgm:cxn modelId="{E98C4FD8-1FDC-4E7C-9D53-931DC5558617}" srcId="{DC02156D-D8FF-44D6-A2BA-2E578D3291E3}" destId="{147DDAC1-926C-42A8-B19D-C73E6806C9D1}" srcOrd="2" destOrd="0" parTransId="{74F80458-9A81-4212-94C0-CD3E4D1011A0}" sibTransId="{66B2749C-A5C9-4A13-9CB0-4349688B6A81}"/>
+    <dgm:cxn modelId="{3FC78B7B-B753-4728-84B0-52B7437D0CBD}" srcId="{DC02156D-D8FF-44D6-A2BA-2E578D3291E3}" destId="{6E702B1F-914D-40EF-9A50-E5814BA020EC}" srcOrd="0" destOrd="0" parTransId="{7A1180A1-EC52-4AEE-AF40-B71328850B08}" sibTransId="{4997A14A-5CE9-4553-899F-19071CE6BC1B}"/>
+    <dgm:cxn modelId="{A472FBF9-0390-4B75-906D-E427F321657E}" type="presOf" srcId="{5719E05E-3431-4648-B8C4-702EEC9D34FA}" destId="{0866DD5C-7501-4C5F-9A29-881AF4FB0E00}" srcOrd="0" destOrd="0" presId="urn:microsoft.com/office/officeart/2005/8/layout/hList7"/>
+    <dgm:cxn modelId="{D62B629B-0ABB-4710-9AA0-EFCF465D0D0C}" srcId="{DC02156D-D8FF-44D6-A2BA-2E578D3291E3}" destId="{A91B0FDA-B48F-4737-B8C6-AB55BF35CBF2}" srcOrd="3" destOrd="0" parTransId="{602AC4B6-8CF9-46D1-BAF4-2A5A7C67311F}" sibTransId="{998A1131-D569-4867-974F-EFAE81D8EC49}"/>
+    <dgm:cxn modelId="{6CE87487-6679-4931-B39E-AB91DDBBF215}" type="presOf" srcId="{4997A14A-5CE9-4553-899F-19071CE6BC1B}" destId="{EADD3FDF-930A-45D5-9FFE-EB8B9DF34BF1}" srcOrd="0" destOrd="0" presId="urn:microsoft.com/office/officeart/2005/8/layout/hList7"/>
+    <dgm:cxn modelId="{7AD4CE7A-75B5-433A-8FF8-EC9E2BFCB830}" type="presOf" srcId="{DC02156D-D8FF-44D6-A2BA-2E578D3291E3}" destId="{CD8D9423-C784-4A7A-BB88-D3F1017EE21F}" srcOrd="0" destOrd="0" presId="urn:microsoft.com/office/officeart/2005/8/layout/hList7"/>
     <dgm:cxn modelId="{FA4D961D-B98A-4940-BC68-129492C2C80B}" type="presOf" srcId="{A91B0FDA-B48F-4737-B8C6-AB55BF35CBF2}" destId="{EDB55B98-9D5D-4519-8928-5727FFB279DC}" srcOrd="0" destOrd="0" presId="urn:microsoft.com/office/officeart/2005/8/layout/hList7"/>
-    <dgm:cxn modelId="{7AD4CE7A-75B5-433A-8FF8-EC9E2BFCB830}" type="presOf" srcId="{DC02156D-D8FF-44D6-A2BA-2E578D3291E3}" destId="{CD8D9423-C784-4A7A-BB88-D3F1017EE21F}" srcOrd="0" destOrd="0" presId="urn:microsoft.com/office/officeart/2005/8/layout/hList7"/>
-    <dgm:cxn modelId="{3FC78B7B-B753-4728-84B0-52B7437D0CBD}" srcId="{DC02156D-D8FF-44D6-A2BA-2E578D3291E3}" destId="{6E702B1F-914D-40EF-9A50-E5814BA020EC}" srcOrd="0" destOrd="0" parTransId="{7A1180A1-EC52-4AEE-AF40-B71328850B08}" sibTransId="{4997A14A-5CE9-4553-899F-19071CE6BC1B}"/>
-    <dgm:cxn modelId="{C0577CE9-A044-4680-A2A6-4D45E5A2B442}" type="presOf" srcId="{A91B0FDA-B48F-4737-B8C6-AB55BF35CBF2}" destId="{3D1F61CE-3618-460C-8CAF-9B134828FD42}" srcOrd="1" destOrd="0" presId="urn:microsoft.com/office/officeart/2005/8/layout/hList7"/>
-    <dgm:cxn modelId="{197A504A-1152-4AC0-A0ED-7960B770E79D}" type="presOf" srcId="{66B2749C-A5C9-4A13-9CB0-4349688B6A81}" destId="{CCB55928-FE19-44C2-AFF7-A80FE8DFAC31}" srcOrd="0" destOrd="0" presId="urn:microsoft.com/office/officeart/2005/8/layout/hList7"/>
-    <dgm:cxn modelId="{D62B629B-0ABB-4710-9AA0-EFCF465D0D0C}" srcId="{DC02156D-D8FF-44D6-A2BA-2E578D3291E3}" destId="{A91B0FDA-B48F-4737-B8C6-AB55BF35CBF2}" srcOrd="3" destOrd="0" parTransId="{602AC4B6-8CF9-46D1-BAF4-2A5A7C67311F}" sibTransId="{998A1131-D569-4867-974F-EFAE81D8EC49}"/>
-    <dgm:cxn modelId="{A472FBF9-0390-4B75-906D-E427F321657E}" type="presOf" srcId="{5719E05E-3431-4648-B8C4-702EEC9D34FA}" destId="{0866DD5C-7501-4C5F-9A29-881AF4FB0E00}" srcOrd="0" destOrd="0" presId="urn:microsoft.com/office/officeart/2005/8/layout/hList7"/>
-    <dgm:cxn modelId="{75BB7ACB-AD59-4072-8761-5A88C9A0601F}" type="presOf" srcId="{147DDAC1-926C-42A8-B19D-C73E6806C9D1}" destId="{FE294E79-72D9-4E8D-A0DD-ADDC346ED08C}" srcOrd="0" destOrd="0" presId="urn:microsoft.com/office/officeart/2005/8/layout/hList7"/>
     <dgm:cxn modelId="{E865DC91-9A23-4F08-9A86-CEB205797828}" type="presOf" srcId="{6E702B1F-914D-40EF-9A50-E5814BA020EC}" destId="{78F3816B-434E-46D4-9177-1D9E27FA4FB3}" srcOrd="0" destOrd="0" presId="urn:microsoft.com/office/officeart/2005/8/layout/hList7"/>
     <dgm:cxn modelId="{4117D76E-134F-4573-A71B-1EFCC632BFD6}" type="presOf" srcId="{147DDAC1-926C-42A8-B19D-C73E6806C9D1}" destId="{39DE1138-A2A9-441F-BE4D-DFA072A57A20}" srcOrd="1" destOrd="0" presId="urn:microsoft.com/office/officeart/2005/8/layout/hList7"/>
     <dgm:cxn modelId="{DB7F1B4E-0506-4D16-8CE5-141F2F63444C}" type="presOf" srcId="{7B5A7269-508B-4A68-A2B5-F1136EFD8ED1}" destId="{BE4BEAD8-8D94-44B9-B847-567C15820B3D}" srcOrd="0" destOrd="0" presId="urn:microsoft.com/office/officeart/2005/8/layout/hList7"/>
-    <dgm:cxn modelId="{E98C4FD8-1FDC-4E7C-9D53-931DC5558617}" srcId="{DC02156D-D8FF-44D6-A2BA-2E578D3291E3}" destId="{147DDAC1-926C-42A8-B19D-C73E6806C9D1}" srcOrd="2" destOrd="0" parTransId="{74F80458-9A81-4212-94C0-CD3E4D1011A0}" sibTransId="{66B2749C-A5C9-4A13-9CB0-4349688B6A81}"/>
-    <dgm:cxn modelId="{6CE87487-6679-4931-B39E-AB91DDBBF215}" type="presOf" srcId="{4997A14A-5CE9-4553-899F-19071CE6BC1B}" destId="{EADD3FDF-930A-45D5-9FFE-EB8B9DF34BF1}" srcOrd="0" destOrd="0" presId="urn:microsoft.com/office/officeart/2005/8/layout/hList7"/>
+    <dgm:cxn modelId="{75BB7ACB-AD59-4072-8761-5A88C9A0601F}" type="presOf" srcId="{147DDAC1-926C-42A8-B19D-C73E6806C9D1}" destId="{FE294E79-72D9-4E8D-A0DD-ADDC346ED08C}" srcOrd="0" destOrd="0" presId="urn:microsoft.com/office/officeart/2005/8/layout/hList7"/>
+    <dgm:cxn modelId="{197A504A-1152-4AC0-A0ED-7960B770E79D}" type="presOf" srcId="{66B2749C-A5C9-4A13-9CB0-4349688B6A81}" destId="{CCB55928-FE19-44C2-AFF7-A80FE8DFAC31}" srcOrd="0" destOrd="0" presId="urn:microsoft.com/office/officeart/2005/8/layout/hList7"/>
     <dgm:cxn modelId="{07BA31AD-B00C-4336-A9F8-875EF7058884}" type="presOf" srcId="{6E702B1F-914D-40EF-9A50-E5814BA020EC}" destId="{43ADFF75-EBF5-4449-AAC6-D658025C6A84}" srcOrd="1" destOrd="0" presId="urn:microsoft.com/office/officeart/2005/8/layout/hList7"/>
+    <dgm:cxn modelId="{97F1D3B8-0A2C-41D8-9183-56A367AA9960}" type="presOf" srcId="{7B5A7269-508B-4A68-A2B5-F1136EFD8ED1}" destId="{3B36D75D-FF93-4F03-9AAA-77C195D6A066}" srcOrd="1" destOrd="0" presId="urn:microsoft.com/office/officeart/2005/8/layout/hList7"/>
+    <dgm:cxn modelId="{3533DA05-A160-4F27-84A7-F5D2C193BFFA}" srcId="{DC02156D-D8FF-44D6-A2BA-2E578D3291E3}" destId="{7B5A7269-508B-4A68-A2B5-F1136EFD8ED1}" srcOrd="1" destOrd="0" parTransId="{13C0054D-C96F-4CC9-9089-FEB6D9E265AD}" sibTransId="{5719E05E-3431-4648-B8C4-702EEC9D34FA}"/>
     <dgm:cxn modelId="{4A1E3B9D-7287-4872-8088-C2C668470B96}" type="presParOf" srcId="{CD8D9423-C784-4A7A-BB88-D3F1017EE21F}" destId="{D0D94B8C-1304-4B48-A7D3-0ACF4CE586D8}" srcOrd="0" destOrd="0" presId="urn:microsoft.com/office/officeart/2005/8/layout/hList7"/>
     <dgm:cxn modelId="{6EA4AF3F-67F2-491D-A11F-736DBB2DC466}" type="presParOf" srcId="{CD8D9423-C784-4A7A-BB88-D3F1017EE21F}" destId="{35059406-8E25-4857-AD6E-059ADA50FCCD}" srcOrd="1" destOrd="0" presId="urn:microsoft.com/office/officeart/2005/8/layout/hList7"/>
     <dgm:cxn modelId="{1BC67F5F-F13A-4E90-921A-69A1048346C0}" type="presParOf" srcId="{35059406-8E25-4857-AD6E-059ADA50FCCD}" destId="{60E5DDA2-DA54-4443-82E8-A925A1049C29}" srcOrd="0" destOrd="0" presId="urn:microsoft.com/office/officeart/2005/8/layout/hList7"/>
@@ -1391,11 +1451,9 @@
           </a:avLst>
         </a:prstGeom>
         <a:solidFill>
-          <a:schemeClr val="accent2">
-            <a:hueOff val="0"/>
-            <a:satOff val="0"/>
-            <a:lumOff val="0"/>
-            <a:alphaOff val="0"/>
+          <a:schemeClr val="accent6">
+            <a:lumMod val="20000"/>
+            <a:lumOff val="80000"/>
           </a:schemeClr>
         </a:solidFill>
         <a:ln w="15875" cap="flat" cmpd="sng" algn="ctr">
@@ -1464,12 +1522,9 @@
           <a:avLst/>
         </a:prstGeom>
         <a:solidFill>
-          <a:schemeClr val="accent2">
-            <a:tint val="50000"/>
-            <a:hueOff val="0"/>
-            <a:satOff val="0"/>
-            <a:lumOff val="0"/>
-            <a:alphaOff val="0"/>
+          <a:schemeClr val="accent5">
+            <a:lumMod val="40000"/>
+            <a:lumOff val="60000"/>
           </a:schemeClr>
         </a:solidFill>
         <a:ln w="15875" cap="flat" cmpd="sng" algn="ctr">
@@ -1514,11 +1569,9 @@
           </a:avLst>
         </a:prstGeom>
         <a:solidFill>
-          <a:schemeClr val="accent2">
-            <a:hueOff val="-1458064"/>
-            <a:satOff val="-2807"/>
-            <a:lumOff val="196"/>
-            <a:alphaOff val="0"/>
+          <a:schemeClr val="accent6">
+            <a:lumMod val="40000"/>
+            <a:lumOff val="60000"/>
           </a:schemeClr>
         </a:solidFill>
         <a:ln w="15875" cap="flat" cmpd="sng" algn="ctr">
@@ -1591,12 +1644,9 @@
           <a:avLst/>
         </a:prstGeom>
         <a:solidFill>
-          <a:schemeClr val="accent2">
-            <a:tint val="50000"/>
-            <a:hueOff val="-1249849"/>
-            <a:satOff val="-2447"/>
-            <a:lumOff val="-112"/>
-            <a:alphaOff val="0"/>
+          <a:schemeClr val="accent5">
+            <a:lumMod val="40000"/>
+            <a:lumOff val="60000"/>
           </a:schemeClr>
         </a:solidFill>
         <a:ln w="15875" cap="flat" cmpd="sng" algn="ctr">
@@ -1641,11 +1691,9 @@
           </a:avLst>
         </a:prstGeom>
         <a:solidFill>
-          <a:schemeClr val="accent2">
-            <a:hueOff val="-2916128"/>
-            <a:satOff val="-5613"/>
-            <a:lumOff val="392"/>
-            <a:alphaOff val="0"/>
+          <a:schemeClr val="accent6">
+            <a:lumMod val="60000"/>
+            <a:lumOff val="40000"/>
           </a:schemeClr>
         </a:solidFill>
         <a:ln w="15875" cap="flat" cmpd="sng" algn="ctr">
@@ -1718,12 +1766,9 @@
           <a:avLst/>
         </a:prstGeom>
         <a:solidFill>
-          <a:schemeClr val="accent2">
-            <a:tint val="50000"/>
-            <a:hueOff val="-2499698"/>
-            <a:satOff val="-4893"/>
-            <a:lumOff val="-223"/>
-            <a:alphaOff val="0"/>
+          <a:schemeClr val="accent5">
+            <a:lumMod val="40000"/>
+            <a:lumOff val="60000"/>
           </a:schemeClr>
         </a:solidFill>
         <a:ln w="15875" cap="flat" cmpd="sng" algn="ctr">
@@ -1768,11 +1813,8 @@
           </a:avLst>
         </a:prstGeom>
         <a:solidFill>
-          <a:schemeClr val="accent2">
-            <a:hueOff val="-4374192"/>
-            <a:satOff val="-8420"/>
-            <a:lumOff val="588"/>
-            <a:alphaOff val="0"/>
+          <a:schemeClr val="accent6">
+            <a:lumMod val="75000"/>
           </a:schemeClr>
         </a:solidFill>
         <a:ln w="15875" cap="flat" cmpd="sng" algn="ctr">
@@ -1845,12 +1887,9 @@
           <a:avLst/>
         </a:prstGeom>
         <a:solidFill>
-          <a:schemeClr val="accent2">
-            <a:tint val="50000"/>
-            <a:hueOff val="-3749546"/>
-            <a:satOff val="-7340"/>
-            <a:lumOff val="-335"/>
-            <a:alphaOff val="0"/>
+          <a:schemeClr val="accent5">
+            <a:lumMod val="40000"/>
+            <a:lumOff val="60000"/>
           </a:schemeClr>
         </a:solidFill>
         <a:ln w="15875" cap="flat" cmpd="sng" algn="ctr">
@@ -1886,30 +1925,15 @@
       </dsp:nvSpPr>
       <dsp:spPr>
         <a:xfrm>
-          <a:off x="310895" y="2054860"/>
+          <a:off x="126195" y="2183288"/>
           <a:ext cx="7150608" cy="385286"/>
         </a:xfrm>
         <a:prstGeom prst="leftRightArrow">
           <a:avLst/>
         </a:prstGeom>
-        <a:solidFill>
-          <a:schemeClr val="accent2">
-            <a:tint val="40000"/>
-            <a:hueOff val="0"/>
-            <a:satOff val="0"/>
-            <a:lumOff val="0"/>
-            <a:alphaOff val="0"/>
-          </a:schemeClr>
-        </a:solidFill>
+        <a:noFill/>
         <a:ln w="15875" cap="flat" cmpd="sng" algn="ctr">
-          <a:solidFill>
-            <a:schemeClr val="lt1">
-              <a:hueOff val="0"/>
-              <a:satOff val="0"/>
-              <a:lumOff val="0"/>
-              <a:alphaOff val="0"/>
-            </a:schemeClr>
-          </a:solidFill>
+          <a:noFill/>
           <a:prstDash val="solid"/>
         </a:ln>
         <a:effectLst/>
@@ -3242,7 +3266,7 @@
           <a:p>
             <a:fld id="{F95C0167-56F1-4335-A315-FAC9FF797CF2}" type="datetimeFigureOut">
               <a:rPr lang="zh-CN" altLang="en-US" smtClean="0"/>
-              <a:t>2017/9/15</a:t>
+              <a:t>2017/9/16</a:t>
             </a:fld>
             <a:endParaRPr lang="zh-CN" altLang="en-US"/>
           </a:p>
@@ -3595,7 +3619,7 @@
 </file>
 
 <file path=ppt/slideLayouts/slideLayout1.xml><?xml version="1.0" encoding="utf-8"?>
-<p:sldLayout xmlns:a="http://schemas.openxmlformats.org/drawingml/2006/main" xmlns:r="http://schemas.openxmlformats.org/officeDocument/2006/relationships" xmlns:p="http://schemas.openxmlformats.org/presentationml/2006/main" type="title" preserve="1">
+<p:sldLayout xmlns:a="http://schemas.openxmlformats.org/drawingml/2006/main" xmlns:r="http://schemas.openxmlformats.org/officeDocument/2006/relationships" xmlns:p="http://schemas.openxmlformats.org/presentationml/2006/main" showMasterSp="0" type="title" preserve="1">
   <p:cSld name="标题幻灯片">
     <p:spTree>
       <p:nvGrpSpPr>
@@ -3766,7 +3790,7 @@
             <a:fld id="{1D00F9FB-5080-5E4B-80A0-21AAAFB12036}" type="datetimeFigureOut">
               <a:rPr lang="zh-CN" altLang="en-US" smtClean="0"/>
               <a:pPr/>
-              <a:t>2017/9/15</a:t>
+              <a:t>2017/9/16</a:t>
             </a:fld>
             <a:endParaRPr lang="zh-CN" altLang="en-US"/>
           </a:p>
@@ -3839,7 +3863,7 @@
 </file>
 
 <file path=ppt/slideLayouts/slideLayout10.xml><?xml version="1.0" encoding="utf-8"?>
-<p:sldLayout xmlns:a="http://schemas.openxmlformats.org/drawingml/2006/main" xmlns:r="http://schemas.openxmlformats.org/officeDocument/2006/relationships" xmlns:p="http://schemas.openxmlformats.org/presentationml/2006/main" preserve="1">
+<p:sldLayout xmlns:a="http://schemas.openxmlformats.org/drawingml/2006/main" xmlns:r="http://schemas.openxmlformats.org/officeDocument/2006/relationships" xmlns:p="http://schemas.openxmlformats.org/presentationml/2006/main" showMasterSp="0" preserve="1">
   <p:cSld name="带描述的全景图片">
     <p:spTree>
       <p:nvGrpSpPr>
@@ -4090,7 +4114,7 @@
             <a:fld id="{8008DD98-D290-1944-9E3C-A008DC37D5BB}" type="datetimeFigureOut">
               <a:rPr lang="zh-CN" altLang="en-US" smtClean="0"/>
               <a:pPr/>
-              <a:t>2017/9/15</a:t>
+              <a:t>2017/9/16</a:t>
             </a:fld>
             <a:endParaRPr lang="zh-CN" altLang="en-US"/>
           </a:p>
@@ -4160,7 +4184,7 @@
 </file>
 
 <file path=ppt/slideLayouts/slideLayout11.xml><?xml version="1.0" encoding="utf-8"?>
-<p:sldLayout xmlns:a="http://schemas.openxmlformats.org/drawingml/2006/main" xmlns:r="http://schemas.openxmlformats.org/officeDocument/2006/relationships" xmlns:p="http://schemas.openxmlformats.org/presentationml/2006/main" preserve="1">
+<p:sldLayout xmlns:a="http://schemas.openxmlformats.org/drawingml/2006/main" xmlns:r="http://schemas.openxmlformats.org/officeDocument/2006/relationships" xmlns:p="http://schemas.openxmlformats.org/presentationml/2006/main" showMasterSp="0" preserve="1">
   <p:cSld name="标题和描述">
     <p:spTree>
       <p:nvGrpSpPr>
@@ -4321,7 +4345,7 @@
             <a:fld id="{8008DD98-D290-1944-9E3C-A008DC37D5BB}" type="datetimeFigureOut">
               <a:rPr lang="zh-CN" altLang="en-US" smtClean="0"/>
               <a:pPr/>
-              <a:t>2017/9/15</a:t>
+              <a:t>2017/9/16</a:t>
             </a:fld>
             <a:endParaRPr lang="zh-CN" altLang="en-US"/>
           </a:p>
@@ -4391,7 +4415,7 @@
 </file>
 
 <file path=ppt/slideLayouts/slideLayout12.xml><?xml version="1.0" encoding="utf-8"?>
-<p:sldLayout xmlns:a="http://schemas.openxmlformats.org/drawingml/2006/main" xmlns:r="http://schemas.openxmlformats.org/officeDocument/2006/relationships" xmlns:p="http://schemas.openxmlformats.org/presentationml/2006/main" preserve="1">
+<p:sldLayout xmlns:a="http://schemas.openxmlformats.org/drawingml/2006/main" xmlns:r="http://schemas.openxmlformats.org/officeDocument/2006/relationships" xmlns:p="http://schemas.openxmlformats.org/presentationml/2006/main" showMasterSp="0" preserve="1">
   <p:cSld name="带描述的引言">
     <p:spTree>
       <p:nvGrpSpPr>
@@ -4621,7 +4645,7 @@
             <a:fld id="{8008DD98-D290-1944-9E3C-A008DC37D5BB}" type="datetimeFigureOut">
               <a:rPr lang="zh-CN" altLang="en-US" smtClean="0"/>
               <a:pPr/>
-              <a:t>2017/9/15</a:t>
+              <a:t>2017/9/16</a:t>
             </a:fld>
             <a:endParaRPr lang="zh-CN" altLang="en-US"/>
           </a:p>
@@ -4923,7 +4947,7 @@
 </file>
 
 <file path=ppt/slideLayouts/slideLayout13.xml><?xml version="1.0" encoding="utf-8"?>
-<p:sldLayout xmlns:a="http://schemas.openxmlformats.org/drawingml/2006/main" xmlns:r="http://schemas.openxmlformats.org/officeDocument/2006/relationships" xmlns:p="http://schemas.openxmlformats.org/presentationml/2006/main" preserve="1">
+<p:sldLayout xmlns:a="http://schemas.openxmlformats.org/drawingml/2006/main" xmlns:r="http://schemas.openxmlformats.org/officeDocument/2006/relationships" xmlns:p="http://schemas.openxmlformats.org/presentationml/2006/main" showMasterSp="0" preserve="1">
   <p:cSld name="名片">
     <p:spTree>
       <p:nvGrpSpPr>
@@ -5084,7 +5108,7 @@
             <a:fld id="{8008DD98-D290-1944-9E3C-A008DC37D5BB}" type="datetimeFigureOut">
               <a:rPr lang="zh-CN" altLang="en-US" smtClean="0"/>
               <a:pPr/>
-              <a:t>2017/9/15</a:t>
+              <a:t>2017/9/16</a:t>
             </a:fld>
             <a:endParaRPr lang="zh-CN" altLang="en-US"/>
           </a:p>
@@ -5154,7 +5178,7 @@
 </file>
 
 <file path=ppt/slideLayouts/slideLayout14.xml><?xml version="1.0" encoding="utf-8"?>
-<p:sldLayout xmlns:a="http://schemas.openxmlformats.org/drawingml/2006/main" xmlns:r="http://schemas.openxmlformats.org/officeDocument/2006/relationships" xmlns:p="http://schemas.openxmlformats.org/presentationml/2006/main" preserve="1">
+<p:sldLayout xmlns:a="http://schemas.openxmlformats.org/drawingml/2006/main" xmlns:r="http://schemas.openxmlformats.org/officeDocument/2006/relationships" xmlns:p="http://schemas.openxmlformats.org/presentationml/2006/main" showMasterSp="0" preserve="1">
   <p:cSld name="3 栏">
     <p:spTree>
       <p:nvGrpSpPr>
@@ -5669,7 +5693,7 @@
             <a:fld id="{8008DD98-D290-1944-9E3C-A008DC37D5BB}" type="datetimeFigureOut">
               <a:rPr lang="zh-CN" altLang="en-US" smtClean="0"/>
               <a:pPr/>
-              <a:t>2017/9/15</a:t>
+              <a:t>2017/9/16</a:t>
             </a:fld>
             <a:endParaRPr lang="zh-CN" altLang="en-US"/>
           </a:p>
@@ -5732,7 +5756,7 @@
 </file>
 
 <file path=ppt/slideLayouts/slideLayout15.xml><?xml version="1.0" encoding="utf-8"?>
-<p:sldLayout xmlns:a="http://schemas.openxmlformats.org/drawingml/2006/main" xmlns:r="http://schemas.openxmlformats.org/officeDocument/2006/relationships" xmlns:p="http://schemas.openxmlformats.org/presentationml/2006/main" preserve="1">
+<p:sldLayout xmlns:a="http://schemas.openxmlformats.org/drawingml/2006/main" xmlns:r="http://schemas.openxmlformats.org/officeDocument/2006/relationships" xmlns:p="http://schemas.openxmlformats.org/presentationml/2006/main" showMasterSp="0" preserve="1">
   <p:cSld name="3 图片栏">
     <p:spTree>
       <p:nvGrpSpPr>
@@ -6523,7 +6547,7 @@
             <a:fld id="{8008DD98-D290-1944-9E3C-A008DC37D5BB}" type="datetimeFigureOut">
               <a:rPr lang="zh-CN" altLang="en-US" smtClean="0"/>
               <a:pPr/>
-              <a:t>2017/9/15</a:t>
+              <a:t>2017/9/16</a:t>
             </a:fld>
             <a:endParaRPr lang="zh-CN" altLang="en-US"/>
           </a:p>
@@ -6586,7 +6610,7 @@
 </file>
 
 <file path=ppt/slideLayouts/slideLayout16.xml><?xml version="1.0" encoding="utf-8"?>
-<p:sldLayout xmlns:a="http://schemas.openxmlformats.org/drawingml/2006/main" xmlns:r="http://schemas.openxmlformats.org/officeDocument/2006/relationships" xmlns:p="http://schemas.openxmlformats.org/presentationml/2006/main" type="vertTx" preserve="1">
+<p:sldLayout xmlns:a="http://schemas.openxmlformats.org/drawingml/2006/main" xmlns:r="http://schemas.openxmlformats.org/officeDocument/2006/relationships" xmlns:p="http://schemas.openxmlformats.org/presentationml/2006/main" showMasterSp="0" type="vertTx" preserve="1">
   <p:cSld name="标题和竖排文字">
     <p:spTree>
       <p:nvGrpSpPr>
@@ -6730,7 +6754,7 @@
             <a:fld id="{8008DD98-D290-1944-9E3C-A008DC37D5BB}" type="datetimeFigureOut">
               <a:rPr lang="zh-CN" altLang="en-US" smtClean="0"/>
               <a:pPr/>
-              <a:t>2017/9/15</a:t>
+              <a:t>2017/9/16</a:t>
             </a:fld>
             <a:endParaRPr lang="zh-CN" altLang="en-US"/>
           </a:p>
@@ -6800,7 +6824,7 @@
 </file>
 
 <file path=ppt/slideLayouts/slideLayout17.xml><?xml version="1.0" encoding="utf-8"?>
-<p:sldLayout xmlns:a="http://schemas.openxmlformats.org/drawingml/2006/main" xmlns:r="http://schemas.openxmlformats.org/officeDocument/2006/relationships" xmlns:p="http://schemas.openxmlformats.org/presentationml/2006/main" type="vertTitleAndTx" preserve="1">
+<p:sldLayout xmlns:a="http://schemas.openxmlformats.org/drawingml/2006/main" xmlns:r="http://schemas.openxmlformats.org/officeDocument/2006/relationships" xmlns:p="http://schemas.openxmlformats.org/presentationml/2006/main" showMasterSp="0" type="vertTitleAndTx" preserve="1">
   <p:cSld name="垂直排列标题与&#10;文本">
     <p:spTree>
       <p:nvGrpSpPr>
@@ -6953,7 +6977,7 @@
             <a:fld id="{8008DD98-D290-1944-9E3C-A008DC37D5BB}" type="datetimeFigureOut">
               <a:rPr lang="zh-CN" altLang="en-US" smtClean="0"/>
               <a:pPr/>
-              <a:t>2017/9/15</a:t>
+              <a:t>2017/9/16</a:t>
             </a:fld>
             <a:endParaRPr lang="zh-CN" altLang="en-US"/>
           </a:p>
@@ -7023,7 +7047,7 @@
 </file>
 
 <file path=ppt/slideLayouts/slideLayout2.xml><?xml version="1.0" encoding="utf-8"?>
-<p:sldLayout xmlns:a="http://schemas.openxmlformats.org/drawingml/2006/main" xmlns:r="http://schemas.openxmlformats.org/officeDocument/2006/relationships" xmlns:p="http://schemas.openxmlformats.org/presentationml/2006/main" type="obj" preserve="1">
+<p:sldLayout xmlns:a="http://schemas.openxmlformats.org/drawingml/2006/main" xmlns:r="http://schemas.openxmlformats.org/officeDocument/2006/relationships" xmlns:p="http://schemas.openxmlformats.org/presentationml/2006/main" showMasterSp="0" type="obj" preserve="1">
   <p:cSld name="标题和内容">
     <p:spTree>
       <p:nvGrpSpPr>
@@ -7167,7 +7191,7 @@
             <a:fld id="{989F6407-BF86-914C-ADA6-16EAE3B57F00}" type="datetimeFigureOut">
               <a:rPr lang="zh-CN" altLang="en-US" smtClean="0"/>
               <a:pPr/>
-              <a:t>2017/9/15</a:t>
+              <a:t>2017/9/16</a:t>
             </a:fld>
             <a:endParaRPr lang="zh-CN" altLang="en-US"/>
           </a:p>
@@ -7240,7 +7264,7 @@
 </file>
 
 <file path=ppt/slideLayouts/slideLayout3.xml><?xml version="1.0" encoding="utf-8"?>
-<p:sldLayout xmlns:a="http://schemas.openxmlformats.org/drawingml/2006/main" xmlns:r="http://schemas.openxmlformats.org/officeDocument/2006/relationships" xmlns:p="http://schemas.openxmlformats.org/presentationml/2006/main" type="secHead" preserve="1">
+<p:sldLayout xmlns:a="http://schemas.openxmlformats.org/drawingml/2006/main" xmlns:r="http://schemas.openxmlformats.org/officeDocument/2006/relationships" xmlns:p="http://schemas.openxmlformats.org/presentationml/2006/main" showMasterSp="0" type="secHead" preserve="1">
   <p:cSld name="节标题">
     <p:spTree>
       <p:nvGrpSpPr>
@@ -7459,7 +7483,7 @@
             <a:fld id="{C2BCB646-4F3B-BA4B-ACCA-2AD81AF17150}" type="datetimeFigureOut">
               <a:rPr lang="zh-CN" altLang="en-US" smtClean="0"/>
               <a:pPr/>
-              <a:t>2017/9/15</a:t>
+              <a:t>2017/9/16</a:t>
             </a:fld>
             <a:endParaRPr lang="zh-CN" altLang="en-US"/>
           </a:p>
@@ -7532,7 +7556,7 @@
 </file>
 
 <file path=ppt/slideLayouts/slideLayout4.xml><?xml version="1.0" encoding="utf-8"?>
-<p:sldLayout xmlns:a="http://schemas.openxmlformats.org/drawingml/2006/main" xmlns:r="http://schemas.openxmlformats.org/officeDocument/2006/relationships" xmlns:p="http://schemas.openxmlformats.org/presentationml/2006/main" type="twoObj" preserve="1">
+<p:sldLayout xmlns:a="http://schemas.openxmlformats.org/drawingml/2006/main" xmlns:r="http://schemas.openxmlformats.org/officeDocument/2006/relationships" xmlns:p="http://schemas.openxmlformats.org/presentationml/2006/main" showMasterSp="0" type="twoObj" preserve="1">
   <p:cSld name="两栏内容">
     <p:spTree>
       <p:nvGrpSpPr>
@@ -7738,7 +7762,7 @@
             <a:fld id="{8008DD98-D290-1944-9E3C-A008DC37D5BB}" type="datetimeFigureOut">
               <a:rPr lang="zh-CN" altLang="en-US" smtClean="0"/>
               <a:pPr/>
-              <a:t>2017/9/15</a:t>
+              <a:t>2017/9/16</a:t>
             </a:fld>
             <a:endParaRPr lang="zh-CN" altLang="en-US"/>
           </a:p>
@@ -7808,7 +7832,7 @@
 </file>
 
 <file path=ppt/slideLayouts/slideLayout5.xml><?xml version="1.0" encoding="utf-8"?>
-<p:sldLayout xmlns:a="http://schemas.openxmlformats.org/drawingml/2006/main" xmlns:r="http://schemas.openxmlformats.org/officeDocument/2006/relationships" xmlns:p="http://schemas.openxmlformats.org/presentationml/2006/main" type="twoTxTwoObj" preserve="1">
+<p:sldLayout xmlns:a="http://schemas.openxmlformats.org/drawingml/2006/main" xmlns:r="http://schemas.openxmlformats.org/officeDocument/2006/relationships" xmlns:p="http://schemas.openxmlformats.org/presentationml/2006/main" showMasterSp="0" type="twoTxTwoObj" preserve="1">
   <p:cSld name="比较">
     <p:spTree>
       <p:nvGrpSpPr>
@@ -8162,7 +8186,7 @@
             <a:fld id="{76A91C22-BD40-AD4C-AA2D-908C13CBD97F}" type="datetimeFigureOut">
               <a:rPr lang="zh-CN" altLang="en-US" smtClean="0"/>
               <a:pPr/>
-              <a:t>2017/9/15</a:t>
+              <a:t>2017/9/16</a:t>
             </a:fld>
             <a:endParaRPr lang="zh-CN" altLang="en-US"/>
           </a:p>
@@ -8235,7 +8259,7 @@
 </file>
 
 <file path=ppt/slideLayouts/slideLayout6.xml><?xml version="1.0" encoding="utf-8"?>
-<p:sldLayout xmlns:a="http://schemas.openxmlformats.org/drawingml/2006/main" xmlns:r="http://schemas.openxmlformats.org/officeDocument/2006/relationships" xmlns:p="http://schemas.openxmlformats.org/presentationml/2006/main" type="titleOnly" preserve="1">
+<p:sldLayout xmlns:a="http://schemas.openxmlformats.org/drawingml/2006/main" xmlns:r="http://schemas.openxmlformats.org/officeDocument/2006/relationships" xmlns:p="http://schemas.openxmlformats.org/presentationml/2006/main" showMasterSp="0" type="titleOnly" preserve="1">
   <p:cSld name="仅标题">
     <p:spTree>
       <p:nvGrpSpPr>
@@ -8322,7 +8346,7 @@
             <a:fld id="{586A406C-4124-A44B-AAB3-E28B03A55918}" type="datetimeFigureOut">
               <a:rPr lang="zh-CN" altLang="en-US" smtClean="0"/>
               <a:pPr/>
-              <a:t>2017/9/15</a:t>
+              <a:t>2017/9/16</a:t>
             </a:fld>
             <a:endParaRPr lang="zh-CN" altLang="en-US"/>
           </a:p>
@@ -8395,7 +8419,7 @@
 </file>
 
 <file path=ppt/slideLayouts/slideLayout7.xml><?xml version="1.0" encoding="utf-8"?>
-<p:sldLayout xmlns:a="http://schemas.openxmlformats.org/drawingml/2006/main" xmlns:r="http://schemas.openxmlformats.org/officeDocument/2006/relationships" xmlns:p="http://schemas.openxmlformats.org/presentationml/2006/main" type="blank" preserve="1">
+<p:sldLayout xmlns:a="http://schemas.openxmlformats.org/drawingml/2006/main" xmlns:r="http://schemas.openxmlformats.org/officeDocument/2006/relationships" xmlns:p="http://schemas.openxmlformats.org/presentationml/2006/main" showMasterSp="0" type="blank" preserve="1">
   <p:cSld name="空白">
     <p:spTree>
       <p:nvGrpSpPr>
@@ -8459,7 +8483,7 @@
             <a:fld id="{2074CD15-5E46-464B-8D08-BFA93B2436DD}" type="datetimeFigureOut">
               <a:rPr lang="zh-CN" altLang="en-US" smtClean="0"/>
               <a:pPr/>
-              <a:t>2017/9/15</a:t>
+              <a:t>2017/9/16</a:t>
             </a:fld>
             <a:endParaRPr lang="zh-CN" altLang="en-US"/>
           </a:p>
@@ -8532,7 +8556,7 @@
 </file>
 
 <file path=ppt/slideLayouts/slideLayout8.xml><?xml version="1.0" encoding="utf-8"?>
-<p:sldLayout xmlns:a="http://schemas.openxmlformats.org/drawingml/2006/main" xmlns:r="http://schemas.openxmlformats.org/officeDocument/2006/relationships" xmlns:p="http://schemas.openxmlformats.org/presentationml/2006/main" type="objTx" preserve="1">
+<p:sldLayout xmlns:a="http://schemas.openxmlformats.org/drawingml/2006/main" xmlns:r="http://schemas.openxmlformats.org/officeDocument/2006/relationships" xmlns:p="http://schemas.openxmlformats.org/presentationml/2006/main" showMasterSp="0" type="objTx" preserve="1">
   <p:cSld name="内容与标题">
     <p:spTree>
       <p:nvGrpSpPr>
@@ -8750,7 +8774,7 @@
             <a:fld id="{5F886CCF-1E31-7A43-A4B1-334391A24759}" type="datetimeFigureOut">
               <a:rPr lang="zh-CN" altLang="en-US" smtClean="0"/>
               <a:pPr/>
-              <a:t>2017/9/15</a:t>
+              <a:t>2017/9/16</a:t>
             </a:fld>
             <a:endParaRPr lang="zh-CN" altLang="en-US"/>
           </a:p>
@@ -8823,7 +8847,7 @@
 </file>
 
 <file path=ppt/slideLayouts/slideLayout9.xml><?xml version="1.0" encoding="utf-8"?>
-<p:sldLayout xmlns:a="http://schemas.openxmlformats.org/drawingml/2006/main" xmlns:r="http://schemas.openxmlformats.org/officeDocument/2006/relationships" xmlns:p="http://schemas.openxmlformats.org/presentationml/2006/main" type="picTx" preserve="1">
+<p:sldLayout xmlns:a="http://schemas.openxmlformats.org/drawingml/2006/main" xmlns:r="http://schemas.openxmlformats.org/officeDocument/2006/relationships" xmlns:p="http://schemas.openxmlformats.org/presentationml/2006/main" showMasterSp="0" type="picTx" preserve="1">
   <p:cSld name="图片与标题">
     <p:spTree>
       <p:nvGrpSpPr>
@@ -9074,7 +9098,7 @@
             <a:fld id="{4FCD1256-3E51-E542-9EAF-8455297457F0}" type="datetimeFigureOut">
               <a:rPr lang="zh-CN" altLang="en-US" smtClean="0"/>
               <a:pPr/>
-              <a:t>2017/9/15</a:t>
+              <a:t>2017/9/16</a:t>
             </a:fld>
             <a:endParaRPr lang="zh-CN" altLang="en-US"/>
           </a:p>
@@ -9150,9 +9174,12 @@
 <p:sldMaster xmlns:a="http://schemas.openxmlformats.org/drawingml/2006/main" xmlns:r="http://schemas.openxmlformats.org/officeDocument/2006/relationships" xmlns:p="http://schemas.openxmlformats.org/presentationml/2006/main">
   <p:cSld>
     <p:bg>
-      <p:bgRef idx="1002">
-        <a:schemeClr val="bg1"/>
-      </p:bgRef>
+      <p:bgPr>
+        <a:solidFill>
+          <a:schemeClr val="bg1"/>
+        </a:solidFill>
+        <a:effectLst/>
+      </p:bgPr>
     </p:bg>
     <p:spTree>
       <p:nvGrpSpPr>
@@ -9339,7 +9366,7 @@
             <a:fld id="{8008DD98-D290-1944-9E3C-A008DC37D5BB}" type="datetimeFigureOut">
               <a:rPr lang="zh-CN" altLang="en-US" smtClean="0"/>
               <a:pPr/>
-              <a:t>2017/9/15</a:t>
+              <a:t>2017/9/16</a:t>
             </a:fld>
             <a:endParaRPr lang="zh-CN" altLang="en-US"/>
           </a:p>
@@ -9778,7 +9805,7 @@
 </file>
 
 <file path=ppt/slides/slide1.xml><?xml version="1.0" encoding="utf-8"?>
-<p:sld xmlns:a="http://schemas.openxmlformats.org/drawingml/2006/main" xmlns:r="http://schemas.openxmlformats.org/officeDocument/2006/relationships" xmlns:p="http://schemas.openxmlformats.org/presentationml/2006/main">
+<p:sld xmlns:a="http://schemas.openxmlformats.org/drawingml/2006/main" xmlns:r="http://schemas.openxmlformats.org/officeDocument/2006/relationships" xmlns:p="http://schemas.openxmlformats.org/presentationml/2006/main" showMasterSp="0">
   <p:cSld>
     <p:spTree>
       <p:nvGrpSpPr>
@@ -9802,7 +9829,11 @@
           </p:cNvGraphicFramePr>
           <p:nvPr>
             <p:ph sz="quarter" idx="13"/>
-            <p:extLst/>
+            <p:extLst>
+              <p:ext uri="{D42A27DB-BD31-4B8C-83A1-F6EECF244321}">
+                <p14:modId xmlns:p14="http://schemas.microsoft.com/office/powerpoint/2010/main" val="520965500"/>
+              </p:ext>
+            </p:extLst>
           </p:nvPr>
         </p:nvGraphicFramePr>
         <p:xfrm>
@@ -9829,6 +9860,9 @@
           <a:prstGeom prst="roundRect">
             <a:avLst/>
           </a:prstGeom>
+          <a:solidFill>
+            <a:schemeClr val="accent6"/>
+          </a:solidFill>
         </p:spPr>
         <p:style>
           <a:lnRef idx="0">
@@ -9867,6 +9901,9 @@
           <a:prstGeom prst="roundRect">
             <a:avLst/>
           </a:prstGeom>
+          <a:solidFill>
+            <a:schemeClr val="accent6"/>
+          </a:solidFill>
         </p:spPr>
         <p:style>
           <a:lnRef idx="0">
@@ -9905,6 +9942,12 @@
           <a:prstGeom prst="roundRect">
             <a:avLst/>
           </a:prstGeom>
+          <a:solidFill>
+            <a:schemeClr val="accent6">
+              <a:lumMod val="60000"/>
+              <a:lumOff val="40000"/>
+            </a:schemeClr>
+          </a:solidFill>
         </p:spPr>
         <p:style>
           <a:lnRef idx="0">
@@ -9937,12 +9980,18 @@
         </p:nvSpPr>
         <p:spPr>
           <a:xfrm>
-            <a:off x="811987" y="82532"/>
+            <a:off x="767386" y="141378"/>
             <a:ext cx="655200" cy="655200"/>
           </a:xfrm>
           <a:prstGeom prst="ellipse">
             <a:avLst/>
           </a:prstGeom>
+          <a:solidFill>
+            <a:schemeClr val="accent6">
+              <a:lumMod val="40000"/>
+              <a:lumOff val="60000"/>
+            </a:schemeClr>
+          </a:solidFill>
         </p:spPr>
         <p:style>
           <a:lnRef idx="1">
@@ -9981,12 +10030,18 @@
         </p:nvSpPr>
         <p:spPr>
           <a:xfrm>
-            <a:off x="811987" y="882901"/>
+            <a:off x="783162" y="909582"/>
             <a:ext cx="655200" cy="655200"/>
           </a:xfrm>
           <a:prstGeom prst="ellipse">
             <a:avLst/>
           </a:prstGeom>
+          <a:solidFill>
+            <a:schemeClr val="accent6">
+              <a:lumMod val="40000"/>
+              <a:lumOff val="60000"/>
+            </a:schemeClr>
+          </a:solidFill>
         </p:spPr>
         <p:style>
           <a:lnRef idx="1">
@@ -10025,12 +10080,17 @@
         </p:nvSpPr>
         <p:spPr>
           <a:xfrm>
-            <a:off x="811987" y="4340959"/>
+            <a:off x="796305" y="4366311"/>
             <a:ext cx="655200" cy="655200"/>
           </a:xfrm>
           <a:prstGeom prst="ellipse">
             <a:avLst/>
           </a:prstGeom>
+          <a:solidFill>
+            <a:schemeClr val="accent6">
+              <a:lumMod val="75000"/>
+            </a:schemeClr>
+          </a:solidFill>
         </p:spPr>
         <p:style>
           <a:lnRef idx="1">
@@ -10400,7 +10460,7 @@
         </p:nvSpPr>
         <p:spPr>
           <a:xfrm>
-            <a:off x="1536192" y="1024976"/>
+            <a:off x="1536192" y="1025252"/>
             <a:ext cx="6631441" cy="461665"/>
           </a:xfrm>
           <a:prstGeom prst="rect">
@@ -10541,7 +10601,12 @@
           <a:prstGeom prst="rect">
             <a:avLst/>
           </a:prstGeom>
-          <a:noFill/>
+          <a:solidFill>
+            <a:schemeClr val="accent5">
+              <a:lumMod val="40000"/>
+              <a:lumOff val="60000"/>
+            </a:schemeClr>
+          </a:solidFill>
         </p:spPr>
         <p:txBody>
           <a:bodyPr wrap="none" rtlCol="0">
@@ -10577,7 +10642,12 @@
           <a:prstGeom prst="rect">
             <a:avLst/>
           </a:prstGeom>
-          <a:noFill/>
+          <a:solidFill>
+            <a:schemeClr val="accent5">
+              <a:lumMod val="40000"/>
+              <a:lumOff val="60000"/>
+            </a:schemeClr>
+          </a:solidFill>
         </p:spPr>
         <p:txBody>
           <a:bodyPr wrap="none" rtlCol="0">
@@ -10609,7 +10679,12 @@
           <a:prstGeom prst="rect">
             <a:avLst/>
           </a:prstGeom>
-          <a:noFill/>
+          <a:solidFill>
+            <a:schemeClr val="accent5">
+              <a:lumMod val="40000"/>
+              <a:lumOff val="60000"/>
+            </a:schemeClr>
+          </a:solidFill>
         </p:spPr>
         <p:txBody>
           <a:bodyPr wrap="none" rtlCol="0">
@@ -10641,7 +10716,12 @@
           <a:prstGeom prst="rect">
             <a:avLst/>
           </a:prstGeom>
-          <a:noFill/>
+          <a:solidFill>
+            <a:schemeClr val="accent5">
+              <a:lumMod val="40000"/>
+              <a:lumOff val="60000"/>
+            </a:schemeClr>
+          </a:solidFill>
         </p:spPr>
         <p:txBody>
           <a:bodyPr wrap="none" rtlCol="0">
@@ -11076,7 +11156,7 @@
         </p:nvSpPr>
         <p:spPr>
           <a:xfrm>
-            <a:off x="6597820" y="2342322"/>
+            <a:off x="6618283" y="2349585"/>
             <a:ext cx="1814660" cy="1526765"/>
           </a:xfrm>
           <a:prstGeom prst="rect">
@@ -11754,11 +11834,6 @@
               </a:rPr>
               <a:t>学员手册  </a:t>
             </a:r>
-            <a:endParaRPr lang="zh-CN" altLang="en-US" sz="700" b="1" dirty="0" smtClean="0">
-              <a:latin typeface="微軟正黑體" panose="020B0604030504040204" pitchFamily="34" charset="-120"/>
-              <a:ea typeface="微軟正黑體" panose="020B0604030504040204" pitchFamily="34" charset="-120"/>
-              <a:cs typeface="Lantinghei SC Extralight" charset="-122"/>
-            </a:endParaRPr>
           </a:p>
           <a:p>
             <a:pPr marL="88900" indent="-88900">
@@ -12190,15 +12265,7 @@
                 <a:ea typeface="微軟正黑體" panose="020B0604030504040204" pitchFamily="34" charset="-120"/>
                 <a:cs typeface="Lantinghei SC Extralight" charset="-122"/>
               </a:rPr>
-              <a:t>学会</a:t>
-            </a:r>
-            <a:r>
-              <a:rPr lang="zh-CN" altLang="en-US" sz="700" b="1" dirty="0" smtClean="0">
-                <a:latin typeface="微軟正黑體" panose="020B0604030504040204" pitchFamily="34" charset="-120"/>
-                <a:ea typeface="微軟正黑體" panose="020B0604030504040204" pitchFamily="34" charset="-120"/>
-                <a:cs typeface="Lantinghei SC Extralight" charset="-122"/>
-              </a:rPr>
-              <a:t>协同工作</a:t>
+              <a:t>学会协同工作</a:t>
             </a:r>
           </a:p>
           <a:p>
@@ -12312,11 +12379,6 @@
               </a:rPr>
               <a:t>培训成果展示</a:t>
             </a:r>
-            <a:endParaRPr lang="zh-CN" altLang="en-US" sz="700" b="1" dirty="0">
-              <a:latin typeface="微軟正黑體" panose="020B0604030504040204" pitchFamily="34" charset="-120"/>
-              <a:ea typeface="微軟正黑體" panose="020B0604030504040204" pitchFamily="34" charset="-120"/>
-              <a:cs typeface="Lantinghei SC Extralight" charset="-122"/>
-            </a:endParaRPr>
           </a:p>
           <a:p>
             <a:pPr marL="363538" lvl="1" indent="-187325">
